--- a/R/スライド/第27回.pptx
+++ b/R/スライド/第27回.pptx
@@ -4,14 +4,22 @@
   <p:sldMasterIdLst>
     <p:sldMasterId id="2147483648" r:id="rId1"/>
   </p:sldMasterIdLst>
+  <p:notesMasterIdLst>
+    <p:notesMasterId r:id="rId14"/>
+  </p:notesMasterIdLst>
   <p:sldIdLst>
-    <p:sldId id="256" r:id="rId2"/>
-    <p:sldId id="257" r:id="rId3"/>
-    <p:sldId id="258" r:id="rId4"/>
-    <p:sldId id="259" r:id="rId5"/>
-    <p:sldId id="261" r:id="rId6"/>
-    <p:sldId id="260" r:id="rId7"/>
-    <p:sldId id="262" r:id="rId8"/>
+    <p:sldId id="257" r:id="rId2"/>
+    <p:sldId id="272" r:id="rId3"/>
+    <p:sldId id="274" r:id="rId4"/>
+    <p:sldId id="282" r:id="rId5"/>
+    <p:sldId id="280" r:id="rId6"/>
+    <p:sldId id="284" r:id="rId7"/>
+    <p:sldId id="285" r:id="rId8"/>
+    <p:sldId id="287" r:id="rId9"/>
+    <p:sldId id="288" r:id="rId10"/>
+    <p:sldId id="289" r:id="rId11"/>
+    <p:sldId id="281" r:id="rId12"/>
+    <p:sldId id="286" r:id="rId13"/>
   </p:sldIdLst>
   <p:sldSz cx="12192000" cy="6858000"/>
   <p:notesSz cx="6858000" cy="9144000"/>
@@ -118,243 +126,1377 @@
 </p:presentation>
 </file>
 
+<file path=ppt/revisionInfo.xml><?xml version="1.0" encoding="utf-8"?>
+<p1510:revInfo xmlns:a="http://schemas.openxmlformats.org/drawingml/2006/main" xmlns:r="http://schemas.openxmlformats.org/officeDocument/2006/relationships" xmlns:p1510="http://schemas.microsoft.com/office/powerpoint/2015/10/main">
+  <p1510:revLst>
+    <p1510:client id="{21E98C23-A232-0046-80A9-DB8AD6915A56}" v="1" dt="2021-11-17T03:03:33.656"/>
+  </p1510:revLst>
+</p1510:revInfo>
+</file>
+
 <file path=ppt/changesInfos/changesInfo1.xml><?xml version="1.0" encoding="utf-8"?>
 <pc:chgInfo xmlns:a="http://schemas.openxmlformats.org/drawingml/2006/main" xmlns:r="http://schemas.openxmlformats.org/officeDocument/2006/relationships" xmlns:ac="http://schemas.microsoft.com/office/drawing/2013/main/command" xmlns:pc="http://schemas.microsoft.com/office/powerpoint/2013/main/command">
   <pc:docChgLst>
-    <pc:chgData name="Fukui Shin" userId="6902ee70c48ce296" providerId="LiveId" clId="{3563161F-D15E-4A4A-B8D2-4F599856B73C}"/>
-    <pc:docChg chg="undo redo custSel addSld delSld modSld">
-      <pc:chgData name="Fukui Shin" userId="6902ee70c48ce296" providerId="LiveId" clId="{3563161F-D15E-4A4A-B8D2-4F599856B73C}" dt="2021-11-22T06:10:02.338" v="4355" actId="20577"/>
+    <pc:chgData name="Fukui Shin" userId="6902ee70c48ce296" providerId="LiveId" clId="{45B1E7A5-405E-B949-93C9-105066568C4B}"/>
+    <pc:docChg chg="undo custSel addSld delSld modSld">
+      <pc:chgData name="Fukui Shin" userId="6902ee70c48ce296" providerId="LiveId" clId="{45B1E7A5-405E-B949-93C9-105066568C4B}" dt="2021-07-07T06:10:42.438" v="2646" actId="20577"/>
       <pc:docMkLst>
         <pc:docMk/>
       </pc:docMkLst>
       <pc:sldChg chg="modSp mod">
-        <pc:chgData name="Fukui Shin" userId="6902ee70c48ce296" providerId="LiveId" clId="{3563161F-D15E-4A4A-B8D2-4F599856B73C}" dt="2021-11-17T14:54:59.137" v="4018" actId="20577"/>
+        <pc:chgData name="Fukui Shin" userId="6902ee70c48ce296" providerId="LiveId" clId="{45B1E7A5-405E-B949-93C9-105066568C4B}" dt="2021-07-01T10:19:19.918" v="163" actId="20577"/>
         <pc:sldMkLst>
           <pc:docMk/>
-          <pc:sldMk cId="571653398" sldId="257"/>
+          <pc:sldMk cId="2432279440" sldId="257"/>
         </pc:sldMkLst>
         <pc:spChg chg="mod">
-          <ac:chgData name="Fukui Shin" userId="6902ee70c48ce296" providerId="LiveId" clId="{3563161F-D15E-4A4A-B8D2-4F599856B73C}" dt="2021-11-15T04:46:05.370" v="26" actId="20577"/>
+          <ac:chgData name="Fukui Shin" userId="6902ee70c48ce296" providerId="LiveId" clId="{45B1E7A5-405E-B949-93C9-105066568C4B}" dt="2021-07-01T10:19:19.918" v="163" actId="20577"/>
           <ac:spMkLst>
             <pc:docMk/>
-            <pc:sldMk cId="571653398" sldId="257"/>
-            <ac:spMk id="2" creationId="{7EEF70A2-80E1-5D42-B09A-7B3C2212747A}"/>
+            <pc:sldMk cId="2432279440" sldId="257"/>
+            <ac:spMk id="3" creationId="{05D7D93A-BA42-5D47-893C-FE41C03A53E0}"/>
+          </ac:spMkLst>
+        </pc:spChg>
+      </pc:sldChg>
+      <pc:sldChg chg="del">
+        <pc:chgData name="Fukui Shin" userId="6902ee70c48ce296" providerId="LiveId" clId="{45B1E7A5-405E-B949-93C9-105066568C4B}" dt="2021-06-21T15:45:54.544" v="80" actId="2696"/>
+        <pc:sldMkLst>
+          <pc:docMk/>
+          <pc:sldMk cId="1198899771" sldId="266"/>
+        </pc:sldMkLst>
+      </pc:sldChg>
+      <pc:sldChg chg="modSp mod">
+        <pc:chgData name="Fukui Shin" userId="6902ee70c48ce296" providerId="LiveId" clId="{45B1E7A5-405E-B949-93C9-105066568C4B}" dt="2021-07-03T08:26:30.538" v="848" actId="20577"/>
+        <pc:sldMkLst>
+          <pc:docMk/>
+          <pc:sldMk cId="1501767664" sldId="272"/>
+        </pc:sldMkLst>
+        <pc:spChg chg="mod">
+          <ac:chgData name="Fukui Shin" userId="6902ee70c48ce296" providerId="LiveId" clId="{45B1E7A5-405E-B949-93C9-105066568C4B}" dt="2021-07-03T07:59:04.927" v="165" actId="20577"/>
+          <ac:spMkLst>
+            <pc:docMk/>
+            <pc:sldMk cId="1501767664" sldId="272"/>
+            <ac:spMk id="2" creationId="{68BB739B-FF50-7947-89AB-1B70AF4DD3EA}"/>
           </ac:spMkLst>
         </pc:spChg>
         <pc:spChg chg="mod">
-          <ac:chgData name="Fukui Shin" userId="6902ee70c48ce296" providerId="LiveId" clId="{3563161F-D15E-4A4A-B8D2-4F599856B73C}" dt="2021-11-17T14:54:59.137" v="4018" actId="20577"/>
+          <ac:chgData name="Fukui Shin" userId="6902ee70c48ce296" providerId="LiveId" clId="{45B1E7A5-405E-B949-93C9-105066568C4B}" dt="2021-07-03T08:26:30.538" v="848" actId="20577"/>
           <ac:spMkLst>
             <pc:docMk/>
-            <pc:sldMk cId="571653398" sldId="257"/>
-            <ac:spMk id="3" creationId="{A186CAFC-0030-2E49-8268-A98CF64FBA05}"/>
+            <pc:sldMk cId="1501767664" sldId="272"/>
+            <ac:spMk id="3" creationId="{B7EB713B-B0D0-A347-9D4F-48B4383A8075}"/>
+          </ac:spMkLst>
+        </pc:spChg>
+      </pc:sldChg>
+      <pc:sldChg chg="modSp mod">
+        <pc:chgData name="Fukui Shin" userId="6902ee70c48ce296" providerId="LiveId" clId="{45B1E7A5-405E-B949-93C9-105066568C4B}" dt="2021-07-03T10:21:03.507" v="1525" actId="20577"/>
+        <pc:sldMkLst>
+          <pc:docMk/>
+          <pc:sldMk cId="1722450886" sldId="274"/>
+        </pc:sldMkLst>
+        <pc:spChg chg="mod">
+          <ac:chgData name="Fukui Shin" userId="6902ee70c48ce296" providerId="LiveId" clId="{45B1E7A5-405E-B949-93C9-105066568C4B}" dt="2021-07-03T08:39:13.034" v="902" actId="20577"/>
+          <ac:spMkLst>
+            <pc:docMk/>
+            <pc:sldMk cId="1722450886" sldId="274"/>
+            <ac:spMk id="2" creationId="{68BB739B-FF50-7947-89AB-1B70AF4DD3EA}"/>
+          </ac:spMkLst>
+        </pc:spChg>
+        <pc:spChg chg="mod">
+          <ac:chgData name="Fukui Shin" userId="6902ee70c48ce296" providerId="LiveId" clId="{45B1E7A5-405E-B949-93C9-105066568C4B}" dt="2021-07-03T10:21:03.507" v="1525" actId="20577"/>
+          <ac:spMkLst>
+            <pc:docMk/>
+            <pc:sldMk cId="1722450886" sldId="274"/>
+            <ac:spMk id="3" creationId="{B7EB713B-B0D0-A347-9D4F-48B4383A8075}"/>
+          </ac:spMkLst>
+        </pc:spChg>
+      </pc:sldChg>
+      <pc:sldChg chg="del">
+        <pc:chgData name="Fukui Shin" userId="6902ee70c48ce296" providerId="LiveId" clId="{45B1E7A5-405E-B949-93C9-105066568C4B}" dt="2021-07-03T08:27:27.529" v="853" actId="2696"/>
+        <pc:sldMkLst>
+          <pc:docMk/>
+          <pc:sldMk cId="3322847216" sldId="276"/>
+        </pc:sldMkLst>
+      </pc:sldChg>
+      <pc:sldChg chg="del">
+        <pc:chgData name="Fukui Shin" userId="6902ee70c48ce296" providerId="LiveId" clId="{45B1E7A5-405E-B949-93C9-105066568C4B}" dt="2021-06-21T15:46:05.443" v="81" actId="2696"/>
+        <pc:sldMkLst>
+          <pc:docMk/>
+          <pc:sldMk cId="3458342540" sldId="278"/>
+        </pc:sldMkLst>
+      </pc:sldChg>
+      <pc:sldChg chg="del">
+        <pc:chgData name="Fukui Shin" userId="6902ee70c48ce296" providerId="LiveId" clId="{45B1E7A5-405E-B949-93C9-105066568C4B}" dt="2021-06-21T15:45:54.544" v="80" actId="2696"/>
+        <pc:sldMkLst>
+          <pc:docMk/>
+          <pc:sldMk cId="323365537" sldId="279"/>
+        </pc:sldMkLst>
+      </pc:sldChg>
+      <pc:sldChg chg="modSp mod">
+        <pc:chgData name="Fukui Shin" userId="6902ee70c48ce296" providerId="LiveId" clId="{45B1E7A5-405E-B949-93C9-105066568C4B}" dt="2021-07-03T10:20:55.075" v="1521" actId="20577"/>
+        <pc:sldMkLst>
+          <pc:docMk/>
+          <pc:sldMk cId="623929723" sldId="280"/>
+        </pc:sldMkLst>
+        <pc:spChg chg="mod">
+          <ac:chgData name="Fukui Shin" userId="6902ee70c48ce296" providerId="LiveId" clId="{45B1E7A5-405E-B949-93C9-105066568C4B}" dt="2021-07-03T08:39:18.908" v="903"/>
+          <ac:spMkLst>
+            <pc:docMk/>
+            <pc:sldMk cId="623929723" sldId="280"/>
+            <ac:spMk id="2" creationId="{68BB739B-FF50-7947-89AB-1B70AF4DD3EA}"/>
+          </ac:spMkLst>
+        </pc:spChg>
+        <pc:spChg chg="mod">
+          <ac:chgData name="Fukui Shin" userId="6902ee70c48ce296" providerId="LiveId" clId="{45B1E7A5-405E-B949-93C9-105066568C4B}" dt="2021-07-03T10:20:55.075" v="1521" actId="20577"/>
+          <ac:spMkLst>
+            <pc:docMk/>
+            <pc:sldMk cId="623929723" sldId="280"/>
+            <ac:spMk id="3" creationId="{B7EB713B-B0D0-A347-9D4F-48B4383A8075}"/>
+          </ac:spMkLst>
+        </pc:spChg>
+      </pc:sldChg>
+      <pc:sldChg chg="modSp mod">
+        <pc:chgData name="Fukui Shin" userId="6902ee70c48ce296" providerId="LiveId" clId="{45B1E7A5-405E-B949-93C9-105066568C4B}" dt="2021-07-03T08:39:23.085" v="904"/>
+        <pc:sldMkLst>
+          <pc:docMk/>
+          <pc:sldMk cId="3759911444" sldId="281"/>
+        </pc:sldMkLst>
+        <pc:spChg chg="mod">
+          <ac:chgData name="Fukui Shin" userId="6902ee70c48ce296" providerId="LiveId" clId="{45B1E7A5-405E-B949-93C9-105066568C4B}" dt="2021-07-03T08:39:23.085" v="904"/>
+          <ac:spMkLst>
+            <pc:docMk/>
+            <pc:sldMk cId="3759911444" sldId="281"/>
+            <ac:spMk id="2" creationId="{68BB739B-FF50-7947-89AB-1B70AF4DD3EA}"/>
+          </ac:spMkLst>
+        </pc:spChg>
+        <pc:spChg chg="mod">
+          <ac:chgData name="Fukui Shin" userId="6902ee70c48ce296" providerId="LiveId" clId="{45B1E7A5-405E-B949-93C9-105066568C4B}" dt="2021-07-03T08:38:54.322" v="894" actId="20577"/>
+          <ac:spMkLst>
+            <pc:docMk/>
+            <pc:sldMk cId="3759911444" sldId="281"/>
+            <ac:spMk id="3" creationId="{B7EB713B-B0D0-A347-9D4F-48B4383A8075}"/>
           </ac:spMkLst>
         </pc:spChg>
       </pc:sldChg>
       <pc:sldChg chg="modSp new mod">
-        <pc:chgData name="Fukui Shin" userId="6902ee70c48ce296" providerId="LiveId" clId="{3563161F-D15E-4A4A-B8D2-4F599856B73C}" dt="2021-11-17T14:57:59.362" v="4052" actId="20577"/>
+        <pc:chgData name="Fukui Shin" userId="6902ee70c48ce296" providerId="LiveId" clId="{45B1E7A5-405E-B949-93C9-105066568C4B}" dt="2021-07-03T09:57:45.826" v="1473" actId="20577"/>
         <pc:sldMkLst>
           <pc:docMk/>
-          <pc:sldMk cId="1216965000" sldId="258"/>
+          <pc:sldMk cId="3428185782" sldId="282"/>
         </pc:sldMkLst>
         <pc:spChg chg="mod">
-          <ac:chgData name="Fukui Shin" userId="6902ee70c48ce296" providerId="LiveId" clId="{3563161F-D15E-4A4A-B8D2-4F599856B73C}" dt="2021-11-17T08:47:26.749" v="1585" actId="20577"/>
+          <ac:chgData name="Fukui Shin" userId="6902ee70c48ce296" providerId="LiveId" clId="{45B1E7A5-405E-B949-93C9-105066568C4B}" dt="2021-07-03T08:50:07.237" v="955" actId="20577"/>
           <ac:spMkLst>
             <pc:docMk/>
-            <pc:sldMk cId="1216965000" sldId="258"/>
-            <ac:spMk id="2" creationId="{7D1CB8DE-7E37-8843-9926-BCCB00963A6E}"/>
+            <pc:sldMk cId="3428185782" sldId="282"/>
+            <ac:spMk id="2" creationId="{593893BE-BD11-5648-B363-0A47FB81D8B9}"/>
           </ac:spMkLst>
         </pc:spChg>
         <pc:spChg chg="mod">
-          <ac:chgData name="Fukui Shin" userId="6902ee70c48ce296" providerId="LiveId" clId="{3563161F-D15E-4A4A-B8D2-4F599856B73C}" dt="2021-11-17T14:57:59.362" v="4052" actId="20577"/>
+          <ac:chgData name="Fukui Shin" userId="6902ee70c48ce296" providerId="LiveId" clId="{45B1E7A5-405E-B949-93C9-105066568C4B}" dt="2021-07-03T09:57:45.826" v="1473" actId="20577"/>
           <ac:spMkLst>
             <pc:docMk/>
-            <pc:sldMk cId="1216965000" sldId="258"/>
-            <ac:spMk id="3" creationId="{C92B07B6-339F-834A-BA51-25593D8DC76C}"/>
+            <pc:sldMk cId="3428185782" sldId="282"/>
+            <ac:spMk id="3" creationId="{49E414B3-99D4-2B4A-B335-2BAEFB18D4DF}"/>
           </ac:spMkLst>
         </pc:spChg>
       </pc:sldChg>
       <pc:sldChg chg="modSp new mod">
-        <pc:chgData name="Fukui Shin" userId="6902ee70c48ce296" providerId="LiveId" clId="{3563161F-D15E-4A4A-B8D2-4F599856B73C}" dt="2021-11-17T14:59:15.600" v="4074" actId="58"/>
+        <pc:chgData name="Fukui Shin" userId="6902ee70c48ce296" providerId="LiveId" clId="{45B1E7A5-405E-B949-93C9-105066568C4B}" dt="2021-07-07T06:10:42.438" v="2646" actId="20577"/>
         <pc:sldMkLst>
           <pc:docMk/>
-          <pc:sldMk cId="672173733" sldId="259"/>
+          <pc:sldMk cId="3377275839" sldId="283"/>
         </pc:sldMkLst>
         <pc:spChg chg="mod">
-          <ac:chgData name="Fukui Shin" userId="6902ee70c48ce296" providerId="LiveId" clId="{3563161F-D15E-4A4A-B8D2-4F599856B73C}" dt="2021-11-15T07:37:34.477" v="976" actId="20577"/>
+          <ac:chgData name="Fukui Shin" userId="6902ee70c48ce296" providerId="LiveId" clId="{45B1E7A5-405E-B949-93C9-105066568C4B}" dt="2021-07-03T10:03:43.320" v="1511" actId="20577"/>
           <ac:spMkLst>
             <pc:docMk/>
-            <pc:sldMk cId="672173733" sldId="259"/>
-            <ac:spMk id="2" creationId="{8735B3ED-534B-9148-BE43-146E345053C2}"/>
+            <pc:sldMk cId="3377275839" sldId="283"/>
+            <ac:spMk id="2" creationId="{5B9CD8F7-9DBA-914A-85C6-EB8A0A9532EA}"/>
           </ac:spMkLst>
         </pc:spChg>
         <pc:spChg chg="mod">
-          <ac:chgData name="Fukui Shin" userId="6902ee70c48ce296" providerId="LiveId" clId="{3563161F-D15E-4A4A-B8D2-4F599856B73C}" dt="2021-11-17T14:59:15.600" v="4074" actId="58"/>
+          <ac:chgData name="Fukui Shin" userId="6902ee70c48ce296" providerId="LiveId" clId="{45B1E7A5-405E-B949-93C9-105066568C4B}" dt="2021-07-07T06:10:42.438" v="2646" actId="20577"/>
           <ac:spMkLst>
             <pc:docMk/>
-            <pc:sldMk cId="672173733" sldId="259"/>
-            <ac:spMk id="3" creationId="{53329B6A-02E6-674F-BCF0-66057978508F}"/>
-          </ac:spMkLst>
-        </pc:spChg>
-      </pc:sldChg>
-      <pc:sldChg chg="modSp new mod">
-        <pc:chgData name="Fukui Shin" userId="6902ee70c48ce296" providerId="LiveId" clId="{3563161F-D15E-4A4A-B8D2-4F599856B73C}" dt="2021-11-22T06:10:02.338" v="4355" actId="20577"/>
-        <pc:sldMkLst>
-          <pc:docMk/>
-          <pc:sldMk cId="4234602352" sldId="260"/>
-        </pc:sldMkLst>
-        <pc:spChg chg="mod">
-          <ac:chgData name="Fukui Shin" userId="6902ee70c48ce296" providerId="LiveId" clId="{3563161F-D15E-4A4A-B8D2-4F599856B73C}" dt="2021-11-17T09:57:43.533" v="3542" actId="20577"/>
-          <ac:spMkLst>
-            <pc:docMk/>
-            <pc:sldMk cId="4234602352" sldId="260"/>
-            <ac:spMk id="2" creationId="{C09836D2-1796-FB42-A1C5-8E63CADB49EB}"/>
-          </ac:spMkLst>
-        </pc:spChg>
-        <pc:spChg chg="mod">
-          <ac:chgData name="Fukui Shin" userId="6902ee70c48ce296" providerId="LiveId" clId="{3563161F-D15E-4A4A-B8D2-4F599856B73C}" dt="2021-11-22T06:10:02.338" v="4355" actId="20577"/>
-          <ac:spMkLst>
-            <pc:docMk/>
-            <pc:sldMk cId="4234602352" sldId="260"/>
-            <ac:spMk id="3" creationId="{98987442-2918-D04B-BB5D-BD5790BC103F}"/>
-          </ac:spMkLst>
-        </pc:spChg>
-      </pc:sldChg>
-      <pc:sldChg chg="addSp delSp modSp new mod">
-        <pc:chgData name="Fukui Shin" userId="6902ee70c48ce296" providerId="LiveId" clId="{3563161F-D15E-4A4A-B8D2-4F599856B73C}" dt="2021-11-17T16:16:06.152" v="4319" actId="20577"/>
-        <pc:sldMkLst>
-          <pc:docMk/>
-          <pc:sldMk cId="3185156017" sldId="261"/>
-        </pc:sldMkLst>
-        <pc:spChg chg="mod">
-          <ac:chgData name="Fukui Shin" userId="6902ee70c48ce296" providerId="LiveId" clId="{3563161F-D15E-4A4A-B8D2-4F599856B73C}" dt="2021-11-17T09:14:38.779" v="2269"/>
-          <ac:spMkLst>
-            <pc:docMk/>
-            <pc:sldMk cId="3185156017" sldId="261"/>
-            <ac:spMk id="2" creationId="{3C700D43-7914-8B49-B1EE-F2FE8202DB90}"/>
-          </ac:spMkLst>
-        </pc:spChg>
-        <pc:spChg chg="del">
-          <ac:chgData name="Fukui Shin" userId="6902ee70c48ce296" providerId="LiveId" clId="{3563161F-D15E-4A4A-B8D2-4F599856B73C}" dt="2021-11-17T09:05:31.683" v="2088" actId="3680"/>
-          <ac:spMkLst>
-            <pc:docMk/>
-            <pc:sldMk cId="3185156017" sldId="261"/>
-            <ac:spMk id="3" creationId="{E1DD4FF8-1667-0D46-AEC6-0B5B3DB8876A}"/>
-          </ac:spMkLst>
-        </pc:spChg>
-        <pc:spChg chg="add del mod">
-          <ac:chgData name="Fukui Shin" userId="6902ee70c48ce296" providerId="LiveId" clId="{3563161F-D15E-4A4A-B8D2-4F599856B73C}" dt="2021-11-17T09:07:59.144" v="2230"/>
-          <ac:spMkLst>
-            <pc:docMk/>
-            <pc:sldMk cId="3185156017" sldId="261"/>
-            <ac:spMk id="5" creationId="{98D531CB-25E3-8C4C-84F7-5CF85AAAF111}"/>
-          </ac:spMkLst>
-        </pc:spChg>
-        <pc:spChg chg="add del mod">
-          <ac:chgData name="Fukui Shin" userId="6902ee70c48ce296" providerId="LiveId" clId="{3563161F-D15E-4A4A-B8D2-4F599856B73C}" dt="2021-11-17T09:22:15.546" v="2622"/>
-          <ac:spMkLst>
-            <pc:docMk/>
-            <pc:sldMk cId="3185156017" sldId="261"/>
-            <ac:spMk id="6" creationId="{62BC719E-E9FF-8943-BF71-336F71B4757E}"/>
-          </ac:spMkLst>
-        </pc:spChg>
-        <pc:spChg chg="add mod">
-          <ac:chgData name="Fukui Shin" userId="6902ee70c48ce296" providerId="LiveId" clId="{3563161F-D15E-4A4A-B8D2-4F599856B73C}" dt="2021-11-17T16:16:06.152" v="4319" actId="20577"/>
-          <ac:spMkLst>
-            <pc:docMk/>
-            <pc:sldMk cId="3185156017" sldId="261"/>
-            <ac:spMk id="7" creationId="{3B3CE665-52A0-C342-89A8-B18E5AC153D9}"/>
-          </ac:spMkLst>
-        </pc:spChg>
-        <pc:graphicFrameChg chg="add mod ord modGraphic">
-          <ac:chgData name="Fukui Shin" userId="6902ee70c48ce296" providerId="LiveId" clId="{3563161F-D15E-4A4A-B8D2-4F599856B73C}" dt="2021-11-17T14:54:28.369" v="4017" actId="255"/>
-          <ac:graphicFrameMkLst>
-            <pc:docMk/>
-            <pc:sldMk cId="3185156017" sldId="261"/>
-            <ac:graphicFrameMk id="4" creationId="{407B999C-F742-4C4B-8A08-6B24FE0BC9FB}"/>
-          </ac:graphicFrameMkLst>
-        </pc:graphicFrameChg>
-      </pc:sldChg>
-      <pc:sldChg chg="modSp new mod">
-        <pc:chgData name="Fukui Shin" userId="6902ee70c48ce296" providerId="LiveId" clId="{3563161F-D15E-4A4A-B8D2-4F599856B73C}" dt="2021-11-22T06:09:28.992" v="4340" actId="20577"/>
-        <pc:sldMkLst>
-          <pc:docMk/>
-          <pc:sldMk cId="2859020871" sldId="262"/>
-        </pc:sldMkLst>
-        <pc:spChg chg="mod">
-          <ac:chgData name="Fukui Shin" userId="6902ee70c48ce296" providerId="LiveId" clId="{3563161F-D15E-4A4A-B8D2-4F599856B73C}" dt="2021-11-17T09:59:35.240" v="3692" actId="20577"/>
-          <ac:spMkLst>
-            <pc:docMk/>
-            <pc:sldMk cId="2859020871" sldId="262"/>
-            <ac:spMk id="2" creationId="{14F383C1-F4F6-F143-BB59-4370B86BFFD5}"/>
-          </ac:spMkLst>
-        </pc:spChg>
-        <pc:spChg chg="mod">
-          <ac:chgData name="Fukui Shin" userId="6902ee70c48ce296" providerId="LiveId" clId="{3563161F-D15E-4A4A-B8D2-4F599856B73C}" dt="2021-11-22T06:09:28.992" v="4340" actId="20577"/>
-          <ac:spMkLst>
-            <pc:docMk/>
-            <pc:sldMk cId="2859020871" sldId="262"/>
-            <ac:spMk id="3" creationId="{3BC21B0A-101C-D044-A534-0DE9DD86BA80}"/>
-          </ac:spMkLst>
-        </pc:spChg>
-      </pc:sldChg>
-      <pc:sldChg chg="modSp new del mod">
-        <pc:chgData name="Fukui Shin" userId="6902ee70c48ce296" providerId="LiveId" clId="{3563161F-D15E-4A4A-B8D2-4F599856B73C}" dt="2021-11-17T15:13:35.038" v="4317" actId="2696"/>
-        <pc:sldMkLst>
-          <pc:docMk/>
-          <pc:sldMk cId="1660451074" sldId="263"/>
-        </pc:sldMkLst>
-        <pc:spChg chg="mod">
-          <ac:chgData name="Fukui Shin" userId="6902ee70c48ce296" providerId="LiveId" clId="{3563161F-D15E-4A4A-B8D2-4F599856B73C}" dt="2021-11-17T15:02:52.051" v="4316" actId="20577"/>
-          <ac:spMkLst>
-            <pc:docMk/>
-            <pc:sldMk cId="1660451074" sldId="263"/>
-            <ac:spMk id="2" creationId="{7E8786A5-99FE-694E-8FC0-336E57357EBA}"/>
+            <pc:sldMk cId="3377275839" sldId="283"/>
+            <ac:spMk id="3" creationId="{41DF497C-D459-C448-B5CA-EE91E35943B8}"/>
           </ac:spMkLst>
         </pc:spChg>
       </pc:sldChg>
     </pc:docChg>
   </pc:docChgLst>
   <pc:docChgLst>
-    <pc:chgData name="Fukui Shin" userId="6902ee70c48ce296" providerId="LiveId" clId="{C171A0A8-2E99-C24B-9E1C-D9FFA0DC05D0}"/>
+    <pc:chgData name="Fukui Shin" userId="6902ee70c48ce296" providerId="LiveId" clId="{2E44D2CA-FA2B-C94D-8AB6-439A5019DC12}"/>
     <pc:docChg chg="undo custSel modSld">
-      <pc:chgData name="Fukui Shin" userId="6902ee70c48ce296" providerId="LiveId" clId="{C171A0A8-2E99-C24B-9E1C-D9FFA0DC05D0}" dt="2021-11-18T02:26:17.784" v="297" actId="20577"/>
+      <pc:chgData name="Fukui Shin" userId="6902ee70c48ce296" providerId="LiveId" clId="{2E44D2CA-FA2B-C94D-8AB6-439A5019DC12}" dt="2021-05-19T09:37:27.188" v="54" actId="20577"/>
       <pc:docMkLst>
         <pc:docMk/>
       </pc:docMkLst>
       <pc:sldChg chg="modSp mod">
-        <pc:chgData name="Fukui Shin" userId="6902ee70c48ce296" providerId="LiveId" clId="{C171A0A8-2E99-C24B-9E1C-D9FFA0DC05D0}" dt="2021-11-18T02:26:17.784" v="297" actId="20577"/>
+        <pc:chgData name="Fukui Shin" userId="6902ee70c48ce296" providerId="LiveId" clId="{2E44D2CA-FA2B-C94D-8AB6-439A5019DC12}" dt="2021-05-19T09:36:53.912" v="5" actId="20577"/>
         <pc:sldMkLst>
           <pc:docMk/>
-          <pc:sldMk cId="3185156017" sldId="261"/>
+          <pc:sldMk cId="2432279440" sldId="257"/>
         </pc:sldMkLst>
         <pc:spChg chg="mod">
-          <ac:chgData name="Fukui Shin" userId="6902ee70c48ce296" providerId="LiveId" clId="{C171A0A8-2E99-C24B-9E1C-D9FFA0DC05D0}" dt="2021-11-18T02:26:17.784" v="297" actId="20577"/>
+          <ac:chgData name="Fukui Shin" userId="6902ee70c48ce296" providerId="LiveId" clId="{2E44D2CA-FA2B-C94D-8AB6-439A5019DC12}" dt="2021-05-19T09:36:53.912" v="5" actId="20577"/>
           <ac:spMkLst>
             <pc:docMk/>
-            <pc:sldMk cId="3185156017" sldId="261"/>
-            <ac:spMk id="2" creationId="{3C700D43-7914-8B49-B1EE-F2FE8202DB90}"/>
+            <pc:sldMk cId="2432279440" sldId="257"/>
+            <ac:spMk id="3" creationId="{05D7D93A-BA42-5D47-893C-FE41C03A53E0}"/>
+          </ac:spMkLst>
+        </pc:spChg>
+      </pc:sldChg>
+      <pc:sldChg chg="modSp mod">
+        <pc:chgData name="Fukui Shin" userId="6902ee70c48ce296" providerId="LiveId" clId="{2E44D2CA-FA2B-C94D-8AB6-439A5019DC12}" dt="2021-05-19T09:37:27.188" v="54" actId="20577"/>
+        <pc:sldMkLst>
+          <pc:docMk/>
+          <pc:sldMk cId="323365537" sldId="279"/>
+        </pc:sldMkLst>
+        <pc:spChg chg="mod">
+          <ac:chgData name="Fukui Shin" userId="6902ee70c48ce296" providerId="LiveId" clId="{2E44D2CA-FA2B-C94D-8AB6-439A5019DC12}" dt="2021-05-19T09:37:27.188" v="54" actId="20577"/>
+          <ac:spMkLst>
+            <pc:docMk/>
+            <pc:sldMk cId="323365537" sldId="279"/>
+            <ac:spMk id="2" creationId="{530FA0D9-038A-6744-9604-B7C6B3166D65}"/>
+          </ac:spMkLst>
+        </pc:spChg>
+      </pc:sldChg>
+    </pc:docChg>
+  </pc:docChgLst>
+  <pc:docChgLst>
+    <pc:chgData name="Fukui Shin" userId="6902ee70c48ce296" providerId="LiveId" clId="{C8F55A9F-7917-5240-8DE8-05BC06FCB498}"/>
+    <pc:docChg chg="undo custSel modSld">
+      <pc:chgData name="Fukui Shin" userId="6902ee70c48ce296" providerId="LiveId" clId="{C8F55A9F-7917-5240-8DE8-05BC06FCB498}" dt="2021-11-08T07:29:24.069" v="52" actId="20577"/>
+      <pc:docMkLst>
+        <pc:docMk/>
+      </pc:docMkLst>
+      <pc:sldChg chg="modSp mod">
+        <pc:chgData name="Fukui Shin" userId="6902ee70c48ce296" providerId="LiveId" clId="{C8F55A9F-7917-5240-8DE8-05BC06FCB498}" dt="2021-11-08T07:29:24.069" v="52" actId="20577"/>
+        <pc:sldMkLst>
+          <pc:docMk/>
+          <pc:sldMk cId="2447858462" sldId="288"/>
+        </pc:sldMkLst>
+        <pc:spChg chg="mod">
+          <ac:chgData name="Fukui Shin" userId="6902ee70c48ce296" providerId="LiveId" clId="{C8F55A9F-7917-5240-8DE8-05BC06FCB498}" dt="2021-11-08T07:29:24.069" v="52" actId="20577"/>
+          <ac:spMkLst>
+            <pc:docMk/>
+            <pc:sldMk cId="2447858462" sldId="288"/>
+            <ac:spMk id="3" creationId="{7044DDCB-175D-DC41-A5AC-98AE58CE5A61}"/>
+          </ac:spMkLst>
+        </pc:spChg>
+      </pc:sldChg>
+    </pc:docChg>
+  </pc:docChgLst>
+  <pc:docChgLst>
+    <pc:chgData name="Fukui Shin" userId="6902ee70c48ce296" providerId="LiveId" clId="{FD2ABE22-F822-F64D-BF8C-980B7AF40F0E}"/>
+    <pc:docChg chg="undo redo custSel addSld delSld modSld">
+      <pc:chgData name="Fukui Shin" userId="6902ee70c48ce296" providerId="LiveId" clId="{FD2ABE22-F822-F64D-BF8C-980B7AF40F0E}" dt="2021-08-04T10:47:27.352" v="3347" actId="20577"/>
+      <pc:docMkLst>
+        <pc:docMk/>
+      </pc:docMkLst>
+      <pc:sldChg chg="modSp mod">
+        <pc:chgData name="Fukui Shin" userId="6902ee70c48ce296" providerId="LiveId" clId="{FD2ABE22-F822-F64D-BF8C-980B7AF40F0E}" dt="2021-08-03T17:49:07.210" v="1" actId="20577"/>
+        <pc:sldMkLst>
+          <pc:docMk/>
+          <pc:sldMk cId="2432279440" sldId="257"/>
+        </pc:sldMkLst>
+        <pc:spChg chg="mod">
+          <ac:chgData name="Fukui Shin" userId="6902ee70c48ce296" providerId="LiveId" clId="{FD2ABE22-F822-F64D-BF8C-980B7AF40F0E}" dt="2021-08-03T17:49:07.210" v="1" actId="20577"/>
+          <ac:spMkLst>
+            <pc:docMk/>
+            <pc:sldMk cId="2432279440" sldId="257"/>
+            <ac:spMk id="2" creationId="{9B1D7A41-B18F-4D4C-9F52-84D5CFFFCB44}"/>
+          </ac:spMkLst>
+        </pc:spChg>
+      </pc:sldChg>
+      <pc:sldChg chg="modSp mod">
+        <pc:chgData name="Fukui Shin" userId="6902ee70c48ce296" providerId="LiveId" clId="{FD2ABE22-F822-F64D-BF8C-980B7AF40F0E}" dt="2021-08-04T08:47:13.253" v="1355" actId="20577"/>
+        <pc:sldMkLst>
+          <pc:docMk/>
+          <pc:sldMk cId="1722450886" sldId="274"/>
+        </pc:sldMkLst>
+        <pc:spChg chg="mod">
+          <ac:chgData name="Fukui Shin" userId="6902ee70c48ce296" providerId="LiveId" clId="{FD2ABE22-F822-F64D-BF8C-980B7AF40F0E}" dt="2021-08-04T08:47:13.253" v="1355" actId="20577"/>
+          <ac:spMkLst>
+            <pc:docMk/>
+            <pc:sldMk cId="1722450886" sldId="274"/>
+            <ac:spMk id="3" creationId="{B7EB713B-B0D0-A347-9D4F-48B4383A8075}"/>
+          </ac:spMkLst>
+        </pc:spChg>
+      </pc:sldChg>
+      <pc:sldChg chg="modSp mod">
+        <pc:chgData name="Fukui Shin" userId="6902ee70c48ce296" providerId="LiveId" clId="{FD2ABE22-F822-F64D-BF8C-980B7AF40F0E}" dt="2021-08-04T08:46:54.579" v="1352" actId="20577"/>
+        <pc:sldMkLst>
+          <pc:docMk/>
+          <pc:sldMk cId="623929723" sldId="280"/>
+        </pc:sldMkLst>
+        <pc:spChg chg="mod">
+          <ac:chgData name="Fukui Shin" userId="6902ee70c48ce296" providerId="LiveId" clId="{FD2ABE22-F822-F64D-BF8C-980B7AF40F0E}" dt="2021-08-04T08:46:54.579" v="1352" actId="20577"/>
+          <ac:spMkLst>
+            <pc:docMk/>
+            <pc:sldMk cId="623929723" sldId="280"/>
+            <ac:spMk id="3" creationId="{B7EB713B-B0D0-A347-9D4F-48B4383A8075}"/>
+          </ac:spMkLst>
+        </pc:spChg>
+      </pc:sldChg>
+      <pc:sldChg chg="modSp mod">
+        <pc:chgData name="Fukui Shin" userId="6902ee70c48ce296" providerId="LiveId" clId="{FD2ABE22-F822-F64D-BF8C-980B7AF40F0E}" dt="2021-08-04T08:47:03.988" v="1354" actId="20577"/>
+        <pc:sldMkLst>
+          <pc:docMk/>
+          <pc:sldMk cId="3759911444" sldId="281"/>
+        </pc:sldMkLst>
+        <pc:spChg chg="mod">
+          <ac:chgData name="Fukui Shin" userId="6902ee70c48ce296" providerId="LiveId" clId="{FD2ABE22-F822-F64D-BF8C-980B7AF40F0E}" dt="2021-08-04T08:47:03.988" v="1354" actId="20577"/>
+          <ac:spMkLst>
+            <pc:docMk/>
+            <pc:sldMk cId="3759911444" sldId="281"/>
+            <ac:spMk id="3" creationId="{B7EB713B-B0D0-A347-9D4F-48B4383A8075}"/>
+          </ac:spMkLst>
+        </pc:spChg>
+      </pc:sldChg>
+      <pc:sldChg chg="modSp mod">
+        <pc:chgData name="Fukui Shin" userId="6902ee70c48ce296" providerId="LiveId" clId="{FD2ABE22-F822-F64D-BF8C-980B7AF40F0E}" dt="2021-08-04T07:23:13.161" v="1134" actId="20577"/>
+        <pc:sldMkLst>
+          <pc:docMk/>
+          <pc:sldMk cId="3428185782" sldId="282"/>
+        </pc:sldMkLst>
+        <pc:spChg chg="mod">
+          <ac:chgData name="Fukui Shin" userId="6902ee70c48ce296" providerId="LiveId" clId="{FD2ABE22-F822-F64D-BF8C-980B7AF40F0E}" dt="2021-08-04T07:23:13.161" v="1134" actId="20577"/>
+          <ac:spMkLst>
+            <pc:docMk/>
+            <pc:sldMk cId="3428185782" sldId="282"/>
+            <ac:spMk id="3" creationId="{49E414B3-99D4-2B4A-B335-2BAEFB18D4DF}"/>
+          </ac:spMkLst>
+        </pc:spChg>
+      </pc:sldChg>
+      <pc:sldChg chg="del">
+        <pc:chgData name="Fukui Shin" userId="6902ee70c48ce296" providerId="LiveId" clId="{FD2ABE22-F822-F64D-BF8C-980B7AF40F0E}" dt="2021-08-03T17:56:45.269" v="618" actId="2696"/>
+        <pc:sldMkLst>
+          <pc:docMk/>
+          <pc:sldMk cId="3377275839" sldId="283"/>
+        </pc:sldMkLst>
+      </pc:sldChg>
+      <pc:sldChg chg="modSp new mod">
+        <pc:chgData name="Fukui Shin" userId="6902ee70c48ce296" providerId="LiveId" clId="{FD2ABE22-F822-F64D-BF8C-980B7AF40F0E}" dt="2021-08-04T07:22:25.505" v="1129" actId="20577"/>
+        <pc:sldMkLst>
+          <pc:docMk/>
+          <pc:sldMk cId="2178159451" sldId="284"/>
+        </pc:sldMkLst>
+        <pc:spChg chg="mod">
+          <ac:chgData name="Fukui Shin" userId="6902ee70c48ce296" providerId="LiveId" clId="{FD2ABE22-F822-F64D-BF8C-980B7AF40F0E}" dt="2021-08-03T17:50:32.408" v="54" actId="20577"/>
+          <ac:spMkLst>
+            <pc:docMk/>
+            <pc:sldMk cId="2178159451" sldId="284"/>
+            <ac:spMk id="2" creationId="{ADD62BF2-6FF7-9842-B55F-6A8B6B522A7E}"/>
           </ac:spMkLst>
         </pc:spChg>
         <pc:spChg chg="mod">
-          <ac:chgData name="Fukui Shin" userId="6902ee70c48ce296" providerId="LiveId" clId="{C171A0A8-2E99-C24B-9E1C-D9FFA0DC05D0}" dt="2021-11-18T02:24:43.279" v="275" actId="20577"/>
+          <ac:chgData name="Fukui Shin" userId="6902ee70c48ce296" providerId="LiveId" clId="{FD2ABE22-F822-F64D-BF8C-980B7AF40F0E}" dt="2021-08-04T07:22:25.505" v="1129" actId="20577"/>
           <ac:spMkLst>
             <pc:docMk/>
-            <pc:sldMk cId="3185156017" sldId="261"/>
-            <ac:spMk id="7" creationId="{3B3CE665-52A0-C342-89A8-B18E5AC153D9}"/>
+            <pc:sldMk cId="2178159451" sldId="284"/>
+            <ac:spMk id="3" creationId="{1805BEF9-DE5C-E743-813A-6F4CE0125DA2}"/>
           </ac:spMkLst>
         </pc:spChg>
-        <pc:graphicFrameChg chg="mod modGraphic">
-          <ac:chgData name="Fukui Shin" userId="6902ee70c48ce296" providerId="LiveId" clId="{C171A0A8-2E99-C24B-9E1C-D9FFA0DC05D0}" dt="2021-11-18T02:16:45.210" v="12" actId="1076"/>
-          <ac:graphicFrameMkLst>
+      </pc:sldChg>
+      <pc:sldChg chg="modSp new mod">
+        <pc:chgData name="Fukui Shin" userId="6902ee70c48ce296" providerId="LiveId" clId="{FD2ABE22-F822-F64D-BF8C-980B7AF40F0E}" dt="2021-08-04T10:08:13.242" v="2067" actId="20577"/>
+        <pc:sldMkLst>
+          <pc:docMk/>
+          <pc:sldMk cId="4050706010" sldId="285"/>
+        </pc:sldMkLst>
+        <pc:spChg chg="mod">
+          <ac:chgData name="Fukui Shin" userId="6902ee70c48ce296" providerId="LiveId" clId="{FD2ABE22-F822-F64D-BF8C-980B7AF40F0E}" dt="2021-08-04T09:34:10.093" v="1888" actId="20577"/>
+          <ac:spMkLst>
             <pc:docMk/>
-            <pc:sldMk cId="3185156017" sldId="261"/>
-            <ac:graphicFrameMk id="4" creationId="{407B999C-F742-4C4B-8A08-6B24FE0BC9FB}"/>
-          </ac:graphicFrameMkLst>
-        </pc:graphicFrameChg>
+            <pc:sldMk cId="4050706010" sldId="285"/>
+            <ac:spMk id="2" creationId="{892C59F3-AD8A-C648-98CA-0C3943AE4A58}"/>
+          </ac:spMkLst>
+        </pc:spChg>
+        <pc:spChg chg="mod">
+          <ac:chgData name="Fukui Shin" userId="6902ee70c48ce296" providerId="LiveId" clId="{FD2ABE22-F822-F64D-BF8C-980B7AF40F0E}" dt="2021-08-04T10:08:13.242" v="2067" actId="20577"/>
+          <ac:spMkLst>
+            <pc:docMk/>
+            <pc:sldMk cId="4050706010" sldId="285"/>
+            <ac:spMk id="3" creationId="{2B892BED-13CC-B648-8A24-26DF1294EB9C}"/>
+          </ac:spMkLst>
+        </pc:spChg>
+      </pc:sldChg>
+      <pc:sldChg chg="addSp modSp new mod">
+        <pc:chgData name="Fukui Shin" userId="6902ee70c48ce296" providerId="LiveId" clId="{FD2ABE22-F822-F64D-BF8C-980B7AF40F0E}" dt="2021-08-04T10:47:27.352" v="3347" actId="20577"/>
+        <pc:sldMkLst>
+          <pc:docMk/>
+          <pc:sldMk cId="3976745622" sldId="286"/>
+        </pc:sldMkLst>
+        <pc:spChg chg="mod">
+          <ac:chgData name="Fukui Shin" userId="6902ee70c48ce296" providerId="LiveId" clId="{FD2ABE22-F822-F64D-BF8C-980B7AF40F0E}" dt="2021-08-04T10:36:45.309" v="2710" actId="20577"/>
+          <ac:spMkLst>
+            <pc:docMk/>
+            <pc:sldMk cId="3976745622" sldId="286"/>
+            <ac:spMk id="2" creationId="{8021A45D-E4FF-5A46-91C6-E4BEF315A871}"/>
+          </ac:spMkLst>
+        </pc:spChg>
+        <pc:spChg chg="mod">
+          <ac:chgData name="Fukui Shin" userId="6902ee70c48ce296" providerId="LiveId" clId="{FD2ABE22-F822-F64D-BF8C-980B7AF40F0E}" dt="2021-08-04T10:47:27.352" v="3347" actId="20577"/>
+          <ac:spMkLst>
+            <pc:docMk/>
+            <pc:sldMk cId="3976745622" sldId="286"/>
+            <ac:spMk id="3" creationId="{929FB2F8-884F-DB42-8889-1307E783A82A}"/>
+          </ac:spMkLst>
+        </pc:spChg>
+        <pc:spChg chg="add mod">
+          <ac:chgData name="Fukui Shin" userId="6902ee70c48ce296" providerId="LiveId" clId="{FD2ABE22-F822-F64D-BF8C-980B7AF40F0E}" dt="2021-08-04T10:44:56.682" v="3333" actId="1076"/>
+          <ac:spMkLst>
+            <pc:docMk/>
+            <pc:sldMk cId="3976745622" sldId="286"/>
+            <ac:spMk id="4" creationId="{9A0B37BF-DF44-4C49-A0C7-B382023DCA3F}"/>
+          </ac:spMkLst>
+        </pc:spChg>
+      </pc:sldChg>
+      <pc:sldChg chg="modSp new mod">
+        <pc:chgData name="Fukui Shin" userId="6902ee70c48ce296" providerId="LiveId" clId="{FD2ABE22-F822-F64D-BF8C-980B7AF40F0E}" dt="2021-08-04T10:12:26.711" v="2425" actId="20577"/>
+        <pc:sldMkLst>
+          <pc:docMk/>
+          <pc:sldMk cId="2009115823" sldId="287"/>
+        </pc:sldMkLst>
+        <pc:spChg chg="mod">
+          <ac:chgData name="Fukui Shin" userId="6902ee70c48ce296" providerId="LiveId" clId="{FD2ABE22-F822-F64D-BF8C-980B7AF40F0E}" dt="2021-08-04T10:10:33.503" v="2224" actId="20577"/>
+          <ac:spMkLst>
+            <pc:docMk/>
+            <pc:sldMk cId="2009115823" sldId="287"/>
+            <ac:spMk id="2" creationId="{F1994288-EB8E-A84F-B42C-97ABDD69EAD5}"/>
+          </ac:spMkLst>
+        </pc:spChg>
+        <pc:spChg chg="mod">
+          <ac:chgData name="Fukui Shin" userId="6902ee70c48ce296" providerId="LiveId" clId="{FD2ABE22-F822-F64D-BF8C-980B7AF40F0E}" dt="2021-08-04T10:12:26.711" v="2425" actId="20577"/>
+          <ac:spMkLst>
+            <pc:docMk/>
+            <pc:sldMk cId="2009115823" sldId="287"/>
+            <ac:spMk id="3" creationId="{F17329F4-295F-B840-A01F-3058DFA89E7D}"/>
+          </ac:spMkLst>
+        </pc:spChg>
+      </pc:sldChg>
+      <pc:sldChg chg="modSp new mod">
+        <pc:chgData name="Fukui Shin" userId="6902ee70c48ce296" providerId="LiveId" clId="{FD2ABE22-F822-F64D-BF8C-980B7AF40F0E}" dt="2021-08-04T10:42:32.979" v="3156" actId="20577"/>
+        <pc:sldMkLst>
+          <pc:docMk/>
+          <pc:sldMk cId="2447858462" sldId="288"/>
+        </pc:sldMkLst>
+        <pc:spChg chg="mod">
+          <ac:chgData name="Fukui Shin" userId="6902ee70c48ce296" providerId="LiveId" clId="{FD2ABE22-F822-F64D-BF8C-980B7AF40F0E}" dt="2021-08-04T10:12:45.828" v="2443" actId="20577"/>
+          <ac:spMkLst>
+            <pc:docMk/>
+            <pc:sldMk cId="2447858462" sldId="288"/>
+            <ac:spMk id="2" creationId="{032164F6-0F1B-1549-B553-24334B2E64E3}"/>
+          </ac:spMkLst>
+        </pc:spChg>
+        <pc:spChg chg="mod">
+          <ac:chgData name="Fukui Shin" userId="6902ee70c48ce296" providerId="LiveId" clId="{FD2ABE22-F822-F64D-BF8C-980B7AF40F0E}" dt="2021-08-04T10:42:32.979" v="3156" actId="20577"/>
+          <ac:spMkLst>
+            <pc:docMk/>
+            <pc:sldMk cId="2447858462" sldId="288"/>
+            <ac:spMk id="3" creationId="{7044DDCB-175D-DC41-A5AC-98AE58CE5A61}"/>
+          </ac:spMkLst>
+        </pc:spChg>
+      </pc:sldChg>
+    </pc:docChg>
+  </pc:docChgLst>
+  <pc:docChgLst>
+    <pc:chgData name="Fukui Shin" userId="6902ee70c48ce296" providerId="LiveId" clId="{21E98C23-A232-0046-80A9-DB8AD6915A56}"/>
+    <pc:docChg chg="modSld">
+      <pc:chgData name="Fukui Shin" userId="6902ee70c48ce296" providerId="LiveId" clId="{21E98C23-A232-0046-80A9-DB8AD6915A56}" dt="2021-11-17T03:03:44.101" v="6" actId="1076"/>
+      <pc:docMkLst>
+        <pc:docMk/>
+      </pc:docMkLst>
+      <pc:sldChg chg="addSp modSp mod">
+        <pc:chgData name="Fukui Shin" userId="6902ee70c48ce296" providerId="LiveId" clId="{21E98C23-A232-0046-80A9-DB8AD6915A56}" dt="2021-11-17T03:03:44.101" v="6" actId="1076"/>
+        <pc:sldMkLst>
+          <pc:docMk/>
+          <pc:sldMk cId="3976745622" sldId="286"/>
+        </pc:sldMkLst>
+        <pc:picChg chg="add mod">
+          <ac:chgData name="Fukui Shin" userId="6902ee70c48ce296" providerId="LiveId" clId="{21E98C23-A232-0046-80A9-DB8AD6915A56}" dt="2021-11-17T03:03:44.101" v="6" actId="1076"/>
+          <ac:picMkLst>
+            <pc:docMk/>
+            <pc:sldMk cId="3976745622" sldId="286"/>
+            <ac:picMk id="5" creationId="{4A6777C8-1A2C-304D-B190-F0372F1983D3}"/>
+          </ac:picMkLst>
+        </pc:picChg>
+      </pc:sldChg>
+    </pc:docChg>
+  </pc:docChgLst>
+  <pc:docChgLst>
+    <pc:chgData name="Fukui Shin" userId="6902ee70c48ce296" providerId="LiveId" clId="{123394F6-812E-F94C-B0FC-3923E8ACF34A}"/>
+    <pc:docChg chg="undo custSel addSld delSld modSld">
+      <pc:chgData name="Fukui Shin" userId="6902ee70c48ce296" providerId="LiveId" clId="{123394F6-812E-F94C-B0FC-3923E8ACF34A}" dt="2021-05-21T11:14:00.723" v="667" actId="20577"/>
+      <pc:docMkLst>
+        <pc:docMk/>
+      </pc:docMkLst>
+      <pc:sldChg chg="modSp mod">
+        <pc:chgData name="Fukui Shin" userId="6902ee70c48ce296" providerId="LiveId" clId="{123394F6-812E-F94C-B0FC-3923E8ACF34A}" dt="2021-05-21T11:14:00.723" v="667" actId="20577"/>
+        <pc:sldMkLst>
+          <pc:docMk/>
+          <pc:sldMk cId="2432279440" sldId="257"/>
+        </pc:sldMkLst>
+        <pc:spChg chg="mod">
+          <ac:chgData name="Fukui Shin" userId="6902ee70c48ce296" providerId="LiveId" clId="{123394F6-812E-F94C-B0FC-3923E8ACF34A}" dt="2021-05-20T05:19:41.528" v="1" actId="20577"/>
+          <ac:spMkLst>
+            <pc:docMk/>
+            <pc:sldMk cId="2432279440" sldId="257"/>
+            <ac:spMk id="2" creationId="{9B1D7A41-B18F-4D4C-9F52-84D5CFFFCB44}"/>
+          </ac:spMkLst>
+        </pc:spChg>
+        <pc:spChg chg="mod">
+          <ac:chgData name="Fukui Shin" userId="6902ee70c48ce296" providerId="LiveId" clId="{123394F6-812E-F94C-B0FC-3923E8ACF34A}" dt="2021-05-21T11:14:00.723" v="667" actId="20577"/>
+          <ac:spMkLst>
+            <pc:docMk/>
+            <pc:sldMk cId="2432279440" sldId="257"/>
+            <ac:spMk id="3" creationId="{05D7D93A-BA42-5D47-893C-FE41C03A53E0}"/>
+          </ac:spMkLst>
+        </pc:spChg>
+      </pc:sldChg>
+      <pc:sldChg chg="del">
+        <pc:chgData name="Fukui Shin" userId="6902ee70c48ce296" providerId="LiveId" clId="{123394F6-812E-F94C-B0FC-3923E8ACF34A}" dt="2021-05-21T11:12:10.209" v="562" actId="2696"/>
+        <pc:sldMkLst>
+          <pc:docMk/>
+          <pc:sldMk cId="3601736904" sldId="271"/>
+        </pc:sldMkLst>
+      </pc:sldChg>
+      <pc:sldChg chg="modSp mod">
+        <pc:chgData name="Fukui Shin" userId="6902ee70c48ce296" providerId="LiveId" clId="{123394F6-812E-F94C-B0FC-3923E8ACF34A}" dt="2021-05-21T11:09:48.102" v="548" actId="20577"/>
+        <pc:sldMkLst>
+          <pc:docMk/>
+          <pc:sldMk cId="1501767664" sldId="272"/>
+        </pc:sldMkLst>
+        <pc:spChg chg="mod">
+          <ac:chgData name="Fukui Shin" userId="6902ee70c48ce296" providerId="LiveId" clId="{123394F6-812E-F94C-B0FC-3923E8ACF34A}" dt="2021-05-21T11:09:48.102" v="548" actId="20577"/>
+          <ac:spMkLst>
+            <pc:docMk/>
+            <pc:sldMk cId="1501767664" sldId="272"/>
+            <ac:spMk id="3" creationId="{B7EB713B-B0D0-A347-9D4F-48B4383A8075}"/>
+          </ac:spMkLst>
+        </pc:spChg>
+      </pc:sldChg>
+      <pc:sldChg chg="modSp mod">
+        <pc:chgData name="Fukui Shin" userId="6902ee70c48ce296" providerId="LiveId" clId="{123394F6-812E-F94C-B0FC-3923E8ACF34A}" dt="2021-05-21T11:11:39.725" v="555" actId="207"/>
+        <pc:sldMkLst>
+          <pc:docMk/>
+          <pc:sldMk cId="1722450886" sldId="274"/>
+        </pc:sldMkLst>
+        <pc:spChg chg="mod">
+          <ac:chgData name="Fukui Shin" userId="6902ee70c48ce296" providerId="LiveId" clId="{123394F6-812E-F94C-B0FC-3923E8ACF34A}" dt="2021-05-21T11:11:39.725" v="555" actId="207"/>
+          <ac:spMkLst>
+            <pc:docMk/>
+            <pc:sldMk cId="1722450886" sldId="274"/>
+            <ac:spMk id="3" creationId="{B7EB713B-B0D0-A347-9D4F-48B4383A8075}"/>
+          </ac:spMkLst>
+        </pc:spChg>
+      </pc:sldChg>
+      <pc:sldChg chg="modSp mod">
+        <pc:chgData name="Fukui Shin" userId="6902ee70c48ce296" providerId="LiveId" clId="{123394F6-812E-F94C-B0FC-3923E8ACF34A}" dt="2021-05-21T11:13:21.762" v="650" actId="20577"/>
+        <pc:sldMkLst>
+          <pc:docMk/>
+          <pc:sldMk cId="3322847216" sldId="276"/>
+        </pc:sldMkLst>
+        <pc:spChg chg="mod">
+          <ac:chgData name="Fukui Shin" userId="6902ee70c48ce296" providerId="LiveId" clId="{123394F6-812E-F94C-B0FC-3923E8ACF34A}" dt="2021-05-21T11:13:21.762" v="650" actId="20577"/>
+          <ac:spMkLst>
+            <pc:docMk/>
+            <pc:sldMk cId="3322847216" sldId="276"/>
+            <ac:spMk id="3" creationId="{B7EB713B-B0D0-A347-9D4F-48B4383A8075}"/>
+          </ac:spMkLst>
+        </pc:spChg>
+      </pc:sldChg>
+      <pc:sldChg chg="modSp mod">
+        <pc:chgData name="Fukui Shin" userId="6902ee70c48ce296" providerId="LiveId" clId="{123394F6-812E-F94C-B0FC-3923E8ACF34A}" dt="2021-05-21T10:31:14.371" v="370" actId="1038"/>
+        <pc:sldMkLst>
+          <pc:docMk/>
+          <pc:sldMk cId="3458342540" sldId="278"/>
+        </pc:sldMkLst>
+        <pc:picChg chg="mod">
+          <ac:chgData name="Fukui Shin" userId="6902ee70c48ce296" providerId="LiveId" clId="{123394F6-812E-F94C-B0FC-3923E8ACF34A}" dt="2021-05-21T10:31:11.784" v="368" actId="1038"/>
+          <ac:picMkLst>
+            <pc:docMk/>
+            <pc:sldMk cId="3458342540" sldId="278"/>
+            <ac:picMk id="29" creationId="{754225A0-B928-CB44-98B5-60BBF7110E2C}"/>
+          </ac:picMkLst>
+        </pc:picChg>
+        <pc:picChg chg="mod">
+          <ac:chgData name="Fukui Shin" userId="6902ee70c48ce296" providerId="LiveId" clId="{123394F6-812E-F94C-B0FC-3923E8ACF34A}" dt="2021-05-21T10:31:14.371" v="370" actId="1038"/>
+          <ac:picMkLst>
+            <pc:docMk/>
+            <pc:sldMk cId="3458342540" sldId="278"/>
+            <ac:picMk id="30" creationId="{AD831808-B008-9B4E-A0F1-651865E2E238}"/>
+          </ac:picMkLst>
+        </pc:picChg>
+      </pc:sldChg>
+      <pc:sldChg chg="modSp mod">
+        <pc:chgData name="Fukui Shin" userId="6902ee70c48ce296" providerId="LiveId" clId="{123394F6-812E-F94C-B0FC-3923E8ACF34A}" dt="2021-05-21T11:09:05.627" v="520" actId="20577"/>
+        <pc:sldMkLst>
+          <pc:docMk/>
+          <pc:sldMk cId="323365537" sldId="279"/>
+        </pc:sldMkLst>
+        <pc:spChg chg="mod">
+          <ac:chgData name="Fukui Shin" userId="6902ee70c48ce296" providerId="LiveId" clId="{123394F6-812E-F94C-B0FC-3923E8ACF34A}" dt="2021-05-21T11:09:05.627" v="520" actId="20577"/>
+          <ac:spMkLst>
+            <pc:docMk/>
+            <pc:sldMk cId="323365537" sldId="279"/>
+            <ac:spMk id="3" creationId="{13EA0912-FE78-7647-A2F6-DD372D7B2FCA}"/>
+          </ac:spMkLst>
+        </pc:spChg>
+      </pc:sldChg>
+      <pc:sldChg chg="modSp add mod">
+        <pc:chgData name="Fukui Shin" userId="6902ee70c48ce296" providerId="LiveId" clId="{123394F6-812E-F94C-B0FC-3923E8ACF34A}" dt="2021-05-21T11:11:53.214" v="558" actId="207"/>
+        <pc:sldMkLst>
+          <pc:docMk/>
+          <pc:sldMk cId="623929723" sldId="280"/>
+        </pc:sldMkLst>
+        <pc:spChg chg="mod">
+          <ac:chgData name="Fukui Shin" userId="6902ee70c48ce296" providerId="LiveId" clId="{123394F6-812E-F94C-B0FC-3923E8ACF34A}" dt="2021-05-21T11:11:53.214" v="558" actId="207"/>
+          <ac:spMkLst>
+            <pc:docMk/>
+            <pc:sldMk cId="623929723" sldId="280"/>
+            <ac:spMk id="3" creationId="{B7EB713B-B0D0-A347-9D4F-48B4383A8075}"/>
+          </ac:spMkLst>
+        </pc:spChg>
+      </pc:sldChg>
+      <pc:sldChg chg="modSp add mod">
+        <pc:chgData name="Fukui Shin" userId="6902ee70c48ce296" providerId="LiveId" clId="{123394F6-812E-F94C-B0FC-3923E8ACF34A}" dt="2021-05-21T11:12:06.643" v="561" actId="207"/>
+        <pc:sldMkLst>
+          <pc:docMk/>
+          <pc:sldMk cId="3759911444" sldId="281"/>
+        </pc:sldMkLst>
+        <pc:spChg chg="mod">
+          <ac:chgData name="Fukui Shin" userId="6902ee70c48ce296" providerId="LiveId" clId="{123394F6-812E-F94C-B0FC-3923E8ACF34A}" dt="2021-05-21T11:12:06.643" v="561" actId="207"/>
+          <ac:spMkLst>
+            <pc:docMk/>
+            <pc:sldMk cId="3759911444" sldId="281"/>
+            <ac:spMk id="3" creationId="{B7EB713B-B0D0-A347-9D4F-48B4383A8075}"/>
+          </ac:spMkLst>
+        </pc:spChg>
       </pc:sldChg>
     </pc:docChg>
   </pc:docChgLst>
 </pc:chgInfo>
+</file>
+
+<file path=ppt/notesMasters/notesMaster1.xml><?xml version="1.0" encoding="utf-8"?>
+<p:notesMaster xmlns:a="http://schemas.openxmlformats.org/drawingml/2006/main" xmlns:r="http://schemas.openxmlformats.org/officeDocument/2006/relationships" xmlns:p="http://schemas.openxmlformats.org/presentationml/2006/main">
+  <p:cSld>
+    <p:bg>
+      <p:bgRef idx="1001">
+        <a:schemeClr val="bg1"/>
+      </p:bgRef>
+    </p:bg>
+    <p:spTree>
+      <p:nvGrpSpPr>
+        <p:cNvPr id="1" name=""/>
+        <p:cNvGrpSpPr/>
+        <p:nvPr/>
+      </p:nvGrpSpPr>
+      <p:grpSpPr>
+        <a:xfrm>
+          <a:off x="0" y="0"/>
+          <a:ext cx="0" cy="0"/>
+          <a:chOff x="0" y="0"/>
+          <a:chExt cx="0" cy="0"/>
+        </a:xfrm>
+      </p:grpSpPr>
+      <p:sp>
+        <p:nvSpPr>
+          <p:cNvPr id="2" name="ヘッダー プレースホルダー 1"/>
+          <p:cNvSpPr>
+            <a:spLocks noGrp="1"/>
+          </p:cNvSpPr>
+          <p:nvPr>
+            <p:ph type="hdr" sz="quarter"/>
+          </p:nvPr>
+        </p:nvSpPr>
+        <p:spPr>
+          <a:xfrm>
+            <a:off x="0" y="0"/>
+            <a:ext cx="2971800" cy="458788"/>
+          </a:xfrm>
+          <a:prstGeom prst="rect">
+            <a:avLst/>
+          </a:prstGeom>
+        </p:spPr>
+        <p:txBody>
+          <a:bodyPr vert="horz" lIns="91440" tIns="45720" rIns="91440" bIns="45720" rtlCol="0"/>
+          <a:lstStyle>
+            <a:lvl1pPr algn="l">
+              <a:defRPr sz="1200"/>
+            </a:lvl1pPr>
+          </a:lstStyle>
+          <a:p>
+            <a:endParaRPr kumimoji="1" lang="ja-JP" altLang="en-US"/>
+          </a:p>
+        </p:txBody>
+      </p:sp>
+      <p:sp>
+        <p:nvSpPr>
+          <p:cNvPr id="3" name="日付プレースホルダー 2"/>
+          <p:cNvSpPr>
+            <a:spLocks noGrp="1"/>
+          </p:cNvSpPr>
+          <p:nvPr>
+            <p:ph type="dt" idx="1"/>
+          </p:nvPr>
+        </p:nvSpPr>
+        <p:spPr>
+          <a:xfrm>
+            <a:off x="3884613" y="0"/>
+            <a:ext cx="2971800" cy="458788"/>
+          </a:xfrm>
+          <a:prstGeom prst="rect">
+            <a:avLst/>
+          </a:prstGeom>
+        </p:spPr>
+        <p:txBody>
+          <a:bodyPr vert="horz" lIns="91440" tIns="45720" rIns="91440" bIns="45720" rtlCol="0"/>
+          <a:lstStyle>
+            <a:lvl1pPr algn="r">
+              <a:defRPr sz="1200"/>
+            </a:lvl1pPr>
+          </a:lstStyle>
+          <a:p>
+            <a:fld id="{6140DD4A-BADB-4341-8281-AAD3E1B9D56D}" type="datetimeFigureOut">
+              <a:rPr kumimoji="1" lang="ja-JP" altLang="en-US" smtClean="0"/>
+              <a:t>2022/9/21</a:t>
+            </a:fld>
+            <a:endParaRPr kumimoji="1" lang="ja-JP" altLang="en-US"/>
+          </a:p>
+        </p:txBody>
+      </p:sp>
+      <p:sp>
+        <p:nvSpPr>
+          <p:cNvPr id="4" name="スライド イメージ プレースホルダー 3"/>
+          <p:cNvSpPr>
+            <a:spLocks noGrp="1" noRot="1" noChangeAspect="1"/>
+          </p:cNvSpPr>
+          <p:nvPr>
+            <p:ph type="sldImg" idx="2"/>
+          </p:nvPr>
+        </p:nvSpPr>
+        <p:spPr>
+          <a:xfrm>
+            <a:off x="685800" y="1143000"/>
+            <a:ext cx="5486400" cy="3086100"/>
+          </a:xfrm>
+          <a:prstGeom prst="rect">
+            <a:avLst/>
+          </a:prstGeom>
+          <a:noFill/>
+          <a:ln w="12700">
+            <a:solidFill>
+              <a:prstClr val="black"/>
+            </a:solidFill>
+          </a:ln>
+        </p:spPr>
+        <p:txBody>
+          <a:bodyPr vert="horz" lIns="91440" tIns="45720" rIns="91440" bIns="45720" rtlCol="0" anchor="ctr"/>
+          <a:lstStyle/>
+          <a:p>
+            <a:endParaRPr lang="ja-JP" altLang="en-US"/>
+          </a:p>
+        </p:txBody>
+      </p:sp>
+      <p:sp>
+        <p:nvSpPr>
+          <p:cNvPr id="5" name="ノート プレースホルダー 4"/>
+          <p:cNvSpPr>
+            <a:spLocks noGrp="1"/>
+          </p:cNvSpPr>
+          <p:nvPr>
+            <p:ph type="body" sz="quarter" idx="3"/>
+          </p:nvPr>
+        </p:nvSpPr>
+        <p:spPr>
+          <a:xfrm>
+            <a:off x="685800" y="4400550"/>
+            <a:ext cx="5486400" cy="3600450"/>
+          </a:xfrm>
+          <a:prstGeom prst="rect">
+            <a:avLst/>
+          </a:prstGeom>
+        </p:spPr>
+        <p:txBody>
+          <a:bodyPr vert="horz" lIns="91440" tIns="45720" rIns="91440" bIns="45720" rtlCol="0"/>
+          <a:lstStyle/>
+          <a:p>
+            <a:pPr lvl="0"/>
+            <a:r>
+              <a:rPr kumimoji="1" lang="ja-JP" altLang="en-US"/>
+              <a:t>マスター テキストの書式設定</a:t>
+            </a:r>
+          </a:p>
+          <a:p>
+            <a:pPr lvl="1"/>
+            <a:r>
+              <a:rPr kumimoji="1" lang="ja-JP" altLang="en-US"/>
+              <a:t>第 </a:t>
+            </a:r>
+            <a:r>
+              <a:rPr kumimoji="1" lang="en-US" altLang="ja-JP"/>
+              <a:t>2 </a:t>
+            </a:r>
+            <a:r>
+              <a:rPr kumimoji="1" lang="ja-JP" altLang="en-US"/>
+              <a:t>レベル</a:t>
+            </a:r>
+          </a:p>
+          <a:p>
+            <a:pPr lvl="2"/>
+            <a:r>
+              <a:rPr kumimoji="1" lang="ja-JP" altLang="en-US"/>
+              <a:t>第 </a:t>
+            </a:r>
+            <a:r>
+              <a:rPr kumimoji="1" lang="en-US" altLang="ja-JP"/>
+              <a:t>3 </a:t>
+            </a:r>
+            <a:r>
+              <a:rPr kumimoji="1" lang="ja-JP" altLang="en-US"/>
+              <a:t>レベル</a:t>
+            </a:r>
+          </a:p>
+          <a:p>
+            <a:pPr lvl="3"/>
+            <a:r>
+              <a:rPr kumimoji="1" lang="ja-JP" altLang="en-US"/>
+              <a:t>第 </a:t>
+            </a:r>
+            <a:r>
+              <a:rPr kumimoji="1" lang="en-US" altLang="ja-JP"/>
+              <a:t>4 </a:t>
+            </a:r>
+            <a:r>
+              <a:rPr kumimoji="1" lang="ja-JP" altLang="en-US"/>
+              <a:t>レベル</a:t>
+            </a:r>
+          </a:p>
+          <a:p>
+            <a:pPr lvl="4"/>
+            <a:r>
+              <a:rPr kumimoji="1" lang="ja-JP" altLang="en-US"/>
+              <a:t>第 </a:t>
+            </a:r>
+            <a:r>
+              <a:rPr kumimoji="1" lang="en-US" altLang="ja-JP"/>
+              <a:t>5 </a:t>
+            </a:r>
+            <a:r>
+              <a:rPr kumimoji="1" lang="ja-JP" altLang="en-US"/>
+              <a:t>レベル</a:t>
+            </a:r>
+          </a:p>
+        </p:txBody>
+      </p:sp>
+      <p:sp>
+        <p:nvSpPr>
+          <p:cNvPr id="6" name="フッター プレースホルダー 5"/>
+          <p:cNvSpPr>
+            <a:spLocks noGrp="1"/>
+          </p:cNvSpPr>
+          <p:nvPr>
+            <p:ph type="ftr" sz="quarter" idx="4"/>
+          </p:nvPr>
+        </p:nvSpPr>
+        <p:spPr>
+          <a:xfrm>
+            <a:off x="0" y="8685213"/>
+            <a:ext cx="2971800" cy="458787"/>
+          </a:xfrm>
+          <a:prstGeom prst="rect">
+            <a:avLst/>
+          </a:prstGeom>
+        </p:spPr>
+        <p:txBody>
+          <a:bodyPr vert="horz" lIns="91440" tIns="45720" rIns="91440" bIns="45720" rtlCol="0" anchor="b"/>
+          <a:lstStyle>
+            <a:lvl1pPr algn="l">
+              <a:defRPr sz="1200"/>
+            </a:lvl1pPr>
+          </a:lstStyle>
+          <a:p>
+            <a:endParaRPr kumimoji="1" lang="ja-JP" altLang="en-US"/>
+          </a:p>
+        </p:txBody>
+      </p:sp>
+      <p:sp>
+        <p:nvSpPr>
+          <p:cNvPr id="7" name="スライド番号プレースホルダー 6"/>
+          <p:cNvSpPr>
+            <a:spLocks noGrp="1"/>
+          </p:cNvSpPr>
+          <p:nvPr>
+            <p:ph type="sldNum" sz="quarter" idx="5"/>
+          </p:nvPr>
+        </p:nvSpPr>
+        <p:spPr>
+          <a:xfrm>
+            <a:off x="3884613" y="8685213"/>
+            <a:ext cx="2971800" cy="458787"/>
+          </a:xfrm>
+          <a:prstGeom prst="rect">
+            <a:avLst/>
+          </a:prstGeom>
+        </p:spPr>
+        <p:txBody>
+          <a:bodyPr vert="horz" lIns="91440" tIns="45720" rIns="91440" bIns="45720" rtlCol="0" anchor="b"/>
+          <a:lstStyle>
+            <a:lvl1pPr algn="r">
+              <a:defRPr sz="1200"/>
+            </a:lvl1pPr>
+          </a:lstStyle>
+          <a:p>
+            <a:fld id="{2A9FC8AF-CE5B-E64C-8425-DC68F7168DD7}" type="slidenum">
+              <a:rPr kumimoji="1" lang="ja-JP" altLang="en-US" smtClean="0"/>
+              <a:t>‹#›</a:t>
+            </a:fld>
+            <a:endParaRPr kumimoji="1" lang="ja-JP" altLang="en-US"/>
+          </a:p>
+        </p:txBody>
+      </p:sp>
+    </p:spTree>
+    <p:extLst>
+      <p:ext uri="{BB962C8B-B14F-4D97-AF65-F5344CB8AC3E}">
+        <p14:creationId xmlns:p14="http://schemas.microsoft.com/office/powerpoint/2010/main" val="1479171911"/>
+      </p:ext>
+    </p:extLst>
+  </p:cSld>
+  <p:clrMap bg1="lt1" tx1="dk1" bg2="lt2" tx2="dk2" accent1="accent1" accent2="accent2" accent3="accent3" accent4="accent4" accent5="accent5" accent6="accent6" hlink="hlink" folHlink="folHlink"/>
+  <p:notesStyle>
+    <a:lvl1pPr marL="0" algn="l" defTabSz="914400" rtl="0" eaLnBrk="1" latinLnBrk="0" hangingPunct="1">
+      <a:defRPr kumimoji="1" sz="1200" kern="1200">
+        <a:solidFill>
+          <a:schemeClr val="tx1"/>
+        </a:solidFill>
+        <a:latin typeface="+mn-lt"/>
+        <a:ea typeface="+mn-ea"/>
+        <a:cs typeface="+mn-cs"/>
+      </a:defRPr>
+    </a:lvl1pPr>
+    <a:lvl2pPr marL="457200" algn="l" defTabSz="914400" rtl="0" eaLnBrk="1" latinLnBrk="0" hangingPunct="1">
+      <a:defRPr kumimoji="1" sz="1200" kern="1200">
+        <a:solidFill>
+          <a:schemeClr val="tx1"/>
+        </a:solidFill>
+        <a:latin typeface="+mn-lt"/>
+        <a:ea typeface="+mn-ea"/>
+        <a:cs typeface="+mn-cs"/>
+      </a:defRPr>
+    </a:lvl2pPr>
+    <a:lvl3pPr marL="914400" algn="l" defTabSz="914400" rtl="0" eaLnBrk="1" latinLnBrk="0" hangingPunct="1">
+      <a:defRPr kumimoji="1" sz="1200" kern="1200">
+        <a:solidFill>
+          <a:schemeClr val="tx1"/>
+        </a:solidFill>
+        <a:latin typeface="+mn-lt"/>
+        <a:ea typeface="+mn-ea"/>
+        <a:cs typeface="+mn-cs"/>
+      </a:defRPr>
+    </a:lvl3pPr>
+    <a:lvl4pPr marL="1371600" algn="l" defTabSz="914400" rtl="0" eaLnBrk="1" latinLnBrk="0" hangingPunct="1">
+      <a:defRPr kumimoji="1" sz="1200" kern="1200">
+        <a:solidFill>
+          <a:schemeClr val="tx1"/>
+        </a:solidFill>
+        <a:latin typeface="+mn-lt"/>
+        <a:ea typeface="+mn-ea"/>
+        <a:cs typeface="+mn-cs"/>
+      </a:defRPr>
+    </a:lvl4pPr>
+    <a:lvl5pPr marL="1828800" algn="l" defTabSz="914400" rtl="0" eaLnBrk="1" latinLnBrk="0" hangingPunct="1">
+      <a:defRPr kumimoji="1" sz="1200" kern="1200">
+        <a:solidFill>
+          <a:schemeClr val="tx1"/>
+        </a:solidFill>
+        <a:latin typeface="+mn-lt"/>
+        <a:ea typeface="+mn-ea"/>
+        <a:cs typeface="+mn-cs"/>
+      </a:defRPr>
+    </a:lvl5pPr>
+    <a:lvl6pPr marL="2286000" algn="l" defTabSz="914400" rtl="0" eaLnBrk="1" latinLnBrk="0" hangingPunct="1">
+      <a:defRPr kumimoji="1" sz="1200" kern="1200">
+        <a:solidFill>
+          <a:schemeClr val="tx1"/>
+        </a:solidFill>
+        <a:latin typeface="+mn-lt"/>
+        <a:ea typeface="+mn-ea"/>
+        <a:cs typeface="+mn-cs"/>
+      </a:defRPr>
+    </a:lvl6pPr>
+    <a:lvl7pPr marL="2743200" algn="l" defTabSz="914400" rtl="0" eaLnBrk="1" latinLnBrk="0" hangingPunct="1">
+      <a:defRPr kumimoji="1" sz="1200" kern="1200">
+        <a:solidFill>
+          <a:schemeClr val="tx1"/>
+        </a:solidFill>
+        <a:latin typeface="+mn-lt"/>
+        <a:ea typeface="+mn-ea"/>
+        <a:cs typeface="+mn-cs"/>
+      </a:defRPr>
+    </a:lvl7pPr>
+    <a:lvl8pPr marL="3200400" algn="l" defTabSz="914400" rtl="0" eaLnBrk="1" latinLnBrk="0" hangingPunct="1">
+      <a:defRPr kumimoji="1" sz="1200" kern="1200">
+        <a:solidFill>
+          <a:schemeClr val="tx1"/>
+        </a:solidFill>
+        <a:latin typeface="+mn-lt"/>
+        <a:ea typeface="+mn-ea"/>
+        <a:cs typeface="+mn-cs"/>
+      </a:defRPr>
+    </a:lvl8pPr>
+    <a:lvl9pPr marL="3657600" algn="l" defTabSz="914400" rtl="0" eaLnBrk="1" latinLnBrk="0" hangingPunct="1">
+      <a:defRPr kumimoji="1" sz="1200" kern="1200">
+        <a:solidFill>
+          <a:schemeClr val="tx1"/>
+        </a:solidFill>
+        <a:latin typeface="+mn-lt"/>
+        <a:ea typeface="+mn-ea"/>
+        <a:cs typeface="+mn-cs"/>
+      </a:defRPr>
+    </a:lvl9pPr>
+  </p:notesStyle>
+</p:notesMaster>
+</file>
+
+<file path=ppt/notesSlides/notesSlide1.xml><?xml version="1.0" encoding="utf-8"?>
+<p:notes xmlns:a="http://schemas.openxmlformats.org/drawingml/2006/main" xmlns:r="http://schemas.openxmlformats.org/officeDocument/2006/relationships" xmlns:p="http://schemas.openxmlformats.org/presentationml/2006/main">
+  <p:cSld>
+    <p:spTree>
+      <p:nvGrpSpPr>
+        <p:cNvPr id="1" name=""/>
+        <p:cNvGrpSpPr/>
+        <p:nvPr/>
+      </p:nvGrpSpPr>
+      <p:grpSpPr>
+        <a:xfrm>
+          <a:off x="0" y="0"/>
+          <a:ext cx="0" cy="0"/>
+          <a:chOff x="0" y="0"/>
+          <a:chExt cx="0" cy="0"/>
+        </a:xfrm>
+      </p:grpSpPr>
+      <p:sp>
+        <p:nvSpPr>
+          <p:cNvPr id="2" name="スライド イメージ プレースホルダー 1"/>
+          <p:cNvSpPr>
+            <a:spLocks noGrp="1" noRot="1" noChangeAspect="1"/>
+          </p:cNvSpPr>
+          <p:nvPr>
+            <p:ph type="sldImg"/>
+          </p:nvPr>
+        </p:nvSpPr>
+        <p:spPr/>
+      </p:sp>
+      <p:sp>
+        <p:nvSpPr>
+          <p:cNvPr id="3" name="ノート プレースホルダー 2"/>
+          <p:cNvSpPr>
+            <a:spLocks noGrp="1"/>
+          </p:cNvSpPr>
+          <p:nvPr>
+            <p:ph type="body" idx="1"/>
+          </p:nvPr>
+        </p:nvSpPr>
+        <p:spPr/>
+        <p:txBody>
+          <a:bodyPr/>
+          <a:lstStyle/>
+          <a:p>
+            <a:endParaRPr kumimoji="1" lang="ja-JP" altLang="en-US"/>
+          </a:p>
+        </p:txBody>
+      </p:sp>
+      <p:sp>
+        <p:nvSpPr>
+          <p:cNvPr id="4" name="スライド番号プレースホルダー 3"/>
+          <p:cNvSpPr>
+            <a:spLocks noGrp="1"/>
+          </p:cNvSpPr>
+          <p:nvPr>
+            <p:ph type="sldNum" sz="quarter" idx="5"/>
+          </p:nvPr>
+        </p:nvSpPr>
+        <p:spPr/>
+        <p:txBody>
+          <a:bodyPr/>
+          <a:lstStyle/>
+          <a:p>
+            <a:fld id="{2A9FC8AF-CE5B-E64C-8425-DC68F7168DD7}" type="slidenum">
+              <a:rPr kumimoji="1" lang="ja-JP" altLang="en-US" smtClean="0"/>
+              <a:t>2</a:t>
+            </a:fld>
+            <a:endParaRPr kumimoji="1" lang="ja-JP" altLang="en-US"/>
+          </a:p>
+        </p:txBody>
+      </p:sp>
+    </p:spTree>
+    <p:extLst>
+      <p:ext uri="{BB962C8B-B14F-4D97-AF65-F5344CB8AC3E}">
+        <p14:creationId xmlns:p14="http://schemas.microsoft.com/office/powerpoint/2010/main" val="4276362081"/>
+      </p:ext>
+    </p:extLst>
+  </p:cSld>
+  <p:clrMapOvr>
+    <a:masterClrMapping/>
+  </p:clrMapOvr>
+</p:notes>
+</file>
+
+<file path=ppt/notesSlides/notesSlide2.xml><?xml version="1.0" encoding="utf-8"?>
+<p:notes xmlns:a="http://schemas.openxmlformats.org/drawingml/2006/main" xmlns:r="http://schemas.openxmlformats.org/officeDocument/2006/relationships" xmlns:p="http://schemas.openxmlformats.org/presentationml/2006/main">
+  <p:cSld>
+    <p:spTree>
+      <p:nvGrpSpPr>
+        <p:cNvPr id="1" name=""/>
+        <p:cNvGrpSpPr/>
+        <p:nvPr/>
+      </p:nvGrpSpPr>
+      <p:grpSpPr>
+        <a:xfrm>
+          <a:off x="0" y="0"/>
+          <a:ext cx="0" cy="0"/>
+          <a:chOff x="0" y="0"/>
+          <a:chExt cx="0" cy="0"/>
+        </a:xfrm>
+      </p:grpSpPr>
+      <p:sp>
+        <p:nvSpPr>
+          <p:cNvPr id="2" name="スライド イメージ プレースホルダー 1"/>
+          <p:cNvSpPr>
+            <a:spLocks noGrp="1" noRot="1" noChangeAspect="1"/>
+          </p:cNvSpPr>
+          <p:nvPr>
+            <p:ph type="sldImg"/>
+          </p:nvPr>
+        </p:nvSpPr>
+        <p:spPr/>
+      </p:sp>
+      <p:sp>
+        <p:nvSpPr>
+          <p:cNvPr id="3" name="ノート プレースホルダー 2"/>
+          <p:cNvSpPr>
+            <a:spLocks noGrp="1"/>
+          </p:cNvSpPr>
+          <p:nvPr>
+            <p:ph type="body" idx="1"/>
+          </p:nvPr>
+        </p:nvSpPr>
+        <p:spPr/>
+        <p:txBody>
+          <a:bodyPr/>
+          <a:lstStyle/>
+          <a:p>
+            <a:endParaRPr kumimoji="1" lang="ja-JP" altLang="en-US"/>
+          </a:p>
+        </p:txBody>
+      </p:sp>
+      <p:sp>
+        <p:nvSpPr>
+          <p:cNvPr id="4" name="スライド番号プレースホルダー 3"/>
+          <p:cNvSpPr>
+            <a:spLocks noGrp="1"/>
+          </p:cNvSpPr>
+          <p:nvPr>
+            <p:ph type="sldNum" sz="quarter" idx="5"/>
+          </p:nvPr>
+        </p:nvSpPr>
+        <p:spPr/>
+        <p:txBody>
+          <a:bodyPr/>
+          <a:lstStyle/>
+          <a:p>
+            <a:fld id="{2A9FC8AF-CE5B-E64C-8425-DC68F7168DD7}" type="slidenum">
+              <a:rPr kumimoji="1" lang="ja-JP" altLang="en-US" smtClean="0"/>
+              <a:t>8</a:t>
+            </a:fld>
+            <a:endParaRPr kumimoji="1" lang="ja-JP" altLang="en-US"/>
+          </a:p>
+        </p:txBody>
+      </p:sp>
+    </p:spTree>
+    <p:extLst>
+      <p:ext uri="{BB962C8B-B14F-4D97-AF65-F5344CB8AC3E}">
+        <p14:creationId xmlns:p14="http://schemas.microsoft.com/office/powerpoint/2010/main" val="1812376401"/>
+      </p:ext>
+    </p:extLst>
+  </p:cSld>
+  <p:clrMapOvr>
+    <a:masterClrMapping/>
+  </p:clrMapOvr>
+</p:notes>
+</file>
+
+<file path=ppt/notesSlides/notesSlide3.xml><?xml version="1.0" encoding="utf-8"?>
+<p:notes xmlns:a="http://schemas.openxmlformats.org/drawingml/2006/main" xmlns:r="http://schemas.openxmlformats.org/officeDocument/2006/relationships" xmlns:p="http://schemas.openxmlformats.org/presentationml/2006/main">
+  <p:cSld>
+    <p:spTree>
+      <p:nvGrpSpPr>
+        <p:cNvPr id="1" name=""/>
+        <p:cNvGrpSpPr/>
+        <p:nvPr/>
+      </p:nvGrpSpPr>
+      <p:grpSpPr>
+        <a:xfrm>
+          <a:off x="0" y="0"/>
+          <a:ext cx="0" cy="0"/>
+          <a:chOff x="0" y="0"/>
+          <a:chExt cx="0" cy="0"/>
+        </a:xfrm>
+      </p:grpSpPr>
+      <p:sp>
+        <p:nvSpPr>
+          <p:cNvPr id="2" name="スライド イメージ プレースホルダー 1"/>
+          <p:cNvSpPr>
+            <a:spLocks noGrp="1" noRot="1" noChangeAspect="1"/>
+          </p:cNvSpPr>
+          <p:nvPr>
+            <p:ph type="sldImg"/>
+          </p:nvPr>
+        </p:nvSpPr>
+        <p:spPr/>
+      </p:sp>
+      <p:sp>
+        <p:nvSpPr>
+          <p:cNvPr id="3" name="ノート プレースホルダー 2"/>
+          <p:cNvSpPr>
+            <a:spLocks noGrp="1"/>
+          </p:cNvSpPr>
+          <p:nvPr>
+            <p:ph type="body" idx="1"/>
+          </p:nvPr>
+        </p:nvSpPr>
+        <p:spPr/>
+        <p:txBody>
+          <a:bodyPr/>
+          <a:lstStyle/>
+          <a:p>
+            <a:endParaRPr kumimoji="1" lang="ja-JP" altLang="en-US"/>
+          </a:p>
+        </p:txBody>
+      </p:sp>
+      <p:sp>
+        <p:nvSpPr>
+          <p:cNvPr id="4" name="スライド番号プレースホルダー 3"/>
+          <p:cNvSpPr>
+            <a:spLocks noGrp="1"/>
+          </p:cNvSpPr>
+          <p:nvPr>
+            <p:ph type="sldNum" sz="quarter" idx="5"/>
+          </p:nvPr>
+        </p:nvSpPr>
+        <p:spPr/>
+        <p:txBody>
+          <a:bodyPr/>
+          <a:lstStyle/>
+          <a:p>
+            <a:fld id="{2A9FC8AF-CE5B-E64C-8425-DC68F7168DD7}" type="slidenum">
+              <a:rPr kumimoji="1" lang="ja-JP" altLang="en-US" smtClean="0"/>
+              <a:t>9</a:t>
+            </a:fld>
+            <a:endParaRPr kumimoji="1" lang="ja-JP" altLang="en-US"/>
+          </a:p>
+        </p:txBody>
+      </p:sp>
+    </p:spTree>
+    <p:extLst>
+      <p:ext uri="{BB962C8B-B14F-4D97-AF65-F5344CB8AC3E}">
+        <p14:creationId xmlns:p14="http://schemas.microsoft.com/office/powerpoint/2010/main" val="2882251820"/>
+      </p:ext>
+    </p:extLst>
+  </p:cSld>
+  <p:clrMapOvr>
+    <a:masterClrMapping/>
+  </p:clrMapOvr>
+</p:notes>
+</file>
+
+<file path=ppt/notesSlides/notesSlide4.xml><?xml version="1.0" encoding="utf-8"?>
+<p:notes xmlns:a="http://schemas.openxmlformats.org/drawingml/2006/main" xmlns:r="http://schemas.openxmlformats.org/officeDocument/2006/relationships" xmlns:p="http://schemas.openxmlformats.org/presentationml/2006/main">
+  <p:cSld>
+    <p:spTree>
+      <p:nvGrpSpPr>
+        <p:cNvPr id="1" name=""/>
+        <p:cNvGrpSpPr/>
+        <p:nvPr/>
+      </p:nvGrpSpPr>
+      <p:grpSpPr>
+        <a:xfrm>
+          <a:off x="0" y="0"/>
+          <a:ext cx="0" cy="0"/>
+          <a:chOff x="0" y="0"/>
+          <a:chExt cx="0" cy="0"/>
+        </a:xfrm>
+      </p:grpSpPr>
+      <p:sp>
+        <p:nvSpPr>
+          <p:cNvPr id="2" name="スライド イメージ プレースホルダー 1"/>
+          <p:cNvSpPr>
+            <a:spLocks noGrp="1" noRot="1" noChangeAspect="1"/>
+          </p:cNvSpPr>
+          <p:nvPr>
+            <p:ph type="sldImg"/>
+          </p:nvPr>
+        </p:nvSpPr>
+        <p:spPr/>
+      </p:sp>
+      <p:sp>
+        <p:nvSpPr>
+          <p:cNvPr id="3" name="ノート プレースホルダー 2"/>
+          <p:cNvSpPr>
+            <a:spLocks noGrp="1"/>
+          </p:cNvSpPr>
+          <p:nvPr>
+            <p:ph type="body" idx="1"/>
+          </p:nvPr>
+        </p:nvSpPr>
+        <p:spPr/>
+        <p:txBody>
+          <a:bodyPr/>
+          <a:lstStyle/>
+          <a:p>
+            <a:endParaRPr kumimoji="1" lang="ja-JP" altLang="en-US"/>
+          </a:p>
+        </p:txBody>
+      </p:sp>
+      <p:sp>
+        <p:nvSpPr>
+          <p:cNvPr id="4" name="スライド番号プレースホルダー 3"/>
+          <p:cNvSpPr>
+            <a:spLocks noGrp="1"/>
+          </p:cNvSpPr>
+          <p:nvPr>
+            <p:ph type="sldNum" sz="quarter" idx="5"/>
+          </p:nvPr>
+        </p:nvSpPr>
+        <p:spPr/>
+        <p:txBody>
+          <a:bodyPr/>
+          <a:lstStyle/>
+          <a:p>
+            <a:fld id="{ED081D99-F0BA-9848-90CB-F422B649C6E9}" type="slidenum">
+              <a:rPr kumimoji="1" lang="ja-JP" altLang="en-US" smtClean="0"/>
+              <a:t>10</a:t>
+            </a:fld>
+            <a:endParaRPr kumimoji="1" lang="ja-JP" altLang="en-US"/>
+          </a:p>
+        </p:txBody>
+      </p:sp>
+    </p:spTree>
+    <p:extLst>
+      <p:ext uri="{BB962C8B-B14F-4D97-AF65-F5344CB8AC3E}">
+        <p14:creationId xmlns:p14="http://schemas.microsoft.com/office/powerpoint/2010/main" val="2167440879"/>
+      </p:ext>
+    </p:extLst>
+  </p:cSld>
+  <p:clrMapOvr>
+    <a:masterClrMapping/>
+  </p:clrMapOvr>
+</p:notes>
 </file>
 
 <file path=ppt/slideLayouts/slideLayout1.xml><?xml version="1.0" encoding="utf-8"?>
@@ -379,7 +1521,7 @@
           <p:cNvPr id="2" name="タイトル 1">
             <a:extLst>
               <a:ext uri="{FF2B5EF4-FFF2-40B4-BE49-F238E27FC236}">
-                <a16:creationId xmlns:a16="http://schemas.microsoft.com/office/drawing/2014/main" id="{730570FC-1B8F-DA4C-805F-27D6AD0E8A4C}"/>
+                <a16:creationId xmlns:a16="http://schemas.microsoft.com/office/drawing/2014/main" id="{19261B2C-1B08-5B4E-902C-C60DF6705A5D}"/>
               </a:ext>
             </a:extLst>
           </p:cNvPr>
@@ -416,7 +1558,7 @@
           <p:cNvPr id="3" name="字幕 2">
             <a:extLst>
               <a:ext uri="{FF2B5EF4-FFF2-40B4-BE49-F238E27FC236}">
-                <a16:creationId xmlns:a16="http://schemas.microsoft.com/office/drawing/2014/main" id="{E4E31D2C-82E9-9C4B-B146-1EECA166322E}"/>
+                <a16:creationId xmlns:a16="http://schemas.microsoft.com/office/drawing/2014/main" id="{217D8C11-0190-414F-A740-954E8CF97E69}"/>
               </a:ext>
             </a:extLst>
           </p:cNvPr>
@@ -486,7 +1628,7 @@
           <p:cNvPr id="4" name="日付プレースホルダー 3">
             <a:extLst>
               <a:ext uri="{FF2B5EF4-FFF2-40B4-BE49-F238E27FC236}">
-                <a16:creationId xmlns:a16="http://schemas.microsoft.com/office/drawing/2014/main" id="{0180BADE-8DAA-8C42-BE97-C1B4E6079DE4}"/>
+                <a16:creationId xmlns:a16="http://schemas.microsoft.com/office/drawing/2014/main" id="{E6CA9B3B-9FAF-3740-9231-6B322C74915A}"/>
               </a:ext>
             </a:extLst>
           </p:cNvPr>
@@ -502,9 +1644,9 @@
           <a:bodyPr/>
           <a:lstStyle/>
           <a:p>
-            <a:fld id="{109D021F-6DA5-0F41-8FDE-4263179E1E47}" type="datetimeFigureOut">
+            <a:fld id="{B9148E87-D767-4243-9E31-2E6D394C8567}" type="datetimeFigureOut">
               <a:rPr kumimoji="1" lang="ja-JP" altLang="en-US" smtClean="0"/>
-              <a:t>2021/11/25</a:t>
+              <a:t>2022/9/21</a:t>
             </a:fld>
             <a:endParaRPr kumimoji="1" lang="ja-JP" altLang="en-US"/>
           </a:p>
@@ -515,7 +1657,7 @@
           <p:cNvPr id="5" name="フッター プレースホルダー 4">
             <a:extLst>
               <a:ext uri="{FF2B5EF4-FFF2-40B4-BE49-F238E27FC236}">
-                <a16:creationId xmlns:a16="http://schemas.microsoft.com/office/drawing/2014/main" id="{22197273-5205-7A4C-815D-A12439F54182}"/>
+                <a16:creationId xmlns:a16="http://schemas.microsoft.com/office/drawing/2014/main" id="{CF5C0E9E-5B01-9F4E-AAC0-D6FAE2F7FD69}"/>
               </a:ext>
             </a:extLst>
           </p:cNvPr>
@@ -540,7 +1682,7 @@
           <p:cNvPr id="6" name="スライド番号プレースホルダー 5">
             <a:extLst>
               <a:ext uri="{FF2B5EF4-FFF2-40B4-BE49-F238E27FC236}">
-                <a16:creationId xmlns:a16="http://schemas.microsoft.com/office/drawing/2014/main" id="{C485851B-6198-B44D-84BF-C254237E8F59}"/>
+                <a16:creationId xmlns:a16="http://schemas.microsoft.com/office/drawing/2014/main" id="{320FDD68-E289-C74B-BF1D-A30E4366D362}"/>
               </a:ext>
             </a:extLst>
           </p:cNvPr>
@@ -556,7 +1698,7 @@
           <a:bodyPr/>
           <a:lstStyle/>
           <a:p>
-            <a:fld id="{76ADF933-266D-E746-99F4-C7579547FB03}" type="slidenum">
+            <a:fld id="{36B086C5-84CE-0244-A96A-F90743B3D0F1}" type="slidenum">
               <a:rPr kumimoji="1" lang="ja-JP" altLang="en-US" smtClean="0"/>
               <a:t>‹#›</a:t>
             </a:fld>
@@ -567,7 +1709,7 @@
     </p:spTree>
     <p:extLst>
       <p:ext uri="{BB962C8B-B14F-4D97-AF65-F5344CB8AC3E}">
-        <p14:creationId xmlns:p14="http://schemas.microsoft.com/office/powerpoint/2010/main" val="1404797208"/>
+        <p14:creationId xmlns:p14="http://schemas.microsoft.com/office/powerpoint/2010/main" val="162196146"/>
       </p:ext>
     </p:extLst>
   </p:cSld>
@@ -599,7 +1741,7 @@
           <p:cNvPr id="2" name="タイトル 1">
             <a:extLst>
               <a:ext uri="{FF2B5EF4-FFF2-40B4-BE49-F238E27FC236}">
-                <a16:creationId xmlns:a16="http://schemas.microsoft.com/office/drawing/2014/main" id="{407F9CCF-BCA7-AF48-876A-B8DA7872E276}"/>
+                <a16:creationId xmlns:a16="http://schemas.microsoft.com/office/drawing/2014/main" id="{E5B1D9D3-7AA3-3648-92AF-435686827C95}"/>
               </a:ext>
             </a:extLst>
           </p:cNvPr>
@@ -627,7 +1769,7 @@
           <p:cNvPr id="3" name="縦書きテキスト プレースホルダー 2">
             <a:extLst>
               <a:ext uri="{FF2B5EF4-FFF2-40B4-BE49-F238E27FC236}">
-                <a16:creationId xmlns:a16="http://schemas.microsoft.com/office/drawing/2014/main" id="{BFB900FC-05F6-7843-B917-753A3C9C140F}"/>
+                <a16:creationId xmlns:a16="http://schemas.microsoft.com/office/drawing/2014/main" id="{59196EE4-893E-AC45-B05A-7EF58AC456CA}"/>
               </a:ext>
             </a:extLst>
           </p:cNvPr>
@@ -716,7 +1858,7 @@
           <p:cNvPr id="4" name="日付プレースホルダー 3">
             <a:extLst>
               <a:ext uri="{FF2B5EF4-FFF2-40B4-BE49-F238E27FC236}">
-                <a16:creationId xmlns:a16="http://schemas.microsoft.com/office/drawing/2014/main" id="{108AA086-1729-E741-A141-CE7BA4381942}"/>
+                <a16:creationId xmlns:a16="http://schemas.microsoft.com/office/drawing/2014/main" id="{35A6F7DB-7D41-AD4B-BB59-FC4D762BCFE7}"/>
               </a:ext>
             </a:extLst>
           </p:cNvPr>
@@ -732,9 +1874,9 @@
           <a:bodyPr/>
           <a:lstStyle/>
           <a:p>
-            <a:fld id="{109D021F-6DA5-0F41-8FDE-4263179E1E47}" type="datetimeFigureOut">
+            <a:fld id="{B9148E87-D767-4243-9E31-2E6D394C8567}" type="datetimeFigureOut">
               <a:rPr kumimoji="1" lang="ja-JP" altLang="en-US" smtClean="0"/>
-              <a:t>2021/11/25</a:t>
+              <a:t>2022/9/21</a:t>
             </a:fld>
             <a:endParaRPr kumimoji="1" lang="ja-JP" altLang="en-US"/>
           </a:p>
@@ -745,7 +1887,7 @@
           <p:cNvPr id="5" name="フッター プレースホルダー 4">
             <a:extLst>
               <a:ext uri="{FF2B5EF4-FFF2-40B4-BE49-F238E27FC236}">
-                <a16:creationId xmlns:a16="http://schemas.microsoft.com/office/drawing/2014/main" id="{6F6E0E40-3843-3D40-8398-A31C8729B1B3}"/>
+                <a16:creationId xmlns:a16="http://schemas.microsoft.com/office/drawing/2014/main" id="{07A0225D-A281-1E42-A2F6-35265889706C}"/>
               </a:ext>
             </a:extLst>
           </p:cNvPr>
@@ -770,7 +1912,7 @@
           <p:cNvPr id="6" name="スライド番号プレースホルダー 5">
             <a:extLst>
               <a:ext uri="{FF2B5EF4-FFF2-40B4-BE49-F238E27FC236}">
-                <a16:creationId xmlns:a16="http://schemas.microsoft.com/office/drawing/2014/main" id="{A5131E5A-4119-9448-85DE-83F7F5D5DC40}"/>
+                <a16:creationId xmlns:a16="http://schemas.microsoft.com/office/drawing/2014/main" id="{25AC29A7-F6E0-AF47-9416-70E595DFD110}"/>
               </a:ext>
             </a:extLst>
           </p:cNvPr>
@@ -786,7 +1928,7 @@
           <a:bodyPr/>
           <a:lstStyle/>
           <a:p>
-            <a:fld id="{76ADF933-266D-E746-99F4-C7579547FB03}" type="slidenum">
+            <a:fld id="{36B086C5-84CE-0244-A96A-F90743B3D0F1}" type="slidenum">
               <a:rPr kumimoji="1" lang="ja-JP" altLang="en-US" smtClean="0"/>
               <a:t>‹#›</a:t>
             </a:fld>
@@ -797,7 +1939,7 @@
     </p:spTree>
     <p:extLst>
       <p:ext uri="{BB962C8B-B14F-4D97-AF65-F5344CB8AC3E}">
-        <p14:creationId xmlns:p14="http://schemas.microsoft.com/office/powerpoint/2010/main" val="2173639389"/>
+        <p14:creationId xmlns:p14="http://schemas.microsoft.com/office/powerpoint/2010/main" val="321736289"/>
       </p:ext>
     </p:extLst>
   </p:cSld>
@@ -829,7 +1971,7 @@
           <p:cNvPr id="2" name="縦書きタイトル 1">
             <a:extLst>
               <a:ext uri="{FF2B5EF4-FFF2-40B4-BE49-F238E27FC236}">
-                <a16:creationId xmlns:a16="http://schemas.microsoft.com/office/drawing/2014/main" id="{934FA9CA-CF6B-D048-8591-256D6FE1A9DD}"/>
+                <a16:creationId xmlns:a16="http://schemas.microsoft.com/office/drawing/2014/main" id="{04909E83-6322-224A-AA0A-298EA897BF1C}"/>
               </a:ext>
             </a:extLst>
           </p:cNvPr>
@@ -862,7 +2004,7 @@
           <p:cNvPr id="3" name="縦書きテキスト プレースホルダー 2">
             <a:extLst>
               <a:ext uri="{FF2B5EF4-FFF2-40B4-BE49-F238E27FC236}">
-                <a16:creationId xmlns:a16="http://schemas.microsoft.com/office/drawing/2014/main" id="{67A7481A-C7F7-CC40-9211-5C67FA40A9F2}"/>
+                <a16:creationId xmlns:a16="http://schemas.microsoft.com/office/drawing/2014/main" id="{5D03CC5D-460C-7C44-A471-5599B89B5682}"/>
               </a:ext>
             </a:extLst>
           </p:cNvPr>
@@ -956,7 +2098,7 @@
           <p:cNvPr id="4" name="日付プレースホルダー 3">
             <a:extLst>
               <a:ext uri="{FF2B5EF4-FFF2-40B4-BE49-F238E27FC236}">
-                <a16:creationId xmlns:a16="http://schemas.microsoft.com/office/drawing/2014/main" id="{C5B19D48-3715-8949-A952-5709B49853EC}"/>
+                <a16:creationId xmlns:a16="http://schemas.microsoft.com/office/drawing/2014/main" id="{A3212850-053D-1D4F-B04A-93557592912C}"/>
               </a:ext>
             </a:extLst>
           </p:cNvPr>
@@ -972,9 +2114,9 @@
           <a:bodyPr/>
           <a:lstStyle/>
           <a:p>
-            <a:fld id="{109D021F-6DA5-0F41-8FDE-4263179E1E47}" type="datetimeFigureOut">
+            <a:fld id="{B9148E87-D767-4243-9E31-2E6D394C8567}" type="datetimeFigureOut">
               <a:rPr kumimoji="1" lang="ja-JP" altLang="en-US" smtClean="0"/>
-              <a:t>2021/11/25</a:t>
+              <a:t>2022/9/21</a:t>
             </a:fld>
             <a:endParaRPr kumimoji="1" lang="ja-JP" altLang="en-US"/>
           </a:p>
@@ -985,7 +2127,7 @@
           <p:cNvPr id="5" name="フッター プレースホルダー 4">
             <a:extLst>
               <a:ext uri="{FF2B5EF4-FFF2-40B4-BE49-F238E27FC236}">
-                <a16:creationId xmlns:a16="http://schemas.microsoft.com/office/drawing/2014/main" id="{BBE37608-FC26-8845-AF86-4E1651EFE195}"/>
+                <a16:creationId xmlns:a16="http://schemas.microsoft.com/office/drawing/2014/main" id="{9026818D-9F19-E341-BAA9-90F0C58E80D7}"/>
               </a:ext>
             </a:extLst>
           </p:cNvPr>
@@ -1010,7 +2152,7 @@
           <p:cNvPr id="6" name="スライド番号プレースホルダー 5">
             <a:extLst>
               <a:ext uri="{FF2B5EF4-FFF2-40B4-BE49-F238E27FC236}">
-                <a16:creationId xmlns:a16="http://schemas.microsoft.com/office/drawing/2014/main" id="{40F9403D-0975-E44B-A5E5-F9B88394312F}"/>
+                <a16:creationId xmlns:a16="http://schemas.microsoft.com/office/drawing/2014/main" id="{11DB6550-B3AB-F54E-9F40-EC0ACA1C937C}"/>
               </a:ext>
             </a:extLst>
           </p:cNvPr>
@@ -1026,7 +2168,7 @@
           <a:bodyPr/>
           <a:lstStyle/>
           <a:p>
-            <a:fld id="{76ADF933-266D-E746-99F4-C7579547FB03}" type="slidenum">
+            <a:fld id="{36B086C5-84CE-0244-A96A-F90743B3D0F1}" type="slidenum">
               <a:rPr kumimoji="1" lang="ja-JP" altLang="en-US" smtClean="0"/>
               <a:t>‹#›</a:t>
             </a:fld>
@@ -1037,7 +2179,7 @@
     </p:spTree>
     <p:extLst>
       <p:ext uri="{BB962C8B-B14F-4D97-AF65-F5344CB8AC3E}">
-        <p14:creationId xmlns:p14="http://schemas.microsoft.com/office/powerpoint/2010/main" val="97482404"/>
+        <p14:creationId xmlns:p14="http://schemas.microsoft.com/office/powerpoint/2010/main" val="3235606318"/>
       </p:ext>
     </p:extLst>
   </p:cSld>
@@ -1069,7 +2211,7 @@
           <p:cNvPr id="2" name="タイトル 1">
             <a:extLst>
               <a:ext uri="{FF2B5EF4-FFF2-40B4-BE49-F238E27FC236}">
-                <a16:creationId xmlns:a16="http://schemas.microsoft.com/office/drawing/2014/main" id="{24838409-1998-A945-9243-F98A6A1479DA}"/>
+                <a16:creationId xmlns:a16="http://schemas.microsoft.com/office/drawing/2014/main" id="{75AFF7E5-63E6-4546-AF2F-527086ED27A7}"/>
               </a:ext>
             </a:extLst>
           </p:cNvPr>
@@ -1097,7 +2239,7 @@
           <p:cNvPr id="3" name="コンテンツ プレースホルダー 2">
             <a:extLst>
               <a:ext uri="{FF2B5EF4-FFF2-40B4-BE49-F238E27FC236}">
-                <a16:creationId xmlns:a16="http://schemas.microsoft.com/office/drawing/2014/main" id="{D7A90038-BBB6-2143-A549-A48BEAD27711}"/>
+                <a16:creationId xmlns:a16="http://schemas.microsoft.com/office/drawing/2014/main" id="{2BDA3852-FA79-F04E-80D6-9A540635BB3C}"/>
               </a:ext>
             </a:extLst>
           </p:cNvPr>
@@ -1186,7 +2328,7 @@
           <p:cNvPr id="4" name="日付プレースホルダー 3">
             <a:extLst>
               <a:ext uri="{FF2B5EF4-FFF2-40B4-BE49-F238E27FC236}">
-                <a16:creationId xmlns:a16="http://schemas.microsoft.com/office/drawing/2014/main" id="{563A8E0E-9DBB-D049-A75A-3306E484E357}"/>
+                <a16:creationId xmlns:a16="http://schemas.microsoft.com/office/drawing/2014/main" id="{3B97954A-AE74-2D40-A59B-00071230B5D0}"/>
               </a:ext>
             </a:extLst>
           </p:cNvPr>
@@ -1202,9 +2344,9 @@
           <a:bodyPr/>
           <a:lstStyle/>
           <a:p>
-            <a:fld id="{109D021F-6DA5-0F41-8FDE-4263179E1E47}" type="datetimeFigureOut">
+            <a:fld id="{B9148E87-D767-4243-9E31-2E6D394C8567}" type="datetimeFigureOut">
               <a:rPr kumimoji="1" lang="ja-JP" altLang="en-US" smtClean="0"/>
-              <a:t>2021/11/25</a:t>
+              <a:t>2022/9/21</a:t>
             </a:fld>
             <a:endParaRPr kumimoji="1" lang="ja-JP" altLang="en-US"/>
           </a:p>
@@ -1215,7 +2357,7 @@
           <p:cNvPr id="5" name="フッター プレースホルダー 4">
             <a:extLst>
               <a:ext uri="{FF2B5EF4-FFF2-40B4-BE49-F238E27FC236}">
-                <a16:creationId xmlns:a16="http://schemas.microsoft.com/office/drawing/2014/main" id="{3CD3BDB6-B2F9-E943-A869-E97CE78EEA6F}"/>
+                <a16:creationId xmlns:a16="http://schemas.microsoft.com/office/drawing/2014/main" id="{CA7699EB-50D8-0046-92A4-E6D0244757B1}"/>
               </a:ext>
             </a:extLst>
           </p:cNvPr>
@@ -1240,7 +2382,7 @@
           <p:cNvPr id="6" name="スライド番号プレースホルダー 5">
             <a:extLst>
               <a:ext uri="{FF2B5EF4-FFF2-40B4-BE49-F238E27FC236}">
-                <a16:creationId xmlns:a16="http://schemas.microsoft.com/office/drawing/2014/main" id="{95867D05-7060-2240-86BF-F7D9A675B5DE}"/>
+                <a16:creationId xmlns:a16="http://schemas.microsoft.com/office/drawing/2014/main" id="{9FF8AC6E-EAF8-0F43-BD1B-31F9F75C0ED5}"/>
               </a:ext>
             </a:extLst>
           </p:cNvPr>
@@ -1256,7 +2398,7 @@
           <a:bodyPr/>
           <a:lstStyle/>
           <a:p>
-            <a:fld id="{76ADF933-266D-E746-99F4-C7579547FB03}" type="slidenum">
+            <a:fld id="{36B086C5-84CE-0244-A96A-F90743B3D0F1}" type="slidenum">
               <a:rPr kumimoji="1" lang="ja-JP" altLang="en-US" smtClean="0"/>
               <a:t>‹#›</a:t>
             </a:fld>
@@ -1267,7 +2409,7 @@
     </p:spTree>
     <p:extLst>
       <p:ext uri="{BB962C8B-B14F-4D97-AF65-F5344CB8AC3E}">
-        <p14:creationId xmlns:p14="http://schemas.microsoft.com/office/powerpoint/2010/main" val="2860744901"/>
+        <p14:creationId xmlns:p14="http://schemas.microsoft.com/office/powerpoint/2010/main" val="1151750811"/>
       </p:ext>
     </p:extLst>
   </p:cSld>
@@ -1299,7 +2441,7 @@
           <p:cNvPr id="2" name="タイトル 1">
             <a:extLst>
               <a:ext uri="{FF2B5EF4-FFF2-40B4-BE49-F238E27FC236}">
-                <a16:creationId xmlns:a16="http://schemas.microsoft.com/office/drawing/2014/main" id="{C995488E-4363-5547-840D-24EB14DF7471}"/>
+                <a16:creationId xmlns:a16="http://schemas.microsoft.com/office/drawing/2014/main" id="{A5938E7E-9713-C749-9714-15A5F44F6084}"/>
               </a:ext>
             </a:extLst>
           </p:cNvPr>
@@ -1336,7 +2478,7 @@
           <p:cNvPr id="3" name="テキスト プレースホルダー 2">
             <a:extLst>
               <a:ext uri="{FF2B5EF4-FFF2-40B4-BE49-F238E27FC236}">
-                <a16:creationId xmlns:a16="http://schemas.microsoft.com/office/drawing/2014/main" id="{417E81A1-203C-8849-B2EB-A2F00C0FD677}"/>
+                <a16:creationId xmlns:a16="http://schemas.microsoft.com/office/drawing/2014/main" id="{7013DD3A-05D0-E84C-BA50-19A92F8CAAEB}"/>
               </a:ext>
             </a:extLst>
           </p:cNvPr>
@@ -1461,7 +2603,7 @@
           <p:cNvPr id="4" name="日付プレースホルダー 3">
             <a:extLst>
               <a:ext uri="{FF2B5EF4-FFF2-40B4-BE49-F238E27FC236}">
-                <a16:creationId xmlns:a16="http://schemas.microsoft.com/office/drawing/2014/main" id="{B1A84F72-57AA-9E41-A7C9-0754AC2DF2CD}"/>
+                <a16:creationId xmlns:a16="http://schemas.microsoft.com/office/drawing/2014/main" id="{0683BE19-718F-914E-8ADC-878801C2FE79}"/>
               </a:ext>
             </a:extLst>
           </p:cNvPr>
@@ -1477,9 +2619,9 @@
           <a:bodyPr/>
           <a:lstStyle/>
           <a:p>
-            <a:fld id="{109D021F-6DA5-0F41-8FDE-4263179E1E47}" type="datetimeFigureOut">
+            <a:fld id="{B9148E87-D767-4243-9E31-2E6D394C8567}" type="datetimeFigureOut">
               <a:rPr kumimoji="1" lang="ja-JP" altLang="en-US" smtClean="0"/>
-              <a:t>2021/11/25</a:t>
+              <a:t>2022/9/21</a:t>
             </a:fld>
             <a:endParaRPr kumimoji="1" lang="ja-JP" altLang="en-US"/>
           </a:p>
@@ -1490,7 +2632,7 @@
           <p:cNvPr id="5" name="フッター プレースホルダー 4">
             <a:extLst>
               <a:ext uri="{FF2B5EF4-FFF2-40B4-BE49-F238E27FC236}">
-                <a16:creationId xmlns:a16="http://schemas.microsoft.com/office/drawing/2014/main" id="{EE7F14E7-3207-CF45-8DD0-2F444D5F5D71}"/>
+                <a16:creationId xmlns:a16="http://schemas.microsoft.com/office/drawing/2014/main" id="{1C13BCDA-F675-EF4A-B9AE-F7B1545584F1}"/>
               </a:ext>
             </a:extLst>
           </p:cNvPr>
@@ -1515,7 +2657,7 @@
           <p:cNvPr id="6" name="スライド番号プレースホルダー 5">
             <a:extLst>
               <a:ext uri="{FF2B5EF4-FFF2-40B4-BE49-F238E27FC236}">
-                <a16:creationId xmlns:a16="http://schemas.microsoft.com/office/drawing/2014/main" id="{A9A40A7A-A412-DC4E-B1D8-F21CF5D9E69C}"/>
+                <a16:creationId xmlns:a16="http://schemas.microsoft.com/office/drawing/2014/main" id="{535D0051-82D3-2D49-AB7F-2CBD62324478}"/>
               </a:ext>
             </a:extLst>
           </p:cNvPr>
@@ -1531,7 +2673,7 @@
           <a:bodyPr/>
           <a:lstStyle/>
           <a:p>
-            <a:fld id="{76ADF933-266D-E746-99F4-C7579547FB03}" type="slidenum">
+            <a:fld id="{36B086C5-84CE-0244-A96A-F90743B3D0F1}" type="slidenum">
               <a:rPr kumimoji="1" lang="ja-JP" altLang="en-US" smtClean="0"/>
               <a:t>‹#›</a:t>
             </a:fld>
@@ -1542,7 +2684,7 @@
     </p:spTree>
     <p:extLst>
       <p:ext uri="{BB962C8B-B14F-4D97-AF65-F5344CB8AC3E}">
-        <p14:creationId xmlns:p14="http://schemas.microsoft.com/office/powerpoint/2010/main" val="3489931564"/>
+        <p14:creationId xmlns:p14="http://schemas.microsoft.com/office/powerpoint/2010/main" val="3387832546"/>
       </p:ext>
     </p:extLst>
   </p:cSld>
@@ -1574,7 +2716,7 @@
           <p:cNvPr id="2" name="タイトル 1">
             <a:extLst>
               <a:ext uri="{FF2B5EF4-FFF2-40B4-BE49-F238E27FC236}">
-                <a16:creationId xmlns:a16="http://schemas.microsoft.com/office/drawing/2014/main" id="{F663162B-A68F-534F-B1EB-BAA8ADEEFA18}"/>
+                <a16:creationId xmlns:a16="http://schemas.microsoft.com/office/drawing/2014/main" id="{29853B08-C71E-D04E-A593-9FCB568FF616}"/>
               </a:ext>
             </a:extLst>
           </p:cNvPr>
@@ -1602,7 +2744,7 @@
           <p:cNvPr id="3" name="コンテンツ プレースホルダー 2">
             <a:extLst>
               <a:ext uri="{FF2B5EF4-FFF2-40B4-BE49-F238E27FC236}">
-                <a16:creationId xmlns:a16="http://schemas.microsoft.com/office/drawing/2014/main" id="{E3735642-BEA4-5345-8CD2-AEC19B2010AF}"/>
+                <a16:creationId xmlns:a16="http://schemas.microsoft.com/office/drawing/2014/main" id="{09C36F3C-62E9-C04A-A6F4-2EAC88BE4F61}"/>
               </a:ext>
             </a:extLst>
           </p:cNvPr>
@@ -1696,7 +2838,7 @@
           <p:cNvPr id="4" name="コンテンツ プレースホルダー 3">
             <a:extLst>
               <a:ext uri="{FF2B5EF4-FFF2-40B4-BE49-F238E27FC236}">
-                <a16:creationId xmlns:a16="http://schemas.microsoft.com/office/drawing/2014/main" id="{A2EC377E-4895-FA41-A955-9FFFB2E910EB}"/>
+                <a16:creationId xmlns:a16="http://schemas.microsoft.com/office/drawing/2014/main" id="{4E8C24BC-EF5F-6540-9B8D-21C73C53DEC6}"/>
               </a:ext>
             </a:extLst>
           </p:cNvPr>
@@ -1790,7 +2932,7 @@
           <p:cNvPr id="5" name="日付プレースホルダー 4">
             <a:extLst>
               <a:ext uri="{FF2B5EF4-FFF2-40B4-BE49-F238E27FC236}">
-                <a16:creationId xmlns:a16="http://schemas.microsoft.com/office/drawing/2014/main" id="{2B3A31DB-8974-734E-A8C9-7FE173478680}"/>
+                <a16:creationId xmlns:a16="http://schemas.microsoft.com/office/drawing/2014/main" id="{47C9A0FE-8747-904B-BECD-602D283ABA9F}"/>
               </a:ext>
             </a:extLst>
           </p:cNvPr>
@@ -1806,9 +2948,9 @@
           <a:bodyPr/>
           <a:lstStyle/>
           <a:p>
-            <a:fld id="{109D021F-6DA5-0F41-8FDE-4263179E1E47}" type="datetimeFigureOut">
+            <a:fld id="{B9148E87-D767-4243-9E31-2E6D394C8567}" type="datetimeFigureOut">
               <a:rPr kumimoji="1" lang="ja-JP" altLang="en-US" smtClean="0"/>
-              <a:t>2021/11/25</a:t>
+              <a:t>2022/9/21</a:t>
             </a:fld>
             <a:endParaRPr kumimoji="1" lang="ja-JP" altLang="en-US"/>
           </a:p>
@@ -1819,7 +2961,7 @@
           <p:cNvPr id="6" name="フッター プレースホルダー 5">
             <a:extLst>
               <a:ext uri="{FF2B5EF4-FFF2-40B4-BE49-F238E27FC236}">
-                <a16:creationId xmlns:a16="http://schemas.microsoft.com/office/drawing/2014/main" id="{86373D03-FA62-B24A-8340-D0E5586C46FC}"/>
+                <a16:creationId xmlns:a16="http://schemas.microsoft.com/office/drawing/2014/main" id="{6F094974-AA72-D745-88FF-B6AFB39406B7}"/>
               </a:ext>
             </a:extLst>
           </p:cNvPr>
@@ -1844,7 +2986,7 @@
           <p:cNvPr id="7" name="スライド番号プレースホルダー 6">
             <a:extLst>
               <a:ext uri="{FF2B5EF4-FFF2-40B4-BE49-F238E27FC236}">
-                <a16:creationId xmlns:a16="http://schemas.microsoft.com/office/drawing/2014/main" id="{A57212BE-5433-F141-A4FE-A4736431E751}"/>
+                <a16:creationId xmlns:a16="http://schemas.microsoft.com/office/drawing/2014/main" id="{1352C103-7D96-1A4E-A6FA-1435E7359C1D}"/>
               </a:ext>
             </a:extLst>
           </p:cNvPr>
@@ -1860,7 +3002,7 @@
           <a:bodyPr/>
           <a:lstStyle/>
           <a:p>
-            <a:fld id="{76ADF933-266D-E746-99F4-C7579547FB03}" type="slidenum">
+            <a:fld id="{36B086C5-84CE-0244-A96A-F90743B3D0F1}" type="slidenum">
               <a:rPr kumimoji="1" lang="ja-JP" altLang="en-US" smtClean="0"/>
               <a:t>‹#›</a:t>
             </a:fld>
@@ -1871,7 +3013,7 @@
     </p:spTree>
     <p:extLst>
       <p:ext uri="{BB962C8B-B14F-4D97-AF65-F5344CB8AC3E}">
-        <p14:creationId xmlns:p14="http://schemas.microsoft.com/office/powerpoint/2010/main" val="1876998709"/>
+        <p14:creationId xmlns:p14="http://schemas.microsoft.com/office/powerpoint/2010/main" val="3836335372"/>
       </p:ext>
     </p:extLst>
   </p:cSld>
@@ -1903,7 +3045,7 @@
           <p:cNvPr id="2" name="タイトル 1">
             <a:extLst>
               <a:ext uri="{FF2B5EF4-FFF2-40B4-BE49-F238E27FC236}">
-                <a16:creationId xmlns:a16="http://schemas.microsoft.com/office/drawing/2014/main" id="{1D8466F3-EA94-644F-92A4-C04259812FD6}"/>
+                <a16:creationId xmlns:a16="http://schemas.microsoft.com/office/drawing/2014/main" id="{E665F257-8849-894B-BE3D-BCAFB287DA5A}"/>
               </a:ext>
             </a:extLst>
           </p:cNvPr>
@@ -1936,7 +3078,7 @@
           <p:cNvPr id="3" name="テキスト プレースホルダー 2">
             <a:extLst>
               <a:ext uri="{FF2B5EF4-FFF2-40B4-BE49-F238E27FC236}">
-                <a16:creationId xmlns:a16="http://schemas.microsoft.com/office/drawing/2014/main" id="{A37A16FA-9D1B-B94A-B8D8-26B9E9E9E302}"/>
+                <a16:creationId xmlns:a16="http://schemas.microsoft.com/office/drawing/2014/main" id="{298A2560-0BE0-D546-BCE1-23F50D45A590}"/>
               </a:ext>
             </a:extLst>
           </p:cNvPr>
@@ -2007,7 +3149,7 @@
           <p:cNvPr id="4" name="コンテンツ プレースホルダー 3">
             <a:extLst>
               <a:ext uri="{FF2B5EF4-FFF2-40B4-BE49-F238E27FC236}">
-                <a16:creationId xmlns:a16="http://schemas.microsoft.com/office/drawing/2014/main" id="{76B6B40C-8343-804C-AF71-C47D77E7A720}"/>
+                <a16:creationId xmlns:a16="http://schemas.microsoft.com/office/drawing/2014/main" id="{4313A094-6F0A-B041-A3BE-0F05A4E8D02B}"/>
               </a:ext>
             </a:extLst>
           </p:cNvPr>
@@ -2101,7 +3243,7 @@
           <p:cNvPr id="5" name="テキスト プレースホルダー 4">
             <a:extLst>
               <a:ext uri="{FF2B5EF4-FFF2-40B4-BE49-F238E27FC236}">
-                <a16:creationId xmlns:a16="http://schemas.microsoft.com/office/drawing/2014/main" id="{07F6ECA0-1445-3149-93DE-2EE3A21B05EE}"/>
+                <a16:creationId xmlns:a16="http://schemas.microsoft.com/office/drawing/2014/main" id="{4605ABF5-3F0D-0C4D-B9BF-B98E40964C32}"/>
               </a:ext>
             </a:extLst>
           </p:cNvPr>
@@ -2172,7 +3314,7 @@
           <p:cNvPr id="6" name="コンテンツ プレースホルダー 5">
             <a:extLst>
               <a:ext uri="{FF2B5EF4-FFF2-40B4-BE49-F238E27FC236}">
-                <a16:creationId xmlns:a16="http://schemas.microsoft.com/office/drawing/2014/main" id="{8C10214D-458F-3B4A-82D3-FE7ECB326B98}"/>
+                <a16:creationId xmlns:a16="http://schemas.microsoft.com/office/drawing/2014/main" id="{AA007EC5-B792-E54B-A902-E74DC3BB2FEC}"/>
               </a:ext>
             </a:extLst>
           </p:cNvPr>
@@ -2266,7 +3408,7 @@
           <p:cNvPr id="7" name="日付プレースホルダー 6">
             <a:extLst>
               <a:ext uri="{FF2B5EF4-FFF2-40B4-BE49-F238E27FC236}">
-                <a16:creationId xmlns:a16="http://schemas.microsoft.com/office/drawing/2014/main" id="{85B504CC-A3B0-CD4B-BFBA-184EE2D0F517}"/>
+                <a16:creationId xmlns:a16="http://schemas.microsoft.com/office/drawing/2014/main" id="{6C5EB45B-5689-1D44-BC76-BA1118E1132F}"/>
               </a:ext>
             </a:extLst>
           </p:cNvPr>
@@ -2282,9 +3424,9 @@
           <a:bodyPr/>
           <a:lstStyle/>
           <a:p>
-            <a:fld id="{109D021F-6DA5-0F41-8FDE-4263179E1E47}" type="datetimeFigureOut">
+            <a:fld id="{B9148E87-D767-4243-9E31-2E6D394C8567}" type="datetimeFigureOut">
               <a:rPr kumimoji="1" lang="ja-JP" altLang="en-US" smtClean="0"/>
-              <a:t>2021/11/25</a:t>
+              <a:t>2022/9/21</a:t>
             </a:fld>
             <a:endParaRPr kumimoji="1" lang="ja-JP" altLang="en-US"/>
           </a:p>
@@ -2295,7 +3437,7 @@
           <p:cNvPr id="8" name="フッター プレースホルダー 7">
             <a:extLst>
               <a:ext uri="{FF2B5EF4-FFF2-40B4-BE49-F238E27FC236}">
-                <a16:creationId xmlns:a16="http://schemas.microsoft.com/office/drawing/2014/main" id="{8DA8762F-E5B8-4B4B-95FF-D9D9112B85BC}"/>
+                <a16:creationId xmlns:a16="http://schemas.microsoft.com/office/drawing/2014/main" id="{C178B7BF-6EC1-204A-9010-DDBDCBFACCBA}"/>
               </a:ext>
             </a:extLst>
           </p:cNvPr>
@@ -2320,7 +3462,7 @@
           <p:cNvPr id="9" name="スライド番号プレースホルダー 8">
             <a:extLst>
               <a:ext uri="{FF2B5EF4-FFF2-40B4-BE49-F238E27FC236}">
-                <a16:creationId xmlns:a16="http://schemas.microsoft.com/office/drawing/2014/main" id="{73A8B584-6A29-984E-A343-F3073C76894F}"/>
+                <a16:creationId xmlns:a16="http://schemas.microsoft.com/office/drawing/2014/main" id="{F95F73A0-A4C6-8D4D-8F2E-D615F0CB5126}"/>
               </a:ext>
             </a:extLst>
           </p:cNvPr>
@@ -2336,7 +3478,7 @@
           <a:bodyPr/>
           <a:lstStyle/>
           <a:p>
-            <a:fld id="{76ADF933-266D-E746-99F4-C7579547FB03}" type="slidenum">
+            <a:fld id="{36B086C5-84CE-0244-A96A-F90743B3D0F1}" type="slidenum">
               <a:rPr kumimoji="1" lang="ja-JP" altLang="en-US" smtClean="0"/>
               <a:t>‹#›</a:t>
             </a:fld>
@@ -2347,7 +3489,7 @@
     </p:spTree>
     <p:extLst>
       <p:ext uri="{BB962C8B-B14F-4D97-AF65-F5344CB8AC3E}">
-        <p14:creationId xmlns:p14="http://schemas.microsoft.com/office/powerpoint/2010/main" val="1386520859"/>
+        <p14:creationId xmlns:p14="http://schemas.microsoft.com/office/powerpoint/2010/main" val="4206671698"/>
       </p:ext>
     </p:extLst>
   </p:cSld>
@@ -2379,7 +3521,7 @@
           <p:cNvPr id="2" name="タイトル 1">
             <a:extLst>
               <a:ext uri="{FF2B5EF4-FFF2-40B4-BE49-F238E27FC236}">
-                <a16:creationId xmlns:a16="http://schemas.microsoft.com/office/drawing/2014/main" id="{CD4F27B5-CEA6-D647-9E43-096DB215F68A}"/>
+                <a16:creationId xmlns:a16="http://schemas.microsoft.com/office/drawing/2014/main" id="{C39B96E6-6B53-0946-9353-EB642EE77A2A}"/>
               </a:ext>
             </a:extLst>
           </p:cNvPr>
@@ -2407,7 +3549,7 @@
           <p:cNvPr id="3" name="日付プレースホルダー 2">
             <a:extLst>
               <a:ext uri="{FF2B5EF4-FFF2-40B4-BE49-F238E27FC236}">
-                <a16:creationId xmlns:a16="http://schemas.microsoft.com/office/drawing/2014/main" id="{CE0CDE04-E2E2-FA42-A509-D2701F444AE9}"/>
+                <a16:creationId xmlns:a16="http://schemas.microsoft.com/office/drawing/2014/main" id="{990F77F1-945C-F54A-8B85-A398DECD59F4}"/>
               </a:ext>
             </a:extLst>
           </p:cNvPr>
@@ -2423,9 +3565,9 @@
           <a:bodyPr/>
           <a:lstStyle/>
           <a:p>
-            <a:fld id="{109D021F-6DA5-0F41-8FDE-4263179E1E47}" type="datetimeFigureOut">
+            <a:fld id="{B9148E87-D767-4243-9E31-2E6D394C8567}" type="datetimeFigureOut">
               <a:rPr kumimoji="1" lang="ja-JP" altLang="en-US" smtClean="0"/>
-              <a:t>2021/11/25</a:t>
+              <a:t>2022/9/21</a:t>
             </a:fld>
             <a:endParaRPr kumimoji="1" lang="ja-JP" altLang="en-US"/>
           </a:p>
@@ -2436,7 +3578,7 @@
           <p:cNvPr id="4" name="フッター プレースホルダー 3">
             <a:extLst>
               <a:ext uri="{FF2B5EF4-FFF2-40B4-BE49-F238E27FC236}">
-                <a16:creationId xmlns:a16="http://schemas.microsoft.com/office/drawing/2014/main" id="{D6D9906A-1BD4-EB45-A52F-C877DBB1A44D}"/>
+                <a16:creationId xmlns:a16="http://schemas.microsoft.com/office/drawing/2014/main" id="{EB8576F0-8B31-D94B-8AC2-1EC48C265BC6}"/>
               </a:ext>
             </a:extLst>
           </p:cNvPr>
@@ -2461,7 +3603,7 @@
           <p:cNvPr id="5" name="スライド番号プレースホルダー 4">
             <a:extLst>
               <a:ext uri="{FF2B5EF4-FFF2-40B4-BE49-F238E27FC236}">
-                <a16:creationId xmlns:a16="http://schemas.microsoft.com/office/drawing/2014/main" id="{7DBB184D-A380-7C4D-A79D-912A2F8E6E39}"/>
+                <a16:creationId xmlns:a16="http://schemas.microsoft.com/office/drawing/2014/main" id="{A5CB5FE8-EA7B-974C-A0CD-19597E5A458C}"/>
               </a:ext>
             </a:extLst>
           </p:cNvPr>
@@ -2477,7 +3619,7 @@
           <a:bodyPr/>
           <a:lstStyle/>
           <a:p>
-            <a:fld id="{76ADF933-266D-E746-99F4-C7579547FB03}" type="slidenum">
+            <a:fld id="{36B086C5-84CE-0244-A96A-F90743B3D0F1}" type="slidenum">
               <a:rPr kumimoji="1" lang="ja-JP" altLang="en-US" smtClean="0"/>
               <a:t>‹#›</a:t>
             </a:fld>
@@ -2488,7 +3630,7 @@
     </p:spTree>
     <p:extLst>
       <p:ext uri="{BB962C8B-B14F-4D97-AF65-F5344CB8AC3E}">
-        <p14:creationId xmlns:p14="http://schemas.microsoft.com/office/powerpoint/2010/main" val="712634733"/>
+        <p14:creationId xmlns:p14="http://schemas.microsoft.com/office/powerpoint/2010/main" val="107545736"/>
       </p:ext>
     </p:extLst>
   </p:cSld>
@@ -2520,7 +3662,7 @@
           <p:cNvPr id="2" name="日付プレースホルダー 1">
             <a:extLst>
               <a:ext uri="{FF2B5EF4-FFF2-40B4-BE49-F238E27FC236}">
-                <a16:creationId xmlns:a16="http://schemas.microsoft.com/office/drawing/2014/main" id="{806F93D8-B1BA-D747-B056-A10538BA3C95}"/>
+                <a16:creationId xmlns:a16="http://schemas.microsoft.com/office/drawing/2014/main" id="{07D45AD4-77D5-5948-8CC6-EF6DD4471A6B}"/>
               </a:ext>
             </a:extLst>
           </p:cNvPr>
@@ -2536,9 +3678,9 @@
           <a:bodyPr/>
           <a:lstStyle/>
           <a:p>
-            <a:fld id="{109D021F-6DA5-0F41-8FDE-4263179E1E47}" type="datetimeFigureOut">
+            <a:fld id="{B9148E87-D767-4243-9E31-2E6D394C8567}" type="datetimeFigureOut">
               <a:rPr kumimoji="1" lang="ja-JP" altLang="en-US" smtClean="0"/>
-              <a:t>2021/11/25</a:t>
+              <a:t>2022/9/21</a:t>
             </a:fld>
             <a:endParaRPr kumimoji="1" lang="ja-JP" altLang="en-US"/>
           </a:p>
@@ -2549,7 +3691,7 @@
           <p:cNvPr id="3" name="フッター プレースホルダー 2">
             <a:extLst>
               <a:ext uri="{FF2B5EF4-FFF2-40B4-BE49-F238E27FC236}">
-                <a16:creationId xmlns:a16="http://schemas.microsoft.com/office/drawing/2014/main" id="{C20F48FD-23B5-3D43-A42E-3277FC8440F6}"/>
+                <a16:creationId xmlns:a16="http://schemas.microsoft.com/office/drawing/2014/main" id="{4DA23552-46A3-2B47-BB77-78AC9A101070}"/>
               </a:ext>
             </a:extLst>
           </p:cNvPr>
@@ -2574,7 +3716,7 @@
           <p:cNvPr id="4" name="スライド番号プレースホルダー 3">
             <a:extLst>
               <a:ext uri="{FF2B5EF4-FFF2-40B4-BE49-F238E27FC236}">
-                <a16:creationId xmlns:a16="http://schemas.microsoft.com/office/drawing/2014/main" id="{AB379B4B-79A5-4B43-AD04-78361D9DB0D7}"/>
+                <a16:creationId xmlns:a16="http://schemas.microsoft.com/office/drawing/2014/main" id="{F5900DBB-B4A9-3145-A518-EC584CC9DFC8}"/>
               </a:ext>
             </a:extLst>
           </p:cNvPr>
@@ -2590,7 +3732,7 @@
           <a:bodyPr/>
           <a:lstStyle/>
           <a:p>
-            <a:fld id="{76ADF933-266D-E746-99F4-C7579547FB03}" type="slidenum">
+            <a:fld id="{36B086C5-84CE-0244-A96A-F90743B3D0F1}" type="slidenum">
               <a:rPr kumimoji="1" lang="ja-JP" altLang="en-US" smtClean="0"/>
               <a:t>‹#›</a:t>
             </a:fld>
@@ -2601,7 +3743,7 @@
     </p:spTree>
     <p:extLst>
       <p:ext uri="{BB962C8B-B14F-4D97-AF65-F5344CB8AC3E}">
-        <p14:creationId xmlns:p14="http://schemas.microsoft.com/office/powerpoint/2010/main" val="3826443917"/>
+        <p14:creationId xmlns:p14="http://schemas.microsoft.com/office/powerpoint/2010/main" val="3716367635"/>
       </p:ext>
     </p:extLst>
   </p:cSld>
@@ -2633,7 +3775,7 @@
           <p:cNvPr id="2" name="タイトル 1">
             <a:extLst>
               <a:ext uri="{FF2B5EF4-FFF2-40B4-BE49-F238E27FC236}">
-                <a16:creationId xmlns:a16="http://schemas.microsoft.com/office/drawing/2014/main" id="{22A7DDDD-AAB5-3446-8962-D6051943969F}"/>
+                <a16:creationId xmlns:a16="http://schemas.microsoft.com/office/drawing/2014/main" id="{E83E5157-0853-584B-81DF-FAB5C48C74EA}"/>
               </a:ext>
             </a:extLst>
           </p:cNvPr>
@@ -2670,7 +3812,7 @@
           <p:cNvPr id="3" name="コンテンツ プレースホルダー 2">
             <a:extLst>
               <a:ext uri="{FF2B5EF4-FFF2-40B4-BE49-F238E27FC236}">
-                <a16:creationId xmlns:a16="http://schemas.microsoft.com/office/drawing/2014/main" id="{83E85080-3C1D-CF43-8B30-A2B7E2E704C2}"/>
+                <a16:creationId xmlns:a16="http://schemas.microsoft.com/office/drawing/2014/main" id="{D75ABEB1-8AE5-3443-8D02-20D6FEB816CE}"/>
               </a:ext>
             </a:extLst>
           </p:cNvPr>
@@ -2792,7 +3934,7 @@
           <p:cNvPr id="4" name="テキスト プレースホルダー 3">
             <a:extLst>
               <a:ext uri="{FF2B5EF4-FFF2-40B4-BE49-F238E27FC236}">
-                <a16:creationId xmlns:a16="http://schemas.microsoft.com/office/drawing/2014/main" id="{64D0CBF8-922B-D64F-B2C4-1D31CE2DE63E}"/>
+                <a16:creationId xmlns:a16="http://schemas.microsoft.com/office/drawing/2014/main" id="{B1760B79-410D-4143-99CC-07833631C98D}"/>
               </a:ext>
             </a:extLst>
           </p:cNvPr>
@@ -2863,7 +4005,7 @@
           <p:cNvPr id="5" name="日付プレースホルダー 4">
             <a:extLst>
               <a:ext uri="{FF2B5EF4-FFF2-40B4-BE49-F238E27FC236}">
-                <a16:creationId xmlns:a16="http://schemas.microsoft.com/office/drawing/2014/main" id="{B64DF647-1704-FE4F-91D2-B4CF938F4A80}"/>
+                <a16:creationId xmlns:a16="http://schemas.microsoft.com/office/drawing/2014/main" id="{68E7134B-14D9-1940-9C3A-D7CDBC47B517}"/>
               </a:ext>
             </a:extLst>
           </p:cNvPr>
@@ -2879,9 +4021,9 @@
           <a:bodyPr/>
           <a:lstStyle/>
           <a:p>
-            <a:fld id="{109D021F-6DA5-0F41-8FDE-4263179E1E47}" type="datetimeFigureOut">
+            <a:fld id="{B9148E87-D767-4243-9E31-2E6D394C8567}" type="datetimeFigureOut">
               <a:rPr kumimoji="1" lang="ja-JP" altLang="en-US" smtClean="0"/>
-              <a:t>2021/11/25</a:t>
+              <a:t>2022/9/21</a:t>
             </a:fld>
             <a:endParaRPr kumimoji="1" lang="ja-JP" altLang="en-US"/>
           </a:p>
@@ -2892,7 +4034,7 @@
           <p:cNvPr id="6" name="フッター プレースホルダー 5">
             <a:extLst>
               <a:ext uri="{FF2B5EF4-FFF2-40B4-BE49-F238E27FC236}">
-                <a16:creationId xmlns:a16="http://schemas.microsoft.com/office/drawing/2014/main" id="{F09BD143-3216-FB4D-9A6F-5E1EA005A8C6}"/>
+                <a16:creationId xmlns:a16="http://schemas.microsoft.com/office/drawing/2014/main" id="{F57A9545-0B08-E64B-88EE-FFF2CDDA1D12}"/>
               </a:ext>
             </a:extLst>
           </p:cNvPr>
@@ -2917,7 +4059,7 @@
           <p:cNvPr id="7" name="スライド番号プレースホルダー 6">
             <a:extLst>
               <a:ext uri="{FF2B5EF4-FFF2-40B4-BE49-F238E27FC236}">
-                <a16:creationId xmlns:a16="http://schemas.microsoft.com/office/drawing/2014/main" id="{9A9FC090-C2D9-E44E-ADB8-78D1D29120FC}"/>
+                <a16:creationId xmlns:a16="http://schemas.microsoft.com/office/drawing/2014/main" id="{1440FF87-299C-DB4D-B562-3F81EEB8CF47}"/>
               </a:ext>
             </a:extLst>
           </p:cNvPr>
@@ -2933,7 +4075,7 @@
           <a:bodyPr/>
           <a:lstStyle/>
           <a:p>
-            <a:fld id="{76ADF933-266D-E746-99F4-C7579547FB03}" type="slidenum">
+            <a:fld id="{36B086C5-84CE-0244-A96A-F90743B3D0F1}" type="slidenum">
               <a:rPr kumimoji="1" lang="ja-JP" altLang="en-US" smtClean="0"/>
               <a:t>‹#›</a:t>
             </a:fld>
@@ -2944,7 +4086,7 @@
     </p:spTree>
     <p:extLst>
       <p:ext uri="{BB962C8B-B14F-4D97-AF65-F5344CB8AC3E}">
-        <p14:creationId xmlns:p14="http://schemas.microsoft.com/office/powerpoint/2010/main" val="1256931563"/>
+        <p14:creationId xmlns:p14="http://schemas.microsoft.com/office/powerpoint/2010/main" val="826403982"/>
       </p:ext>
     </p:extLst>
   </p:cSld>
@@ -2976,7 +4118,7 @@
           <p:cNvPr id="2" name="タイトル 1">
             <a:extLst>
               <a:ext uri="{FF2B5EF4-FFF2-40B4-BE49-F238E27FC236}">
-                <a16:creationId xmlns:a16="http://schemas.microsoft.com/office/drawing/2014/main" id="{123B8ACE-D09F-2141-B70F-29F888EDF26D}"/>
+                <a16:creationId xmlns:a16="http://schemas.microsoft.com/office/drawing/2014/main" id="{FADE9FB4-EA4B-FE43-AE7F-9E1B0694F116}"/>
               </a:ext>
             </a:extLst>
           </p:cNvPr>
@@ -3013,7 +4155,7 @@
           <p:cNvPr id="3" name="図プレースホルダー 2">
             <a:extLst>
               <a:ext uri="{FF2B5EF4-FFF2-40B4-BE49-F238E27FC236}">
-                <a16:creationId xmlns:a16="http://schemas.microsoft.com/office/drawing/2014/main" id="{82136264-4465-3745-AC15-8B1762D91404}"/>
+                <a16:creationId xmlns:a16="http://schemas.microsoft.com/office/drawing/2014/main" id="{84D18FF0-1781-6F43-B8A3-9886A965F1C9}"/>
               </a:ext>
             </a:extLst>
           </p:cNvPr>
@@ -3080,7 +4222,7 @@
           <p:cNvPr id="4" name="テキスト プレースホルダー 3">
             <a:extLst>
               <a:ext uri="{FF2B5EF4-FFF2-40B4-BE49-F238E27FC236}">
-                <a16:creationId xmlns:a16="http://schemas.microsoft.com/office/drawing/2014/main" id="{94FA858B-AC96-3C41-858C-CAF348FAA082}"/>
+                <a16:creationId xmlns:a16="http://schemas.microsoft.com/office/drawing/2014/main" id="{4F5C5EC3-6D1C-534E-A247-5CEB08B4A12B}"/>
               </a:ext>
             </a:extLst>
           </p:cNvPr>
@@ -3151,7 +4293,7 @@
           <p:cNvPr id="5" name="日付プレースホルダー 4">
             <a:extLst>
               <a:ext uri="{FF2B5EF4-FFF2-40B4-BE49-F238E27FC236}">
-                <a16:creationId xmlns:a16="http://schemas.microsoft.com/office/drawing/2014/main" id="{A6C6F78D-7C69-9449-97A2-159405FD9890}"/>
+                <a16:creationId xmlns:a16="http://schemas.microsoft.com/office/drawing/2014/main" id="{E467F832-6262-A94D-84FE-57151150BD93}"/>
               </a:ext>
             </a:extLst>
           </p:cNvPr>
@@ -3167,9 +4309,9 @@
           <a:bodyPr/>
           <a:lstStyle/>
           <a:p>
-            <a:fld id="{109D021F-6DA5-0F41-8FDE-4263179E1E47}" type="datetimeFigureOut">
+            <a:fld id="{B9148E87-D767-4243-9E31-2E6D394C8567}" type="datetimeFigureOut">
               <a:rPr kumimoji="1" lang="ja-JP" altLang="en-US" smtClean="0"/>
-              <a:t>2021/11/25</a:t>
+              <a:t>2022/9/21</a:t>
             </a:fld>
             <a:endParaRPr kumimoji="1" lang="ja-JP" altLang="en-US"/>
           </a:p>
@@ -3180,7 +4322,7 @@
           <p:cNvPr id="6" name="フッター プレースホルダー 5">
             <a:extLst>
               <a:ext uri="{FF2B5EF4-FFF2-40B4-BE49-F238E27FC236}">
-                <a16:creationId xmlns:a16="http://schemas.microsoft.com/office/drawing/2014/main" id="{7ACE7FDD-D0B1-B741-82B1-C792F1A84DFE}"/>
+                <a16:creationId xmlns:a16="http://schemas.microsoft.com/office/drawing/2014/main" id="{F2F197B5-714F-2A4C-899E-07ADBBDD8FF1}"/>
               </a:ext>
             </a:extLst>
           </p:cNvPr>
@@ -3205,7 +4347,7 @@
           <p:cNvPr id="7" name="スライド番号プレースホルダー 6">
             <a:extLst>
               <a:ext uri="{FF2B5EF4-FFF2-40B4-BE49-F238E27FC236}">
-                <a16:creationId xmlns:a16="http://schemas.microsoft.com/office/drawing/2014/main" id="{B7068EAA-AD71-724F-9BBF-F3793ACDD31C}"/>
+                <a16:creationId xmlns:a16="http://schemas.microsoft.com/office/drawing/2014/main" id="{A3964AD2-D13A-734E-B8E1-CC589D3BAE0E}"/>
               </a:ext>
             </a:extLst>
           </p:cNvPr>
@@ -3221,7 +4363,7 @@
           <a:bodyPr/>
           <a:lstStyle/>
           <a:p>
-            <a:fld id="{76ADF933-266D-E746-99F4-C7579547FB03}" type="slidenum">
+            <a:fld id="{36B086C5-84CE-0244-A96A-F90743B3D0F1}" type="slidenum">
               <a:rPr kumimoji="1" lang="ja-JP" altLang="en-US" smtClean="0"/>
               <a:t>‹#›</a:t>
             </a:fld>
@@ -3232,7 +4374,7 @@
     </p:spTree>
     <p:extLst>
       <p:ext uri="{BB962C8B-B14F-4D97-AF65-F5344CB8AC3E}">
-        <p14:creationId xmlns:p14="http://schemas.microsoft.com/office/powerpoint/2010/main" val="238216828"/>
+        <p14:creationId xmlns:p14="http://schemas.microsoft.com/office/powerpoint/2010/main" val="3873791372"/>
       </p:ext>
     </p:extLst>
   </p:cSld>
@@ -3269,7 +4411,7 @@
           <p:cNvPr id="2" name="タイトル プレースホルダー 1">
             <a:extLst>
               <a:ext uri="{FF2B5EF4-FFF2-40B4-BE49-F238E27FC236}">
-                <a16:creationId xmlns:a16="http://schemas.microsoft.com/office/drawing/2014/main" id="{7B30FB00-7ECD-734E-87D6-30BE4EE09B25}"/>
+                <a16:creationId xmlns:a16="http://schemas.microsoft.com/office/drawing/2014/main" id="{F6FF65A5-C934-1C49-BBB2-12C2AD94E1D4}"/>
               </a:ext>
             </a:extLst>
           </p:cNvPr>
@@ -3307,7 +4449,7 @@
           <p:cNvPr id="3" name="テキスト プレースホルダー 2">
             <a:extLst>
               <a:ext uri="{FF2B5EF4-FFF2-40B4-BE49-F238E27FC236}">
-                <a16:creationId xmlns:a16="http://schemas.microsoft.com/office/drawing/2014/main" id="{3E97E16B-59C2-8A4C-8AA7-04B5F9F03699}"/>
+                <a16:creationId xmlns:a16="http://schemas.microsoft.com/office/drawing/2014/main" id="{50029562-A313-4540-9650-2AF5A4E770B2}"/>
               </a:ext>
             </a:extLst>
           </p:cNvPr>
@@ -3406,7 +4548,7 @@
           <p:cNvPr id="4" name="日付プレースホルダー 3">
             <a:extLst>
               <a:ext uri="{FF2B5EF4-FFF2-40B4-BE49-F238E27FC236}">
-                <a16:creationId xmlns:a16="http://schemas.microsoft.com/office/drawing/2014/main" id="{957E6DED-AD5D-FB4D-94C2-AEBFA3C2EE0F}"/>
+                <a16:creationId xmlns:a16="http://schemas.microsoft.com/office/drawing/2014/main" id="{2BEDF838-0DD6-D34F-B1F3-7FE95CF921CE}"/>
               </a:ext>
             </a:extLst>
           </p:cNvPr>
@@ -3440,9 +4582,9 @@
             </a:lvl1pPr>
           </a:lstStyle>
           <a:p>
-            <a:fld id="{109D021F-6DA5-0F41-8FDE-4263179E1E47}" type="datetimeFigureOut">
+            <a:fld id="{B9148E87-D767-4243-9E31-2E6D394C8567}" type="datetimeFigureOut">
               <a:rPr kumimoji="1" lang="ja-JP" altLang="en-US" smtClean="0"/>
-              <a:t>2021/11/25</a:t>
+              <a:t>2022/9/21</a:t>
             </a:fld>
             <a:endParaRPr kumimoji="1" lang="ja-JP" altLang="en-US"/>
           </a:p>
@@ -3453,7 +4595,7 @@
           <p:cNvPr id="5" name="フッター プレースホルダー 4">
             <a:extLst>
               <a:ext uri="{FF2B5EF4-FFF2-40B4-BE49-F238E27FC236}">
-                <a16:creationId xmlns:a16="http://schemas.microsoft.com/office/drawing/2014/main" id="{42187DC3-F007-3A48-86BB-4922014DF936}"/>
+                <a16:creationId xmlns:a16="http://schemas.microsoft.com/office/drawing/2014/main" id="{88F1AC2C-8D5F-414B-8509-D2184044A5EC}"/>
               </a:ext>
             </a:extLst>
           </p:cNvPr>
@@ -3496,7 +4638,7 @@
           <p:cNvPr id="6" name="スライド番号プレースホルダー 5">
             <a:extLst>
               <a:ext uri="{FF2B5EF4-FFF2-40B4-BE49-F238E27FC236}">
-                <a16:creationId xmlns:a16="http://schemas.microsoft.com/office/drawing/2014/main" id="{F39086E3-8628-5748-985E-D39F44335220}"/>
+                <a16:creationId xmlns:a16="http://schemas.microsoft.com/office/drawing/2014/main" id="{B627056E-572A-0542-8690-ED22B3B6AFFA}"/>
               </a:ext>
             </a:extLst>
           </p:cNvPr>
@@ -3530,7 +4672,7 @@
             </a:lvl1pPr>
           </a:lstStyle>
           <a:p>
-            <a:fld id="{76ADF933-266D-E746-99F4-C7579547FB03}" type="slidenum">
+            <a:fld id="{36B086C5-84CE-0244-A96A-F90743B3D0F1}" type="slidenum">
               <a:rPr kumimoji="1" lang="ja-JP" altLang="en-US" smtClean="0"/>
               <a:t>‹#›</a:t>
             </a:fld>
@@ -3541,7 +4683,7 @@
     </p:spTree>
     <p:extLst>
       <p:ext uri="{BB962C8B-B14F-4D97-AF65-F5344CB8AC3E}">
-        <p14:creationId xmlns:p14="http://schemas.microsoft.com/office/powerpoint/2010/main" val="1037986318"/>
+        <p14:creationId xmlns:p14="http://schemas.microsoft.com/office/powerpoint/2010/main" val="2915191480"/>
       </p:ext>
     </p:extLst>
   </p:cSld>
@@ -3864,7 +5006,7 @@
           <p:cNvPr id="2" name="タイトル 1">
             <a:extLst>
               <a:ext uri="{FF2B5EF4-FFF2-40B4-BE49-F238E27FC236}">
-                <a16:creationId xmlns:a16="http://schemas.microsoft.com/office/drawing/2014/main" id="{DB93C512-DB56-EB46-B922-040FEF89D99A}"/>
+                <a16:creationId xmlns:a16="http://schemas.microsoft.com/office/drawing/2014/main" id="{9B1D7A41-B18F-4D4C-9F52-84D5CFFFCB44}"/>
               </a:ext>
             </a:extLst>
           </p:cNvPr>
@@ -3881,14 +5023,13 @@
           <a:lstStyle/>
           <a:p>
             <a:r>
-              <a:rPr lang="en-US" altLang="ja-JP" dirty="0"/>
+              <a:rPr kumimoji="1" lang="en-US" altLang="ja-JP" dirty="0"/>
               <a:t>R</a:t>
             </a:r>
             <a:r>
-              <a:rPr lang="ja-JP" altLang="en-US"/>
+              <a:rPr kumimoji="1" lang="ja-JP" altLang="en-US"/>
               <a:t>初心者講座第２７回</a:t>
             </a:r>
-            <a:endParaRPr kumimoji="1" lang="ja-JP" altLang="en-US"/>
           </a:p>
         </p:txBody>
       </p:sp>
@@ -3897,7 +5038,7 @@
           <p:cNvPr id="3" name="字幕 2">
             <a:extLst>
               <a:ext uri="{FF2B5EF4-FFF2-40B4-BE49-F238E27FC236}">
-                <a16:creationId xmlns:a16="http://schemas.microsoft.com/office/drawing/2014/main" id="{C58A6C60-930C-7D47-BB5D-98F447457DC9}"/>
+                <a16:creationId xmlns:a16="http://schemas.microsoft.com/office/drawing/2014/main" id="{05D7D93A-BA42-5D47-893C-FE41C03A53E0}"/>
               </a:ext>
             </a:extLst>
           </p:cNvPr>
@@ -3915,7 +5056,7 @@
           <a:p>
             <a:r>
               <a:rPr kumimoji="1" lang="ja-JP" altLang="en-US"/>
-              <a:t>過分散</a:t>
+              <a:t>正規性のチェック</a:t>
             </a:r>
           </a:p>
         </p:txBody>
@@ -3923,7 +5064,666 @@
     </p:spTree>
     <p:extLst>
       <p:ext uri="{BB962C8B-B14F-4D97-AF65-F5344CB8AC3E}">
-        <p14:creationId xmlns:p14="http://schemas.microsoft.com/office/powerpoint/2010/main" val="3588196403"/>
+        <p14:creationId xmlns:p14="http://schemas.microsoft.com/office/powerpoint/2010/main" val="2432279440"/>
+      </p:ext>
+    </p:extLst>
+  </p:cSld>
+  <p:clrMapOvr>
+    <a:masterClrMapping/>
+  </p:clrMapOvr>
+</p:sld>
+</file>
+
+<file path=ppt/slides/slide10.xml><?xml version="1.0" encoding="utf-8"?>
+<p:sld xmlns:a="http://schemas.openxmlformats.org/drawingml/2006/main" xmlns:r="http://schemas.openxmlformats.org/officeDocument/2006/relationships" xmlns:p="http://schemas.openxmlformats.org/presentationml/2006/main">
+  <p:cSld>
+    <p:spTree>
+      <p:nvGrpSpPr>
+        <p:cNvPr id="1" name=""/>
+        <p:cNvGrpSpPr/>
+        <p:nvPr/>
+      </p:nvGrpSpPr>
+      <p:grpSpPr>
+        <a:xfrm>
+          <a:off x="0" y="0"/>
+          <a:ext cx="0" cy="0"/>
+          <a:chOff x="0" y="0"/>
+          <a:chExt cx="0" cy="0"/>
+        </a:xfrm>
+      </p:grpSpPr>
+      <p:sp>
+        <p:nvSpPr>
+          <p:cNvPr id="2" name="タイトル 1">
+            <a:extLst>
+              <a:ext uri="{FF2B5EF4-FFF2-40B4-BE49-F238E27FC236}">
+                <a16:creationId xmlns:a16="http://schemas.microsoft.com/office/drawing/2014/main" id="{862669DD-A863-AE4A-8726-D817A9EC35DD}"/>
+              </a:ext>
+            </a:extLst>
+          </p:cNvPr>
+          <p:cNvSpPr>
+            <a:spLocks noGrp="1"/>
+          </p:cNvSpPr>
+          <p:nvPr>
+            <p:ph type="title"/>
+          </p:nvPr>
+        </p:nvSpPr>
+        <p:spPr/>
+        <p:txBody>
+          <a:bodyPr/>
+          <a:lstStyle/>
+          <a:p>
+            <a:r>
+              <a:rPr kumimoji="1" lang="en-US" altLang="ja-JP" dirty="0" err="1"/>
+              <a:t>lm</a:t>
+            </a:r>
+            <a:r>
+              <a:rPr kumimoji="1" lang="en-US" altLang="ja-JP" dirty="0"/>
+              <a:t>(</a:t>
+            </a:r>
+            <a:r>
+              <a:rPr kumimoji="1" lang="en-US" altLang="ja-JP" dirty="0" err="1"/>
+              <a:t>glm</a:t>
+            </a:r>
+            <a:r>
+              <a:rPr kumimoji="1" lang="en-US" altLang="ja-JP" dirty="0"/>
+              <a:t>)</a:t>
+            </a:r>
+            <a:r>
+              <a:rPr kumimoji="1" lang="ja-JP" altLang="en-US"/>
+              <a:t>結果オブジェクトを</a:t>
+            </a:r>
+            <a:r>
+              <a:rPr kumimoji="1" lang="en-US" altLang="ja-JP" dirty="0"/>
+              <a:t>plot</a:t>
+            </a:r>
+            <a:r>
+              <a:rPr kumimoji="1" lang="ja-JP" altLang="en-US"/>
+              <a:t>する</a:t>
+            </a:r>
+          </a:p>
+        </p:txBody>
+      </p:sp>
+      <p:sp>
+        <p:nvSpPr>
+          <p:cNvPr id="3" name="コンテンツ プレースホルダー 2">
+            <a:extLst>
+              <a:ext uri="{FF2B5EF4-FFF2-40B4-BE49-F238E27FC236}">
+                <a16:creationId xmlns:a16="http://schemas.microsoft.com/office/drawing/2014/main" id="{38995141-93AA-E14A-BC71-8290FD95D853}"/>
+              </a:ext>
+            </a:extLst>
+          </p:cNvPr>
+          <p:cNvSpPr>
+            <a:spLocks noGrp="1"/>
+          </p:cNvSpPr>
+          <p:nvPr>
+            <p:ph idx="1"/>
+          </p:nvPr>
+        </p:nvSpPr>
+        <p:spPr/>
+        <p:txBody>
+          <a:bodyPr/>
+          <a:lstStyle/>
+          <a:p>
+            <a:r>
+              <a:rPr kumimoji="1" lang="en-US" altLang="ja-JP" dirty="0" err="1"/>
+              <a:t>lm</a:t>
+            </a:r>
+            <a:r>
+              <a:rPr kumimoji="1" lang="en-US" altLang="ja-JP" dirty="0"/>
+              <a:t>, </a:t>
+            </a:r>
+            <a:r>
+              <a:rPr kumimoji="1" lang="en-US" altLang="ja-JP" dirty="0" err="1"/>
+              <a:t>glm</a:t>
+            </a:r>
+            <a:r>
+              <a:rPr kumimoji="1" lang="ja-JP" altLang="en-US"/>
+              <a:t>のオブジェクトを</a:t>
+            </a:r>
+            <a:r>
+              <a:rPr kumimoji="1" lang="en-US" altLang="ja-JP" dirty="0"/>
+              <a:t>plot</a:t>
+            </a:r>
+            <a:r>
+              <a:rPr kumimoji="1" lang="ja-JP" altLang="en-US"/>
+              <a:t>関すの引数に入れると以下の診断結果を返す．</a:t>
+            </a:r>
+            <a:endParaRPr kumimoji="1" lang="en-US" altLang="ja-JP" dirty="0"/>
+          </a:p>
+          <a:p>
+            <a:pPr lvl="1"/>
+            <a:r>
+              <a:rPr lang="en-US" altLang="ja-JP" dirty="0"/>
+              <a:t>Residual vs Fitted</a:t>
+            </a:r>
+            <a:r>
+              <a:rPr lang="ja-JP" altLang="en-US"/>
+              <a:t>のプロット</a:t>
+            </a:r>
+            <a:endParaRPr lang="en-US" altLang="ja-JP" dirty="0"/>
+          </a:p>
+          <a:p>
+            <a:pPr lvl="1"/>
+            <a:r>
+              <a:rPr lang="en-US" altLang="ja-JP" dirty="0"/>
+              <a:t>Residual </a:t>
+            </a:r>
+            <a:r>
+              <a:rPr lang="ja-JP" altLang="en-US"/>
+              <a:t>の</a:t>
+            </a:r>
+            <a:r>
+              <a:rPr lang="en-US" altLang="ja-JP" dirty="0" err="1"/>
+              <a:t>qq</a:t>
+            </a:r>
+            <a:r>
+              <a:rPr lang="ja-JP" altLang="en-US"/>
+              <a:t>プロット</a:t>
+            </a:r>
+            <a:endParaRPr lang="en-US" altLang="ja-JP" dirty="0"/>
+          </a:p>
+          <a:p>
+            <a:pPr lvl="1"/>
+            <a:r>
+              <a:rPr lang="en-US" altLang="ja-JP" dirty="0"/>
+              <a:t>Scale-Location </a:t>
+            </a:r>
+          </a:p>
+          <a:p>
+            <a:pPr lvl="2"/>
+            <a:r>
+              <a:rPr lang="ja-JP" altLang="en-US"/>
+              <a:t>標準化した残差の絶対値に対してルートをとったもの．標準化残差の絶対値が</a:t>
+            </a:r>
+            <a:r>
+              <a:rPr lang="en-US" altLang="ja-JP" dirty="0"/>
+              <a:t>2</a:t>
+            </a:r>
+            <a:r>
+              <a:rPr lang="ja-JP" altLang="en-US"/>
+              <a:t>より大きい場合、標準化残差が大きいと見なされ、外れ値とされることがある．</a:t>
+            </a:r>
+            <a:endParaRPr lang="en-US" altLang="ja-JP" dirty="0"/>
+          </a:p>
+          <a:p>
+            <a:pPr lvl="1"/>
+            <a:r>
+              <a:rPr lang="en-US" altLang="ja-JP" dirty="0"/>
+              <a:t>Residual vs </a:t>
+            </a:r>
+            <a:r>
+              <a:rPr lang="en-US" altLang="ja-JP" dirty="0" err="1"/>
+              <a:t>Levarege</a:t>
+            </a:r>
+            <a:r>
+              <a:rPr lang="ja-JP" altLang="en-US"/>
+              <a:t> </a:t>
+            </a:r>
+            <a:endParaRPr lang="en-US" altLang="ja-JP" dirty="0"/>
+          </a:p>
+          <a:p>
+            <a:pPr lvl="2"/>
+            <a:r>
+              <a:rPr lang="ja-JP" altLang="en-US"/>
+              <a:t>モデルの係数を決定するのに支配的なデータを示す．</a:t>
+            </a:r>
+            <a:r>
+              <a:rPr lang="en-US" altLang="ja-JP" dirty="0"/>
+              <a:t>Cook</a:t>
+            </a:r>
+            <a:r>
+              <a:rPr lang="ja-JP" altLang="en-US"/>
+              <a:t>距離が示されており、これが</a:t>
+            </a:r>
+            <a:r>
+              <a:rPr lang="en-US" altLang="ja-JP" dirty="0"/>
+              <a:t>0.5</a:t>
+            </a:r>
+            <a:r>
+              <a:rPr lang="ja-JP" altLang="en-US"/>
+              <a:t>を超えると支配力が強いとみなされ、そのデータは外れ値処理をすることがある．</a:t>
+            </a:r>
+            <a:endParaRPr lang="en-US" altLang="ja-JP" dirty="0"/>
+          </a:p>
+          <a:p>
+            <a:endParaRPr kumimoji="1" lang="ja-JP" altLang="en-US"/>
+          </a:p>
+        </p:txBody>
+      </p:sp>
+    </p:spTree>
+    <p:extLst>
+      <p:ext uri="{BB962C8B-B14F-4D97-AF65-F5344CB8AC3E}">
+        <p14:creationId xmlns:p14="http://schemas.microsoft.com/office/powerpoint/2010/main" val="1212065946"/>
+      </p:ext>
+    </p:extLst>
+  </p:cSld>
+  <p:clrMapOvr>
+    <a:masterClrMapping/>
+  </p:clrMapOvr>
+</p:sld>
+</file>
+
+<file path=ppt/slides/slide11.xml><?xml version="1.0" encoding="utf-8"?>
+<p:sld xmlns:a="http://schemas.openxmlformats.org/drawingml/2006/main" xmlns:r="http://schemas.openxmlformats.org/officeDocument/2006/relationships" xmlns:p="http://schemas.openxmlformats.org/presentationml/2006/main">
+  <p:cSld>
+    <p:spTree>
+      <p:nvGrpSpPr>
+        <p:cNvPr id="1" name=""/>
+        <p:cNvGrpSpPr/>
+        <p:nvPr/>
+      </p:nvGrpSpPr>
+      <p:grpSpPr>
+        <a:xfrm>
+          <a:off x="0" y="0"/>
+          <a:ext cx="0" cy="0"/>
+          <a:chOff x="0" y="0"/>
+          <a:chExt cx="0" cy="0"/>
+        </a:xfrm>
+      </p:grpSpPr>
+      <p:sp>
+        <p:nvSpPr>
+          <p:cNvPr id="2" name="タイトル 1">
+            <a:extLst>
+              <a:ext uri="{FF2B5EF4-FFF2-40B4-BE49-F238E27FC236}">
+                <a16:creationId xmlns:a16="http://schemas.microsoft.com/office/drawing/2014/main" id="{68BB739B-FF50-7947-89AB-1B70AF4DD3EA}"/>
+              </a:ext>
+            </a:extLst>
+          </p:cNvPr>
+          <p:cNvSpPr>
+            <a:spLocks noGrp="1"/>
+          </p:cNvSpPr>
+          <p:nvPr>
+            <p:ph type="title"/>
+          </p:nvPr>
+        </p:nvSpPr>
+        <p:spPr/>
+        <p:txBody>
+          <a:bodyPr/>
+          <a:lstStyle/>
+          <a:p>
+            <a:r>
+              <a:rPr lang="ja-JP" altLang="en-US"/>
+              <a:t>正規性のチェック</a:t>
+            </a:r>
+            <a:endParaRPr kumimoji="1" lang="ja-JP" altLang="en-US"/>
+          </a:p>
+        </p:txBody>
+      </p:sp>
+      <p:sp>
+        <p:nvSpPr>
+          <p:cNvPr id="3" name="コンテンツ プレースホルダー 2">
+            <a:extLst>
+              <a:ext uri="{FF2B5EF4-FFF2-40B4-BE49-F238E27FC236}">
+                <a16:creationId xmlns:a16="http://schemas.microsoft.com/office/drawing/2014/main" id="{B7EB713B-B0D0-A347-9D4F-48B4383A8075}"/>
+              </a:ext>
+            </a:extLst>
+          </p:cNvPr>
+          <p:cNvSpPr>
+            <a:spLocks noGrp="1"/>
+          </p:cNvSpPr>
+          <p:nvPr>
+            <p:ph idx="1"/>
+          </p:nvPr>
+        </p:nvSpPr>
+        <p:spPr>
+          <a:xfrm>
+            <a:off x="838200" y="1825625"/>
+            <a:ext cx="10756900" cy="4351338"/>
+          </a:xfrm>
+        </p:spPr>
+        <p:txBody>
+          <a:bodyPr>
+            <a:normAutofit/>
+          </a:bodyPr>
+          <a:lstStyle/>
+          <a:p>
+            <a:r>
+              <a:rPr lang="ja-JP" altLang="en-US">
+                <a:solidFill>
+                  <a:schemeClr val="bg2">
+                    <a:lumMod val="50000"/>
+                  </a:schemeClr>
+                </a:solidFill>
+              </a:rPr>
+              <a:t>まず</a:t>
+            </a:r>
+            <a:r>
+              <a:rPr lang="en-US" altLang="ja-JP" dirty="0">
+                <a:solidFill>
+                  <a:schemeClr val="bg2">
+                    <a:lumMod val="50000"/>
+                  </a:schemeClr>
+                </a:solidFill>
+              </a:rPr>
+              <a:t>plot</a:t>
+            </a:r>
+            <a:r>
+              <a:rPr lang="ja-JP" altLang="en-US">
+                <a:solidFill>
+                  <a:schemeClr val="bg2">
+                    <a:lumMod val="50000"/>
+                  </a:schemeClr>
+                </a:solidFill>
+              </a:rPr>
+              <a:t>して可視化</a:t>
+            </a:r>
+            <a:endParaRPr lang="en-US" altLang="ja-JP" dirty="0">
+              <a:solidFill>
+                <a:schemeClr val="bg2">
+                  <a:lumMod val="50000"/>
+                </a:schemeClr>
+              </a:solidFill>
+            </a:endParaRPr>
+          </a:p>
+          <a:p>
+            <a:endParaRPr lang="en-US" altLang="ja-JP" dirty="0"/>
+          </a:p>
+          <a:p>
+            <a:r>
+              <a:rPr lang="ja-JP" altLang="en-US">
+                <a:solidFill>
+                  <a:schemeClr val="bg2">
+                    <a:lumMod val="50000"/>
+                  </a:schemeClr>
+                </a:solidFill>
+              </a:rPr>
+              <a:t>分布からずれていないかチェックのプロット</a:t>
+            </a:r>
+            <a:r>
+              <a:rPr lang="en-US" altLang="ja-JP" dirty="0" err="1">
+                <a:solidFill>
+                  <a:schemeClr val="bg2">
+                    <a:lumMod val="50000"/>
+                  </a:schemeClr>
+                </a:solidFill>
+              </a:rPr>
+              <a:t>QQplot</a:t>
+            </a:r>
+            <a:endParaRPr lang="en-US" altLang="ja-JP" dirty="0">
+              <a:solidFill>
+                <a:schemeClr val="bg2">
+                  <a:lumMod val="50000"/>
+                </a:schemeClr>
+              </a:solidFill>
+            </a:endParaRPr>
+          </a:p>
+          <a:p>
+            <a:pPr marL="457200" lvl="1" indent="0">
+              <a:buNone/>
+            </a:pPr>
+            <a:endParaRPr lang="en-US" altLang="ja-JP" dirty="0">
+              <a:solidFill>
+                <a:schemeClr val="bg2">
+                  <a:lumMod val="50000"/>
+                </a:schemeClr>
+              </a:solidFill>
+            </a:endParaRPr>
+          </a:p>
+          <a:p>
+            <a:r>
+              <a:rPr lang="en-US" altLang="ja-JP" dirty="0"/>
+              <a:t>Shapiro-Wilk</a:t>
+            </a:r>
+            <a:r>
+              <a:rPr lang="ja-JP" altLang="en-US"/>
+              <a:t>検定</a:t>
+            </a:r>
+            <a:endParaRPr lang="en-US" altLang="ja-JP" dirty="0"/>
+          </a:p>
+        </p:txBody>
+      </p:sp>
+    </p:spTree>
+    <p:extLst>
+      <p:ext uri="{BB962C8B-B14F-4D97-AF65-F5344CB8AC3E}">
+        <p14:creationId xmlns:p14="http://schemas.microsoft.com/office/powerpoint/2010/main" val="3759911444"/>
+      </p:ext>
+    </p:extLst>
+  </p:cSld>
+  <p:clrMapOvr>
+    <a:masterClrMapping/>
+  </p:clrMapOvr>
+</p:sld>
+</file>
+
+<file path=ppt/slides/slide12.xml><?xml version="1.0" encoding="utf-8"?>
+<p:sld xmlns:a="http://schemas.openxmlformats.org/drawingml/2006/main" xmlns:r="http://schemas.openxmlformats.org/officeDocument/2006/relationships" xmlns:p="http://schemas.openxmlformats.org/presentationml/2006/main">
+  <p:cSld>
+    <p:spTree>
+      <p:nvGrpSpPr>
+        <p:cNvPr id="1" name=""/>
+        <p:cNvGrpSpPr/>
+        <p:nvPr/>
+      </p:nvGrpSpPr>
+      <p:grpSpPr>
+        <a:xfrm>
+          <a:off x="0" y="0"/>
+          <a:ext cx="0" cy="0"/>
+          <a:chOff x="0" y="0"/>
+          <a:chExt cx="0" cy="0"/>
+        </a:xfrm>
+      </p:grpSpPr>
+      <p:sp>
+        <p:nvSpPr>
+          <p:cNvPr id="2" name="タイトル 1">
+            <a:extLst>
+              <a:ext uri="{FF2B5EF4-FFF2-40B4-BE49-F238E27FC236}">
+                <a16:creationId xmlns:a16="http://schemas.microsoft.com/office/drawing/2014/main" id="{8021A45D-E4FF-5A46-91C6-E4BEF315A871}"/>
+              </a:ext>
+            </a:extLst>
+          </p:cNvPr>
+          <p:cNvSpPr>
+            <a:spLocks noGrp="1"/>
+          </p:cNvSpPr>
+          <p:nvPr>
+            <p:ph type="title"/>
+          </p:nvPr>
+        </p:nvSpPr>
+        <p:spPr/>
+        <p:txBody>
+          <a:bodyPr/>
+          <a:lstStyle/>
+          <a:p>
+            <a:r>
+              <a:rPr kumimoji="1" lang="en-US" altLang="ja-JP" dirty="0"/>
+              <a:t>Shapiro-Wi</a:t>
+            </a:r>
+            <a:r>
+              <a:rPr lang="en-US" altLang="ja-JP" dirty="0"/>
+              <a:t>lk</a:t>
+            </a:r>
+            <a:r>
+              <a:rPr lang="ja-JP" altLang="en-US"/>
+              <a:t>検定</a:t>
+            </a:r>
+            <a:endParaRPr kumimoji="1" lang="ja-JP" altLang="en-US"/>
+          </a:p>
+        </p:txBody>
+      </p:sp>
+      <p:sp>
+        <p:nvSpPr>
+          <p:cNvPr id="3" name="コンテンツ プレースホルダー 2">
+            <a:extLst>
+              <a:ext uri="{FF2B5EF4-FFF2-40B4-BE49-F238E27FC236}">
+                <a16:creationId xmlns:a16="http://schemas.microsoft.com/office/drawing/2014/main" id="{929FB2F8-884F-DB42-8889-1307E783A82A}"/>
+              </a:ext>
+            </a:extLst>
+          </p:cNvPr>
+          <p:cNvSpPr>
+            <a:spLocks noGrp="1"/>
+          </p:cNvSpPr>
+          <p:nvPr>
+            <p:ph idx="1"/>
+          </p:nvPr>
+        </p:nvSpPr>
+        <p:spPr/>
+        <p:txBody>
+          <a:bodyPr>
+            <a:normAutofit fontScale="70000" lnSpcReduction="20000"/>
+          </a:bodyPr>
+          <a:lstStyle/>
+          <a:p>
+            <a:r>
+              <a:rPr lang="ja-JP" altLang="en-US"/>
+              <a:t>得られたデータが正規分布に従うものか否かを調べる検定．</a:t>
+            </a:r>
+            <a:r>
+              <a:rPr lang="en-US" altLang="ja-JP" dirty="0"/>
+              <a:t>p</a:t>
+            </a:r>
+            <a:r>
+              <a:rPr lang="ja-JP" altLang="en-US"/>
+              <a:t>値によってデータが正規分布に従っているかを定量的に確認．</a:t>
+            </a:r>
+            <a:endParaRPr lang="en-US" altLang="ja-JP" dirty="0"/>
+          </a:p>
+          <a:p>
+            <a:endParaRPr kumimoji="1" lang="en-US" altLang="ja-JP" dirty="0"/>
+          </a:p>
+          <a:p>
+            <a:r>
+              <a:rPr lang="ja-JP" altLang="en-US"/>
+              <a:t>帰無仮説は「データが正規分布に従って分布する」</a:t>
+            </a:r>
+            <a:endParaRPr lang="en-US" altLang="ja-JP" dirty="0"/>
+          </a:p>
+          <a:p>
+            <a:endParaRPr lang="en-US" altLang="ja-JP" dirty="0"/>
+          </a:p>
+          <a:p>
+            <a:r>
+              <a:rPr lang="en-US" altLang="ja-JP" dirty="0" err="1"/>
+              <a:t>shapiro.test</a:t>
+            </a:r>
+            <a:r>
+              <a:rPr lang="ja-JP" altLang="en-US"/>
+              <a:t>関数で引数に残差．</a:t>
+            </a:r>
+            <a:endParaRPr lang="en-US" altLang="ja-JP" dirty="0"/>
+          </a:p>
+          <a:p>
+            <a:endParaRPr kumimoji="1" lang="en-US" altLang="ja-JP" dirty="0"/>
+          </a:p>
+          <a:p>
+            <a:endParaRPr kumimoji="1" lang="en-US" altLang="ja-JP" dirty="0"/>
+          </a:p>
+          <a:p>
+            <a:endParaRPr lang="en-US" altLang="ja-JP" dirty="0"/>
+          </a:p>
+          <a:p>
+            <a:endParaRPr lang="en-US" altLang="ja-JP" dirty="0"/>
+          </a:p>
+          <a:p>
+            <a:endParaRPr kumimoji="1" lang="en-US" altLang="ja-JP" dirty="0"/>
+          </a:p>
+          <a:p>
+            <a:r>
+              <a:rPr lang="ja-JP" altLang="en-US"/>
+              <a:t>この場合、有意水準</a:t>
+            </a:r>
+            <a:r>
+              <a:rPr lang="en-US" altLang="ja-JP" dirty="0"/>
+              <a:t>5%</a:t>
+            </a:r>
+            <a:r>
+              <a:rPr lang="ja-JP" altLang="en-US"/>
+              <a:t>とすると、帰無仮説を棄却できない．すなわち、残差は正規分布に従っていない、とはいえない．</a:t>
+            </a:r>
+            <a:endParaRPr kumimoji="1" lang="ja-JP" altLang="en-US"/>
+          </a:p>
+        </p:txBody>
+      </p:sp>
+      <p:sp>
+        <p:nvSpPr>
+          <p:cNvPr id="4" name="正方形/長方形 3">
+            <a:extLst>
+              <a:ext uri="{FF2B5EF4-FFF2-40B4-BE49-F238E27FC236}">
+                <a16:creationId xmlns:a16="http://schemas.microsoft.com/office/drawing/2014/main" id="{9A0B37BF-DF44-4C49-A0C7-B382023DCA3F}"/>
+              </a:ext>
+            </a:extLst>
+          </p:cNvPr>
+          <p:cNvSpPr/>
+          <p:nvPr/>
+        </p:nvSpPr>
+        <p:spPr>
+          <a:xfrm>
+            <a:off x="1866900" y="3592374"/>
+            <a:ext cx="6096000" cy="1754326"/>
+          </a:xfrm>
+          <a:prstGeom prst="rect">
+            <a:avLst/>
+          </a:prstGeom>
+        </p:spPr>
+        <p:txBody>
+          <a:bodyPr wrap="square">
+            <a:spAutoFit/>
+          </a:bodyPr>
+          <a:lstStyle/>
+          <a:p>
+            <a:r>
+              <a:rPr lang="ja-JP" altLang="en-US"/>
+              <a:t>&gt; shapiro.test(x=res_lm$residuals)</a:t>
+            </a:r>
+          </a:p>
+          <a:p>
+            <a:endParaRPr lang="ja-JP" altLang="en-US"/>
+          </a:p>
+          <a:p>
+            <a:r>
+              <a:rPr lang="ja-JP" altLang="en-US"/>
+              <a:t>	Shapiro-Wilk normality test</a:t>
+            </a:r>
+          </a:p>
+          <a:p>
+            <a:endParaRPr lang="ja-JP" altLang="en-US"/>
+          </a:p>
+          <a:p>
+            <a:r>
+              <a:rPr lang="ja-JP" altLang="en-US"/>
+              <a:t>data:  res_lm$residuals</a:t>
+            </a:r>
+          </a:p>
+          <a:p>
+            <a:r>
+              <a:rPr lang="ja-JP" altLang="en-US"/>
+              <a:t>W = 0.9992, p-value = 0.2041</a:t>
+            </a:r>
+          </a:p>
+        </p:txBody>
+      </p:sp>
+      <p:pic>
+        <p:nvPicPr>
+          <p:cNvPr id="5" name="図 4">
+            <a:extLst>
+              <a:ext uri="{FF2B5EF4-FFF2-40B4-BE49-F238E27FC236}">
+                <a16:creationId xmlns:a16="http://schemas.microsoft.com/office/drawing/2014/main" id="{4A6777C8-1A2C-304D-B190-F0372F1983D3}"/>
+              </a:ext>
+            </a:extLst>
+          </p:cNvPr>
+          <p:cNvPicPr>
+            <a:picLocks noChangeAspect="1"/>
+          </p:cNvPicPr>
+          <p:nvPr/>
+        </p:nvPicPr>
+        <p:blipFill>
+          <a:blip r:embed="rId2"/>
+          <a:stretch>
+            <a:fillRect/>
+          </a:stretch>
+        </p:blipFill>
+        <p:spPr>
+          <a:xfrm>
+            <a:off x="7336716" y="2204275"/>
+            <a:ext cx="4324575" cy="3142425"/>
+          </a:xfrm>
+          <a:prstGeom prst="rect">
+            <a:avLst/>
+          </a:prstGeom>
+        </p:spPr>
+      </p:pic>
+    </p:spTree>
+    <p:extLst>
+      <p:ext uri="{BB962C8B-B14F-4D97-AF65-F5344CB8AC3E}">
+        <p14:creationId xmlns:p14="http://schemas.microsoft.com/office/powerpoint/2010/main" val="3976745622"/>
       </p:ext>
     </p:extLst>
   </p:cSld>
@@ -3955,7 +5755,7 @@
           <p:cNvPr id="2" name="タイトル 1">
             <a:extLst>
               <a:ext uri="{FF2B5EF4-FFF2-40B4-BE49-F238E27FC236}">
-                <a16:creationId xmlns:a16="http://schemas.microsoft.com/office/drawing/2014/main" id="{7EEF70A2-80E1-5D42-B09A-7B3C2212747A}"/>
+                <a16:creationId xmlns:a16="http://schemas.microsoft.com/office/drawing/2014/main" id="{68BB739B-FF50-7947-89AB-1B70AF4DD3EA}"/>
               </a:ext>
             </a:extLst>
           </p:cNvPr>
@@ -3972,94 +5772,97 @@
           <a:lstStyle/>
           <a:p>
             <a:r>
+              <a:rPr kumimoji="1" lang="ja-JP" altLang="en-US"/>
+              <a:t>モデルの結果の診断</a:t>
+            </a:r>
+          </a:p>
+        </p:txBody>
+      </p:sp>
+      <p:sp>
+        <p:nvSpPr>
+          <p:cNvPr id="3" name="コンテンツ プレースホルダー 2">
+            <a:extLst>
+              <a:ext uri="{FF2B5EF4-FFF2-40B4-BE49-F238E27FC236}">
+                <a16:creationId xmlns:a16="http://schemas.microsoft.com/office/drawing/2014/main" id="{B7EB713B-B0D0-A347-9D4F-48B4383A8075}"/>
+              </a:ext>
+            </a:extLst>
+          </p:cNvPr>
+          <p:cNvSpPr>
+            <a:spLocks noGrp="1"/>
+          </p:cNvSpPr>
+          <p:nvPr>
+            <p:ph idx="1"/>
+          </p:nvPr>
+        </p:nvSpPr>
+        <p:spPr>
+          <a:xfrm>
+            <a:off x="838200" y="1825625"/>
+            <a:ext cx="10756900" cy="4351338"/>
+          </a:xfrm>
+        </p:spPr>
+        <p:txBody>
+          <a:bodyPr>
+            <a:normAutofit/>
+          </a:bodyPr>
+          <a:lstStyle/>
+          <a:p>
+            <a:r>
               <a:rPr lang="ja-JP" altLang="en-US"/>
-              <a:t>過分散のチェック</a:t>
-            </a:r>
-            <a:endParaRPr kumimoji="1" lang="ja-JP" altLang="en-US"/>
-          </a:p>
-        </p:txBody>
-      </p:sp>
-      <p:sp>
-        <p:nvSpPr>
-          <p:cNvPr id="3" name="コンテンツ プレースホルダー 2">
-            <a:extLst>
-              <a:ext uri="{FF2B5EF4-FFF2-40B4-BE49-F238E27FC236}">
-                <a16:creationId xmlns:a16="http://schemas.microsoft.com/office/drawing/2014/main" id="{A186CAFC-0030-2E49-8268-A98CF64FBA05}"/>
-              </a:ext>
-            </a:extLst>
-          </p:cNvPr>
-          <p:cNvSpPr>
-            <a:spLocks noGrp="1"/>
-          </p:cNvSpPr>
-          <p:nvPr>
-            <p:ph idx="1"/>
-          </p:nvPr>
-        </p:nvSpPr>
-        <p:spPr/>
-        <p:txBody>
-          <a:bodyPr/>
-          <a:lstStyle/>
-          <a:p>
+              <a:t>線形モデルでも一般化線形モデルでも、目的（応答）変数を説明変数で予測するが、予測値と目的変数にはズレ（誤差）が出る．</a:t>
+            </a:r>
+            <a:endParaRPr lang="en-US" altLang="ja-JP" dirty="0"/>
+          </a:p>
+          <a:p>
+            <a:pPr marL="0" indent="0">
+              <a:buNone/>
+            </a:pPr>
+            <a:endParaRPr lang="en-US" altLang="ja-JP" dirty="0"/>
+          </a:p>
+          <a:p>
+            <a:r>
+              <a:rPr lang="ja-JP" altLang="en-US"/>
+              <a:t>では、誤差はどれくらい小さいのか？</a:t>
+            </a:r>
+            <a:endParaRPr lang="en-US" altLang="ja-JP" dirty="0"/>
+          </a:p>
+          <a:p>
+            <a:pPr marL="0" indent="0">
+              <a:buNone/>
+            </a:pPr>
             <a:r>
               <a:rPr lang="en-US" altLang="ja-JP" dirty="0"/>
-              <a:t>GLM</a:t>
+              <a:t>	</a:t>
             </a:r>
             <a:r>
               <a:rPr lang="ja-JP" altLang="en-US"/>
-              <a:t>で</a:t>
-            </a:r>
-            <a:r>
-              <a:rPr kumimoji="1" lang="ja-JP" altLang="en-US"/>
-              <a:t>仮定した誤差構造が、観測値の母集団が持つ誤差を表しているか？</a:t>
-            </a:r>
-            <a:endParaRPr kumimoji="1" lang="en-US" altLang="ja-JP" dirty="0"/>
-          </a:p>
-          <a:p>
-            <a:endParaRPr kumimoji="1" lang="en-US" altLang="ja-JP" dirty="0"/>
-          </a:p>
-          <a:p>
-            <a:r>
-              <a:rPr kumimoji="1" lang="ja-JP" altLang="en-US"/>
-              <a:t>観測値とモデルによる予測値をプロットして比較．</a:t>
-            </a:r>
-            <a:endParaRPr kumimoji="1" lang="en-US" altLang="ja-JP" dirty="0"/>
-          </a:p>
-          <a:p>
-            <a:endParaRPr kumimoji="1" lang="en-US" altLang="ja-JP" dirty="0"/>
+              <a:t>→残差プロット</a:t>
+            </a:r>
+            <a:endParaRPr lang="en-US" altLang="ja-JP" dirty="0"/>
           </a:p>
           <a:p>
             <a:r>
               <a:rPr lang="ja-JP" altLang="en-US"/>
-              <a:t>分散パラメータが規定の値と一致するかをチェック．</a:t>
-            </a:r>
-            <a:endParaRPr kumimoji="1" lang="en-US" altLang="ja-JP" dirty="0"/>
+              <a:t>予測値と目的変数のズレは誤差構造にちゃんと従ってる？　</a:t>
+            </a:r>
+            <a:endParaRPr lang="en-US" altLang="ja-JP" dirty="0"/>
           </a:p>
           <a:p>
             <a:pPr lvl="1"/>
             <a:r>
-              <a:rPr kumimoji="1" lang="ja-JP" altLang="en-US"/>
-              <a:t>残差逸脱度を残差自由度で割る．（目安として便利）</a:t>
-            </a:r>
-            <a:endParaRPr kumimoji="1" lang="en-US" altLang="ja-JP" dirty="0"/>
-          </a:p>
-          <a:p>
-            <a:pPr lvl="1"/>
-            <a:r>
               <a:rPr lang="ja-JP" altLang="en-US"/>
-              <a:t>ピアソンのカイ二乗を残差自由度で割る．（より正確）</a:t>
+              <a:t>線形モデルでは、ズレは正規分布に従っているか？</a:t>
             </a:r>
             <a:endParaRPr lang="en-US" altLang="ja-JP" dirty="0"/>
           </a:p>
           <a:p>
-            <a:pPr lvl="1"/>
-            <a:endParaRPr kumimoji="1" lang="ja-JP" altLang="en-US"/>
+            <a:endParaRPr lang="en-US" altLang="ja-JP" dirty="0"/>
           </a:p>
         </p:txBody>
       </p:sp>
     </p:spTree>
     <p:extLst>
       <p:ext uri="{BB962C8B-B14F-4D97-AF65-F5344CB8AC3E}">
-        <p14:creationId xmlns:p14="http://schemas.microsoft.com/office/powerpoint/2010/main" val="571653398"/>
+        <p14:creationId xmlns:p14="http://schemas.microsoft.com/office/powerpoint/2010/main" val="1501767664"/>
       </p:ext>
     </p:extLst>
   </p:cSld>
@@ -4091,7 +5894,7 @@
           <p:cNvPr id="2" name="タイトル 1">
             <a:extLst>
               <a:ext uri="{FF2B5EF4-FFF2-40B4-BE49-F238E27FC236}">
-                <a16:creationId xmlns:a16="http://schemas.microsoft.com/office/drawing/2014/main" id="{7D1CB8DE-7E37-8843-9926-BCCB00963A6E}"/>
+                <a16:creationId xmlns:a16="http://schemas.microsoft.com/office/drawing/2014/main" id="{68BB739B-FF50-7947-89AB-1B70AF4DD3EA}"/>
               </a:ext>
             </a:extLst>
           </p:cNvPr>
@@ -4109,15 +5912,7 @@
           <a:p>
             <a:r>
               <a:rPr kumimoji="1" lang="ja-JP" altLang="en-US"/>
-              <a:t>自由度（</a:t>
-            </a:r>
-            <a:r>
-              <a:rPr kumimoji="1" lang="en-US" altLang="ja-JP" dirty="0"/>
-              <a:t>degree of freedom, df</a:t>
-            </a:r>
-            <a:r>
-              <a:rPr kumimoji="1" lang="ja-JP" altLang="en-US"/>
-              <a:t>）</a:t>
+              <a:t>正規性のチェック</a:t>
             </a:r>
           </a:p>
         </p:txBody>
@@ -4127,7 +5922,7 @@
           <p:cNvPr id="3" name="コンテンツ プレースホルダー 2">
             <a:extLst>
               <a:ext uri="{FF2B5EF4-FFF2-40B4-BE49-F238E27FC236}">
-                <a16:creationId xmlns:a16="http://schemas.microsoft.com/office/drawing/2014/main" id="{C92B07B6-339F-834A-BA51-25593D8DC76C}"/>
+                <a16:creationId xmlns:a16="http://schemas.microsoft.com/office/drawing/2014/main" id="{B7EB713B-B0D0-A347-9D4F-48B4383A8075}"/>
               </a:ext>
             </a:extLst>
           </p:cNvPr>
@@ -4138,231 +5933,111 @@
             <p:ph idx="1"/>
           </p:nvPr>
         </p:nvSpPr>
-        <p:spPr/>
+        <p:spPr>
+          <a:xfrm>
+            <a:off x="838200" y="1825625"/>
+            <a:ext cx="10756900" cy="4351338"/>
+          </a:xfrm>
+        </p:spPr>
         <p:txBody>
           <a:bodyPr>
-            <a:normAutofit lnSpcReduction="10000"/>
+            <a:normAutofit/>
           </a:bodyPr>
           <a:lstStyle/>
           <a:p>
             <a:r>
               <a:rPr lang="ja-JP" altLang="en-US"/>
-              <a:t>平均値など、なんらかの統計量が与えられたとき、束縛されない標本のデータ個数（サンプルサイズ）．</a:t>
+              <a:t>まず</a:t>
+            </a:r>
+            <a:r>
+              <a:rPr lang="en-US" altLang="ja-JP" dirty="0"/>
+              <a:t>plot</a:t>
+            </a:r>
+            <a:r>
+              <a:rPr lang="ja-JP" altLang="en-US"/>
+              <a:t>して可視化</a:t>
             </a:r>
             <a:endParaRPr lang="en-US" altLang="ja-JP" dirty="0"/>
           </a:p>
           <a:p>
-            <a:pPr lvl="1"/>
-            <a:r>
-              <a:rPr kumimoji="1" lang="en-US" altLang="ja-JP" dirty="0"/>
-              <a:t>Ex) </a:t>
-            </a:r>
-            <a:r>
-              <a:rPr kumimoji="1" lang="ja-JP" altLang="en-US"/>
-              <a:t>（母）平均が</a:t>
-            </a:r>
-            <a:r>
-              <a:rPr kumimoji="1" lang="en-US" altLang="ja-JP" dirty="0"/>
-              <a:t>5</a:t>
-            </a:r>
-            <a:r>
-              <a:rPr kumimoji="1" lang="ja-JP" altLang="en-US"/>
-              <a:t>であると仮定したとき、サンプルサイズが</a:t>
-            </a:r>
-            <a:r>
-              <a:rPr kumimoji="1" lang="en-US" altLang="ja-JP" dirty="0"/>
-              <a:t>10 (x</a:t>
-            </a:r>
-            <a:r>
-              <a:rPr kumimoji="1" lang="en-US" altLang="ja-JP" baseline="-25000" dirty="0"/>
-              <a:t>1</a:t>
-            </a:r>
-            <a:r>
-              <a:rPr kumimoji="1" lang="en-US" altLang="ja-JP" dirty="0"/>
-              <a:t>,x</a:t>
-            </a:r>
-            <a:r>
-              <a:rPr kumimoji="1" lang="en-US" altLang="ja-JP" baseline="-25000" dirty="0"/>
-              <a:t>2</a:t>
-            </a:r>
-            <a:r>
-              <a:rPr kumimoji="1" lang="en-US" altLang="ja-JP" dirty="0"/>
-              <a:t>,…,x</a:t>
-            </a:r>
-            <a:r>
-              <a:rPr kumimoji="1" lang="en-US" altLang="ja-JP" baseline="-25000" dirty="0"/>
-              <a:t>10</a:t>
-            </a:r>
-            <a:r>
-              <a:rPr kumimoji="1" lang="en-US" altLang="ja-JP" dirty="0"/>
-              <a:t>)</a:t>
-            </a:r>
-            <a:r>
-              <a:rPr kumimoji="1" lang="ja-JP" altLang="en-US"/>
-              <a:t>であれば、</a:t>
-            </a:r>
-            <a:r>
-              <a:rPr lang="en-US" altLang="ja-JP" dirty="0"/>
-              <a:t>x</a:t>
-            </a:r>
-            <a:r>
-              <a:rPr lang="en-US" altLang="ja-JP" baseline="-25000" dirty="0"/>
-              <a:t>1</a:t>
-            </a:r>
-            <a:r>
-              <a:rPr lang="en-US" altLang="ja-JP" dirty="0"/>
-              <a:t>〜x</a:t>
-            </a:r>
-            <a:r>
-              <a:rPr lang="en-US" altLang="ja-JP" baseline="-25000" dirty="0"/>
-              <a:t>9</a:t>
-            </a:r>
-            <a:r>
-              <a:rPr lang="ja-JP" altLang="en-US"/>
-              <a:t>までどんな値をとっても</a:t>
-            </a:r>
-            <a:r>
-              <a:rPr lang="en-US" altLang="ja-JP" dirty="0"/>
-              <a:t> x</a:t>
-            </a:r>
-            <a:r>
-              <a:rPr lang="en-US" altLang="ja-JP" baseline="-25000" dirty="0"/>
-              <a:t>10</a:t>
-            </a:r>
-            <a:r>
-              <a:rPr lang="ja-JP" altLang="en-US"/>
-              <a:t>で調整して平均を</a:t>
-            </a:r>
-            <a:r>
-              <a:rPr lang="en-US" altLang="ja-JP" dirty="0"/>
-              <a:t>5</a:t>
-            </a:r>
-            <a:r>
-              <a:rPr lang="ja-JP" altLang="en-US"/>
-              <a:t>にできる．→自由度は</a:t>
-            </a:r>
-            <a:r>
-              <a:rPr lang="en-US" altLang="ja-JP" dirty="0"/>
-              <a:t>9</a:t>
-            </a:r>
-            <a:r>
-              <a:rPr lang="ja-JP" altLang="en-US"/>
-              <a:t>（サンプルサイズー</a:t>
-            </a:r>
-            <a:r>
-              <a:rPr lang="en-US" altLang="ja-JP" dirty="0"/>
-              <a:t>1</a:t>
-            </a:r>
-            <a:r>
-              <a:rPr lang="ja-JP" altLang="en-US"/>
-              <a:t>）</a:t>
-            </a:r>
             <a:endParaRPr lang="en-US" altLang="ja-JP" dirty="0"/>
           </a:p>
           <a:p>
-            <a:pPr lvl="1"/>
-            <a:endParaRPr kumimoji="1" lang="en-US" altLang="ja-JP" dirty="0"/>
-          </a:p>
-          <a:p>
-            <a:r>
-              <a:rPr lang="en-US" altLang="ja-JP" dirty="0"/>
-              <a:t> </a:t>
-            </a:r>
-            <a:r>
-              <a:rPr lang="ja-JP" altLang="en-US"/>
-              <a:t>線形モデルでは</a:t>
-            </a:r>
-            <a:r>
-              <a:rPr kumimoji="1" lang="ja-JP" altLang="en-US"/>
-              <a:t>サンプルサイズから</a:t>
-            </a:r>
-            <a:r>
-              <a:rPr kumimoji="1" lang="en-US" altLang="ja-JP" dirty="0"/>
-              <a:t>(</a:t>
-            </a:r>
-            <a:r>
-              <a:rPr kumimoji="1" lang="ja-JP" altLang="en-US"/>
-              <a:t>切片＋推定パラメータ数</a:t>
-            </a:r>
-            <a:r>
-              <a:rPr kumimoji="1" lang="en-US" altLang="ja-JP" dirty="0"/>
-              <a:t>)</a:t>
-            </a:r>
-            <a:r>
-              <a:rPr kumimoji="1" lang="ja-JP" altLang="en-US"/>
-              <a:t> などを差し引く．</a:t>
-            </a:r>
-            <a:endParaRPr kumimoji="1" lang="en-US" altLang="ja-JP" dirty="0"/>
-          </a:p>
-          <a:p>
-            <a:pPr lvl="1"/>
-            <a:r>
-              <a:rPr lang="ja-JP" altLang="en-US"/>
-              <a:t>第</a:t>
-            </a:r>
-            <a:r>
-              <a:rPr lang="en-US" altLang="ja-JP" dirty="0"/>
-              <a:t>12</a:t>
-            </a:r>
-            <a:r>
-              <a:rPr lang="ja-JP" altLang="en-US"/>
-              <a:t>回の</a:t>
-            </a:r>
-            <a:r>
-              <a:rPr lang="en-US" altLang="ja-JP" dirty="0" err="1"/>
-              <a:t>lm</a:t>
-            </a:r>
-            <a:r>
-              <a:rPr lang="ja-JP" altLang="en-US"/>
-              <a:t>、第</a:t>
-            </a:r>
-            <a:r>
-              <a:rPr lang="en-US" altLang="ja-JP" dirty="0"/>
-              <a:t>20</a:t>
-            </a:r>
-            <a:r>
-              <a:rPr lang="ja-JP" altLang="en-US"/>
-              <a:t>回の</a:t>
-            </a:r>
-            <a:r>
-              <a:rPr lang="en-US" altLang="ja-JP" dirty="0" err="1"/>
-              <a:t>glm</a:t>
-            </a:r>
-            <a:r>
-              <a:rPr lang="ja-JP" altLang="en-US"/>
-              <a:t>解析結果で自由度をチェック</a:t>
-            </a:r>
-            <a:endParaRPr lang="en-US" altLang="ja-JP" dirty="0"/>
-          </a:p>
-          <a:p>
-            <a:pPr lvl="1"/>
-            <a:r>
-              <a:rPr lang="en-US" altLang="ja-JP" dirty="0"/>
-              <a:t>summary(</a:t>
-            </a:r>
-            <a:r>
-              <a:rPr lang="en-US" altLang="ja-JP" dirty="0" err="1"/>
-              <a:t>res_lm_catch</a:t>
-            </a:r>
-            <a:r>
-              <a:rPr lang="en-US" altLang="ja-JP" dirty="0"/>
-              <a:t>)</a:t>
-            </a:r>
-          </a:p>
-          <a:p>
-            <a:pPr lvl="1"/>
-            <a:r>
-              <a:rPr kumimoji="1" lang="en-US" altLang="ja-JP" dirty="0" err="1"/>
-              <a:t>res_glm_gala</a:t>
-            </a:r>
-            <a:endParaRPr kumimoji="1" lang="ja-JP" altLang="en-US"/>
+            <a:r>
+              <a:rPr lang="ja-JP" altLang="en-US">
+                <a:solidFill>
+                  <a:schemeClr val="bg2">
+                    <a:lumMod val="50000"/>
+                  </a:schemeClr>
+                </a:solidFill>
+              </a:rPr>
+              <a:t>分布からずれていないかチェックのプロット；</a:t>
+            </a:r>
+            <a:r>
+              <a:rPr lang="en-US" altLang="ja-JP" dirty="0" err="1">
+                <a:solidFill>
+                  <a:schemeClr val="bg2">
+                    <a:lumMod val="50000"/>
+                  </a:schemeClr>
+                </a:solidFill>
+              </a:rPr>
+              <a:t>QQplot</a:t>
+            </a:r>
+            <a:endParaRPr lang="en-US" altLang="ja-JP" dirty="0">
+              <a:solidFill>
+                <a:schemeClr val="bg2">
+                  <a:lumMod val="50000"/>
+                </a:schemeClr>
+              </a:solidFill>
+            </a:endParaRPr>
+          </a:p>
+          <a:p>
+            <a:pPr marL="457200" lvl="1" indent="0">
+              <a:buNone/>
+            </a:pPr>
+            <a:endParaRPr lang="en-US" altLang="ja-JP" dirty="0">
+              <a:solidFill>
+                <a:schemeClr val="bg2">
+                  <a:lumMod val="50000"/>
+                </a:schemeClr>
+              </a:solidFill>
+            </a:endParaRPr>
+          </a:p>
+          <a:p>
+            <a:r>
+              <a:rPr lang="en-US" altLang="ja-JP" dirty="0">
+                <a:solidFill>
+                  <a:schemeClr val="bg2">
+                    <a:lumMod val="50000"/>
+                  </a:schemeClr>
+                </a:solidFill>
+              </a:rPr>
+              <a:t>Shapiro-Wilk</a:t>
+            </a:r>
+            <a:r>
+              <a:rPr lang="ja-JP" altLang="en-US">
+                <a:solidFill>
+                  <a:schemeClr val="bg2">
+                    <a:lumMod val="50000"/>
+                  </a:schemeClr>
+                </a:solidFill>
+              </a:rPr>
+              <a:t>検定</a:t>
+            </a:r>
+            <a:endParaRPr lang="en-US" altLang="ja-JP" dirty="0">
+              <a:solidFill>
+                <a:schemeClr val="bg2">
+                  <a:lumMod val="50000"/>
+                </a:schemeClr>
+              </a:solidFill>
+            </a:endParaRPr>
           </a:p>
         </p:txBody>
       </p:sp>
     </p:spTree>
     <p:extLst>
       <p:ext uri="{BB962C8B-B14F-4D97-AF65-F5344CB8AC3E}">
-        <p14:creationId xmlns:p14="http://schemas.microsoft.com/office/powerpoint/2010/main" val="1216965000"/>
+        <p14:creationId xmlns:p14="http://schemas.microsoft.com/office/powerpoint/2010/main" val="1722450886"/>
       </p:ext>
     </p:extLst>
   </p:cSld>
@@ -4394,7 +6069,7 @@
           <p:cNvPr id="2" name="タイトル 1">
             <a:extLst>
               <a:ext uri="{FF2B5EF4-FFF2-40B4-BE49-F238E27FC236}">
-                <a16:creationId xmlns:a16="http://schemas.microsoft.com/office/drawing/2014/main" id="{8735B3ED-534B-9148-BE43-146E345053C2}"/>
+                <a16:creationId xmlns:a16="http://schemas.microsoft.com/office/drawing/2014/main" id="{593893BE-BD11-5648-B363-0A47FB81D8B9}"/>
               </a:ext>
             </a:extLst>
           </p:cNvPr>
@@ -4412,172 +6087,74 @@
           <a:p>
             <a:r>
               <a:rPr kumimoji="1" lang="ja-JP" altLang="en-US"/>
-              <a:t>カイ二乗（</a:t>
+              <a:t>線形モデルの結果をプロット</a:t>
+            </a:r>
+          </a:p>
+        </p:txBody>
+      </p:sp>
+      <p:sp>
+        <p:nvSpPr>
+          <p:cNvPr id="3" name="コンテンツ プレースホルダー 2">
+            <a:extLst>
+              <a:ext uri="{FF2B5EF4-FFF2-40B4-BE49-F238E27FC236}">
+                <a16:creationId xmlns:a16="http://schemas.microsoft.com/office/drawing/2014/main" id="{49E414B3-99D4-2B4A-B335-2BAEFB18D4DF}"/>
+              </a:ext>
+            </a:extLst>
+          </p:cNvPr>
+          <p:cNvSpPr>
+            <a:spLocks noGrp="1"/>
+          </p:cNvSpPr>
+          <p:nvPr>
+            <p:ph idx="1"/>
+          </p:nvPr>
+        </p:nvSpPr>
+        <p:spPr/>
+        <p:txBody>
+          <a:bodyPr>
+            <a:normAutofit lnSpcReduction="10000"/>
+          </a:bodyPr>
+          <a:lstStyle/>
+          <a:p>
+            <a:r>
+              <a:rPr kumimoji="1" lang="ja-JP" altLang="en-US"/>
+              <a:t>第</a:t>
             </a:r>
             <a:r>
               <a:rPr kumimoji="1" lang="en-US" altLang="ja-JP" dirty="0"/>
-              <a:t>Χ</a:t>
-            </a:r>
-            <a:r>
-              <a:rPr kumimoji="1" lang="en-US" altLang="ja-JP" baseline="30000" dirty="0"/>
-              <a:t>2</a:t>
-            </a:r>
-            <a:r>
-              <a:rPr kumimoji="1" lang="ja-JP" altLang="en-US"/>
-              <a:t>）と検定</a:t>
-            </a:r>
-          </a:p>
-        </p:txBody>
-      </p:sp>
-      <p:sp>
-        <p:nvSpPr>
-          <p:cNvPr id="3" name="コンテンツ プレースホルダー 2">
-            <a:extLst>
-              <a:ext uri="{FF2B5EF4-FFF2-40B4-BE49-F238E27FC236}">
-                <a16:creationId xmlns:a16="http://schemas.microsoft.com/office/drawing/2014/main" id="{53329B6A-02E6-674F-BCF0-66057978508F}"/>
-              </a:ext>
-            </a:extLst>
-          </p:cNvPr>
-          <p:cNvSpPr>
-            <a:spLocks noGrp="1"/>
-          </p:cNvSpPr>
-          <p:nvPr>
-            <p:ph idx="1"/>
-          </p:nvPr>
-        </p:nvSpPr>
-        <p:spPr>
-          <a:xfrm>
-            <a:off x="838199" y="1825625"/>
-            <a:ext cx="10863649" cy="4351338"/>
-          </a:xfrm>
-        </p:spPr>
-        <p:txBody>
-          <a:bodyPr>
-            <a:normAutofit/>
-          </a:bodyPr>
-          <a:lstStyle/>
-          <a:p>
-            <a:r>
-              <a:rPr kumimoji="1" lang="ja-JP" altLang="en-US"/>
-              <a:t>カイ</a:t>
-            </a:r>
-            <a:r>
-              <a:rPr kumimoji="1" lang="en-US" altLang="ja-JP" dirty="0"/>
-              <a:t>2</a:t>
-            </a:r>
-            <a:r>
-              <a:rPr kumimoji="1" lang="ja-JP" altLang="en-US"/>
-              <a:t>乗とは、観測値</a:t>
-            </a:r>
-            <a:r>
-              <a:rPr kumimoji="1" lang="en-US" altLang="ja-JP" dirty="0"/>
-              <a:t>O</a:t>
-            </a:r>
-            <a:r>
-              <a:rPr kumimoji="1" lang="ja-JP" altLang="en-US"/>
-              <a:t>とモデルによる推定値（期待値）</a:t>
-            </a:r>
-            <a:r>
-              <a:rPr kumimoji="1" lang="en-US" altLang="ja-JP" dirty="0"/>
-              <a:t>E</a:t>
-            </a:r>
-            <a:r>
-              <a:rPr kumimoji="1" lang="ja-JP" altLang="en-US"/>
-              <a:t>との差分の二乗</a:t>
-            </a:r>
-            <a:r>
-              <a:rPr kumimoji="1" lang="en-US" altLang="ja-JP" dirty="0"/>
-              <a:t>(O-E)</a:t>
-            </a:r>
-            <a:r>
-              <a:rPr kumimoji="1" lang="ja-JP" altLang="en-US"/>
-              <a:t>を</a:t>
-            </a:r>
-            <a:r>
-              <a:rPr kumimoji="1" lang="en-US" altLang="ja-JP" dirty="0"/>
-              <a:t>E</a:t>
-            </a:r>
-            <a:r>
-              <a:rPr kumimoji="1" lang="ja-JP" altLang="en-US"/>
-              <a:t>で割った総和．</a:t>
+              <a:t>12</a:t>
+            </a:r>
+            <a:r>
+              <a:rPr kumimoji="1" lang="ja-JP" altLang="en-US"/>
+              <a:t>回；線形モデル１で生成したシミュレーションデータの線形モデル解析結果を利用．</a:t>
             </a:r>
             <a:endParaRPr kumimoji="1" lang="en-US" altLang="ja-JP" dirty="0"/>
           </a:p>
           <a:p>
             <a:pPr lvl="1"/>
             <a:r>
-              <a:rPr lang="ja-JP" altLang="en-US"/>
-              <a:t>サンプルサイズが</a:t>
+              <a:rPr lang="en-US" altLang="ja-JP" dirty="0" err="1"/>
+              <a:t>res_lm</a:t>
             </a:r>
             <a:r>
               <a:rPr lang="en-US" altLang="ja-JP" dirty="0"/>
-              <a:t>n</a:t>
-            </a:r>
-            <a:r>
-              <a:rPr lang="ja-JP" altLang="en-US"/>
-              <a:t>のとき、</a:t>
+              <a:t> &lt;- </a:t>
+            </a:r>
+            <a:r>
+              <a:rPr lang="en-US" altLang="ja-JP" dirty="0" err="1"/>
+              <a:t>lm</a:t>
             </a:r>
             <a:r>
               <a:rPr lang="en-US" altLang="ja-JP" dirty="0"/>
-              <a:t>Χ</a:t>
-            </a:r>
-            <a:r>
-              <a:rPr lang="en-US" altLang="ja-JP" baseline="30000" dirty="0"/>
-              <a:t>2</a:t>
+              <a:t>(log(catch)~vessel+temp-1, data=</a:t>
+            </a:r>
+            <a:r>
+              <a:rPr lang="en-US" altLang="ja-JP" dirty="0" err="1"/>
+              <a:t>catch_data</a:t>
             </a:r>
             <a:r>
               <a:rPr lang="en-US" altLang="ja-JP" dirty="0"/>
-              <a:t> = </a:t>
-            </a:r>
-            <a:r>
-              <a:rPr lang="en-US" altLang="ja-JP" dirty="0" err="1"/>
-              <a:t>Σ</a:t>
-            </a:r>
-            <a:r>
-              <a:rPr lang="en-US" altLang="ja-JP" baseline="-25000" dirty="0" err="1"/>
-              <a:t>i</a:t>
-            </a:r>
-            <a:r>
-              <a:rPr lang="en-US" altLang="ja-JP" baseline="-25000" dirty="0"/>
-              <a:t>=1</a:t>
-            </a:r>
-            <a:r>
-              <a:rPr lang="en-US" altLang="ja-JP" baseline="30000" dirty="0"/>
-              <a:t>n</a:t>
-            </a:r>
-            <a:r>
-              <a:rPr lang="en-US" altLang="ja-JP" dirty="0"/>
-              <a:t>(O</a:t>
-            </a:r>
-            <a:r>
-              <a:rPr lang="en-US" altLang="ja-JP" baseline="-25000" dirty="0"/>
-              <a:t>i</a:t>
-            </a:r>
-            <a:r>
-              <a:rPr lang="en-US" altLang="ja-JP" dirty="0"/>
-              <a:t>-</a:t>
-            </a:r>
-            <a:r>
-              <a:rPr lang="en-US" altLang="ja-JP" dirty="0" err="1"/>
-              <a:t>E</a:t>
-            </a:r>
-            <a:r>
-              <a:rPr lang="en-US" altLang="ja-JP" baseline="-25000" dirty="0" err="1"/>
-              <a:t>i</a:t>
-            </a:r>
-            <a:r>
-              <a:rPr lang="en-US" altLang="ja-JP" dirty="0"/>
-              <a:t>)/</a:t>
-            </a:r>
-            <a:r>
-              <a:rPr lang="en-US" altLang="ja-JP" dirty="0" err="1"/>
-              <a:t>E</a:t>
-            </a:r>
-            <a:r>
-              <a:rPr lang="en-US" altLang="ja-JP" baseline="-25000" dirty="0" err="1"/>
-              <a:t>i</a:t>
-            </a:r>
-            <a:endParaRPr lang="en-US" altLang="ja-JP" baseline="-25000" dirty="0"/>
+              <a:t>)</a:t>
+            </a:r>
           </a:p>
           <a:p>
             <a:pPr lvl="1"/>
@@ -4585,40 +6162,44 @@
           </a:p>
           <a:p>
             <a:r>
-              <a:rPr kumimoji="1" lang="ja-JP" altLang="en-US"/>
-              <a:t>ジャンケンで出す手（グー、チョキ、パー）の例．</a:t>
-            </a:r>
-            <a:endParaRPr kumimoji="1" lang="en-US" altLang="ja-JP" dirty="0"/>
-          </a:p>
-          <a:p>
-            <a:pPr lvl="1"/>
-            <a:r>
-              <a:rPr kumimoji="1" lang="ja-JP" altLang="en-US"/>
-              <a:t>出す手に偏りがない場合</a:t>
-            </a:r>
-            <a:r>
               <a:rPr lang="ja-JP" altLang="en-US"/>
-              <a:t>（確率</a:t>
+              <a:t>残差は</a:t>
+            </a:r>
+            <a:r>
+              <a:rPr lang="en-US" altLang="ja-JP" dirty="0" err="1"/>
+              <a:t>lm</a:t>
+            </a:r>
+            <a:r>
+              <a:rPr lang="ja-JP" altLang="en-US"/>
+              <a:t>関数の結果オブジェクトの</a:t>
             </a:r>
             <a:r>
               <a:rPr lang="en-US" altLang="ja-JP" dirty="0"/>
-              <a:t>1/3</a:t>
+              <a:t>residuals</a:t>
             </a:r>
             <a:r>
               <a:rPr lang="ja-JP" altLang="en-US"/>
-              <a:t>でそれぞれの手を出す場合）、</a:t>
+              <a:t>に格納．これをプロットする</a:t>
             </a:r>
             <a:r>
               <a:rPr lang="en-US" altLang="ja-JP" dirty="0"/>
-              <a:t>100</a:t>
+              <a:t> (</a:t>
             </a:r>
             <a:r>
               <a:rPr lang="ja-JP" altLang="en-US"/>
-              <a:t>回ジャンケンをするとそれぞれの手が出る期待値は</a:t>
+              <a:t>第</a:t>
             </a:r>
             <a:r>
               <a:rPr lang="en-US" altLang="ja-JP" dirty="0"/>
-              <a:t>(100/3, 100/3, 100/3)</a:t>
+              <a:t>14</a:t>
+            </a:r>
+            <a:r>
+              <a:rPr lang="ja-JP" altLang="en-US"/>
+              <a:t>回参照</a:t>
+            </a:r>
+            <a:r>
+              <a:rPr lang="en-US" altLang="ja-JP" dirty="0"/>
+              <a:t>)</a:t>
             </a:r>
             <a:r>
               <a:rPr lang="ja-JP" altLang="en-US"/>
@@ -4629,63 +6210,54 @@
           <a:p>
             <a:pPr lvl="1"/>
             <a:r>
+              <a:rPr lang="en-US" altLang="ja-JP" dirty="0"/>
+              <a:t>plot(</a:t>
+            </a:r>
+            <a:r>
+              <a:rPr lang="en-US" altLang="ja-JP" dirty="0" err="1"/>
+              <a:t>res_lm$residuals</a:t>
+            </a:r>
+            <a:r>
+              <a:rPr lang="en-US" altLang="ja-JP" dirty="0"/>
+              <a:t>)</a:t>
+            </a:r>
+          </a:p>
+          <a:p>
+            <a:pPr lvl="1"/>
+            <a:r>
+              <a:rPr lang="en-US" altLang="ja-JP" dirty="0"/>
+              <a:t>hist(</a:t>
+            </a:r>
+            <a:r>
+              <a:rPr lang="en-US" altLang="ja-JP" dirty="0" err="1"/>
+              <a:t>res_lm$residuals</a:t>
+            </a:r>
+            <a:r>
+              <a:rPr lang="en-US" altLang="ja-JP" dirty="0"/>
+              <a:t>)</a:t>
+            </a:r>
+          </a:p>
+          <a:p>
+            <a:pPr lvl="1"/>
+            <a:endParaRPr lang="en-US" altLang="ja-JP" dirty="0"/>
+          </a:p>
+          <a:p>
+            <a:r>
+              <a:rPr lang="en-US" altLang="ja-JP" dirty="0" err="1"/>
+              <a:t>lm</a:t>
+            </a:r>
+            <a:r>
               <a:rPr lang="ja-JP" altLang="en-US"/>
-              <a:t>これに対して</a:t>
-            </a:r>
-            <a:r>
-              <a:rPr lang="en-US" altLang="ja-JP" dirty="0"/>
-              <a:t>100</a:t>
-            </a:r>
-            <a:r>
-              <a:rPr lang="ja-JP" altLang="en-US"/>
-              <a:t>回のジャンケンで</a:t>
-            </a:r>
-            <a:r>
-              <a:rPr lang="en-US" altLang="ja-JP" dirty="0"/>
-              <a:t>(40,20,40)</a:t>
-            </a:r>
-            <a:r>
-              <a:rPr lang="ja-JP" altLang="en-US"/>
-              <a:t>が観測されたとする．</a:t>
-            </a:r>
-          </a:p>
-          <a:p>
-            <a:pPr lvl="1"/>
-            <a:r>
-              <a:rPr kumimoji="1" lang="ja-JP" altLang="en-US"/>
-              <a:t>このとき、カイ二乗は</a:t>
-            </a:r>
-            <a:endParaRPr kumimoji="1" lang="en-US" altLang="ja-JP" dirty="0"/>
-          </a:p>
-          <a:p>
-            <a:pPr marL="457200" lvl="1" indent="0">
-              <a:buNone/>
-            </a:pPr>
-            <a:r>
-              <a:rPr kumimoji="1" lang="en-US" altLang="ja-JP" dirty="0"/>
-              <a:t>    [(40-100/3</a:t>
-            </a:r>
-            <a:r>
-              <a:rPr lang="en-US" altLang="ja-JP" dirty="0"/>
-              <a:t>)^2+(20-100/3) ^2+(40-100/3) ^2]/(100/3) =8</a:t>
-            </a:r>
-          </a:p>
-          <a:p>
-            <a:pPr marL="457200" lvl="1" indent="0">
-              <a:buNone/>
-            </a:pPr>
-            <a:endParaRPr kumimoji="1" lang="en-US" altLang="ja-JP" dirty="0"/>
-          </a:p>
-          <a:p>
-            <a:pPr lvl="1"/>
-            <a:endParaRPr kumimoji="1" lang="en-US" altLang="ja-JP" dirty="0"/>
+              <a:t>では誤差構造が正規分布．残差が正規分布に従っているかを視覚的に確認．</a:t>
+            </a:r>
+            <a:endParaRPr lang="en-US" altLang="ja-JP" dirty="0"/>
           </a:p>
         </p:txBody>
       </p:sp>
     </p:spTree>
     <p:extLst>
       <p:ext uri="{BB962C8B-B14F-4D97-AF65-F5344CB8AC3E}">
-        <p14:creationId xmlns:p14="http://schemas.microsoft.com/office/powerpoint/2010/main" val="672173733"/>
+        <p14:creationId xmlns:p14="http://schemas.microsoft.com/office/powerpoint/2010/main" val="3428185782"/>
       </p:ext>
     </p:extLst>
   </p:cSld>
@@ -4717,7 +6289,7 @@
           <p:cNvPr id="2" name="タイトル 1">
             <a:extLst>
               <a:ext uri="{FF2B5EF4-FFF2-40B4-BE49-F238E27FC236}">
-                <a16:creationId xmlns:a16="http://schemas.microsoft.com/office/drawing/2014/main" id="{3C700D43-7914-8B49-B1EE-F2FE8202DB90}"/>
+                <a16:creationId xmlns:a16="http://schemas.microsoft.com/office/drawing/2014/main" id="{68BB739B-FF50-7947-89AB-1B70AF4DD3EA}"/>
               </a:ext>
             </a:extLst>
           </p:cNvPr>
@@ -4735,570 +6307,139 @@
           <a:p>
             <a:r>
               <a:rPr lang="ja-JP" altLang="en-US"/>
-              <a:t>カイ二乗（</a:t>
-            </a:r>
-            <a:r>
-              <a:rPr lang="en-US" altLang="ja-JP" dirty="0"/>
-              <a:t> Χ</a:t>
-            </a:r>
-            <a:r>
-              <a:rPr lang="en-US" altLang="ja-JP" baseline="30000" dirty="0"/>
-              <a:t>2 </a:t>
-            </a:r>
-            <a:r>
-              <a:rPr lang="ja-JP" altLang="en-US"/>
-              <a:t>）検定（適合度の検定）</a:t>
+              <a:t>正規性のチェック</a:t>
             </a:r>
             <a:endParaRPr kumimoji="1" lang="ja-JP" altLang="en-US"/>
           </a:p>
         </p:txBody>
       </p:sp>
-      <p:graphicFrame>
-        <p:nvGraphicFramePr>
-          <p:cNvPr id="4" name="表 4">
-            <a:extLst>
-              <a:ext uri="{FF2B5EF4-FFF2-40B4-BE49-F238E27FC236}">
-                <a16:creationId xmlns:a16="http://schemas.microsoft.com/office/drawing/2014/main" id="{407B999C-F742-4C4B-8A08-6B24FE0BC9FB}"/>
-              </a:ext>
-            </a:extLst>
-          </p:cNvPr>
-          <p:cNvGraphicFramePr>
-            <a:graphicFrameLocks noGrp="1"/>
-          </p:cNvGraphicFramePr>
+      <p:sp>
+        <p:nvSpPr>
+          <p:cNvPr id="3" name="コンテンツ プレースホルダー 2">
+            <a:extLst>
+              <a:ext uri="{FF2B5EF4-FFF2-40B4-BE49-F238E27FC236}">
+                <a16:creationId xmlns:a16="http://schemas.microsoft.com/office/drawing/2014/main" id="{B7EB713B-B0D0-A347-9D4F-48B4383A8075}"/>
+              </a:ext>
+            </a:extLst>
+          </p:cNvPr>
+          <p:cNvSpPr>
+            <a:spLocks noGrp="1"/>
+          </p:cNvSpPr>
           <p:nvPr>
             <p:ph idx="1"/>
-            <p:extLst>
-              <p:ext uri="{D42A27DB-BD31-4B8C-83A1-F6EECF244321}">
-                <p14:modId xmlns:p14="http://schemas.microsoft.com/office/powerpoint/2010/main" val="2894333901"/>
-              </p:ext>
-            </p:extLst>
-          </p:nvPr>
-        </p:nvGraphicFramePr>
-        <p:xfrm>
-          <a:off x="936171" y="1396774"/>
-          <a:ext cx="9949544" cy="2597766"/>
-        </p:xfrm>
-        <a:graphic>
-          <a:graphicData uri="http://schemas.openxmlformats.org/drawingml/2006/table">
-            <a:tbl>
-              <a:tblPr firstRow="1" bandRow="1">
-                <a:tableStyleId>{5C22544A-7EE6-4342-B048-85BDC9FD1C3A}</a:tableStyleId>
-              </a:tblPr>
-              <a:tblGrid>
-                <a:gridCol w="1998149">
-                  <a:extLst>
-                    <a:ext uri="{9D8B030D-6E8A-4147-A177-3AD203B41FA5}">
-                      <a16:colId xmlns:a16="http://schemas.microsoft.com/office/drawing/2014/main" val="1224390897"/>
-                    </a:ext>
-                  </a:extLst>
-                </a:gridCol>
-                <a:gridCol w="1981668">
-                  <a:extLst>
-                    <a:ext uri="{9D8B030D-6E8A-4147-A177-3AD203B41FA5}">
-                      <a16:colId xmlns:a16="http://schemas.microsoft.com/office/drawing/2014/main" val="1500877206"/>
-                    </a:ext>
-                  </a:extLst>
-                </a:gridCol>
-                <a:gridCol w="1989909">
-                  <a:extLst>
-                    <a:ext uri="{9D8B030D-6E8A-4147-A177-3AD203B41FA5}">
-                      <a16:colId xmlns:a16="http://schemas.microsoft.com/office/drawing/2014/main" val="3912329691"/>
-                    </a:ext>
-                  </a:extLst>
-                </a:gridCol>
-                <a:gridCol w="1989909">
-                  <a:extLst>
-                    <a:ext uri="{9D8B030D-6E8A-4147-A177-3AD203B41FA5}">
-                      <a16:colId xmlns:a16="http://schemas.microsoft.com/office/drawing/2014/main" val="3051161841"/>
-                    </a:ext>
-                  </a:extLst>
-                </a:gridCol>
-                <a:gridCol w="1989909">
-                  <a:extLst>
-                    <a:ext uri="{9D8B030D-6E8A-4147-A177-3AD203B41FA5}">
-                      <a16:colId xmlns:a16="http://schemas.microsoft.com/office/drawing/2014/main" val="539658092"/>
-                    </a:ext>
-                  </a:extLst>
-                </a:gridCol>
-              </a:tblGrid>
-              <a:tr h="530642">
-                <a:tc>
-                  <a:txBody>
-                    <a:bodyPr/>
-                    <a:lstStyle/>
-                    <a:p>
-                      <a:endParaRPr kumimoji="1" lang="ja-JP" altLang="en-US" sz="2000"/>
-                    </a:p>
-                  </a:txBody>
-                  <a:tcPr anchor="ctr"/>
-                </a:tc>
-                <a:tc>
-                  <a:txBody>
-                    <a:bodyPr/>
-                    <a:lstStyle/>
-                    <a:p>
-                      <a:pPr algn="ctr"/>
-                      <a:r>
-                        <a:rPr kumimoji="1" lang="ja-JP" altLang="en-US" sz="2000"/>
-                        <a:t>グー</a:t>
-                      </a:r>
-                    </a:p>
-                  </a:txBody>
-                  <a:tcPr anchor="ctr"/>
-                </a:tc>
-                <a:tc>
-                  <a:txBody>
-                    <a:bodyPr/>
-                    <a:lstStyle/>
-                    <a:p>
-                      <a:pPr algn="ctr"/>
-                      <a:r>
-                        <a:rPr kumimoji="1" lang="ja-JP" altLang="en-US" sz="2000"/>
-                        <a:t>チョキ</a:t>
-                      </a:r>
-                    </a:p>
-                  </a:txBody>
-                  <a:tcPr anchor="ctr"/>
-                </a:tc>
-                <a:tc>
-                  <a:txBody>
-                    <a:bodyPr/>
-                    <a:lstStyle/>
-                    <a:p>
-                      <a:pPr algn="ctr"/>
-                      <a:r>
-                        <a:rPr kumimoji="1" lang="ja-JP" altLang="en-US" sz="2000"/>
-                        <a:t>パー</a:t>
-                      </a:r>
-                    </a:p>
-                  </a:txBody>
-                  <a:tcPr anchor="ctr"/>
-                </a:tc>
-                <a:tc>
-                  <a:txBody>
-                    <a:bodyPr/>
-                    <a:lstStyle/>
-                    <a:p>
-                      <a:pPr algn="ctr"/>
-                      <a:r>
-                        <a:rPr kumimoji="1" lang="ja-JP" altLang="en-US" sz="2000"/>
-                        <a:t>合計</a:t>
-                      </a:r>
-                    </a:p>
-                  </a:txBody>
-                  <a:tcPr anchor="ctr"/>
-                </a:tc>
-                <a:extLst>
-                  <a:ext uri="{0D108BD9-81ED-4DB2-BD59-A6C34878D82A}">
-                    <a16:rowId xmlns:a16="http://schemas.microsoft.com/office/drawing/2014/main" val="2444831965"/>
-                  </a:ext>
-                </a:extLst>
-              </a:tr>
-              <a:tr h="530642">
-                <a:tc>
-                  <a:txBody>
-                    <a:bodyPr/>
-                    <a:lstStyle/>
-                    <a:p>
-                      <a:pPr algn="ctr"/>
-                      <a:r>
-                        <a:rPr kumimoji="1" lang="ja-JP" altLang="en-US" sz="2000"/>
-                        <a:t>観測度数</a:t>
-                      </a:r>
-                    </a:p>
-                  </a:txBody>
-                  <a:tcPr anchor="ctr"/>
-                </a:tc>
-                <a:tc>
-                  <a:txBody>
-                    <a:bodyPr/>
-                    <a:lstStyle/>
-                    <a:p>
-                      <a:pPr algn="r"/>
-                      <a:r>
-                        <a:rPr kumimoji="1" lang="en-US" altLang="ja-JP" sz="2000" dirty="0"/>
-                        <a:t>40</a:t>
-                      </a:r>
-                      <a:endParaRPr kumimoji="1" lang="ja-JP" altLang="en-US" sz="2000"/>
-                    </a:p>
-                  </a:txBody>
-                  <a:tcPr anchor="ctr"/>
-                </a:tc>
-                <a:tc>
-                  <a:txBody>
-                    <a:bodyPr/>
-                    <a:lstStyle/>
-                    <a:p>
-                      <a:pPr algn="r"/>
-                      <a:r>
-                        <a:rPr kumimoji="1" lang="en-US" altLang="ja-JP" sz="2000" dirty="0"/>
-                        <a:t>20</a:t>
-                      </a:r>
-                      <a:endParaRPr kumimoji="1" lang="ja-JP" altLang="en-US" sz="2000"/>
-                    </a:p>
-                  </a:txBody>
-                  <a:tcPr anchor="ctr"/>
-                </a:tc>
-                <a:tc>
-                  <a:txBody>
-                    <a:bodyPr/>
-                    <a:lstStyle/>
-                    <a:p>
-                      <a:pPr algn="r"/>
-                      <a:r>
-                        <a:rPr kumimoji="1" lang="en-US" altLang="ja-JP" sz="2000" dirty="0"/>
-                        <a:t>40</a:t>
-                      </a:r>
-                      <a:endParaRPr kumimoji="1" lang="ja-JP" altLang="en-US" sz="2000"/>
-                    </a:p>
-                  </a:txBody>
-                  <a:tcPr anchor="ctr"/>
-                </a:tc>
-                <a:tc>
-                  <a:txBody>
-                    <a:bodyPr/>
-                    <a:lstStyle/>
-                    <a:p>
-                      <a:pPr algn="r"/>
-                      <a:r>
-                        <a:rPr kumimoji="1" lang="en-US" altLang="ja-JP" sz="2000" dirty="0"/>
-                        <a:t>100</a:t>
-                      </a:r>
-                      <a:endParaRPr kumimoji="1" lang="ja-JP" altLang="en-US" sz="2000"/>
-                    </a:p>
-                  </a:txBody>
-                  <a:tcPr anchor="ctr"/>
-                </a:tc>
-                <a:extLst>
-                  <a:ext uri="{0D108BD9-81ED-4DB2-BD59-A6C34878D82A}">
-                    <a16:rowId xmlns:a16="http://schemas.microsoft.com/office/drawing/2014/main" val="299311301"/>
-                  </a:ext>
-                </a:extLst>
-              </a:tr>
-              <a:tr h="530642">
-                <a:tc>
-                  <a:txBody>
-                    <a:bodyPr/>
-                    <a:lstStyle/>
-                    <a:p>
-                      <a:pPr algn="ctr"/>
-                      <a:r>
-                        <a:rPr kumimoji="1" lang="ja-JP" altLang="en-US" sz="2000"/>
-                        <a:t>期待度数</a:t>
-                      </a:r>
-                    </a:p>
-                  </a:txBody>
-                  <a:tcPr anchor="ctr"/>
-                </a:tc>
-                <a:tc>
-                  <a:txBody>
-                    <a:bodyPr/>
-                    <a:lstStyle/>
-                    <a:p>
-                      <a:pPr algn="r"/>
-                      <a:r>
-                        <a:rPr kumimoji="1" lang="en-US" altLang="ja-JP" sz="2000" dirty="0"/>
-                        <a:t>100/3</a:t>
-                      </a:r>
-                      <a:endParaRPr kumimoji="1" lang="ja-JP" altLang="en-US" sz="2000"/>
-                    </a:p>
-                  </a:txBody>
-                  <a:tcPr anchor="ctr"/>
-                </a:tc>
-                <a:tc>
-                  <a:txBody>
-                    <a:bodyPr/>
-                    <a:lstStyle/>
-                    <a:p>
-                      <a:pPr algn="r"/>
-                      <a:r>
-                        <a:rPr kumimoji="1" lang="en-US" altLang="ja-JP" sz="2000" dirty="0"/>
-                        <a:t>100/3</a:t>
-                      </a:r>
-                      <a:endParaRPr kumimoji="1" lang="ja-JP" altLang="en-US" sz="2000"/>
-                    </a:p>
-                  </a:txBody>
-                  <a:tcPr anchor="ctr"/>
-                </a:tc>
-                <a:tc>
-                  <a:txBody>
-                    <a:bodyPr/>
-                    <a:lstStyle/>
-                    <a:p>
-                      <a:pPr algn="r"/>
-                      <a:r>
-                        <a:rPr kumimoji="1" lang="en-US" altLang="ja-JP" sz="2000" dirty="0"/>
-                        <a:t>100/3</a:t>
-                      </a:r>
-                      <a:endParaRPr kumimoji="1" lang="ja-JP" altLang="en-US" sz="2000"/>
-                    </a:p>
-                  </a:txBody>
-                  <a:tcPr anchor="ctr"/>
-                </a:tc>
-                <a:tc>
-                  <a:txBody>
-                    <a:bodyPr/>
-                    <a:lstStyle/>
-                    <a:p>
-                      <a:pPr algn="r"/>
-                      <a:r>
-                        <a:rPr kumimoji="1" lang="en-US" altLang="ja-JP" sz="2000" dirty="0"/>
-                        <a:t>100</a:t>
-                      </a:r>
-                      <a:endParaRPr kumimoji="1" lang="ja-JP" altLang="en-US" sz="2000"/>
-                    </a:p>
-                  </a:txBody>
-                  <a:tcPr anchor="ctr"/>
-                </a:tc>
-                <a:extLst>
-                  <a:ext uri="{0D108BD9-81ED-4DB2-BD59-A6C34878D82A}">
-                    <a16:rowId xmlns:a16="http://schemas.microsoft.com/office/drawing/2014/main" val="2848846924"/>
-                  </a:ext>
-                </a:extLst>
-              </a:tr>
-              <a:tr h="984587">
-                <a:tc>
-                  <a:txBody>
-                    <a:bodyPr/>
-                    <a:lstStyle/>
-                    <a:p>
-                      <a:pPr algn="ctr"/>
-                      <a:r>
-                        <a:rPr kumimoji="1" lang="ja-JP" altLang="en-US" sz="2000"/>
-                        <a:t>期待度数と観測度数とのズレ</a:t>
-                      </a:r>
-                      <a:endParaRPr kumimoji="1" lang="en-US" altLang="ja-JP" sz="2000" dirty="0"/>
-                    </a:p>
-                    <a:p>
-                      <a:pPr algn="ctr"/>
-                      <a:r>
-                        <a:rPr kumimoji="1" lang="ja-JP" altLang="en-US" sz="2000"/>
-                        <a:t>の</a:t>
-                      </a:r>
-                      <a:r>
-                        <a:rPr kumimoji="1" lang="en-US" altLang="ja-JP" sz="2000" dirty="0"/>
-                        <a:t>2</a:t>
-                      </a:r>
-                      <a:r>
-                        <a:rPr kumimoji="1" lang="ja-JP" altLang="en-US" sz="2000"/>
-                        <a:t>乗</a:t>
-                      </a:r>
-                    </a:p>
-                  </a:txBody>
-                  <a:tcPr anchor="ctr"/>
-                </a:tc>
-                <a:tc>
-                  <a:txBody>
-                    <a:bodyPr/>
-                    <a:lstStyle/>
-                    <a:p>
-                      <a:pPr algn="r"/>
-                      <a:r>
-                        <a:rPr kumimoji="1" lang="en-US" altLang="ja-JP" sz="2000" dirty="0"/>
-                        <a:t>(40-100/3)^2</a:t>
-                      </a:r>
-                      <a:endParaRPr kumimoji="1" lang="ja-JP" altLang="en-US" sz="2000"/>
-                    </a:p>
-                  </a:txBody>
-                  <a:tcPr anchor="ctr"/>
-                </a:tc>
-                <a:tc>
-                  <a:txBody>
-                    <a:bodyPr/>
-                    <a:lstStyle/>
-                    <a:p>
-                      <a:pPr algn="r"/>
-                      <a:r>
-                        <a:rPr kumimoji="1" lang="en-US" altLang="ja-JP" sz="2000" dirty="0"/>
-                        <a:t>(20-100/3)^2</a:t>
-                      </a:r>
-                      <a:endParaRPr kumimoji="1" lang="ja-JP" altLang="en-US" sz="2000"/>
-                    </a:p>
-                  </a:txBody>
-                  <a:tcPr anchor="ctr"/>
-                </a:tc>
-                <a:tc>
-                  <a:txBody>
-                    <a:bodyPr/>
-                    <a:lstStyle/>
-                    <a:p>
-                      <a:pPr algn="r"/>
-                      <a:r>
-                        <a:rPr kumimoji="1" lang="en-US" altLang="ja-JP" sz="2000" dirty="0"/>
-                        <a:t>(40-100/3) )^2</a:t>
-                      </a:r>
-                      <a:endParaRPr kumimoji="1" lang="ja-JP" altLang="en-US" sz="2000"/>
-                    </a:p>
-                  </a:txBody>
-                  <a:tcPr anchor="ctr"/>
-                </a:tc>
-                <a:tc>
-                  <a:txBody>
-                    <a:bodyPr/>
-                    <a:lstStyle/>
-                    <a:p>
-                      <a:pPr algn="r"/>
-                      <a:r>
-                        <a:rPr kumimoji="1" lang="en-US" altLang="ja-JP" sz="1800" b="0" i="0" kern="1200" dirty="0">
-                          <a:solidFill>
-                            <a:schemeClr val="dk1"/>
-                          </a:solidFill>
-                          <a:effectLst/>
-                          <a:latin typeface="+mn-lt"/>
-                          <a:ea typeface="+mn-ea"/>
-                          <a:cs typeface="+mn-cs"/>
-                        </a:rPr>
-                        <a:t>266.6667</a:t>
-                      </a:r>
-                      <a:endParaRPr kumimoji="1" lang="ja-JP" altLang="en-US" sz="2000"/>
-                    </a:p>
-                  </a:txBody>
-                  <a:tcPr anchor="ctr"/>
-                </a:tc>
-                <a:extLst>
-                  <a:ext uri="{0D108BD9-81ED-4DB2-BD59-A6C34878D82A}">
-                    <a16:rowId xmlns:a16="http://schemas.microsoft.com/office/drawing/2014/main" val="475050616"/>
-                  </a:ext>
-                </a:extLst>
-              </a:tr>
-            </a:tbl>
-          </a:graphicData>
-        </a:graphic>
-      </p:graphicFrame>
-      <p:sp>
-        <p:nvSpPr>
-          <p:cNvPr id="7" name="テキスト ボックス 6">
-            <a:extLst>
-              <a:ext uri="{FF2B5EF4-FFF2-40B4-BE49-F238E27FC236}">
-                <a16:creationId xmlns:a16="http://schemas.microsoft.com/office/drawing/2014/main" id="{3B3CE665-52A0-C342-89A8-B18E5AC153D9}"/>
-              </a:ext>
-            </a:extLst>
-          </p:cNvPr>
-          <p:cNvSpPr txBox="1"/>
-          <p:nvPr/>
+          </p:nvPr>
         </p:nvSpPr>
         <p:spPr>
           <a:xfrm>
-            <a:off x="658585" y="4122398"/>
-            <a:ext cx="10874830" cy="2677656"/>
+            <a:off x="838200" y="1825625"/>
+            <a:ext cx="10756900" cy="4351338"/>
           </a:xfrm>
-          <a:prstGeom prst="rect">
-            <a:avLst/>
-          </a:prstGeom>
-          <a:noFill/>
         </p:spPr>
         <p:txBody>
-          <a:bodyPr wrap="square" rtlCol="0">
-            <a:spAutoFit/>
+          <a:bodyPr>
+            <a:normAutofit/>
           </a:bodyPr>
           <a:lstStyle/>
           <a:p>
-            <a:pPr marL="342900" indent="-342900">
-              <a:buFont typeface="Arial" panose="020B0604020202020204" pitchFamily="34" charset="0"/>
-              <a:buChar char="•"/>
+            <a:r>
+              <a:rPr lang="ja-JP" altLang="en-US">
+                <a:solidFill>
+                  <a:schemeClr val="bg2">
+                    <a:lumMod val="50000"/>
+                  </a:schemeClr>
+                </a:solidFill>
+              </a:rPr>
+              <a:t>まず</a:t>
+            </a:r>
+            <a:r>
+              <a:rPr lang="en-US" altLang="ja-JP" dirty="0">
+                <a:solidFill>
+                  <a:schemeClr val="bg2">
+                    <a:lumMod val="50000"/>
+                  </a:schemeClr>
+                </a:solidFill>
+              </a:rPr>
+              <a:t>plot</a:t>
+            </a:r>
+            <a:r>
+              <a:rPr lang="ja-JP" altLang="en-US">
+                <a:solidFill>
+                  <a:schemeClr val="bg2">
+                    <a:lumMod val="50000"/>
+                  </a:schemeClr>
+                </a:solidFill>
+              </a:rPr>
+              <a:t>して可視化</a:t>
+            </a:r>
+            <a:endParaRPr lang="en-US" altLang="ja-JP" dirty="0">
+              <a:solidFill>
+                <a:schemeClr val="bg2">
+                  <a:lumMod val="50000"/>
+                </a:schemeClr>
+              </a:solidFill>
+            </a:endParaRPr>
+          </a:p>
+          <a:p>
+            <a:endParaRPr lang="en-US" altLang="ja-JP" dirty="0"/>
+          </a:p>
+          <a:p>
+            <a:r>
+              <a:rPr lang="ja-JP" altLang="en-US"/>
+              <a:t>分布からずれていないかチェックのプロット；</a:t>
+            </a:r>
+            <a:r>
+              <a:rPr lang="en-US" altLang="ja-JP" dirty="0" err="1"/>
+              <a:t>QQplot</a:t>
+            </a:r>
+            <a:endParaRPr lang="en-US" altLang="ja-JP" dirty="0"/>
+          </a:p>
+          <a:p>
+            <a:pPr marL="457200" lvl="1" indent="0">
+              <a:buNone/>
             </a:pPr>
-            <a:r>
-              <a:rPr lang="ja-JP" altLang="en-US" sz="2400"/>
-              <a:t>カイ二乗検定の帰無仮説は「観測度数は異なるカテゴリ間で違いがないと仮定した期待度数と一致する」</a:t>
-            </a:r>
-            <a:endParaRPr lang="en-US" altLang="ja-JP" sz="2400" dirty="0"/>
-          </a:p>
-          <a:p>
-            <a:pPr marL="342900" indent="-342900">
-              <a:buFont typeface="Arial" panose="020B0604020202020204" pitchFamily="34" charset="0"/>
-              <a:buChar char="•"/>
-            </a:pPr>
-            <a:r>
-              <a:rPr kumimoji="1" lang="ja-JP" altLang="en-US" sz="2400"/>
-              <a:t>カイ二乗は自由度</a:t>
-            </a:r>
-            <a:r>
-              <a:rPr kumimoji="1" lang="en-US" altLang="ja-JP" sz="2400" dirty="0"/>
-              <a:t>(df)=2(</a:t>
-            </a:r>
-            <a:r>
-              <a:rPr kumimoji="1" lang="ja-JP" altLang="en-US" sz="2400"/>
-              <a:t>グーとチョキが決まればパーは一意に決まる</a:t>
-            </a:r>
-            <a:r>
-              <a:rPr kumimoji="1" lang="en-US" altLang="ja-JP" sz="2400" dirty="0"/>
-              <a:t>)</a:t>
-            </a:r>
-            <a:r>
-              <a:rPr kumimoji="1" lang="ja-JP" altLang="en-US" sz="2400"/>
-              <a:t>のカイ二乗分布にしたがう．</a:t>
-            </a:r>
-            <a:r>
-              <a:rPr lang="ja-JP" altLang="en-US" sz="2400"/>
-              <a:t>自由度</a:t>
-            </a:r>
-            <a:r>
-              <a:rPr lang="en-US" altLang="ja-JP" sz="2400" dirty="0"/>
-              <a:t>2</a:t>
-            </a:r>
-            <a:r>
-              <a:rPr lang="ja-JP" altLang="en-US" sz="2400"/>
-              <a:t>で</a:t>
-            </a:r>
-            <a:r>
-              <a:rPr lang="en-US" altLang="ja-JP" sz="2400" dirty="0"/>
-              <a:t>χ</a:t>
-            </a:r>
-            <a:r>
-              <a:rPr lang="en-US" altLang="ja-JP" sz="2400" baseline="30000" dirty="0"/>
-              <a:t>2</a:t>
-            </a:r>
-            <a:r>
-              <a:rPr lang="en-US" altLang="ja-JP" sz="2400" dirty="0"/>
-              <a:t>=8</a:t>
-            </a:r>
-            <a:r>
-              <a:rPr lang="ja-JP" altLang="en-US" sz="2400"/>
-              <a:t>となる確率</a:t>
-            </a:r>
-            <a:r>
-              <a:rPr lang="en-US" altLang="ja-JP" sz="2400" i="1" dirty="0"/>
-              <a:t>p</a:t>
-            </a:r>
-            <a:r>
-              <a:rPr lang="ja-JP" altLang="en-US" sz="2400"/>
-              <a:t>は</a:t>
-            </a:r>
-            <a:r>
-              <a:rPr lang="en-US" altLang="ja-JP" sz="2400" dirty="0"/>
-              <a:t> 0.01832</a:t>
-            </a:r>
-            <a:r>
-              <a:rPr lang="ja-JP" altLang="en-US" sz="2400"/>
-              <a:t>．</a:t>
-            </a:r>
-            <a:endParaRPr lang="en-US" altLang="ja-JP" sz="2400" dirty="0"/>
-          </a:p>
-          <a:p>
-            <a:pPr marL="342900" indent="-342900">
-              <a:buFont typeface="Arial" panose="020B0604020202020204" pitchFamily="34" charset="0"/>
-              <a:buChar char="•"/>
-            </a:pPr>
-            <a:r>
-              <a:rPr lang="ja-JP" altLang="en-US" sz="2400"/>
-              <a:t>この確率が有意水準より小さい場合（例えば</a:t>
-            </a:r>
-            <a:r>
-              <a:rPr lang="en-US" altLang="ja-JP" sz="2400" dirty="0"/>
-              <a:t>0.05</a:t>
-            </a:r>
-            <a:r>
-              <a:rPr lang="ja-JP" altLang="en-US" sz="2400"/>
-              <a:t>）観測値は期待値（グーチョキパーが等確率で出るというモデル）に従っていないと判断される．→モデルと観測値の適合度を検定．</a:t>
-            </a:r>
-            <a:endParaRPr kumimoji="1" lang="ja-JP" altLang="en-US" sz="2400"/>
+            <a:endParaRPr lang="en-US" altLang="ja-JP" dirty="0">
+              <a:solidFill>
+                <a:schemeClr val="bg2">
+                  <a:lumMod val="50000"/>
+                </a:schemeClr>
+              </a:solidFill>
+            </a:endParaRPr>
+          </a:p>
+          <a:p>
+            <a:r>
+              <a:rPr lang="en-US" altLang="ja-JP" dirty="0">
+                <a:solidFill>
+                  <a:schemeClr val="bg2">
+                    <a:lumMod val="50000"/>
+                  </a:schemeClr>
+                </a:solidFill>
+              </a:rPr>
+              <a:t>Shapiro-Wilk</a:t>
+            </a:r>
+            <a:r>
+              <a:rPr lang="ja-JP" altLang="en-US">
+                <a:solidFill>
+                  <a:schemeClr val="bg2">
+                    <a:lumMod val="50000"/>
+                  </a:schemeClr>
+                </a:solidFill>
+              </a:rPr>
+              <a:t>検定</a:t>
+            </a:r>
+            <a:endParaRPr lang="en-US" altLang="ja-JP" dirty="0">
+              <a:solidFill>
+                <a:schemeClr val="bg2">
+                  <a:lumMod val="50000"/>
+                </a:schemeClr>
+              </a:solidFill>
+            </a:endParaRPr>
           </a:p>
         </p:txBody>
       </p:sp>
     </p:spTree>
     <p:extLst>
       <p:ext uri="{BB962C8B-B14F-4D97-AF65-F5344CB8AC3E}">
-        <p14:creationId xmlns:p14="http://schemas.microsoft.com/office/powerpoint/2010/main" val="3185156017"/>
+        <p14:creationId xmlns:p14="http://schemas.microsoft.com/office/powerpoint/2010/main" val="623929723"/>
       </p:ext>
     </p:extLst>
   </p:cSld>
@@ -5330,7 +6471,7 @@
           <p:cNvPr id="2" name="タイトル 1">
             <a:extLst>
               <a:ext uri="{FF2B5EF4-FFF2-40B4-BE49-F238E27FC236}">
-                <a16:creationId xmlns:a16="http://schemas.microsoft.com/office/drawing/2014/main" id="{C09836D2-1796-FB42-A1C5-8E63CADB49EB}"/>
+                <a16:creationId xmlns:a16="http://schemas.microsoft.com/office/drawing/2014/main" id="{ADD62BF2-6FF7-9842-B55F-6A8B6B522A7E}"/>
               </a:ext>
             </a:extLst>
           </p:cNvPr>
@@ -5347,12 +6488,8 @@
           <a:lstStyle/>
           <a:p>
             <a:r>
-              <a:rPr kumimoji="1" lang="en-US" altLang="ja-JP" dirty="0"/>
-              <a:t>GLM</a:t>
-            </a:r>
-            <a:r>
-              <a:rPr kumimoji="1" lang="ja-JP" altLang="en-US"/>
-              <a:t>の結果の過分散チェック</a:t>
+              <a:rPr kumimoji="1" lang="ja-JP" altLang="en-US"/>
+              <a:t>線形モデルの残差</a:t>
             </a:r>
           </a:p>
         </p:txBody>
@@ -5362,7 +6499,7 @@
           <p:cNvPr id="3" name="コンテンツ プレースホルダー 2">
             <a:extLst>
               <a:ext uri="{FF2B5EF4-FFF2-40B4-BE49-F238E27FC236}">
-                <a16:creationId xmlns:a16="http://schemas.microsoft.com/office/drawing/2014/main" id="{98987442-2918-D04B-BB5D-BD5790BC103F}"/>
+                <a16:creationId xmlns:a16="http://schemas.microsoft.com/office/drawing/2014/main" id="{1805BEF9-DE5C-E743-813A-6F4CE0125DA2}"/>
               </a:ext>
             </a:extLst>
           </p:cNvPr>
@@ -5382,78 +6519,131 @@
           <a:p>
             <a:r>
               <a:rPr kumimoji="1" lang="ja-JP" altLang="en-US"/>
-              <a:t>第</a:t>
-            </a:r>
-            <a:r>
-              <a:rPr lang="en-US" altLang="ja-JP" dirty="0"/>
-              <a:t>2x</a:t>
-            </a:r>
-            <a:r>
-              <a:rPr kumimoji="1" lang="ja-JP" altLang="en-US"/>
-              <a:t>回で解析した</a:t>
-            </a:r>
-            <a:r>
-              <a:rPr kumimoji="1" lang="en-US" altLang="ja-JP" dirty="0"/>
-              <a:t>GLM</a:t>
-            </a:r>
-            <a:r>
-              <a:rPr kumimoji="1" lang="ja-JP" altLang="en-US"/>
-              <a:t>の結果を船ごとに色分けしてプロット</a:t>
-            </a:r>
+              <a:t>線形モデルは誤差が正規分布に従うと仮定</a:t>
+            </a:r>
+            <a:endParaRPr kumimoji="1" lang="en-US" altLang="ja-JP" dirty="0"/>
+          </a:p>
+          <a:p>
+            <a:pPr marL="0" indent="0">
+              <a:buNone/>
+            </a:pPr>
             <a:r>
               <a:rPr lang="en-US" altLang="ja-JP" dirty="0"/>
               <a:t>	</a:t>
             </a:r>
+            <a:r>
+              <a:rPr lang="ja-JP" altLang="en-US"/>
+              <a:t>→</a:t>
+            </a:r>
+            <a:r>
+              <a:rPr kumimoji="1" lang="en-US" altLang="ja-JP" dirty="0" err="1"/>
+              <a:t>lm</a:t>
+            </a:r>
+            <a:r>
+              <a:rPr kumimoji="1" lang="ja-JP" altLang="en-US"/>
+              <a:t>結果オブジェクトの残差は</a:t>
+            </a:r>
+            <a:r>
+              <a:rPr lang="ja-JP" altLang="en-US"/>
+              <a:t>正規分布に従っているはず</a:t>
+            </a:r>
+            <a:endParaRPr lang="en-US" altLang="ja-JP" dirty="0"/>
+          </a:p>
+          <a:p>
+            <a:pPr marL="0" indent="0">
+              <a:buNone/>
+            </a:pPr>
+            <a:endParaRPr kumimoji="1" lang="en-US" altLang="ja-JP" dirty="0"/>
+          </a:p>
+          <a:p>
+            <a:r>
+              <a:rPr kumimoji="1" lang="ja-JP" altLang="en-US"/>
+              <a:t>残差を大きさで並び替えれば（ソートすれば）、理論的に正規分布</a:t>
+            </a:r>
+            <a:r>
+              <a:rPr kumimoji="1" lang="en-US" altLang="ja-JP" dirty="0"/>
+              <a:t>(</a:t>
+            </a:r>
+            <a:r>
+              <a:rPr kumimoji="1" lang="ja-JP" altLang="en-US"/>
+              <a:t>平均０、分散</a:t>
+            </a:r>
+            <a:r>
+              <a:rPr kumimoji="1" lang="en-US" altLang="ja-JP" dirty="0" err="1"/>
+              <a:t>σ</a:t>
+            </a:r>
+            <a:r>
+              <a:rPr kumimoji="1" lang="en-US" altLang="ja-JP" dirty="0"/>
+              <a:t>)</a:t>
+            </a:r>
+            <a:r>
+              <a:rPr kumimoji="1" lang="ja-JP" altLang="en-US"/>
+              <a:t>をデータのサンプルサイズ</a:t>
+            </a:r>
+            <a:r>
+              <a:rPr kumimoji="1" lang="en-US" altLang="ja-JP" dirty="0"/>
+              <a:t>n</a:t>
+            </a:r>
+            <a:r>
+              <a:rPr kumimoji="1" lang="ja-JP" altLang="en-US"/>
+              <a:t>で割った時の順位</a:t>
+            </a:r>
+            <a:r>
+              <a:rPr lang="ja-JP" altLang="en-US"/>
+              <a:t>から求められる期待値に</a:t>
+            </a:r>
+            <a:r>
+              <a:rPr kumimoji="1" lang="ja-JP" altLang="en-US"/>
+              <a:t>相当する値になっているはず</a:t>
+            </a:r>
+            <a:endParaRPr kumimoji="1" lang="en-US" altLang="ja-JP" dirty="0"/>
           </a:p>
           <a:p>
             <a:pPr lvl="1"/>
             <a:r>
-              <a:rPr kumimoji="1" lang="ja-JP" altLang="en-US"/>
-              <a:t>→誤差構造はポアソン分布に従っている？</a:t>
+              <a:rPr lang="ja-JP" altLang="en-US"/>
+              <a:t>この分散</a:t>
+            </a:r>
+            <a:r>
+              <a:rPr lang="en-US" altLang="ja-JP" dirty="0" err="1"/>
+              <a:t>σ</a:t>
+            </a:r>
+            <a:r>
+              <a:rPr lang="ja-JP" altLang="en-US"/>
+              <a:t>の値は係数推定時に得られる（第</a:t>
+            </a:r>
+            <a:r>
+              <a:rPr lang="en-US" altLang="ja-JP" dirty="0"/>
+              <a:t>18</a:t>
+            </a:r>
+            <a:r>
+              <a:rPr lang="ja-JP" altLang="en-US"/>
+              <a:t>回で係数</a:t>
+            </a:r>
+            <a:r>
+              <a:rPr lang="en-US" altLang="ja-JP" dirty="0"/>
+              <a:t>β</a:t>
+            </a:r>
+            <a:r>
+              <a:rPr lang="ja-JP" altLang="en-US"/>
+              <a:t>と分散</a:t>
+            </a:r>
+            <a:r>
+              <a:rPr lang="en-US" altLang="ja-JP" dirty="0"/>
+              <a:t>s</a:t>
+            </a:r>
+            <a:r>
+              <a:rPr lang="ja-JP" altLang="en-US"/>
+              <a:t>を最尤推定）　</a:t>
             </a:r>
             <a:endParaRPr kumimoji="1" lang="en-US" altLang="ja-JP" dirty="0"/>
-          </a:p>
-          <a:p>
-            <a:pPr lvl="1"/>
-            <a:endParaRPr lang="en-US" altLang="ja-JP" dirty="0"/>
-          </a:p>
-          <a:p>
-            <a:pPr lvl="1"/>
-            <a:endParaRPr lang="en-US" altLang="ja-JP" dirty="0"/>
-          </a:p>
-          <a:p>
-            <a:r>
-              <a:rPr kumimoji="1" lang="ja-JP" altLang="en-US"/>
-              <a:t>数値としてチェック</a:t>
-            </a:r>
-            <a:endParaRPr kumimoji="1" lang="en-US" altLang="ja-JP" dirty="0"/>
-          </a:p>
-          <a:p>
-            <a:pPr lvl="1"/>
-            <a:r>
-              <a:rPr lang="en-US" altLang="ja-JP" dirty="0"/>
-              <a:t>library(performance)</a:t>
-            </a:r>
-            <a:r>
-              <a:rPr lang="ja-JP" altLang="en-US"/>
-              <a:t>の</a:t>
-            </a:r>
-            <a:r>
-              <a:rPr lang="en-US" altLang="ja-JP" dirty="0" err="1"/>
-              <a:t>check_overdispersion</a:t>
-            </a:r>
-            <a:r>
-              <a:rPr lang="ja-JP" altLang="en-US"/>
-              <a:t>関数を使う．</a:t>
-            </a:r>
-            <a:endParaRPr kumimoji="1" lang="ja-JP" altLang="en-US"/>
           </a:p>
         </p:txBody>
       </p:sp>
     </p:spTree>
     <p:extLst>
       <p:ext uri="{BB962C8B-B14F-4D97-AF65-F5344CB8AC3E}">
-        <p14:creationId xmlns:p14="http://schemas.microsoft.com/office/powerpoint/2010/main" val="4234602352"/>
+        <p14:creationId xmlns:p14="http://schemas.microsoft.com/office/powerpoint/2010/main" val="2178159451"/>
       </p:ext>
     </p:extLst>
   </p:cSld>
@@ -5485,7 +6675,7 @@
           <p:cNvPr id="2" name="タイトル 1">
             <a:extLst>
               <a:ext uri="{FF2B5EF4-FFF2-40B4-BE49-F238E27FC236}">
-                <a16:creationId xmlns:a16="http://schemas.microsoft.com/office/drawing/2014/main" id="{14F383C1-F4F6-F143-BB59-4370B86BFFD5}"/>
+                <a16:creationId xmlns:a16="http://schemas.microsoft.com/office/drawing/2014/main" id="{892C59F3-AD8A-C648-98CA-0C3943AE4A58}"/>
               </a:ext>
             </a:extLst>
           </p:cNvPr>
@@ -5503,7 +6693,7 @@
           <a:p>
             <a:r>
               <a:rPr kumimoji="1" lang="ja-JP" altLang="en-US"/>
-              <a:t>過分散をもたらす原因</a:t>
+              <a:t>サンプルの順位と分位</a:t>
             </a:r>
           </a:p>
         </p:txBody>
@@ -5513,7 +6703,7 @@
           <p:cNvPr id="3" name="コンテンツ プレースホルダー 2">
             <a:extLst>
               <a:ext uri="{FF2B5EF4-FFF2-40B4-BE49-F238E27FC236}">
-                <a16:creationId xmlns:a16="http://schemas.microsoft.com/office/drawing/2014/main" id="{3BC21B0A-101C-D044-A534-0DE9DD86BA80}"/>
+                <a16:creationId xmlns:a16="http://schemas.microsoft.com/office/drawing/2014/main" id="{2B892BED-13CC-B648-8A24-26DF1294EB9C}"/>
               </a:ext>
             </a:extLst>
           </p:cNvPr>
@@ -5526,57 +6716,639 @@
         </p:nvSpPr>
         <p:spPr/>
         <p:txBody>
-          <a:bodyPr/>
-          <a:lstStyle/>
-          <a:p>
-            <a:r>
-              <a:rPr kumimoji="1" lang="ja-JP" altLang="en-US"/>
-              <a:t>観測データの背景に仮定していなかった個々の事情がある</a:t>
-            </a:r>
+          <a:bodyPr>
+            <a:normAutofit fontScale="85000" lnSpcReduction="20000"/>
+          </a:bodyPr>
+          <a:lstStyle/>
+          <a:p>
+            <a:r>
+              <a:rPr lang="ja-JP" altLang="en-US"/>
+              <a:t>サンプルサイズ</a:t>
+            </a:r>
+            <a:r>
+              <a:rPr lang="en-US" altLang="ja-JP" dirty="0"/>
+              <a:t>n(</a:t>
+            </a:r>
+            <a:r>
+              <a:rPr lang="ja-JP" altLang="en-US"/>
+              <a:t>ここでは</a:t>
+            </a:r>
+            <a:r>
+              <a:rPr lang="en-US" altLang="ja-JP" dirty="0"/>
+              <a:t>100</a:t>
+            </a:r>
+            <a:r>
+              <a:rPr lang="ja-JP" altLang="en-US"/>
+              <a:t>にする</a:t>
+            </a:r>
+            <a:r>
+              <a:rPr lang="en-US" altLang="ja-JP" dirty="0"/>
+              <a:t>)</a:t>
+            </a:r>
+            <a:r>
+              <a:rPr lang="ja-JP" altLang="en-US"/>
+              <a:t>のデータが標準正規分布</a:t>
+            </a:r>
+            <a:r>
+              <a:rPr lang="en-US" altLang="ja-JP" dirty="0"/>
+              <a:t>N~(</a:t>
+            </a:r>
+            <a:r>
+              <a:rPr lang="en-US" altLang="ja-JP" dirty="0" err="1"/>
+              <a:t>μ</a:t>
+            </a:r>
+            <a:r>
+              <a:rPr lang="en-US" altLang="ja-JP" dirty="0"/>
+              <a:t>=0,σ=1)</a:t>
+            </a:r>
+            <a:r>
+              <a:rPr lang="ja-JP" altLang="en-US"/>
+              <a:t>に従って分布している．</a:t>
+            </a:r>
+            <a:endParaRPr lang="en-US" altLang="ja-JP" dirty="0"/>
+          </a:p>
+          <a:p>
             <a:endParaRPr kumimoji="1" lang="en-US" altLang="ja-JP" dirty="0"/>
           </a:p>
           <a:p>
+            <a:r>
+              <a:rPr lang="ja-JP" altLang="en-US"/>
+              <a:t>サンプルを昇順に並び替えたもの</a:t>
+            </a:r>
+            <a:r>
+              <a:rPr lang="en-US" altLang="ja-JP" dirty="0"/>
+              <a:t>(a)</a:t>
+            </a:r>
+            <a:r>
+              <a:rPr lang="ja-JP" altLang="en-US"/>
+              <a:t>と、</a:t>
+            </a:r>
+            <a:r>
+              <a:rPr lang="en-US" altLang="ja-JP" dirty="0"/>
+              <a:t>1</a:t>
+            </a:r>
+            <a:r>
+              <a:rPr lang="ja-JP" altLang="en-US"/>
+              <a:t>から</a:t>
+            </a:r>
+            <a:r>
+              <a:rPr lang="en-US" altLang="ja-JP" dirty="0"/>
+              <a:t>n</a:t>
+            </a:r>
+            <a:r>
+              <a:rPr lang="ja-JP" altLang="en-US"/>
+              <a:t>までの順位で理論的に標準正規分布から得られる期待値</a:t>
+            </a:r>
+            <a:r>
+              <a:rPr lang="en-US" altLang="ja-JP" dirty="0"/>
+              <a:t>(b)</a:t>
+            </a:r>
+            <a:r>
+              <a:rPr lang="ja-JP" altLang="en-US"/>
+              <a:t>を比較する．</a:t>
+            </a:r>
+            <a:endParaRPr lang="en-US" altLang="ja-JP" dirty="0"/>
+          </a:p>
+          <a:p>
             <a:pPr lvl="1"/>
             <a:r>
               <a:rPr lang="ja-JP" altLang="en-US"/>
-              <a:t>個体差</a:t>
+              <a:t>サンプルのデータが標準正規分布に従うなら、縦軸に</a:t>
+            </a:r>
+            <a:r>
+              <a:rPr lang="en-US" altLang="ja-JP" dirty="0"/>
+              <a:t>(a)</a:t>
+            </a:r>
+            <a:r>
+              <a:rPr lang="ja-JP" altLang="en-US"/>
+              <a:t>、横軸に</a:t>
+            </a:r>
+            <a:r>
+              <a:rPr lang="en-US" altLang="ja-JP" dirty="0"/>
+              <a:t>(b)</a:t>
+            </a:r>
+            <a:r>
+              <a:rPr lang="ja-JP" altLang="en-US"/>
+              <a:t>をとると直線に乗るはず．</a:t>
             </a:r>
             <a:endParaRPr lang="en-US" altLang="ja-JP" dirty="0"/>
           </a:p>
           <a:p>
             <a:pPr lvl="1"/>
-            <a:r>
-              <a:rPr lang="ja-JP" altLang="en-US"/>
-              <a:t>場所の差</a:t>
-            </a:r>
             <a:endParaRPr lang="en-US" altLang="ja-JP" dirty="0"/>
           </a:p>
           <a:p>
+            <a:r>
+              <a:rPr kumimoji="1" lang="ja-JP" altLang="en-US"/>
+              <a:t>このサンプルの</a:t>
+            </a:r>
+            <a:r>
+              <a:rPr kumimoji="1" lang="en-US" altLang="ja-JP" dirty="0"/>
+              <a:t>quantile</a:t>
+            </a:r>
+            <a:r>
+              <a:rPr kumimoji="1" lang="ja-JP" altLang="en-US"/>
+              <a:t>と理論的な</a:t>
+            </a:r>
+            <a:r>
+              <a:rPr kumimoji="1" lang="en-US" altLang="ja-JP" dirty="0"/>
+              <a:t>quantile</a:t>
+            </a:r>
+            <a:r>
+              <a:rPr kumimoji="1" lang="ja-JP" altLang="en-US"/>
+              <a:t>の対応関係をプロット</a:t>
+            </a:r>
+            <a:br>
+              <a:rPr kumimoji="1" lang="en-US" altLang="ja-JP" dirty="0"/>
+            </a:br>
             <a:endParaRPr kumimoji="1" lang="en-US" altLang="ja-JP" dirty="0"/>
           </a:p>
           <a:p>
-            <a:r>
-              <a:rPr kumimoji="1" lang="ja-JP" altLang="en-US"/>
-              <a:t>ポアソン分布で誤差を生じる以前にそもそも個体差、操業場所の違いなどで誤差が生じる．</a:t>
-            </a:r>
-            <a:endParaRPr kumimoji="1" lang="en-US" altLang="ja-JP" dirty="0"/>
-          </a:p>
-          <a:p>
-            <a:pPr marL="0" indent="0">
-              <a:buNone/>
-            </a:pPr>
-            <a:r>
-              <a:rPr lang="ja-JP" altLang="en-US"/>
-              <a:t>　→ランダム効果として解析．</a:t>
-            </a:r>
-            <a:endParaRPr kumimoji="1" lang="en-US" altLang="ja-JP" dirty="0"/>
+            <a:pPr lvl="1"/>
+            <a:r>
+              <a:rPr lang="en-US" altLang="ja-JP" dirty="0" err="1"/>
+              <a:t>std_norm_smpl</a:t>
+            </a:r>
+            <a:r>
+              <a:rPr lang="en-US" altLang="ja-JP" dirty="0"/>
+              <a:t> &lt;- </a:t>
+            </a:r>
+            <a:r>
+              <a:rPr lang="en-US" altLang="ja-JP" dirty="0" err="1"/>
+              <a:t>rnorm</a:t>
+            </a:r>
+            <a:r>
+              <a:rPr lang="en-US" altLang="ja-JP" dirty="0"/>
+              <a:t>(100,0,1)</a:t>
+            </a:r>
+          </a:p>
+          <a:p>
+            <a:pPr lvl="1"/>
+            <a:r>
+              <a:rPr lang="en-US" altLang="ja-JP" dirty="0" err="1"/>
+              <a:t>sort</a:t>
+            </a:r>
+            <a:r>
+              <a:rPr kumimoji="1" lang="en-US" altLang="ja-JP" dirty="0" err="1"/>
+              <a:t>_std_norm_s</a:t>
+            </a:r>
+            <a:r>
+              <a:rPr lang="en-US" altLang="ja-JP" dirty="0" err="1"/>
+              <a:t>mpl</a:t>
+            </a:r>
+            <a:r>
+              <a:rPr lang="en-US" altLang="ja-JP" dirty="0"/>
+              <a:t> &lt;- </a:t>
+            </a:r>
+            <a:r>
+              <a:rPr lang="en-US" altLang="ja-JP" dirty="0" err="1"/>
+              <a:t>std_norm_smpl</a:t>
+            </a:r>
+            <a:r>
+              <a:rPr lang="en-US" altLang="ja-JP" dirty="0"/>
+              <a:t>[order(</a:t>
+            </a:r>
+            <a:r>
+              <a:rPr lang="en-US" altLang="ja-JP" dirty="0" err="1"/>
+              <a:t>std_norm_smp,decreasing</a:t>
+            </a:r>
+            <a:r>
+              <a:rPr lang="en-US" altLang="ja-JP" dirty="0"/>
+              <a:t> = F)]</a:t>
+            </a:r>
+          </a:p>
+          <a:p>
+            <a:pPr lvl="1"/>
+            <a:r>
+              <a:rPr kumimoji="1" lang="en-US" altLang="ja-JP" dirty="0" err="1"/>
+              <a:t>theo</a:t>
+            </a:r>
+            <a:r>
+              <a:rPr lang="en-US" altLang="ja-JP" dirty="0" err="1"/>
+              <a:t>r_smpl</a:t>
+            </a:r>
+            <a:r>
+              <a:rPr lang="en-US" altLang="ja-JP" dirty="0"/>
+              <a:t> &lt;- (seq(1,100)-0.5)/100</a:t>
+            </a:r>
+          </a:p>
+          <a:p>
+            <a:pPr lvl="1"/>
+            <a:r>
+              <a:rPr lang="en-US" altLang="ja-JP" dirty="0"/>
+              <a:t>plot(</a:t>
+            </a:r>
+            <a:r>
+              <a:rPr lang="en-US" altLang="ja-JP" dirty="0" err="1"/>
+              <a:t>theor_smp,ord_stdnorm_smp</a:t>
+            </a:r>
+            <a:r>
+              <a:rPr lang="en-US" altLang="ja-JP" dirty="0"/>
+              <a:t>)</a:t>
+            </a:r>
+            <a:endParaRPr kumimoji="1" lang="ja-JP" altLang="en-US"/>
           </a:p>
         </p:txBody>
       </p:sp>
     </p:spTree>
     <p:extLst>
       <p:ext uri="{BB962C8B-B14F-4D97-AF65-F5344CB8AC3E}">
-        <p14:creationId xmlns:p14="http://schemas.microsoft.com/office/powerpoint/2010/main" val="2859020871"/>
+        <p14:creationId xmlns:p14="http://schemas.microsoft.com/office/powerpoint/2010/main" val="4050706010"/>
+      </p:ext>
+    </p:extLst>
+  </p:cSld>
+  <p:clrMapOvr>
+    <a:masterClrMapping/>
+  </p:clrMapOvr>
+</p:sld>
+</file>
+
+<file path=ppt/slides/slide8.xml><?xml version="1.0" encoding="utf-8"?>
+<p:sld xmlns:a="http://schemas.openxmlformats.org/drawingml/2006/main" xmlns:r="http://schemas.openxmlformats.org/officeDocument/2006/relationships" xmlns:p="http://schemas.openxmlformats.org/presentationml/2006/main">
+  <p:cSld>
+    <p:spTree>
+      <p:nvGrpSpPr>
+        <p:cNvPr id="1" name=""/>
+        <p:cNvGrpSpPr/>
+        <p:nvPr/>
+      </p:nvGrpSpPr>
+      <p:grpSpPr>
+        <a:xfrm>
+          <a:off x="0" y="0"/>
+          <a:ext cx="0" cy="0"/>
+          <a:chOff x="0" y="0"/>
+          <a:chExt cx="0" cy="0"/>
+        </a:xfrm>
+      </p:grpSpPr>
+      <p:sp>
+        <p:nvSpPr>
+          <p:cNvPr id="2" name="タイトル 1">
+            <a:extLst>
+              <a:ext uri="{FF2B5EF4-FFF2-40B4-BE49-F238E27FC236}">
+                <a16:creationId xmlns:a16="http://schemas.microsoft.com/office/drawing/2014/main" id="{F1994288-EB8E-A84F-B42C-97ABDD69EAD5}"/>
+              </a:ext>
+            </a:extLst>
+          </p:cNvPr>
+          <p:cNvSpPr>
+            <a:spLocks noGrp="1"/>
+          </p:cNvSpPr>
+          <p:nvPr>
+            <p:ph type="title"/>
+          </p:nvPr>
+        </p:nvSpPr>
+        <p:spPr/>
+        <p:txBody>
+          <a:bodyPr/>
+          <a:lstStyle/>
+          <a:p>
+            <a:r>
+              <a:rPr kumimoji="1" lang="en-US" altLang="ja-JP" dirty="0" err="1"/>
+              <a:t>qqnorm</a:t>
+            </a:r>
+            <a:r>
+              <a:rPr kumimoji="1" lang="ja-JP" altLang="en-US"/>
+              <a:t>関数</a:t>
+            </a:r>
+          </a:p>
+        </p:txBody>
+      </p:sp>
+      <p:sp>
+        <p:nvSpPr>
+          <p:cNvPr id="3" name="コンテンツ プレースホルダー 2">
+            <a:extLst>
+              <a:ext uri="{FF2B5EF4-FFF2-40B4-BE49-F238E27FC236}">
+                <a16:creationId xmlns:a16="http://schemas.microsoft.com/office/drawing/2014/main" id="{F17329F4-295F-B840-A01F-3058DFA89E7D}"/>
+              </a:ext>
+            </a:extLst>
+          </p:cNvPr>
+          <p:cNvSpPr>
+            <a:spLocks noGrp="1"/>
+          </p:cNvSpPr>
+          <p:nvPr>
+            <p:ph idx="1"/>
+          </p:nvPr>
+        </p:nvSpPr>
+        <p:spPr/>
+        <p:txBody>
+          <a:bodyPr/>
+          <a:lstStyle/>
+          <a:p>
+            <a:r>
+              <a:rPr kumimoji="1" lang="ja-JP" altLang="en-US"/>
+              <a:t>誤差が正規分布であるサンプルである時、</a:t>
+            </a:r>
+            <a:r>
+              <a:rPr lang="en-US" altLang="ja-JP" dirty="0"/>
+              <a:t>Q-</a:t>
+            </a:r>
+            <a:r>
+              <a:rPr lang="en-US" altLang="ja-JP" dirty="0" err="1"/>
+              <a:t>Qplot</a:t>
+            </a:r>
+            <a:r>
+              <a:rPr lang="ja-JP" altLang="en-US"/>
+              <a:t>は</a:t>
+            </a:r>
+            <a:r>
+              <a:rPr lang="en-US" altLang="ja-JP" dirty="0" err="1"/>
+              <a:t>qqnorm</a:t>
+            </a:r>
+            <a:r>
+              <a:rPr lang="ja-JP" altLang="en-US"/>
+              <a:t>関数が使える．</a:t>
+            </a:r>
+            <a:endParaRPr lang="en-US" altLang="ja-JP" dirty="0"/>
+          </a:p>
+          <a:p>
+            <a:pPr lvl="1"/>
+            <a:r>
+              <a:rPr kumimoji="1" lang="en-US" altLang="ja-JP" dirty="0" err="1"/>
+              <a:t>qqnorm</a:t>
+            </a:r>
+            <a:r>
+              <a:rPr kumimoji="1" lang="en-US" altLang="ja-JP" dirty="0"/>
+              <a:t>(</a:t>
+            </a:r>
+            <a:r>
+              <a:rPr kumimoji="1" lang="en-US" altLang="ja-JP" dirty="0" err="1"/>
+              <a:t>std_norm_smpl</a:t>
+            </a:r>
+            <a:r>
+              <a:rPr kumimoji="1" lang="en-US" altLang="ja-JP" dirty="0"/>
+              <a:t>)</a:t>
+            </a:r>
+          </a:p>
+          <a:p>
+            <a:endParaRPr kumimoji="1" lang="en-US" altLang="ja-JP" dirty="0"/>
+          </a:p>
+          <a:p>
+            <a:r>
+              <a:rPr kumimoji="1" lang="ja-JP" altLang="en-US"/>
+              <a:t>この関数は分布の標準化した上で理論値と比べてくれる．線形モデルの結果の残差をそのまま引数に入れる．</a:t>
+            </a:r>
+            <a:endParaRPr kumimoji="1" lang="en-US" altLang="ja-JP" dirty="0"/>
+          </a:p>
+          <a:p>
+            <a:pPr lvl="1"/>
+            <a:r>
+              <a:rPr lang="en-US" altLang="ja-JP" dirty="0" err="1"/>
+              <a:t>qqnorm</a:t>
+            </a:r>
+            <a:r>
+              <a:rPr lang="en-US" altLang="ja-JP" dirty="0"/>
+              <a:t>(</a:t>
+            </a:r>
+            <a:r>
+              <a:rPr lang="en-US" altLang="ja-JP" dirty="0" err="1"/>
+              <a:t>res_lm$residuals</a:t>
+            </a:r>
+            <a:r>
+              <a:rPr lang="en-US" altLang="ja-JP" dirty="0"/>
+              <a:t>)</a:t>
+            </a:r>
+            <a:endParaRPr kumimoji="1" lang="ja-JP" altLang="en-US"/>
+          </a:p>
+        </p:txBody>
+      </p:sp>
+    </p:spTree>
+    <p:extLst>
+      <p:ext uri="{BB962C8B-B14F-4D97-AF65-F5344CB8AC3E}">
+        <p14:creationId xmlns:p14="http://schemas.microsoft.com/office/powerpoint/2010/main" val="2009115823"/>
+      </p:ext>
+    </p:extLst>
+  </p:cSld>
+  <p:clrMapOvr>
+    <a:masterClrMapping/>
+  </p:clrMapOvr>
+</p:sld>
+</file>
+
+<file path=ppt/slides/slide9.xml><?xml version="1.0" encoding="utf-8"?>
+<p:sld xmlns:a="http://schemas.openxmlformats.org/drawingml/2006/main" xmlns:r="http://schemas.openxmlformats.org/officeDocument/2006/relationships" xmlns:p="http://schemas.openxmlformats.org/presentationml/2006/main">
+  <p:cSld>
+    <p:spTree>
+      <p:nvGrpSpPr>
+        <p:cNvPr id="1" name=""/>
+        <p:cNvGrpSpPr/>
+        <p:nvPr/>
+      </p:nvGrpSpPr>
+      <p:grpSpPr>
+        <a:xfrm>
+          <a:off x="0" y="0"/>
+          <a:ext cx="0" cy="0"/>
+          <a:chOff x="0" y="0"/>
+          <a:chExt cx="0" cy="0"/>
+        </a:xfrm>
+      </p:grpSpPr>
+      <p:sp>
+        <p:nvSpPr>
+          <p:cNvPr id="2" name="タイトル 1">
+            <a:extLst>
+              <a:ext uri="{FF2B5EF4-FFF2-40B4-BE49-F238E27FC236}">
+                <a16:creationId xmlns:a16="http://schemas.microsoft.com/office/drawing/2014/main" id="{032164F6-0F1B-1549-B553-24334B2E64E3}"/>
+              </a:ext>
+            </a:extLst>
+          </p:cNvPr>
+          <p:cNvSpPr>
+            <a:spLocks noGrp="1"/>
+          </p:cNvSpPr>
+          <p:nvPr>
+            <p:ph type="title"/>
+          </p:nvPr>
+        </p:nvSpPr>
+        <p:spPr/>
+        <p:txBody>
+          <a:bodyPr/>
+          <a:lstStyle/>
+          <a:p>
+            <a:r>
+              <a:rPr kumimoji="1" lang="en-US" altLang="ja-JP" dirty="0"/>
+              <a:t>GLM</a:t>
+            </a:r>
+            <a:r>
+              <a:rPr kumimoji="1" lang="ja-JP" altLang="en-US"/>
+              <a:t>の残差</a:t>
+            </a:r>
+          </a:p>
+        </p:txBody>
+      </p:sp>
+      <p:sp>
+        <p:nvSpPr>
+          <p:cNvPr id="3" name="コンテンツ プレースホルダー 2">
+            <a:extLst>
+              <a:ext uri="{FF2B5EF4-FFF2-40B4-BE49-F238E27FC236}">
+                <a16:creationId xmlns:a16="http://schemas.microsoft.com/office/drawing/2014/main" id="{7044DDCB-175D-DC41-A5AC-98AE58CE5A61}"/>
+              </a:ext>
+            </a:extLst>
+          </p:cNvPr>
+          <p:cNvSpPr>
+            <a:spLocks noGrp="1"/>
+          </p:cNvSpPr>
+          <p:nvPr>
+            <p:ph idx="1"/>
+          </p:nvPr>
+        </p:nvSpPr>
+        <p:spPr/>
+        <p:txBody>
+          <a:bodyPr>
+            <a:normAutofit fontScale="92500" lnSpcReduction="20000"/>
+          </a:bodyPr>
+          <a:lstStyle/>
+          <a:p>
+            <a:r>
+              <a:rPr kumimoji="1" lang="ja-JP" altLang="en-US"/>
+              <a:t>誤差分布が正規分布ではない場合、残差は単純に予測値からのズレを使わない．</a:t>
+            </a:r>
+            <a:endParaRPr kumimoji="1" lang="en-US" altLang="ja-JP" dirty="0"/>
+          </a:p>
+          <a:p>
+            <a:pPr lvl="1"/>
+            <a:r>
+              <a:rPr lang="ja-JP" altLang="en-US"/>
+              <a:t>線形予測子の値に依存して誤差の分散が変わるので、線形モデルのように簡単でない．</a:t>
+            </a:r>
+            <a:endParaRPr lang="en-US" altLang="ja-JP" dirty="0"/>
+          </a:p>
+          <a:p>
+            <a:endParaRPr kumimoji="1" lang="en-US" altLang="ja-JP" dirty="0"/>
+          </a:p>
+          <a:p>
+            <a:r>
+              <a:rPr kumimoji="1" lang="ja-JP" altLang="en-US"/>
+              <a:t>代わりに</a:t>
+            </a:r>
+            <a:r>
+              <a:rPr kumimoji="1" lang="en-US" altLang="ja-JP" dirty="0"/>
+              <a:t>residuals</a:t>
+            </a:r>
+            <a:r>
+              <a:rPr kumimoji="1" lang="ja-JP" altLang="en-US"/>
+              <a:t>関数で</a:t>
+            </a:r>
+            <a:r>
+              <a:rPr lang="en-US" altLang="ja-JP" dirty="0"/>
+              <a:t>deviance</a:t>
+            </a:r>
+            <a:r>
+              <a:rPr lang="ja-JP" altLang="en-US"/>
+              <a:t>を指定して取り出す</a:t>
+            </a:r>
+            <a:r>
+              <a:rPr kumimoji="1" lang="ja-JP" altLang="en-US"/>
+              <a:t>．</a:t>
+            </a:r>
+            <a:endParaRPr kumimoji="1" lang="en-US" altLang="ja-JP" dirty="0"/>
+          </a:p>
+          <a:p>
+            <a:pPr lvl="1"/>
+            <a:r>
+              <a:rPr kumimoji="1" lang="en-US" altLang="ja-JP" dirty="0" err="1"/>
+              <a:t>resid_glm</a:t>
+            </a:r>
+            <a:r>
+              <a:rPr kumimoji="1" lang="en-US" altLang="ja-JP" dirty="0"/>
+              <a:t> &lt;- residuals(</a:t>
+            </a:r>
+            <a:r>
+              <a:rPr kumimoji="1" lang="en-US" altLang="ja-JP" dirty="0" err="1"/>
+              <a:t>res_glm</a:t>
+            </a:r>
+            <a:r>
+              <a:rPr kumimoji="1" lang="en-US" altLang="ja-JP" dirty="0"/>
+              <a:t>, type=“deviance”)</a:t>
+            </a:r>
+          </a:p>
+          <a:p>
+            <a:pPr lvl="1"/>
+            <a:r>
+              <a:rPr kumimoji="1" lang="en-US" altLang="ja-JP" dirty="0"/>
+              <a:t>hist(</a:t>
+            </a:r>
+            <a:r>
+              <a:rPr kumimoji="1" lang="en-US" altLang="ja-JP" dirty="0" err="1"/>
+              <a:t>resid_glm</a:t>
+            </a:r>
+            <a:r>
+              <a:rPr kumimoji="1" lang="en-US" altLang="ja-JP" dirty="0"/>
+              <a:t>)</a:t>
+            </a:r>
+          </a:p>
+          <a:p>
+            <a:endParaRPr lang="en-US" altLang="ja-JP" dirty="0"/>
+          </a:p>
+          <a:p>
+            <a:r>
+              <a:rPr kumimoji="1" lang="en-US" altLang="ja-JP" dirty="0"/>
+              <a:t>scale</a:t>
+            </a:r>
+            <a:r>
+              <a:rPr lang="ja-JP" altLang="en-US"/>
+              <a:t>関数</a:t>
+            </a:r>
+            <a:r>
+              <a:rPr kumimoji="1" lang="ja-JP" altLang="en-US"/>
+              <a:t>で標準化して</a:t>
+            </a:r>
+            <a:r>
+              <a:rPr kumimoji="1" lang="en-US" altLang="ja-JP" dirty="0" err="1"/>
+              <a:t>qqnorm</a:t>
+            </a:r>
+            <a:r>
+              <a:rPr kumimoji="1" lang="ja-JP" altLang="en-US"/>
+              <a:t>でプロットしてみるのも．</a:t>
+            </a:r>
+            <a:endParaRPr kumimoji="1" lang="en-US" altLang="ja-JP" dirty="0"/>
+          </a:p>
+          <a:p>
+            <a:pPr lvl="1"/>
+            <a:r>
+              <a:rPr lang="en-US" altLang="ja-JP" dirty="0" err="1"/>
+              <a:t>qqnorm</a:t>
+            </a:r>
+            <a:r>
+              <a:rPr lang="en-US" altLang="ja-JP" dirty="0"/>
+              <a:t>(scale(</a:t>
+            </a:r>
+            <a:r>
+              <a:rPr lang="en-US" altLang="ja-JP" dirty="0" err="1"/>
+              <a:t>resid_glm</a:t>
+            </a:r>
+            <a:r>
+              <a:rPr lang="en-US" altLang="ja-JP" dirty="0"/>
+              <a:t>),</a:t>
+            </a:r>
+            <a:r>
+              <a:rPr lang="en-US" altLang="ja-JP" dirty="0" err="1"/>
+              <a:t>xlab</a:t>
+            </a:r>
+            <a:r>
+              <a:rPr lang="en-US" altLang="ja-JP" dirty="0"/>
+              <a:t>=“Theoretical Quantile”,</a:t>
+            </a:r>
+            <a:r>
+              <a:rPr lang="en-US" altLang="ja-JP" dirty="0" err="1"/>
+              <a:t>ylab</a:t>
+            </a:r>
+            <a:r>
+              <a:rPr lang="en-US" altLang="ja-JP" dirty="0"/>
+              <a:t>=“Std. deviance </a:t>
+            </a:r>
+            <a:r>
+              <a:rPr lang="en-US" altLang="ja-JP" dirty="0" err="1"/>
+              <a:t>resid</a:t>
+            </a:r>
+            <a:r>
+              <a:rPr lang="en-US" altLang="ja-JP" dirty="0"/>
+              <a:t>.”)</a:t>
+            </a:r>
+            <a:endParaRPr kumimoji="1" lang="ja-JP" altLang="en-US"/>
+          </a:p>
+        </p:txBody>
+      </p:sp>
+    </p:spTree>
+    <p:extLst>
+      <p:ext uri="{BB962C8B-B14F-4D97-AF65-F5344CB8AC3E}">
+        <p14:creationId xmlns:p14="http://schemas.microsoft.com/office/powerpoint/2010/main" val="2447858462"/>
       </p:ext>
     </p:extLst>
   </p:cSld>
@@ -5879,4 +7651,299 @@
     </a:ext>
   </a:extLst>
 </a:theme>
+</file>
+
+<file path=ppt/theme/theme2.xml><?xml version="1.0" encoding="utf-8"?>
+<a:theme xmlns:a="http://schemas.openxmlformats.org/drawingml/2006/main" name="Office テーマ">
+  <a:themeElements>
+    <a:clrScheme name="Office">
+      <a:dk1>
+        <a:sysClr val="windowText" lastClr="000000"/>
+      </a:dk1>
+      <a:lt1>
+        <a:sysClr val="window" lastClr="FFFFFF"/>
+      </a:lt1>
+      <a:dk2>
+        <a:srgbClr val="44546A"/>
+      </a:dk2>
+      <a:lt2>
+        <a:srgbClr val="E7E6E6"/>
+      </a:lt2>
+      <a:accent1>
+        <a:srgbClr val="4472C4"/>
+      </a:accent1>
+      <a:accent2>
+        <a:srgbClr val="ED7D31"/>
+      </a:accent2>
+      <a:accent3>
+        <a:srgbClr val="A5A5A5"/>
+      </a:accent3>
+      <a:accent4>
+        <a:srgbClr val="FFC000"/>
+      </a:accent4>
+      <a:accent5>
+        <a:srgbClr val="5B9BD5"/>
+      </a:accent5>
+      <a:accent6>
+        <a:srgbClr val="70AD47"/>
+      </a:accent6>
+      <a:hlink>
+        <a:srgbClr val="0563C1"/>
+      </a:hlink>
+      <a:folHlink>
+        <a:srgbClr val="954F72"/>
+      </a:folHlink>
+    </a:clrScheme>
+    <a:fontScheme name="Office">
+      <a:majorFont>
+        <a:latin typeface="游ゴシック Light" panose="020F0302020204030204"/>
+        <a:ea typeface=""/>
+        <a:cs typeface=""/>
+        <a:font script="Jpan" typeface="游ゴシック Light"/>
+        <a:font script="Hang" typeface="맑은 고딕"/>
+        <a:font script="Hans" typeface="等线 Light"/>
+        <a:font script="Hant" typeface="新細明體"/>
+        <a:font script="Arab" typeface="Times New Roman"/>
+        <a:font script="Hebr" typeface="Times New Roman"/>
+        <a:font script="Thai" typeface="Angsana New"/>
+        <a:font script="Ethi" typeface="Nyala"/>
+        <a:font script="Beng" typeface="Vrinda"/>
+        <a:font script="Gujr" typeface="Shruti"/>
+        <a:font script="Khmr" typeface="MoolBoran"/>
+        <a:font script="Knda" typeface="Tunga"/>
+        <a:font script="Guru" typeface="Raavi"/>
+        <a:font script="Cans" typeface="Euphemia"/>
+        <a:font script="Cher" typeface="Plantagenet Cherokee"/>
+        <a:font script="Yiii" typeface="Microsoft Yi Baiti"/>
+        <a:font script="Tibt" typeface="Microsoft Himalaya"/>
+        <a:font script="Thaa" typeface="MV Boli"/>
+        <a:font script="Deva" typeface="Mangal"/>
+        <a:font script="Telu" typeface="Gautami"/>
+        <a:font script="Taml" typeface="Latha"/>
+        <a:font script="Syrc" typeface="Estrangelo Edessa"/>
+        <a:font script="Orya" typeface="Kalinga"/>
+        <a:font script="Mlym" typeface="Kartika"/>
+        <a:font script="Laoo" typeface="DokChampa"/>
+        <a:font script="Sinh" typeface="Iskoola Pota"/>
+        <a:font script="Mong" typeface="Mongolian Baiti"/>
+        <a:font script="Viet" typeface="Times New Roman"/>
+        <a:font script="Uigh" typeface="Microsoft Uighur"/>
+        <a:font script="Geor" typeface="Sylfaen"/>
+        <a:font script="Armn" typeface="Arial"/>
+        <a:font script="Bugi" typeface="Leelawadee UI"/>
+        <a:font script="Bopo" typeface="Microsoft JhengHei"/>
+        <a:font script="Java" typeface="Javanese Text"/>
+        <a:font script="Lisu" typeface="Segoe UI"/>
+        <a:font script="Mymr" typeface="Myanmar Text"/>
+        <a:font script="Nkoo" typeface="Ebrima"/>
+        <a:font script="Olck" typeface="Nirmala UI"/>
+        <a:font script="Osma" typeface="Ebrima"/>
+        <a:font script="Phag" typeface="Phagspa"/>
+        <a:font script="Syrn" typeface="Estrangelo Edessa"/>
+        <a:font script="Syrj" typeface="Estrangelo Edessa"/>
+        <a:font script="Syre" typeface="Estrangelo Edessa"/>
+        <a:font script="Sora" typeface="Nirmala UI"/>
+        <a:font script="Tale" typeface="Microsoft Tai Le"/>
+        <a:font script="Talu" typeface="Microsoft New Tai Lue"/>
+        <a:font script="Tfng" typeface="Ebrima"/>
+      </a:majorFont>
+      <a:minorFont>
+        <a:latin typeface="游ゴシック" panose="020F0502020204030204"/>
+        <a:ea typeface=""/>
+        <a:cs typeface=""/>
+        <a:font script="Jpan" typeface="游ゴシック"/>
+        <a:font script="Hang" typeface="맑은 고딕"/>
+        <a:font script="Hans" typeface="等线"/>
+        <a:font script="Hant" typeface="新細明體"/>
+        <a:font script="Arab" typeface="Arial"/>
+        <a:font script="Hebr" typeface="Arial"/>
+        <a:font script="Thai" typeface="Cordia New"/>
+        <a:font script="Ethi" typeface="Nyala"/>
+        <a:font script="Beng" typeface="Vrinda"/>
+        <a:font script="Gujr" typeface="Shruti"/>
+        <a:font script="Khmr" typeface="DaunPenh"/>
+        <a:font script="Knda" typeface="Tunga"/>
+        <a:font script="Guru" typeface="Raavi"/>
+        <a:font script="Cans" typeface="Euphemia"/>
+        <a:font script="Cher" typeface="Plantagenet Cherokee"/>
+        <a:font script="Yiii" typeface="Microsoft Yi Baiti"/>
+        <a:font script="Tibt" typeface="Microsoft Himalaya"/>
+        <a:font script="Thaa" typeface="MV Boli"/>
+        <a:font script="Deva" typeface="Mangal"/>
+        <a:font script="Telu" typeface="Gautami"/>
+        <a:font script="Taml" typeface="Latha"/>
+        <a:font script="Syrc" typeface="Estrangelo Edessa"/>
+        <a:font script="Orya" typeface="Kalinga"/>
+        <a:font script="Mlym" typeface="Kartika"/>
+        <a:font script="Laoo" typeface="DokChampa"/>
+        <a:font script="Sinh" typeface="Iskoola Pota"/>
+        <a:font script="Mong" typeface="Mongolian Baiti"/>
+        <a:font script="Viet" typeface="Arial"/>
+        <a:font script="Uigh" typeface="Microsoft Uighur"/>
+        <a:font script="Geor" typeface="Sylfaen"/>
+        <a:font script="Armn" typeface="Arial"/>
+        <a:font script="Bugi" typeface="Leelawadee UI"/>
+        <a:font script="Bopo" typeface="Microsoft JhengHei"/>
+        <a:font script="Java" typeface="Javanese Text"/>
+        <a:font script="Lisu" typeface="Segoe UI"/>
+        <a:font script="Mymr" typeface="Myanmar Text"/>
+        <a:font script="Nkoo" typeface="Ebrima"/>
+        <a:font script="Olck" typeface="Nirmala UI"/>
+        <a:font script="Osma" typeface="Ebrima"/>
+        <a:font script="Phag" typeface="Phagspa"/>
+        <a:font script="Syrn" typeface="Estrangelo Edessa"/>
+        <a:font script="Syrj" typeface="Estrangelo Edessa"/>
+        <a:font script="Syre" typeface="Estrangelo Edessa"/>
+        <a:font script="Sora" typeface="Nirmala UI"/>
+        <a:font script="Tale" typeface="Microsoft Tai Le"/>
+        <a:font script="Talu" typeface="Microsoft New Tai Lue"/>
+        <a:font script="Tfng" typeface="Ebrima"/>
+      </a:minorFont>
+    </a:fontScheme>
+    <a:fmtScheme name="Office">
+      <a:fillStyleLst>
+        <a:solidFill>
+          <a:schemeClr val="phClr"/>
+        </a:solidFill>
+        <a:gradFill rotWithShape="1">
+          <a:gsLst>
+            <a:gs pos="0">
+              <a:schemeClr val="phClr">
+                <a:lumMod val="110000"/>
+                <a:satMod val="105000"/>
+                <a:tint val="67000"/>
+              </a:schemeClr>
+            </a:gs>
+            <a:gs pos="50000">
+              <a:schemeClr val="phClr">
+                <a:lumMod val="105000"/>
+                <a:satMod val="103000"/>
+                <a:tint val="73000"/>
+              </a:schemeClr>
+            </a:gs>
+            <a:gs pos="100000">
+              <a:schemeClr val="phClr">
+                <a:lumMod val="105000"/>
+                <a:satMod val="109000"/>
+                <a:tint val="81000"/>
+              </a:schemeClr>
+            </a:gs>
+          </a:gsLst>
+          <a:lin ang="5400000" scaled="0"/>
+        </a:gradFill>
+        <a:gradFill rotWithShape="1">
+          <a:gsLst>
+            <a:gs pos="0">
+              <a:schemeClr val="phClr">
+                <a:satMod val="103000"/>
+                <a:lumMod val="102000"/>
+                <a:tint val="94000"/>
+              </a:schemeClr>
+            </a:gs>
+            <a:gs pos="50000">
+              <a:schemeClr val="phClr">
+                <a:satMod val="110000"/>
+                <a:lumMod val="100000"/>
+                <a:shade val="100000"/>
+              </a:schemeClr>
+            </a:gs>
+            <a:gs pos="100000">
+              <a:schemeClr val="phClr">
+                <a:lumMod val="99000"/>
+                <a:satMod val="120000"/>
+                <a:shade val="78000"/>
+              </a:schemeClr>
+            </a:gs>
+          </a:gsLst>
+          <a:lin ang="5400000" scaled="0"/>
+        </a:gradFill>
+      </a:fillStyleLst>
+      <a:lnStyleLst>
+        <a:ln w="6350" cap="flat" cmpd="sng" algn="ctr">
+          <a:solidFill>
+            <a:schemeClr val="phClr"/>
+          </a:solidFill>
+          <a:prstDash val="solid"/>
+          <a:miter lim="800000"/>
+        </a:ln>
+        <a:ln w="12700" cap="flat" cmpd="sng" algn="ctr">
+          <a:solidFill>
+            <a:schemeClr val="phClr"/>
+          </a:solidFill>
+          <a:prstDash val="solid"/>
+          <a:miter lim="800000"/>
+        </a:ln>
+        <a:ln w="19050" cap="flat" cmpd="sng" algn="ctr">
+          <a:solidFill>
+            <a:schemeClr val="phClr"/>
+          </a:solidFill>
+          <a:prstDash val="solid"/>
+          <a:miter lim="800000"/>
+        </a:ln>
+      </a:lnStyleLst>
+      <a:effectStyleLst>
+        <a:effectStyle>
+          <a:effectLst/>
+        </a:effectStyle>
+        <a:effectStyle>
+          <a:effectLst/>
+        </a:effectStyle>
+        <a:effectStyle>
+          <a:effectLst>
+            <a:outerShdw blurRad="57150" dist="19050" dir="5400000" algn="ctr" rotWithShape="0">
+              <a:srgbClr val="000000">
+                <a:alpha val="63000"/>
+              </a:srgbClr>
+            </a:outerShdw>
+          </a:effectLst>
+        </a:effectStyle>
+      </a:effectStyleLst>
+      <a:bgFillStyleLst>
+        <a:solidFill>
+          <a:schemeClr val="phClr"/>
+        </a:solidFill>
+        <a:solidFill>
+          <a:schemeClr val="phClr">
+            <a:tint val="95000"/>
+            <a:satMod val="170000"/>
+          </a:schemeClr>
+        </a:solidFill>
+        <a:gradFill rotWithShape="1">
+          <a:gsLst>
+            <a:gs pos="0">
+              <a:schemeClr val="phClr">
+                <a:tint val="93000"/>
+                <a:satMod val="150000"/>
+                <a:shade val="98000"/>
+                <a:lumMod val="102000"/>
+              </a:schemeClr>
+            </a:gs>
+            <a:gs pos="50000">
+              <a:schemeClr val="phClr">
+                <a:tint val="98000"/>
+                <a:satMod val="130000"/>
+                <a:shade val="90000"/>
+                <a:lumMod val="103000"/>
+              </a:schemeClr>
+            </a:gs>
+            <a:gs pos="100000">
+              <a:schemeClr val="phClr">
+                <a:shade val="63000"/>
+                <a:satMod val="120000"/>
+              </a:schemeClr>
+            </a:gs>
+          </a:gsLst>
+          <a:lin ang="5400000" scaled="0"/>
+        </a:gradFill>
+      </a:bgFillStyleLst>
+    </a:fmtScheme>
+  </a:themeElements>
+  <a:objectDefaults/>
+  <a:extraClrSchemeLst/>
+  <a:extLst>
+    <a:ext uri="{05A4C25C-085E-4340-85A3-A5531E510DB2}">
+      <thm15:themeFamily xmlns:thm15="http://schemas.microsoft.com/office/thememl/2012/main" name="Office Theme" id="{62F939B6-93AF-4DB8-9C6B-D6C7DFDC589F}" vid="{4A3C46E8-61CC-4603-A589-7422A47A8E4A}"/>
+    </a:ext>
+  </a:extLst>
+</a:theme>
 </file>
--- a/R/スライド/第27回.pptx
+++ b/R/スライド/第27回.pptx
@@ -5,21 +5,19 @@
     <p:sldMasterId id="2147483648" r:id="rId1"/>
   </p:sldMasterIdLst>
   <p:notesMasterIdLst>
-    <p:notesMasterId r:id="rId14"/>
+    <p:notesMasterId r:id="rId12"/>
   </p:notesMasterIdLst>
   <p:sldIdLst>
     <p:sldId id="257" r:id="rId2"/>
-    <p:sldId id="272" r:id="rId3"/>
-    <p:sldId id="274" r:id="rId4"/>
-    <p:sldId id="282" r:id="rId5"/>
-    <p:sldId id="280" r:id="rId6"/>
-    <p:sldId id="284" r:id="rId7"/>
-    <p:sldId id="285" r:id="rId8"/>
-    <p:sldId id="287" r:id="rId9"/>
-    <p:sldId id="288" r:id="rId10"/>
-    <p:sldId id="289" r:id="rId11"/>
-    <p:sldId id="281" r:id="rId12"/>
-    <p:sldId id="286" r:id="rId13"/>
+    <p:sldId id="265" r:id="rId3"/>
+    <p:sldId id="289" r:id="rId4"/>
+    <p:sldId id="288" r:id="rId5"/>
+    <p:sldId id="290" r:id="rId6"/>
+    <p:sldId id="292" r:id="rId7"/>
+    <p:sldId id="295" r:id="rId8"/>
+    <p:sldId id="291" r:id="rId9"/>
+    <p:sldId id="293" r:id="rId10"/>
+    <p:sldId id="294" r:id="rId11"/>
   </p:sldIdLst>
   <p:sldSz cx="12192000" cy="6858000"/>
   <p:notesSz cx="6858000" cy="9144000"/>
@@ -129,7 +127,7 @@
 <file path=ppt/revisionInfo.xml><?xml version="1.0" encoding="utf-8"?>
 <p1510:revInfo xmlns:a="http://schemas.openxmlformats.org/drawingml/2006/main" xmlns:r="http://schemas.openxmlformats.org/officeDocument/2006/relationships" xmlns:p1510="http://schemas.microsoft.com/office/powerpoint/2015/10/main">
   <p1510:revLst>
-    <p1510:client id="{21E98C23-A232-0046-80A9-DB8AD6915A56}" v="1" dt="2021-11-17T03:03:33.656"/>
+    <p1510:client id="{2861F9EA-F600-654F-8E46-7B02198CA6B6}" v="2" dt="2021-11-25T05:58:44.762"/>
   </p1510:revLst>
 </p1510:revInfo>
 </file>
@@ -137,273 +135,187 @@
 <file path=ppt/changesInfos/changesInfo1.xml><?xml version="1.0" encoding="utf-8"?>
 <pc:chgInfo xmlns:a="http://schemas.openxmlformats.org/drawingml/2006/main" xmlns:r="http://schemas.openxmlformats.org/officeDocument/2006/relationships" xmlns:ac="http://schemas.microsoft.com/office/drawing/2013/main/command" xmlns:pc="http://schemas.microsoft.com/office/powerpoint/2013/main/command">
   <pc:docChgLst>
-    <pc:chgData name="Fukui Shin" userId="6902ee70c48ce296" providerId="LiveId" clId="{45B1E7A5-405E-B949-93C9-105066568C4B}"/>
-    <pc:docChg chg="undo custSel addSld delSld modSld">
-      <pc:chgData name="Fukui Shin" userId="6902ee70c48ce296" providerId="LiveId" clId="{45B1E7A5-405E-B949-93C9-105066568C4B}" dt="2021-07-07T06:10:42.438" v="2646" actId="20577"/>
+    <pc:chgData name="Fukui Shin" userId="6902ee70c48ce296" providerId="LiveId" clId="{2AFD377D-6132-EA45-8360-9CF58E3B0902}"/>
+    <pc:docChg chg="undo custSel modSld">
+      <pc:chgData name="Fukui Shin" userId="6902ee70c48ce296" providerId="LiveId" clId="{2AFD377D-6132-EA45-8360-9CF58E3B0902}" dt="2021-11-17T02:35:44.721" v="1239" actId="14100"/>
+      <pc:docMkLst>
+        <pc:docMk/>
+      </pc:docMkLst>
+      <pc:sldChg chg="addSp delSp modSp mod">
+        <pc:chgData name="Fukui Shin" userId="6902ee70c48ce296" providerId="LiveId" clId="{2AFD377D-6132-EA45-8360-9CF58E3B0902}" dt="2021-11-17T02:35:44.721" v="1239" actId="14100"/>
+        <pc:sldMkLst>
+          <pc:docMk/>
+          <pc:sldMk cId="2595786992" sldId="290"/>
+        </pc:sldMkLst>
+        <pc:spChg chg="mod">
+          <ac:chgData name="Fukui Shin" userId="6902ee70c48ce296" providerId="LiveId" clId="{2AFD377D-6132-EA45-8360-9CF58E3B0902}" dt="2021-11-08T02:21:43.441" v="11" actId="20577"/>
+          <ac:spMkLst>
+            <pc:docMk/>
+            <pc:sldMk cId="2595786992" sldId="290"/>
+            <ac:spMk id="2" creationId="{52AC1BEC-2208-B441-A40B-CE42D1E9F678}"/>
+          </ac:spMkLst>
+        </pc:spChg>
+        <pc:spChg chg="mod">
+          <ac:chgData name="Fukui Shin" userId="6902ee70c48ce296" providerId="LiveId" clId="{2AFD377D-6132-EA45-8360-9CF58E3B0902}" dt="2021-11-08T04:14:11.966" v="859" actId="20577"/>
+          <ac:spMkLst>
+            <pc:docMk/>
+            <pc:sldMk cId="2595786992" sldId="290"/>
+            <ac:spMk id="3" creationId="{92857569-606C-B048-BBF1-17179C8C8C9A}"/>
+          </ac:spMkLst>
+        </pc:spChg>
+        <pc:spChg chg="add mod">
+          <ac:chgData name="Fukui Shin" userId="6902ee70c48ce296" providerId="LiveId" clId="{2AFD377D-6132-EA45-8360-9CF58E3B0902}" dt="2021-11-17T02:35:44.721" v="1239" actId="14100"/>
+          <ac:spMkLst>
+            <pc:docMk/>
+            <pc:sldMk cId="2595786992" sldId="290"/>
+            <ac:spMk id="10" creationId="{7920EEB4-9D5C-CE4E-8585-350A37871857}"/>
+          </ac:spMkLst>
+        </pc:spChg>
+        <pc:spChg chg="add mod">
+          <ac:chgData name="Fukui Shin" userId="6902ee70c48ce296" providerId="LiveId" clId="{2AFD377D-6132-EA45-8360-9CF58E3B0902}" dt="2021-11-17T02:33:02.165" v="1185" actId="1076"/>
+          <ac:spMkLst>
+            <pc:docMk/>
+            <pc:sldMk cId="2595786992" sldId="290"/>
+            <ac:spMk id="11" creationId="{ECB93667-65E8-7C48-8CED-C905124DF10C}"/>
+          </ac:spMkLst>
+        </pc:spChg>
+        <pc:spChg chg="add mod">
+          <ac:chgData name="Fukui Shin" userId="6902ee70c48ce296" providerId="LiveId" clId="{2AFD377D-6132-EA45-8360-9CF58E3B0902}" dt="2021-11-17T02:32:51.119" v="1183" actId="1076"/>
+          <ac:spMkLst>
+            <pc:docMk/>
+            <pc:sldMk cId="2595786992" sldId="290"/>
+            <ac:spMk id="13" creationId="{368B959A-8D30-504B-90C8-34EBA867A279}"/>
+          </ac:spMkLst>
+        </pc:spChg>
+        <pc:spChg chg="add mod">
+          <ac:chgData name="Fukui Shin" userId="6902ee70c48ce296" providerId="LiveId" clId="{2AFD377D-6132-EA45-8360-9CF58E3B0902}" dt="2021-11-17T02:34:30.408" v="1218" actId="688"/>
+          <ac:spMkLst>
+            <pc:docMk/>
+            <pc:sldMk cId="2595786992" sldId="290"/>
+            <ac:spMk id="14" creationId="{D7AEE5E8-9EF9-B44C-870D-0A7459F4E6A7}"/>
+          </ac:spMkLst>
+        </pc:spChg>
+        <pc:spChg chg="add del mod">
+          <ac:chgData name="Fukui Shin" userId="6902ee70c48ce296" providerId="LiveId" clId="{2AFD377D-6132-EA45-8360-9CF58E3B0902}" dt="2021-11-17T02:29:44.731" v="1028" actId="478"/>
+          <ac:spMkLst>
+            <pc:docMk/>
+            <pc:sldMk cId="2595786992" sldId="290"/>
+            <ac:spMk id="17" creationId="{FB569276-9D66-E14A-923B-649BF9748222}"/>
+          </ac:spMkLst>
+        </pc:spChg>
+        <pc:spChg chg="add mod">
+          <ac:chgData name="Fukui Shin" userId="6902ee70c48ce296" providerId="LiveId" clId="{2AFD377D-6132-EA45-8360-9CF58E3B0902}" dt="2021-11-17T02:33:29.696" v="1189" actId="1076"/>
+          <ac:spMkLst>
+            <pc:docMk/>
+            <pc:sldMk cId="2595786992" sldId="290"/>
+            <ac:spMk id="20" creationId="{4412D54C-E400-A348-9C5D-B9099C670194}"/>
+          </ac:spMkLst>
+        </pc:spChg>
+        <pc:spChg chg="add mod">
+          <ac:chgData name="Fukui Shin" userId="6902ee70c48ce296" providerId="LiveId" clId="{2AFD377D-6132-EA45-8360-9CF58E3B0902}" dt="2021-11-17T02:35:35.128" v="1238" actId="114"/>
+          <ac:spMkLst>
+            <pc:docMk/>
+            <pc:sldMk cId="2595786992" sldId="290"/>
+            <ac:spMk id="25" creationId="{3CC48E9A-D2AF-5A4C-8E75-252BE744E3E9}"/>
+          </ac:spMkLst>
+        </pc:spChg>
+        <pc:cxnChg chg="add mod">
+          <ac:chgData name="Fukui Shin" userId="6902ee70c48ce296" providerId="LiveId" clId="{2AFD377D-6132-EA45-8360-9CF58E3B0902}" dt="2021-11-17T02:28:25.501" v="1022" actId="1076"/>
+          <ac:cxnSpMkLst>
+            <pc:docMk/>
+            <pc:sldMk cId="2595786992" sldId="290"/>
+            <ac:cxnSpMk id="5" creationId="{A06420D0-0E8A-A84B-A1DB-06629A992E59}"/>
+          </ac:cxnSpMkLst>
+        </pc:cxnChg>
+        <pc:cxnChg chg="add del mod">
+          <ac:chgData name="Fukui Shin" userId="6902ee70c48ce296" providerId="LiveId" clId="{2AFD377D-6132-EA45-8360-9CF58E3B0902}" dt="2021-11-17T02:29:42.571" v="1027" actId="478"/>
+          <ac:cxnSpMkLst>
+            <pc:docMk/>
+            <pc:sldMk cId="2595786992" sldId="290"/>
+            <ac:cxnSpMk id="6" creationId="{7CFB65BD-4421-1C4D-BA42-93FA57B45D06}"/>
+          </ac:cxnSpMkLst>
+        </pc:cxnChg>
+        <pc:cxnChg chg="add mod">
+          <ac:chgData name="Fukui Shin" userId="6902ee70c48ce296" providerId="LiveId" clId="{2AFD377D-6132-EA45-8360-9CF58E3B0902}" dt="2021-11-17T02:33:06.081" v="1186" actId="692"/>
+          <ac:cxnSpMkLst>
+            <pc:docMk/>
+            <pc:sldMk cId="2595786992" sldId="290"/>
+            <ac:cxnSpMk id="7" creationId="{30494F45-918C-D745-9577-5C9B611146D9}"/>
+          </ac:cxnSpMkLst>
+        </pc:cxnChg>
+        <pc:cxnChg chg="add mod">
+          <ac:chgData name="Fukui Shin" userId="6902ee70c48ce296" providerId="LiveId" clId="{2AFD377D-6132-EA45-8360-9CF58E3B0902}" dt="2021-11-17T02:32:54.996" v="1184" actId="692"/>
+          <ac:cxnSpMkLst>
+            <pc:docMk/>
+            <pc:sldMk cId="2595786992" sldId="290"/>
+            <ac:cxnSpMk id="9" creationId="{3B6EF299-2EAB-5043-8E41-B77B9661678A}"/>
+          </ac:cxnSpMkLst>
+        </pc:cxnChg>
+        <pc:cxnChg chg="add mod">
+          <ac:chgData name="Fukui Shin" userId="6902ee70c48ce296" providerId="LiveId" clId="{2AFD377D-6132-EA45-8360-9CF58E3B0902}" dt="2021-11-17T02:28:25.501" v="1022" actId="1076"/>
+          <ac:cxnSpMkLst>
+            <pc:docMk/>
+            <pc:sldMk cId="2595786992" sldId="290"/>
+            <ac:cxnSpMk id="15" creationId="{9D9F5C4D-934E-3445-9A13-71AE8417AC32}"/>
+          </ac:cxnSpMkLst>
+        </pc:cxnChg>
+        <pc:cxnChg chg="add mod">
+          <ac:chgData name="Fukui Shin" userId="6902ee70c48ce296" providerId="LiveId" clId="{2AFD377D-6132-EA45-8360-9CF58E3B0902}" dt="2021-11-17T02:33:33.348" v="1190" actId="14100"/>
+          <ac:cxnSpMkLst>
+            <pc:docMk/>
+            <pc:sldMk cId="2595786992" sldId="290"/>
+            <ac:cxnSpMk id="18" creationId="{F9732587-A468-434C-9594-9C3FAAD00357}"/>
+          </ac:cxnSpMkLst>
+        </pc:cxnChg>
+        <pc:cxnChg chg="add mod">
+          <ac:chgData name="Fukui Shin" userId="6902ee70c48ce296" providerId="LiveId" clId="{2AFD377D-6132-EA45-8360-9CF58E3B0902}" dt="2021-11-17T02:32:37.415" v="1182" actId="692"/>
+          <ac:cxnSpMkLst>
+            <pc:docMk/>
+            <pc:sldMk cId="2595786992" sldId="290"/>
+            <ac:cxnSpMk id="21" creationId="{A29A8BBB-E9AB-C84F-B76C-D85219AB31B3}"/>
+          </ac:cxnSpMkLst>
+        </pc:cxnChg>
+      </pc:sldChg>
+      <pc:sldChg chg="addSp delSp modSp mod">
+        <pc:chgData name="Fukui Shin" userId="6902ee70c48ce296" providerId="LiveId" clId="{2AFD377D-6132-EA45-8360-9CF58E3B0902}" dt="2021-11-17T02:20:49.278" v="865" actId="1076"/>
+        <pc:sldMkLst>
+          <pc:docMk/>
+          <pc:sldMk cId="508955002" sldId="291"/>
+        </pc:sldMkLst>
+        <pc:picChg chg="del">
+          <ac:chgData name="Fukui Shin" userId="6902ee70c48ce296" providerId="LiveId" clId="{2AFD377D-6132-EA45-8360-9CF58E3B0902}" dt="2021-11-17T02:20:32.538" v="860" actId="478"/>
+          <ac:picMkLst>
+            <pc:docMk/>
+            <pc:sldMk cId="508955002" sldId="291"/>
+            <ac:picMk id="5" creationId="{99D7514B-7388-6B47-B318-1E894D5946D1}"/>
+          </ac:picMkLst>
+        </pc:picChg>
+        <pc:picChg chg="add mod">
+          <ac:chgData name="Fukui Shin" userId="6902ee70c48ce296" providerId="LiveId" clId="{2AFD377D-6132-EA45-8360-9CF58E3B0902}" dt="2021-11-17T02:20:49.278" v="865" actId="1076"/>
+          <ac:picMkLst>
+            <pc:docMk/>
+            <pc:sldMk cId="508955002" sldId="291"/>
+            <ac:picMk id="6" creationId="{6FC85373-0AA5-554D-A4F9-18721FB1EC9F}"/>
+          </ac:picMkLst>
+        </pc:picChg>
+      </pc:sldChg>
+    </pc:docChg>
+  </pc:docChgLst>
+  <pc:docChgLst>
+    <pc:chgData name="Fukui Shin" userId="6902ee70c48ce296" providerId="LiveId" clId="{2861F9EA-F600-654F-8E46-7B02198CA6B6}"/>
+    <pc:docChg chg="undo custSel modSld">
+      <pc:chgData name="Fukui Shin" userId="6902ee70c48ce296" providerId="LiveId" clId="{2861F9EA-F600-654F-8E46-7B02198CA6B6}" dt="2021-11-25T07:16:06.789" v="638" actId="14100"/>
       <pc:docMkLst>
         <pc:docMk/>
       </pc:docMkLst>
       <pc:sldChg chg="modSp mod">
-        <pc:chgData name="Fukui Shin" userId="6902ee70c48ce296" providerId="LiveId" clId="{45B1E7A5-405E-B949-93C9-105066568C4B}" dt="2021-07-01T10:19:19.918" v="163" actId="20577"/>
+        <pc:chgData name="Fukui Shin" userId="6902ee70c48ce296" providerId="LiveId" clId="{2861F9EA-F600-654F-8E46-7B02198CA6B6}" dt="2021-11-24T15:18:25.750" v="3" actId="20577"/>
         <pc:sldMkLst>
           <pc:docMk/>
           <pc:sldMk cId="2432279440" sldId="257"/>
         </pc:sldMkLst>
         <pc:spChg chg="mod">
-          <ac:chgData name="Fukui Shin" userId="6902ee70c48ce296" providerId="LiveId" clId="{45B1E7A5-405E-B949-93C9-105066568C4B}" dt="2021-07-01T10:19:19.918" v="163" actId="20577"/>
-          <ac:spMkLst>
-            <pc:docMk/>
-            <pc:sldMk cId="2432279440" sldId="257"/>
-            <ac:spMk id="3" creationId="{05D7D93A-BA42-5D47-893C-FE41C03A53E0}"/>
-          </ac:spMkLst>
-        </pc:spChg>
-      </pc:sldChg>
-      <pc:sldChg chg="del">
-        <pc:chgData name="Fukui Shin" userId="6902ee70c48ce296" providerId="LiveId" clId="{45B1E7A5-405E-B949-93C9-105066568C4B}" dt="2021-06-21T15:45:54.544" v="80" actId="2696"/>
-        <pc:sldMkLst>
-          <pc:docMk/>
-          <pc:sldMk cId="1198899771" sldId="266"/>
-        </pc:sldMkLst>
-      </pc:sldChg>
-      <pc:sldChg chg="modSp mod">
-        <pc:chgData name="Fukui Shin" userId="6902ee70c48ce296" providerId="LiveId" clId="{45B1E7A5-405E-B949-93C9-105066568C4B}" dt="2021-07-03T08:26:30.538" v="848" actId="20577"/>
-        <pc:sldMkLst>
-          <pc:docMk/>
-          <pc:sldMk cId="1501767664" sldId="272"/>
-        </pc:sldMkLst>
-        <pc:spChg chg="mod">
-          <ac:chgData name="Fukui Shin" userId="6902ee70c48ce296" providerId="LiveId" clId="{45B1E7A5-405E-B949-93C9-105066568C4B}" dt="2021-07-03T07:59:04.927" v="165" actId="20577"/>
-          <ac:spMkLst>
-            <pc:docMk/>
-            <pc:sldMk cId="1501767664" sldId="272"/>
-            <ac:spMk id="2" creationId="{68BB739B-FF50-7947-89AB-1B70AF4DD3EA}"/>
-          </ac:spMkLst>
-        </pc:spChg>
-        <pc:spChg chg="mod">
-          <ac:chgData name="Fukui Shin" userId="6902ee70c48ce296" providerId="LiveId" clId="{45B1E7A5-405E-B949-93C9-105066568C4B}" dt="2021-07-03T08:26:30.538" v="848" actId="20577"/>
-          <ac:spMkLst>
-            <pc:docMk/>
-            <pc:sldMk cId="1501767664" sldId="272"/>
-            <ac:spMk id="3" creationId="{B7EB713B-B0D0-A347-9D4F-48B4383A8075}"/>
-          </ac:spMkLst>
-        </pc:spChg>
-      </pc:sldChg>
-      <pc:sldChg chg="modSp mod">
-        <pc:chgData name="Fukui Shin" userId="6902ee70c48ce296" providerId="LiveId" clId="{45B1E7A5-405E-B949-93C9-105066568C4B}" dt="2021-07-03T10:21:03.507" v="1525" actId="20577"/>
-        <pc:sldMkLst>
-          <pc:docMk/>
-          <pc:sldMk cId="1722450886" sldId="274"/>
-        </pc:sldMkLst>
-        <pc:spChg chg="mod">
-          <ac:chgData name="Fukui Shin" userId="6902ee70c48ce296" providerId="LiveId" clId="{45B1E7A5-405E-B949-93C9-105066568C4B}" dt="2021-07-03T08:39:13.034" v="902" actId="20577"/>
-          <ac:spMkLst>
-            <pc:docMk/>
-            <pc:sldMk cId="1722450886" sldId="274"/>
-            <ac:spMk id="2" creationId="{68BB739B-FF50-7947-89AB-1B70AF4DD3EA}"/>
-          </ac:spMkLst>
-        </pc:spChg>
-        <pc:spChg chg="mod">
-          <ac:chgData name="Fukui Shin" userId="6902ee70c48ce296" providerId="LiveId" clId="{45B1E7A5-405E-B949-93C9-105066568C4B}" dt="2021-07-03T10:21:03.507" v="1525" actId="20577"/>
-          <ac:spMkLst>
-            <pc:docMk/>
-            <pc:sldMk cId="1722450886" sldId="274"/>
-            <ac:spMk id="3" creationId="{B7EB713B-B0D0-A347-9D4F-48B4383A8075}"/>
-          </ac:spMkLst>
-        </pc:spChg>
-      </pc:sldChg>
-      <pc:sldChg chg="del">
-        <pc:chgData name="Fukui Shin" userId="6902ee70c48ce296" providerId="LiveId" clId="{45B1E7A5-405E-B949-93C9-105066568C4B}" dt="2021-07-03T08:27:27.529" v="853" actId="2696"/>
-        <pc:sldMkLst>
-          <pc:docMk/>
-          <pc:sldMk cId="3322847216" sldId="276"/>
-        </pc:sldMkLst>
-      </pc:sldChg>
-      <pc:sldChg chg="del">
-        <pc:chgData name="Fukui Shin" userId="6902ee70c48ce296" providerId="LiveId" clId="{45B1E7A5-405E-B949-93C9-105066568C4B}" dt="2021-06-21T15:46:05.443" v="81" actId="2696"/>
-        <pc:sldMkLst>
-          <pc:docMk/>
-          <pc:sldMk cId="3458342540" sldId="278"/>
-        </pc:sldMkLst>
-      </pc:sldChg>
-      <pc:sldChg chg="del">
-        <pc:chgData name="Fukui Shin" userId="6902ee70c48ce296" providerId="LiveId" clId="{45B1E7A5-405E-B949-93C9-105066568C4B}" dt="2021-06-21T15:45:54.544" v="80" actId="2696"/>
-        <pc:sldMkLst>
-          <pc:docMk/>
-          <pc:sldMk cId="323365537" sldId="279"/>
-        </pc:sldMkLst>
-      </pc:sldChg>
-      <pc:sldChg chg="modSp mod">
-        <pc:chgData name="Fukui Shin" userId="6902ee70c48ce296" providerId="LiveId" clId="{45B1E7A5-405E-B949-93C9-105066568C4B}" dt="2021-07-03T10:20:55.075" v="1521" actId="20577"/>
-        <pc:sldMkLst>
-          <pc:docMk/>
-          <pc:sldMk cId="623929723" sldId="280"/>
-        </pc:sldMkLst>
-        <pc:spChg chg="mod">
-          <ac:chgData name="Fukui Shin" userId="6902ee70c48ce296" providerId="LiveId" clId="{45B1E7A5-405E-B949-93C9-105066568C4B}" dt="2021-07-03T08:39:18.908" v="903"/>
-          <ac:spMkLst>
-            <pc:docMk/>
-            <pc:sldMk cId="623929723" sldId="280"/>
-            <ac:spMk id="2" creationId="{68BB739B-FF50-7947-89AB-1B70AF4DD3EA}"/>
-          </ac:spMkLst>
-        </pc:spChg>
-        <pc:spChg chg="mod">
-          <ac:chgData name="Fukui Shin" userId="6902ee70c48ce296" providerId="LiveId" clId="{45B1E7A5-405E-B949-93C9-105066568C4B}" dt="2021-07-03T10:20:55.075" v="1521" actId="20577"/>
-          <ac:spMkLst>
-            <pc:docMk/>
-            <pc:sldMk cId="623929723" sldId="280"/>
-            <ac:spMk id="3" creationId="{B7EB713B-B0D0-A347-9D4F-48B4383A8075}"/>
-          </ac:spMkLst>
-        </pc:spChg>
-      </pc:sldChg>
-      <pc:sldChg chg="modSp mod">
-        <pc:chgData name="Fukui Shin" userId="6902ee70c48ce296" providerId="LiveId" clId="{45B1E7A5-405E-B949-93C9-105066568C4B}" dt="2021-07-03T08:39:23.085" v="904"/>
-        <pc:sldMkLst>
-          <pc:docMk/>
-          <pc:sldMk cId="3759911444" sldId="281"/>
-        </pc:sldMkLst>
-        <pc:spChg chg="mod">
-          <ac:chgData name="Fukui Shin" userId="6902ee70c48ce296" providerId="LiveId" clId="{45B1E7A5-405E-B949-93C9-105066568C4B}" dt="2021-07-03T08:39:23.085" v="904"/>
-          <ac:spMkLst>
-            <pc:docMk/>
-            <pc:sldMk cId="3759911444" sldId="281"/>
-            <ac:spMk id="2" creationId="{68BB739B-FF50-7947-89AB-1B70AF4DD3EA}"/>
-          </ac:spMkLst>
-        </pc:spChg>
-        <pc:spChg chg="mod">
-          <ac:chgData name="Fukui Shin" userId="6902ee70c48ce296" providerId="LiveId" clId="{45B1E7A5-405E-B949-93C9-105066568C4B}" dt="2021-07-03T08:38:54.322" v="894" actId="20577"/>
-          <ac:spMkLst>
-            <pc:docMk/>
-            <pc:sldMk cId="3759911444" sldId="281"/>
-            <ac:spMk id="3" creationId="{B7EB713B-B0D0-A347-9D4F-48B4383A8075}"/>
-          </ac:spMkLst>
-        </pc:spChg>
-      </pc:sldChg>
-      <pc:sldChg chg="modSp new mod">
-        <pc:chgData name="Fukui Shin" userId="6902ee70c48ce296" providerId="LiveId" clId="{45B1E7A5-405E-B949-93C9-105066568C4B}" dt="2021-07-03T09:57:45.826" v="1473" actId="20577"/>
-        <pc:sldMkLst>
-          <pc:docMk/>
-          <pc:sldMk cId="3428185782" sldId="282"/>
-        </pc:sldMkLst>
-        <pc:spChg chg="mod">
-          <ac:chgData name="Fukui Shin" userId="6902ee70c48ce296" providerId="LiveId" clId="{45B1E7A5-405E-B949-93C9-105066568C4B}" dt="2021-07-03T08:50:07.237" v="955" actId="20577"/>
-          <ac:spMkLst>
-            <pc:docMk/>
-            <pc:sldMk cId="3428185782" sldId="282"/>
-            <ac:spMk id="2" creationId="{593893BE-BD11-5648-B363-0A47FB81D8B9}"/>
-          </ac:spMkLst>
-        </pc:spChg>
-        <pc:spChg chg="mod">
-          <ac:chgData name="Fukui Shin" userId="6902ee70c48ce296" providerId="LiveId" clId="{45B1E7A5-405E-B949-93C9-105066568C4B}" dt="2021-07-03T09:57:45.826" v="1473" actId="20577"/>
-          <ac:spMkLst>
-            <pc:docMk/>
-            <pc:sldMk cId="3428185782" sldId="282"/>
-            <ac:spMk id="3" creationId="{49E414B3-99D4-2B4A-B335-2BAEFB18D4DF}"/>
-          </ac:spMkLst>
-        </pc:spChg>
-      </pc:sldChg>
-      <pc:sldChg chg="modSp new mod">
-        <pc:chgData name="Fukui Shin" userId="6902ee70c48ce296" providerId="LiveId" clId="{45B1E7A5-405E-B949-93C9-105066568C4B}" dt="2021-07-07T06:10:42.438" v="2646" actId="20577"/>
-        <pc:sldMkLst>
-          <pc:docMk/>
-          <pc:sldMk cId="3377275839" sldId="283"/>
-        </pc:sldMkLst>
-        <pc:spChg chg="mod">
-          <ac:chgData name="Fukui Shin" userId="6902ee70c48ce296" providerId="LiveId" clId="{45B1E7A5-405E-B949-93C9-105066568C4B}" dt="2021-07-03T10:03:43.320" v="1511" actId="20577"/>
-          <ac:spMkLst>
-            <pc:docMk/>
-            <pc:sldMk cId="3377275839" sldId="283"/>
-            <ac:spMk id="2" creationId="{5B9CD8F7-9DBA-914A-85C6-EB8A0A9532EA}"/>
-          </ac:spMkLst>
-        </pc:spChg>
-        <pc:spChg chg="mod">
-          <ac:chgData name="Fukui Shin" userId="6902ee70c48ce296" providerId="LiveId" clId="{45B1E7A5-405E-B949-93C9-105066568C4B}" dt="2021-07-07T06:10:42.438" v="2646" actId="20577"/>
-          <ac:spMkLst>
-            <pc:docMk/>
-            <pc:sldMk cId="3377275839" sldId="283"/>
-            <ac:spMk id="3" creationId="{41DF497C-D459-C448-B5CA-EE91E35943B8}"/>
-          </ac:spMkLst>
-        </pc:spChg>
-      </pc:sldChg>
-    </pc:docChg>
-  </pc:docChgLst>
-  <pc:docChgLst>
-    <pc:chgData name="Fukui Shin" userId="6902ee70c48ce296" providerId="LiveId" clId="{2E44D2CA-FA2B-C94D-8AB6-439A5019DC12}"/>
-    <pc:docChg chg="undo custSel modSld">
-      <pc:chgData name="Fukui Shin" userId="6902ee70c48ce296" providerId="LiveId" clId="{2E44D2CA-FA2B-C94D-8AB6-439A5019DC12}" dt="2021-05-19T09:37:27.188" v="54" actId="20577"/>
-      <pc:docMkLst>
-        <pc:docMk/>
-      </pc:docMkLst>
-      <pc:sldChg chg="modSp mod">
-        <pc:chgData name="Fukui Shin" userId="6902ee70c48ce296" providerId="LiveId" clId="{2E44D2CA-FA2B-C94D-8AB6-439A5019DC12}" dt="2021-05-19T09:36:53.912" v="5" actId="20577"/>
-        <pc:sldMkLst>
-          <pc:docMk/>
-          <pc:sldMk cId="2432279440" sldId="257"/>
-        </pc:sldMkLst>
-        <pc:spChg chg="mod">
-          <ac:chgData name="Fukui Shin" userId="6902ee70c48ce296" providerId="LiveId" clId="{2E44D2CA-FA2B-C94D-8AB6-439A5019DC12}" dt="2021-05-19T09:36:53.912" v="5" actId="20577"/>
-          <ac:spMkLst>
-            <pc:docMk/>
-            <pc:sldMk cId="2432279440" sldId="257"/>
-            <ac:spMk id="3" creationId="{05D7D93A-BA42-5D47-893C-FE41C03A53E0}"/>
-          </ac:spMkLst>
-        </pc:spChg>
-      </pc:sldChg>
-      <pc:sldChg chg="modSp mod">
-        <pc:chgData name="Fukui Shin" userId="6902ee70c48ce296" providerId="LiveId" clId="{2E44D2CA-FA2B-C94D-8AB6-439A5019DC12}" dt="2021-05-19T09:37:27.188" v="54" actId="20577"/>
-        <pc:sldMkLst>
-          <pc:docMk/>
-          <pc:sldMk cId="323365537" sldId="279"/>
-        </pc:sldMkLst>
-        <pc:spChg chg="mod">
-          <ac:chgData name="Fukui Shin" userId="6902ee70c48ce296" providerId="LiveId" clId="{2E44D2CA-FA2B-C94D-8AB6-439A5019DC12}" dt="2021-05-19T09:37:27.188" v="54" actId="20577"/>
-          <ac:spMkLst>
-            <pc:docMk/>
-            <pc:sldMk cId="323365537" sldId="279"/>
-            <ac:spMk id="2" creationId="{530FA0D9-038A-6744-9604-B7C6B3166D65}"/>
-          </ac:spMkLst>
-        </pc:spChg>
-      </pc:sldChg>
-    </pc:docChg>
-  </pc:docChgLst>
-  <pc:docChgLst>
-    <pc:chgData name="Fukui Shin" userId="6902ee70c48ce296" providerId="LiveId" clId="{C8F55A9F-7917-5240-8DE8-05BC06FCB498}"/>
-    <pc:docChg chg="undo custSel modSld">
-      <pc:chgData name="Fukui Shin" userId="6902ee70c48ce296" providerId="LiveId" clId="{C8F55A9F-7917-5240-8DE8-05BC06FCB498}" dt="2021-11-08T07:29:24.069" v="52" actId="20577"/>
-      <pc:docMkLst>
-        <pc:docMk/>
-      </pc:docMkLst>
-      <pc:sldChg chg="modSp mod">
-        <pc:chgData name="Fukui Shin" userId="6902ee70c48ce296" providerId="LiveId" clId="{C8F55A9F-7917-5240-8DE8-05BC06FCB498}" dt="2021-11-08T07:29:24.069" v="52" actId="20577"/>
-        <pc:sldMkLst>
-          <pc:docMk/>
-          <pc:sldMk cId="2447858462" sldId="288"/>
-        </pc:sldMkLst>
-        <pc:spChg chg="mod">
-          <ac:chgData name="Fukui Shin" userId="6902ee70c48ce296" providerId="LiveId" clId="{C8F55A9F-7917-5240-8DE8-05BC06FCB498}" dt="2021-11-08T07:29:24.069" v="52" actId="20577"/>
-          <ac:spMkLst>
-            <pc:docMk/>
-            <pc:sldMk cId="2447858462" sldId="288"/>
-            <ac:spMk id="3" creationId="{7044DDCB-175D-DC41-A5AC-98AE58CE5A61}"/>
-          </ac:spMkLst>
-        </pc:spChg>
-      </pc:sldChg>
-    </pc:docChg>
-  </pc:docChgLst>
-  <pc:docChgLst>
-    <pc:chgData name="Fukui Shin" userId="6902ee70c48ce296" providerId="LiveId" clId="{FD2ABE22-F822-F64D-BF8C-980B7AF40F0E}"/>
-    <pc:docChg chg="undo redo custSel addSld delSld modSld">
-      <pc:chgData name="Fukui Shin" userId="6902ee70c48ce296" providerId="LiveId" clId="{FD2ABE22-F822-F64D-BF8C-980B7AF40F0E}" dt="2021-08-04T10:47:27.352" v="3347" actId="20577"/>
-      <pc:docMkLst>
-        <pc:docMk/>
-      </pc:docMkLst>
-      <pc:sldChg chg="modSp mod">
-        <pc:chgData name="Fukui Shin" userId="6902ee70c48ce296" providerId="LiveId" clId="{FD2ABE22-F822-F64D-BF8C-980B7AF40F0E}" dt="2021-08-03T17:49:07.210" v="1" actId="20577"/>
-        <pc:sldMkLst>
-          <pc:docMk/>
-          <pc:sldMk cId="2432279440" sldId="257"/>
-        </pc:sldMkLst>
-        <pc:spChg chg="mod">
-          <ac:chgData name="Fukui Shin" userId="6902ee70c48ce296" providerId="LiveId" clId="{FD2ABE22-F822-F64D-BF8C-980B7AF40F0E}" dt="2021-08-03T17:49:07.210" v="1" actId="20577"/>
+          <ac:chgData name="Fukui Shin" userId="6902ee70c48ce296" providerId="LiveId" clId="{2861F9EA-F600-654F-8E46-7B02198CA6B6}" dt="2021-11-24T15:18:25.750" v="3" actId="20577"/>
           <ac:spMkLst>
             <pc:docMk/>
             <pc:sldMk cId="2432279440" sldId="257"/>
@@ -412,188 +324,37 @@
         </pc:spChg>
       </pc:sldChg>
       <pc:sldChg chg="modSp mod">
-        <pc:chgData name="Fukui Shin" userId="6902ee70c48ce296" providerId="LiveId" clId="{FD2ABE22-F822-F64D-BF8C-980B7AF40F0E}" dt="2021-08-04T08:47:13.253" v="1355" actId="20577"/>
+        <pc:chgData name="Fukui Shin" userId="6902ee70c48ce296" providerId="LiveId" clId="{2861F9EA-F600-654F-8E46-7B02198CA6B6}" dt="2021-11-25T07:16:06.789" v="638" actId="14100"/>
         <pc:sldMkLst>
           <pc:docMk/>
-          <pc:sldMk cId="1722450886" sldId="274"/>
+          <pc:sldMk cId="2393039641" sldId="293"/>
         </pc:sldMkLst>
         <pc:spChg chg="mod">
-          <ac:chgData name="Fukui Shin" userId="6902ee70c48ce296" providerId="LiveId" clId="{FD2ABE22-F822-F64D-BF8C-980B7AF40F0E}" dt="2021-08-04T08:47:13.253" v="1355" actId="20577"/>
+          <ac:chgData name="Fukui Shin" userId="6902ee70c48ce296" providerId="LiveId" clId="{2861F9EA-F600-654F-8E46-7B02198CA6B6}" dt="2021-11-25T07:16:06.789" v="638" actId="14100"/>
           <ac:spMkLst>
             <pc:docMk/>
-            <pc:sldMk cId="1722450886" sldId="274"/>
-            <ac:spMk id="3" creationId="{B7EB713B-B0D0-A347-9D4F-48B4383A8075}"/>
+            <pc:sldMk cId="2393039641" sldId="293"/>
+            <ac:spMk id="3" creationId="{5D454D60-38A7-4B4C-8C5C-FFAC1D198DE6}"/>
           </ac:spMkLst>
         </pc:spChg>
       </pc:sldChg>
+    </pc:docChg>
+  </pc:docChgLst>
+  <pc:docChgLst>
+    <pc:chgData name="Fukui Shin" userId="6902ee70c48ce296" providerId="LiveId" clId="{CAD8029A-6CF2-954F-88AD-D2A417AFA2E1}"/>
+    <pc:docChg chg="undo custSel addSld modSld">
+      <pc:chgData name="Fukui Shin" userId="6902ee70c48ce296" providerId="LiveId" clId="{CAD8029A-6CF2-954F-88AD-D2A417AFA2E1}" dt="2021-11-08T08:18:15.651" v="1075" actId="20577"/>
+      <pc:docMkLst>
+        <pc:docMk/>
+      </pc:docMkLst>
       <pc:sldChg chg="modSp mod">
-        <pc:chgData name="Fukui Shin" userId="6902ee70c48ce296" providerId="LiveId" clId="{FD2ABE22-F822-F64D-BF8C-980B7AF40F0E}" dt="2021-08-04T08:46:54.579" v="1352" actId="20577"/>
-        <pc:sldMkLst>
-          <pc:docMk/>
-          <pc:sldMk cId="623929723" sldId="280"/>
-        </pc:sldMkLst>
-        <pc:spChg chg="mod">
-          <ac:chgData name="Fukui Shin" userId="6902ee70c48ce296" providerId="LiveId" clId="{FD2ABE22-F822-F64D-BF8C-980B7AF40F0E}" dt="2021-08-04T08:46:54.579" v="1352" actId="20577"/>
-          <ac:spMkLst>
-            <pc:docMk/>
-            <pc:sldMk cId="623929723" sldId="280"/>
-            <ac:spMk id="3" creationId="{B7EB713B-B0D0-A347-9D4F-48B4383A8075}"/>
-          </ac:spMkLst>
-        </pc:spChg>
-      </pc:sldChg>
-      <pc:sldChg chg="modSp mod">
-        <pc:chgData name="Fukui Shin" userId="6902ee70c48ce296" providerId="LiveId" clId="{FD2ABE22-F822-F64D-BF8C-980B7AF40F0E}" dt="2021-08-04T08:47:03.988" v="1354" actId="20577"/>
-        <pc:sldMkLst>
-          <pc:docMk/>
-          <pc:sldMk cId="3759911444" sldId="281"/>
-        </pc:sldMkLst>
-        <pc:spChg chg="mod">
-          <ac:chgData name="Fukui Shin" userId="6902ee70c48ce296" providerId="LiveId" clId="{FD2ABE22-F822-F64D-BF8C-980B7AF40F0E}" dt="2021-08-04T08:47:03.988" v="1354" actId="20577"/>
-          <ac:spMkLst>
-            <pc:docMk/>
-            <pc:sldMk cId="3759911444" sldId="281"/>
-            <ac:spMk id="3" creationId="{B7EB713B-B0D0-A347-9D4F-48B4383A8075}"/>
-          </ac:spMkLst>
-        </pc:spChg>
-      </pc:sldChg>
-      <pc:sldChg chg="modSp mod">
-        <pc:chgData name="Fukui Shin" userId="6902ee70c48ce296" providerId="LiveId" clId="{FD2ABE22-F822-F64D-BF8C-980B7AF40F0E}" dt="2021-08-04T07:23:13.161" v="1134" actId="20577"/>
-        <pc:sldMkLst>
-          <pc:docMk/>
-          <pc:sldMk cId="3428185782" sldId="282"/>
-        </pc:sldMkLst>
-        <pc:spChg chg="mod">
-          <ac:chgData name="Fukui Shin" userId="6902ee70c48ce296" providerId="LiveId" clId="{FD2ABE22-F822-F64D-BF8C-980B7AF40F0E}" dt="2021-08-04T07:23:13.161" v="1134" actId="20577"/>
-          <ac:spMkLst>
-            <pc:docMk/>
-            <pc:sldMk cId="3428185782" sldId="282"/>
-            <ac:spMk id="3" creationId="{49E414B3-99D4-2B4A-B335-2BAEFB18D4DF}"/>
-          </ac:spMkLst>
-        </pc:spChg>
-      </pc:sldChg>
-      <pc:sldChg chg="del">
-        <pc:chgData name="Fukui Shin" userId="6902ee70c48ce296" providerId="LiveId" clId="{FD2ABE22-F822-F64D-BF8C-980B7AF40F0E}" dt="2021-08-03T17:56:45.269" v="618" actId="2696"/>
-        <pc:sldMkLst>
-          <pc:docMk/>
-          <pc:sldMk cId="3377275839" sldId="283"/>
-        </pc:sldMkLst>
-      </pc:sldChg>
-      <pc:sldChg chg="modSp new mod">
-        <pc:chgData name="Fukui Shin" userId="6902ee70c48ce296" providerId="LiveId" clId="{FD2ABE22-F822-F64D-BF8C-980B7AF40F0E}" dt="2021-08-04T07:22:25.505" v="1129" actId="20577"/>
-        <pc:sldMkLst>
-          <pc:docMk/>
-          <pc:sldMk cId="2178159451" sldId="284"/>
-        </pc:sldMkLst>
-        <pc:spChg chg="mod">
-          <ac:chgData name="Fukui Shin" userId="6902ee70c48ce296" providerId="LiveId" clId="{FD2ABE22-F822-F64D-BF8C-980B7AF40F0E}" dt="2021-08-03T17:50:32.408" v="54" actId="20577"/>
-          <ac:spMkLst>
-            <pc:docMk/>
-            <pc:sldMk cId="2178159451" sldId="284"/>
-            <ac:spMk id="2" creationId="{ADD62BF2-6FF7-9842-B55F-6A8B6B522A7E}"/>
-          </ac:spMkLst>
-        </pc:spChg>
-        <pc:spChg chg="mod">
-          <ac:chgData name="Fukui Shin" userId="6902ee70c48ce296" providerId="LiveId" clId="{FD2ABE22-F822-F64D-BF8C-980B7AF40F0E}" dt="2021-08-04T07:22:25.505" v="1129" actId="20577"/>
-          <ac:spMkLst>
-            <pc:docMk/>
-            <pc:sldMk cId="2178159451" sldId="284"/>
-            <ac:spMk id="3" creationId="{1805BEF9-DE5C-E743-813A-6F4CE0125DA2}"/>
-          </ac:spMkLst>
-        </pc:spChg>
-      </pc:sldChg>
-      <pc:sldChg chg="modSp new mod">
-        <pc:chgData name="Fukui Shin" userId="6902ee70c48ce296" providerId="LiveId" clId="{FD2ABE22-F822-F64D-BF8C-980B7AF40F0E}" dt="2021-08-04T10:08:13.242" v="2067" actId="20577"/>
-        <pc:sldMkLst>
-          <pc:docMk/>
-          <pc:sldMk cId="4050706010" sldId="285"/>
-        </pc:sldMkLst>
-        <pc:spChg chg="mod">
-          <ac:chgData name="Fukui Shin" userId="6902ee70c48ce296" providerId="LiveId" clId="{FD2ABE22-F822-F64D-BF8C-980B7AF40F0E}" dt="2021-08-04T09:34:10.093" v="1888" actId="20577"/>
-          <ac:spMkLst>
-            <pc:docMk/>
-            <pc:sldMk cId="4050706010" sldId="285"/>
-            <ac:spMk id="2" creationId="{892C59F3-AD8A-C648-98CA-0C3943AE4A58}"/>
-          </ac:spMkLst>
-        </pc:spChg>
-        <pc:spChg chg="mod">
-          <ac:chgData name="Fukui Shin" userId="6902ee70c48ce296" providerId="LiveId" clId="{FD2ABE22-F822-F64D-BF8C-980B7AF40F0E}" dt="2021-08-04T10:08:13.242" v="2067" actId="20577"/>
-          <ac:spMkLst>
-            <pc:docMk/>
-            <pc:sldMk cId="4050706010" sldId="285"/>
-            <ac:spMk id="3" creationId="{2B892BED-13CC-B648-8A24-26DF1294EB9C}"/>
-          </ac:spMkLst>
-        </pc:spChg>
-      </pc:sldChg>
-      <pc:sldChg chg="addSp modSp new mod">
-        <pc:chgData name="Fukui Shin" userId="6902ee70c48ce296" providerId="LiveId" clId="{FD2ABE22-F822-F64D-BF8C-980B7AF40F0E}" dt="2021-08-04T10:47:27.352" v="3347" actId="20577"/>
-        <pc:sldMkLst>
-          <pc:docMk/>
-          <pc:sldMk cId="3976745622" sldId="286"/>
-        </pc:sldMkLst>
-        <pc:spChg chg="mod">
-          <ac:chgData name="Fukui Shin" userId="6902ee70c48ce296" providerId="LiveId" clId="{FD2ABE22-F822-F64D-BF8C-980B7AF40F0E}" dt="2021-08-04T10:36:45.309" v="2710" actId="20577"/>
-          <ac:spMkLst>
-            <pc:docMk/>
-            <pc:sldMk cId="3976745622" sldId="286"/>
-            <ac:spMk id="2" creationId="{8021A45D-E4FF-5A46-91C6-E4BEF315A871}"/>
-          </ac:spMkLst>
-        </pc:spChg>
-        <pc:spChg chg="mod">
-          <ac:chgData name="Fukui Shin" userId="6902ee70c48ce296" providerId="LiveId" clId="{FD2ABE22-F822-F64D-BF8C-980B7AF40F0E}" dt="2021-08-04T10:47:27.352" v="3347" actId="20577"/>
-          <ac:spMkLst>
-            <pc:docMk/>
-            <pc:sldMk cId="3976745622" sldId="286"/>
-            <ac:spMk id="3" creationId="{929FB2F8-884F-DB42-8889-1307E783A82A}"/>
-          </ac:spMkLst>
-        </pc:spChg>
-        <pc:spChg chg="add mod">
-          <ac:chgData name="Fukui Shin" userId="6902ee70c48ce296" providerId="LiveId" clId="{FD2ABE22-F822-F64D-BF8C-980B7AF40F0E}" dt="2021-08-04T10:44:56.682" v="3333" actId="1076"/>
-          <ac:spMkLst>
-            <pc:docMk/>
-            <pc:sldMk cId="3976745622" sldId="286"/>
-            <ac:spMk id="4" creationId="{9A0B37BF-DF44-4C49-A0C7-B382023DCA3F}"/>
-          </ac:spMkLst>
-        </pc:spChg>
-      </pc:sldChg>
-      <pc:sldChg chg="modSp new mod">
-        <pc:chgData name="Fukui Shin" userId="6902ee70c48ce296" providerId="LiveId" clId="{FD2ABE22-F822-F64D-BF8C-980B7AF40F0E}" dt="2021-08-04T10:12:26.711" v="2425" actId="20577"/>
-        <pc:sldMkLst>
-          <pc:docMk/>
-          <pc:sldMk cId="2009115823" sldId="287"/>
-        </pc:sldMkLst>
-        <pc:spChg chg="mod">
-          <ac:chgData name="Fukui Shin" userId="6902ee70c48ce296" providerId="LiveId" clId="{FD2ABE22-F822-F64D-BF8C-980B7AF40F0E}" dt="2021-08-04T10:10:33.503" v="2224" actId="20577"/>
-          <ac:spMkLst>
-            <pc:docMk/>
-            <pc:sldMk cId="2009115823" sldId="287"/>
-            <ac:spMk id="2" creationId="{F1994288-EB8E-A84F-B42C-97ABDD69EAD5}"/>
-          </ac:spMkLst>
-        </pc:spChg>
-        <pc:spChg chg="mod">
-          <ac:chgData name="Fukui Shin" userId="6902ee70c48ce296" providerId="LiveId" clId="{FD2ABE22-F822-F64D-BF8C-980B7AF40F0E}" dt="2021-08-04T10:12:26.711" v="2425" actId="20577"/>
-          <ac:spMkLst>
-            <pc:docMk/>
-            <pc:sldMk cId="2009115823" sldId="287"/>
-            <ac:spMk id="3" creationId="{F17329F4-295F-B840-A01F-3058DFA89E7D}"/>
-          </ac:spMkLst>
-        </pc:spChg>
-      </pc:sldChg>
-      <pc:sldChg chg="modSp new mod">
-        <pc:chgData name="Fukui Shin" userId="6902ee70c48ce296" providerId="LiveId" clId="{FD2ABE22-F822-F64D-BF8C-980B7AF40F0E}" dt="2021-08-04T10:42:32.979" v="3156" actId="20577"/>
+        <pc:chgData name="Fukui Shin" userId="6902ee70c48ce296" providerId="LiveId" clId="{CAD8029A-6CF2-954F-88AD-D2A417AFA2E1}" dt="2021-11-08T07:28:30.638" v="58" actId="20577"/>
         <pc:sldMkLst>
           <pc:docMk/>
           <pc:sldMk cId="2447858462" sldId="288"/>
         </pc:sldMkLst>
         <pc:spChg chg="mod">
-          <ac:chgData name="Fukui Shin" userId="6902ee70c48ce296" providerId="LiveId" clId="{FD2ABE22-F822-F64D-BF8C-980B7AF40F0E}" dt="2021-08-04T10:12:45.828" v="2443" actId="20577"/>
-          <ac:spMkLst>
-            <pc:docMk/>
-            <pc:sldMk cId="2447858462" sldId="288"/>
-            <ac:spMk id="2" creationId="{032164F6-0F1B-1549-B553-24334B2E64E3}"/>
-          </ac:spMkLst>
-        </pc:spChg>
-        <pc:spChg chg="mod">
-          <ac:chgData name="Fukui Shin" userId="6902ee70c48ce296" providerId="LiveId" clId="{FD2ABE22-F822-F64D-BF8C-980B7AF40F0E}" dt="2021-08-04T10:42:32.979" v="3156" actId="20577"/>
+          <ac:chgData name="Fukui Shin" userId="6902ee70c48ce296" providerId="LiveId" clId="{CAD8029A-6CF2-954F-88AD-D2A417AFA2E1}" dt="2021-11-08T07:28:30.638" v="58" actId="20577"/>
           <ac:spMkLst>
             <pc:docMk/>
             <pc:sldMk cId="2447858462" sldId="288"/>
@@ -601,179 +362,95 @@
           </ac:spMkLst>
         </pc:spChg>
       </pc:sldChg>
-    </pc:docChg>
-  </pc:docChgLst>
-  <pc:docChgLst>
-    <pc:chgData name="Fukui Shin" userId="6902ee70c48ce296" providerId="LiveId" clId="{21E98C23-A232-0046-80A9-DB8AD6915A56}"/>
-    <pc:docChg chg="modSld">
-      <pc:chgData name="Fukui Shin" userId="6902ee70c48ce296" providerId="LiveId" clId="{21E98C23-A232-0046-80A9-DB8AD6915A56}" dt="2021-11-17T03:03:44.101" v="6" actId="1076"/>
-      <pc:docMkLst>
-        <pc:docMk/>
-      </pc:docMkLst>
-      <pc:sldChg chg="addSp modSp mod">
-        <pc:chgData name="Fukui Shin" userId="6902ee70c48ce296" providerId="LiveId" clId="{21E98C23-A232-0046-80A9-DB8AD6915A56}" dt="2021-11-17T03:03:44.101" v="6" actId="1076"/>
+      <pc:sldChg chg="modSp mod">
+        <pc:chgData name="Fukui Shin" userId="6902ee70c48ce296" providerId="LiveId" clId="{CAD8029A-6CF2-954F-88AD-D2A417AFA2E1}" dt="2021-11-08T08:12:08.863" v="395" actId="20577"/>
         <pc:sldMkLst>
           <pc:docMk/>
-          <pc:sldMk cId="3976745622" sldId="286"/>
+          <pc:sldMk cId="2595786992" sldId="290"/>
         </pc:sldMkLst>
+        <pc:spChg chg="mod">
+          <ac:chgData name="Fukui Shin" userId="6902ee70c48ce296" providerId="LiveId" clId="{CAD8029A-6CF2-954F-88AD-D2A417AFA2E1}" dt="2021-11-08T08:12:08.863" v="395" actId="20577"/>
+          <ac:spMkLst>
+            <pc:docMk/>
+            <pc:sldMk cId="2595786992" sldId="290"/>
+            <ac:spMk id="3" creationId="{92857569-606C-B048-BBF1-17179C8C8C9A}"/>
+          </ac:spMkLst>
+        </pc:spChg>
+      </pc:sldChg>
+      <pc:sldChg chg="addSp modSp new mod">
+        <pc:chgData name="Fukui Shin" userId="6902ee70c48ce296" providerId="LiveId" clId="{CAD8029A-6CF2-954F-88AD-D2A417AFA2E1}" dt="2021-11-08T08:00:38.809" v="161" actId="1076"/>
+        <pc:sldMkLst>
+          <pc:docMk/>
+          <pc:sldMk cId="508955002" sldId="291"/>
+        </pc:sldMkLst>
+        <pc:spChg chg="mod">
+          <ac:chgData name="Fukui Shin" userId="6902ee70c48ce296" providerId="LiveId" clId="{CAD8029A-6CF2-954F-88AD-D2A417AFA2E1}" dt="2021-11-08T07:56:44.670" v="79" actId="20577"/>
+          <ac:spMkLst>
+            <pc:docMk/>
+            <pc:sldMk cId="508955002" sldId="291"/>
+            <ac:spMk id="2" creationId="{97020794-9D15-0745-925F-85D82BC176FF}"/>
+          </ac:spMkLst>
+        </pc:spChg>
+        <pc:spChg chg="mod">
+          <ac:chgData name="Fukui Shin" userId="6902ee70c48ce296" providerId="LiveId" clId="{CAD8029A-6CF2-954F-88AD-D2A417AFA2E1}" dt="2021-11-08T08:00:15.456" v="156" actId="20577"/>
+          <ac:spMkLst>
+            <pc:docMk/>
+            <pc:sldMk cId="508955002" sldId="291"/>
+            <ac:spMk id="3" creationId="{54C63FB3-C4DB-084E-968E-7FB5E1F0B009}"/>
+          </ac:spMkLst>
+        </pc:spChg>
         <pc:picChg chg="add mod">
-          <ac:chgData name="Fukui Shin" userId="6902ee70c48ce296" providerId="LiveId" clId="{21E98C23-A232-0046-80A9-DB8AD6915A56}" dt="2021-11-17T03:03:44.101" v="6" actId="1076"/>
+          <ac:chgData name="Fukui Shin" userId="6902ee70c48ce296" providerId="LiveId" clId="{CAD8029A-6CF2-954F-88AD-D2A417AFA2E1}" dt="2021-11-08T08:00:38.809" v="161" actId="1076"/>
           <ac:picMkLst>
             <pc:docMk/>
-            <pc:sldMk cId="3976745622" sldId="286"/>
-            <ac:picMk id="5" creationId="{4A6777C8-1A2C-304D-B190-F0372F1983D3}"/>
+            <pc:sldMk cId="508955002" sldId="291"/>
+            <ac:picMk id="5" creationId="{99D7514B-7388-6B47-B318-1E894D5946D1}"/>
           </ac:picMkLst>
         </pc:picChg>
       </pc:sldChg>
-    </pc:docChg>
-  </pc:docChgLst>
-  <pc:docChgLst>
-    <pc:chgData name="Fukui Shin" userId="6902ee70c48ce296" providerId="LiveId" clId="{123394F6-812E-F94C-B0FC-3923E8ACF34A}"/>
-    <pc:docChg chg="undo custSel addSld delSld modSld">
-      <pc:chgData name="Fukui Shin" userId="6902ee70c48ce296" providerId="LiveId" clId="{123394F6-812E-F94C-B0FC-3923E8ACF34A}" dt="2021-05-21T11:14:00.723" v="667" actId="20577"/>
-      <pc:docMkLst>
-        <pc:docMk/>
-      </pc:docMkLst>
-      <pc:sldChg chg="modSp mod">
-        <pc:chgData name="Fukui Shin" userId="6902ee70c48ce296" providerId="LiveId" clId="{123394F6-812E-F94C-B0FC-3923E8ACF34A}" dt="2021-05-21T11:14:00.723" v="667" actId="20577"/>
+      <pc:sldChg chg="modSp new mod">
+        <pc:chgData name="Fukui Shin" userId="6902ee70c48ce296" providerId="LiveId" clId="{CAD8029A-6CF2-954F-88AD-D2A417AFA2E1}" dt="2021-11-08T08:14:18.764" v="596" actId="20577"/>
         <pc:sldMkLst>
           <pc:docMk/>
-          <pc:sldMk cId="2432279440" sldId="257"/>
+          <pc:sldMk cId="3834722928" sldId="292"/>
         </pc:sldMkLst>
         <pc:spChg chg="mod">
-          <ac:chgData name="Fukui Shin" userId="6902ee70c48ce296" providerId="LiveId" clId="{123394F6-812E-F94C-B0FC-3923E8ACF34A}" dt="2021-05-20T05:19:41.528" v="1" actId="20577"/>
+          <ac:chgData name="Fukui Shin" userId="6902ee70c48ce296" providerId="LiveId" clId="{CAD8029A-6CF2-954F-88AD-D2A417AFA2E1}" dt="2021-11-08T08:01:38.590" v="205" actId="20577"/>
           <ac:spMkLst>
             <pc:docMk/>
-            <pc:sldMk cId="2432279440" sldId="257"/>
-            <ac:spMk id="2" creationId="{9B1D7A41-B18F-4D4C-9F52-84D5CFFFCB44}"/>
+            <pc:sldMk cId="3834722928" sldId="292"/>
+            <ac:spMk id="2" creationId="{51AA4A24-C87F-0340-9C26-29126700D1D9}"/>
           </ac:spMkLst>
         </pc:spChg>
         <pc:spChg chg="mod">
-          <ac:chgData name="Fukui Shin" userId="6902ee70c48ce296" providerId="LiveId" clId="{123394F6-812E-F94C-B0FC-3923E8ACF34A}" dt="2021-05-21T11:14:00.723" v="667" actId="20577"/>
+          <ac:chgData name="Fukui Shin" userId="6902ee70c48ce296" providerId="LiveId" clId="{CAD8029A-6CF2-954F-88AD-D2A417AFA2E1}" dt="2021-11-08T08:14:18.764" v="596" actId="20577"/>
           <ac:spMkLst>
             <pc:docMk/>
-            <pc:sldMk cId="2432279440" sldId="257"/>
-            <ac:spMk id="3" creationId="{05D7D93A-BA42-5D47-893C-FE41C03A53E0}"/>
+            <pc:sldMk cId="3834722928" sldId="292"/>
+            <ac:spMk id="3" creationId="{A3D0ED53-FAAB-AD43-A6F9-C615C36B1450}"/>
           </ac:spMkLst>
         </pc:spChg>
       </pc:sldChg>
-      <pc:sldChg chg="del">
-        <pc:chgData name="Fukui Shin" userId="6902ee70c48ce296" providerId="LiveId" clId="{123394F6-812E-F94C-B0FC-3923E8ACF34A}" dt="2021-05-21T11:12:10.209" v="562" actId="2696"/>
+      <pc:sldChg chg="modSp new mod">
+        <pc:chgData name="Fukui Shin" userId="6902ee70c48ce296" providerId="LiveId" clId="{CAD8029A-6CF2-954F-88AD-D2A417AFA2E1}" dt="2021-11-08T08:18:15.651" v="1075" actId="20577"/>
         <pc:sldMkLst>
           <pc:docMk/>
-          <pc:sldMk cId="3601736904" sldId="271"/>
-        </pc:sldMkLst>
-      </pc:sldChg>
-      <pc:sldChg chg="modSp mod">
-        <pc:chgData name="Fukui Shin" userId="6902ee70c48ce296" providerId="LiveId" clId="{123394F6-812E-F94C-B0FC-3923E8ACF34A}" dt="2021-05-21T11:09:48.102" v="548" actId="20577"/>
-        <pc:sldMkLst>
-          <pc:docMk/>
-          <pc:sldMk cId="1501767664" sldId="272"/>
+          <pc:sldMk cId="2393039641" sldId="293"/>
         </pc:sldMkLst>
         <pc:spChg chg="mod">
-          <ac:chgData name="Fukui Shin" userId="6902ee70c48ce296" providerId="LiveId" clId="{123394F6-812E-F94C-B0FC-3923E8ACF34A}" dt="2021-05-21T11:09:48.102" v="548" actId="20577"/>
+          <ac:chgData name="Fukui Shin" userId="6902ee70c48ce296" providerId="LiveId" clId="{CAD8029A-6CF2-954F-88AD-D2A417AFA2E1}" dt="2021-11-08T08:15:15.141" v="674" actId="20577"/>
           <ac:spMkLst>
             <pc:docMk/>
-            <pc:sldMk cId="1501767664" sldId="272"/>
-            <ac:spMk id="3" creationId="{B7EB713B-B0D0-A347-9D4F-48B4383A8075}"/>
+            <pc:sldMk cId="2393039641" sldId="293"/>
+            <ac:spMk id="2" creationId="{BE21B35A-2763-C34A-9729-CEAF9258550D}"/>
           </ac:spMkLst>
         </pc:spChg>
-      </pc:sldChg>
-      <pc:sldChg chg="modSp mod">
-        <pc:chgData name="Fukui Shin" userId="6902ee70c48ce296" providerId="LiveId" clId="{123394F6-812E-F94C-B0FC-3923E8ACF34A}" dt="2021-05-21T11:11:39.725" v="555" actId="207"/>
-        <pc:sldMkLst>
-          <pc:docMk/>
-          <pc:sldMk cId="1722450886" sldId="274"/>
-        </pc:sldMkLst>
         <pc:spChg chg="mod">
-          <ac:chgData name="Fukui Shin" userId="6902ee70c48ce296" providerId="LiveId" clId="{123394F6-812E-F94C-B0FC-3923E8ACF34A}" dt="2021-05-21T11:11:39.725" v="555" actId="207"/>
+          <ac:chgData name="Fukui Shin" userId="6902ee70c48ce296" providerId="LiveId" clId="{CAD8029A-6CF2-954F-88AD-D2A417AFA2E1}" dt="2021-11-08T08:18:15.651" v="1075" actId="20577"/>
           <ac:spMkLst>
             <pc:docMk/>
-            <pc:sldMk cId="1722450886" sldId="274"/>
-            <ac:spMk id="3" creationId="{B7EB713B-B0D0-A347-9D4F-48B4383A8075}"/>
-          </ac:spMkLst>
-        </pc:spChg>
-      </pc:sldChg>
-      <pc:sldChg chg="modSp mod">
-        <pc:chgData name="Fukui Shin" userId="6902ee70c48ce296" providerId="LiveId" clId="{123394F6-812E-F94C-B0FC-3923E8ACF34A}" dt="2021-05-21T11:13:21.762" v="650" actId="20577"/>
-        <pc:sldMkLst>
-          <pc:docMk/>
-          <pc:sldMk cId="3322847216" sldId="276"/>
-        </pc:sldMkLst>
-        <pc:spChg chg="mod">
-          <ac:chgData name="Fukui Shin" userId="6902ee70c48ce296" providerId="LiveId" clId="{123394F6-812E-F94C-B0FC-3923E8ACF34A}" dt="2021-05-21T11:13:21.762" v="650" actId="20577"/>
-          <ac:spMkLst>
-            <pc:docMk/>
-            <pc:sldMk cId="3322847216" sldId="276"/>
-            <ac:spMk id="3" creationId="{B7EB713B-B0D0-A347-9D4F-48B4383A8075}"/>
-          </ac:spMkLst>
-        </pc:spChg>
-      </pc:sldChg>
-      <pc:sldChg chg="modSp mod">
-        <pc:chgData name="Fukui Shin" userId="6902ee70c48ce296" providerId="LiveId" clId="{123394F6-812E-F94C-B0FC-3923E8ACF34A}" dt="2021-05-21T10:31:14.371" v="370" actId="1038"/>
-        <pc:sldMkLst>
-          <pc:docMk/>
-          <pc:sldMk cId="3458342540" sldId="278"/>
-        </pc:sldMkLst>
-        <pc:picChg chg="mod">
-          <ac:chgData name="Fukui Shin" userId="6902ee70c48ce296" providerId="LiveId" clId="{123394F6-812E-F94C-B0FC-3923E8ACF34A}" dt="2021-05-21T10:31:11.784" v="368" actId="1038"/>
-          <ac:picMkLst>
-            <pc:docMk/>
-            <pc:sldMk cId="3458342540" sldId="278"/>
-            <ac:picMk id="29" creationId="{754225A0-B928-CB44-98B5-60BBF7110E2C}"/>
-          </ac:picMkLst>
-        </pc:picChg>
-        <pc:picChg chg="mod">
-          <ac:chgData name="Fukui Shin" userId="6902ee70c48ce296" providerId="LiveId" clId="{123394F6-812E-F94C-B0FC-3923E8ACF34A}" dt="2021-05-21T10:31:14.371" v="370" actId="1038"/>
-          <ac:picMkLst>
-            <pc:docMk/>
-            <pc:sldMk cId="3458342540" sldId="278"/>
-            <ac:picMk id="30" creationId="{AD831808-B008-9B4E-A0F1-651865E2E238}"/>
-          </ac:picMkLst>
-        </pc:picChg>
-      </pc:sldChg>
-      <pc:sldChg chg="modSp mod">
-        <pc:chgData name="Fukui Shin" userId="6902ee70c48ce296" providerId="LiveId" clId="{123394F6-812E-F94C-B0FC-3923E8ACF34A}" dt="2021-05-21T11:09:05.627" v="520" actId="20577"/>
-        <pc:sldMkLst>
-          <pc:docMk/>
-          <pc:sldMk cId="323365537" sldId="279"/>
-        </pc:sldMkLst>
-        <pc:spChg chg="mod">
-          <ac:chgData name="Fukui Shin" userId="6902ee70c48ce296" providerId="LiveId" clId="{123394F6-812E-F94C-B0FC-3923E8ACF34A}" dt="2021-05-21T11:09:05.627" v="520" actId="20577"/>
-          <ac:spMkLst>
-            <pc:docMk/>
-            <pc:sldMk cId="323365537" sldId="279"/>
-            <ac:spMk id="3" creationId="{13EA0912-FE78-7647-A2F6-DD372D7B2FCA}"/>
-          </ac:spMkLst>
-        </pc:spChg>
-      </pc:sldChg>
-      <pc:sldChg chg="modSp add mod">
-        <pc:chgData name="Fukui Shin" userId="6902ee70c48ce296" providerId="LiveId" clId="{123394F6-812E-F94C-B0FC-3923E8ACF34A}" dt="2021-05-21T11:11:53.214" v="558" actId="207"/>
-        <pc:sldMkLst>
-          <pc:docMk/>
-          <pc:sldMk cId="623929723" sldId="280"/>
-        </pc:sldMkLst>
-        <pc:spChg chg="mod">
-          <ac:chgData name="Fukui Shin" userId="6902ee70c48ce296" providerId="LiveId" clId="{123394F6-812E-F94C-B0FC-3923E8ACF34A}" dt="2021-05-21T11:11:53.214" v="558" actId="207"/>
-          <ac:spMkLst>
-            <pc:docMk/>
-            <pc:sldMk cId="623929723" sldId="280"/>
-            <ac:spMk id="3" creationId="{B7EB713B-B0D0-A347-9D4F-48B4383A8075}"/>
-          </ac:spMkLst>
-        </pc:spChg>
-      </pc:sldChg>
-      <pc:sldChg chg="modSp add mod">
-        <pc:chgData name="Fukui Shin" userId="6902ee70c48ce296" providerId="LiveId" clId="{123394F6-812E-F94C-B0FC-3923E8ACF34A}" dt="2021-05-21T11:12:06.643" v="561" actId="207"/>
-        <pc:sldMkLst>
-          <pc:docMk/>
-          <pc:sldMk cId="3759911444" sldId="281"/>
-        </pc:sldMkLst>
-        <pc:spChg chg="mod">
-          <ac:chgData name="Fukui Shin" userId="6902ee70c48ce296" providerId="LiveId" clId="{123394F6-812E-F94C-B0FC-3923E8ACF34A}" dt="2021-05-21T11:12:06.643" v="561" actId="207"/>
-          <ac:spMkLst>
-            <pc:docMk/>
-            <pc:sldMk cId="3759911444" sldId="281"/>
-            <ac:spMk id="3" creationId="{B7EB713B-B0D0-A347-9D4F-48B4383A8075}"/>
+            <pc:sldMk cId="2393039641" sldId="293"/>
+            <ac:spMk id="3" creationId="{5D454D60-38A7-4B4C-8C5C-FFAC1D198DE6}"/>
           </ac:spMkLst>
         </pc:spChg>
       </pc:sldChg>
@@ -862,9 +539,9 @@
             </a:lvl1pPr>
           </a:lstStyle>
           <a:p>
-            <a:fld id="{6140DD4A-BADB-4341-8281-AAD3E1B9D56D}" type="datetimeFigureOut">
+            <a:fld id="{56F9D65D-073B-7846-A770-D643C4EB6194}" type="datetimeFigureOut">
               <a:rPr kumimoji="1" lang="ja-JP" altLang="en-US" smtClean="0"/>
-              <a:t>2022/9/21</a:t>
+              <a:t>2022/11/1</a:t>
             </a:fld>
             <a:endParaRPr kumimoji="1" lang="ja-JP" altLang="en-US"/>
           </a:p>
@@ -1052,7 +729,7 @@
             </a:lvl1pPr>
           </a:lstStyle>
           <a:p>
-            <a:fld id="{2A9FC8AF-CE5B-E64C-8425-DC68F7168DD7}" type="slidenum">
+            <a:fld id="{98F41959-D5E0-5A4B-AB74-B0E813EDE114}" type="slidenum">
               <a:rPr kumimoji="1" lang="ja-JP" altLang="en-US" smtClean="0"/>
               <a:t>‹#›</a:t>
             </a:fld>
@@ -1063,7 +740,7 @@
     </p:spTree>
     <p:extLst>
       <p:ext uri="{BB962C8B-B14F-4D97-AF65-F5344CB8AC3E}">
-        <p14:creationId xmlns:p14="http://schemas.microsoft.com/office/powerpoint/2010/main" val="1479171911"/>
+        <p14:creationId xmlns:p14="http://schemas.microsoft.com/office/powerpoint/2010/main" val="4152115877"/>
       </p:ext>
     </p:extLst>
   </p:cSld>
@@ -1226,7 +903,7 @@
           <a:bodyPr/>
           <a:lstStyle/>
           <a:p>
-            <a:fld id="{2A9FC8AF-CE5B-E64C-8425-DC68F7168DD7}" type="slidenum">
+            <a:fld id="{98F41959-D5E0-5A4B-AB74-B0E813EDE114}" type="slidenum">
               <a:rPr kumimoji="1" lang="ja-JP" altLang="en-US" smtClean="0"/>
               <a:t>2</a:t>
             </a:fld>
@@ -1237,7 +914,7 @@
     </p:spTree>
     <p:extLst>
       <p:ext uri="{BB962C8B-B14F-4D97-AF65-F5344CB8AC3E}">
-        <p14:creationId xmlns:p14="http://schemas.microsoft.com/office/powerpoint/2010/main" val="4276362081"/>
+        <p14:creationId xmlns:p14="http://schemas.microsoft.com/office/powerpoint/2010/main" val="2542682864"/>
       </p:ext>
     </p:extLst>
   </p:cSld>
@@ -1310,9 +987,9 @@
           <a:bodyPr/>
           <a:lstStyle/>
           <a:p>
-            <a:fld id="{2A9FC8AF-CE5B-E64C-8425-DC68F7168DD7}" type="slidenum">
+            <a:fld id="{98F41959-D5E0-5A4B-AB74-B0E813EDE114}" type="slidenum">
               <a:rPr kumimoji="1" lang="ja-JP" altLang="en-US" smtClean="0"/>
-              <a:t>8</a:t>
+              <a:t>5</a:t>
             </a:fld>
             <a:endParaRPr kumimoji="1" lang="ja-JP" altLang="en-US"/>
           </a:p>
@@ -1321,7 +998,7 @@
     </p:spTree>
     <p:extLst>
       <p:ext uri="{BB962C8B-B14F-4D97-AF65-F5344CB8AC3E}">
-        <p14:creationId xmlns:p14="http://schemas.microsoft.com/office/powerpoint/2010/main" val="1812376401"/>
+        <p14:creationId xmlns:p14="http://schemas.microsoft.com/office/powerpoint/2010/main" val="3563672187"/>
       </p:ext>
     </p:extLst>
   </p:cSld>
@@ -1394,7 +1071,7 @@
           <a:bodyPr/>
           <a:lstStyle/>
           <a:p>
-            <a:fld id="{2A9FC8AF-CE5B-E64C-8425-DC68F7168DD7}" type="slidenum">
+            <a:fld id="{98F41959-D5E0-5A4B-AB74-B0E813EDE114}" type="slidenum">
               <a:rPr kumimoji="1" lang="ja-JP" altLang="en-US" smtClean="0"/>
               <a:t>9</a:t>
             </a:fld>
@@ -1405,91 +1082,7 @@
     </p:spTree>
     <p:extLst>
       <p:ext uri="{BB962C8B-B14F-4D97-AF65-F5344CB8AC3E}">
-        <p14:creationId xmlns:p14="http://schemas.microsoft.com/office/powerpoint/2010/main" val="2882251820"/>
-      </p:ext>
-    </p:extLst>
-  </p:cSld>
-  <p:clrMapOvr>
-    <a:masterClrMapping/>
-  </p:clrMapOvr>
-</p:notes>
-</file>
-
-<file path=ppt/notesSlides/notesSlide4.xml><?xml version="1.0" encoding="utf-8"?>
-<p:notes xmlns:a="http://schemas.openxmlformats.org/drawingml/2006/main" xmlns:r="http://schemas.openxmlformats.org/officeDocument/2006/relationships" xmlns:p="http://schemas.openxmlformats.org/presentationml/2006/main">
-  <p:cSld>
-    <p:spTree>
-      <p:nvGrpSpPr>
-        <p:cNvPr id="1" name=""/>
-        <p:cNvGrpSpPr/>
-        <p:nvPr/>
-      </p:nvGrpSpPr>
-      <p:grpSpPr>
-        <a:xfrm>
-          <a:off x="0" y="0"/>
-          <a:ext cx="0" cy="0"/>
-          <a:chOff x="0" y="0"/>
-          <a:chExt cx="0" cy="0"/>
-        </a:xfrm>
-      </p:grpSpPr>
-      <p:sp>
-        <p:nvSpPr>
-          <p:cNvPr id="2" name="スライド イメージ プレースホルダー 1"/>
-          <p:cNvSpPr>
-            <a:spLocks noGrp="1" noRot="1" noChangeAspect="1"/>
-          </p:cNvSpPr>
-          <p:nvPr>
-            <p:ph type="sldImg"/>
-          </p:nvPr>
-        </p:nvSpPr>
-        <p:spPr/>
-      </p:sp>
-      <p:sp>
-        <p:nvSpPr>
-          <p:cNvPr id="3" name="ノート プレースホルダー 2"/>
-          <p:cNvSpPr>
-            <a:spLocks noGrp="1"/>
-          </p:cNvSpPr>
-          <p:nvPr>
-            <p:ph type="body" idx="1"/>
-          </p:nvPr>
-        </p:nvSpPr>
-        <p:spPr/>
-        <p:txBody>
-          <a:bodyPr/>
-          <a:lstStyle/>
-          <a:p>
-            <a:endParaRPr kumimoji="1" lang="ja-JP" altLang="en-US"/>
-          </a:p>
-        </p:txBody>
-      </p:sp>
-      <p:sp>
-        <p:nvSpPr>
-          <p:cNvPr id="4" name="スライド番号プレースホルダー 3"/>
-          <p:cNvSpPr>
-            <a:spLocks noGrp="1"/>
-          </p:cNvSpPr>
-          <p:nvPr>
-            <p:ph type="sldNum" sz="quarter" idx="5"/>
-          </p:nvPr>
-        </p:nvSpPr>
-        <p:spPr/>
-        <p:txBody>
-          <a:bodyPr/>
-          <a:lstStyle/>
-          <a:p>
-            <a:fld id="{ED081D99-F0BA-9848-90CB-F422B649C6E9}" type="slidenum">
-              <a:rPr kumimoji="1" lang="ja-JP" altLang="en-US" smtClean="0"/>
-              <a:t>10</a:t>
-            </a:fld>
-            <a:endParaRPr kumimoji="1" lang="ja-JP" altLang="en-US"/>
-          </a:p>
-        </p:txBody>
-      </p:sp>
-    </p:spTree>
-    <p:extLst>
-      <p:ext uri="{BB962C8B-B14F-4D97-AF65-F5344CB8AC3E}">
-        <p14:creationId xmlns:p14="http://schemas.microsoft.com/office/powerpoint/2010/main" val="2167440879"/>
+        <p14:creationId xmlns:p14="http://schemas.microsoft.com/office/powerpoint/2010/main" val="2335118428"/>
       </p:ext>
     </p:extLst>
   </p:cSld>
@@ -1521,7 +1114,7 @@
           <p:cNvPr id="2" name="タイトル 1">
             <a:extLst>
               <a:ext uri="{FF2B5EF4-FFF2-40B4-BE49-F238E27FC236}">
-                <a16:creationId xmlns:a16="http://schemas.microsoft.com/office/drawing/2014/main" id="{19261B2C-1B08-5B4E-902C-C60DF6705A5D}"/>
+                <a16:creationId xmlns:a16="http://schemas.microsoft.com/office/drawing/2014/main" id="{6B9931FE-E369-8447-BE55-05DDE8FEB993}"/>
               </a:ext>
             </a:extLst>
           </p:cNvPr>
@@ -1558,7 +1151,7 @@
           <p:cNvPr id="3" name="字幕 2">
             <a:extLst>
               <a:ext uri="{FF2B5EF4-FFF2-40B4-BE49-F238E27FC236}">
-                <a16:creationId xmlns:a16="http://schemas.microsoft.com/office/drawing/2014/main" id="{217D8C11-0190-414F-A740-954E8CF97E69}"/>
+                <a16:creationId xmlns:a16="http://schemas.microsoft.com/office/drawing/2014/main" id="{92D83A82-B8AD-924F-A085-93C38585EE03}"/>
               </a:ext>
             </a:extLst>
           </p:cNvPr>
@@ -1628,7 +1221,7 @@
           <p:cNvPr id="4" name="日付プレースホルダー 3">
             <a:extLst>
               <a:ext uri="{FF2B5EF4-FFF2-40B4-BE49-F238E27FC236}">
-                <a16:creationId xmlns:a16="http://schemas.microsoft.com/office/drawing/2014/main" id="{E6CA9B3B-9FAF-3740-9231-6B322C74915A}"/>
+                <a16:creationId xmlns:a16="http://schemas.microsoft.com/office/drawing/2014/main" id="{14A77F26-02D3-7547-A20F-C1E17376D313}"/>
               </a:ext>
             </a:extLst>
           </p:cNvPr>
@@ -1644,9 +1237,9 @@
           <a:bodyPr/>
           <a:lstStyle/>
           <a:p>
-            <a:fld id="{B9148E87-D767-4243-9E31-2E6D394C8567}" type="datetimeFigureOut">
+            <a:fld id="{E4245ECD-3E8A-534F-BCF2-3F40B55B6962}" type="datetimeFigureOut">
               <a:rPr kumimoji="1" lang="ja-JP" altLang="en-US" smtClean="0"/>
-              <a:t>2022/9/21</a:t>
+              <a:t>2022/11/1</a:t>
             </a:fld>
             <a:endParaRPr kumimoji="1" lang="ja-JP" altLang="en-US"/>
           </a:p>
@@ -1657,7 +1250,7 @@
           <p:cNvPr id="5" name="フッター プレースホルダー 4">
             <a:extLst>
               <a:ext uri="{FF2B5EF4-FFF2-40B4-BE49-F238E27FC236}">
-                <a16:creationId xmlns:a16="http://schemas.microsoft.com/office/drawing/2014/main" id="{CF5C0E9E-5B01-9F4E-AAC0-D6FAE2F7FD69}"/>
+                <a16:creationId xmlns:a16="http://schemas.microsoft.com/office/drawing/2014/main" id="{2FF7DE7E-2D80-6B48-BC23-9B4F543EAA01}"/>
               </a:ext>
             </a:extLst>
           </p:cNvPr>
@@ -1682,7 +1275,7 @@
           <p:cNvPr id="6" name="スライド番号プレースホルダー 5">
             <a:extLst>
               <a:ext uri="{FF2B5EF4-FFF2-40B4-BE49-F238E27FC236}">
-                <a16:creationId xmlns:a16="http://schemas.microsoft.com/office/drawing/2014/main" id="{320FDD68-E289-C74B-BF1D-A30E4366D362}"/>
+                <a16:creationId xmlns:a16="http://schemas.microsoft.com/office/drawing/2014/main" id="{9E99EAA8-0BEA-8044-9AC2-526CF83873ED}"/>
               </a:ext>
             </a:extLst>
           </p:cNvPr>
@@ -1698,7 +1291,7 @@
           <a:bodyPr/>
           <a:lstStyle/>
           <a:p>
-            <a:fld id="{36B086C5-84CE-0244-A96A-F90743B3D0F1}" type="slidenum">
+            <a:fld id="{342D3D8F-692A-914F-83FC-E3B1BE524720}" type="slidenum">
               <a:rPr kumimoji="1" lang="ja-JP" altLang="en-US" smtClean="0"/>
               <a:t>‹#›</a:t>
             </a:fld>
@@ -1709,7 +1302,7 @@
     </p:spTree>
     <p:extLst>
       <p:ext uri="{BB962C8B-B14F-4D97-AF65-F5344CB8AC3E}">
-        <p14:creationId xmlns:p14="http://schemas.microsoft.com/office/powerpoint/2010/main" val="162196146"/>
+        <p14:creationId xmlns:p14="http://schemas.microsoft.com/office/powerpoint/2010/main" val="3482777517"/>
       </p:ext>
     </p:extLst>
   </p:cSld>
@@ -1741,7 +1334,7 @@
           <p:cNvPr id="2" name="タイトル 1">
             <a:extLst>
               <a:ext uri="{FF2B5EF4-FFF2-40B4-BE49-F238E27FC236}">
-                <a16:creationId xmlns:a16="http://schemas.microsoft.com/office/drawing/2014/main" id="{E5B1D9D3-7AA3-3648-92AF-435686827C95}"/>
+                <a16:creationId xmlns:a16="http://schemas.microsoft.com/office/drawing/2014/main" id="{16C93D4B-6266-1249-95A7-05858A766292}"/>
               </a:ext>
             </a:extLst>
           </p:cNvPr>
@@ -1769,7 +1362,7 @@
           <p:cNvPr id="3" name="縦書きテキスト プレースホルダー 2">
             <a:extLst>
               <a:ext uri="{FF2B5EF4-FFF2-40B4-BE49-F238E27FC236}">
-                <a16:creationId xmlns:a16="http://schemas.microsoft.com/office/drawing/2014/main" id="{59196EE4-893E-AC45-B05A-7EF58AC456CA}"/>
+                <a16:creationId xmlns:a16="http://schemas.microsoft.com/office/drawing/2014/main" id="{E819D74C-1468-2E4F-8688-A51CE7D2D65E}"/>
               </a:ext>
             </a:extLst>
           </p:cNvPr>
@@ -1858,7 +1451,7 @@
           <p:cNvPr id="4" name="日付プレースホルダー 3">
             <a:extLst>
               <a:ext uri="{FF2B5EF4-FFF2-40B4-BE49-F238E27FC236}">
-                <a16:creationId xmlns:a16="http://schemas.microsoft.com/office/drawing/2014/main" id="{35A6F7DB-7D41-AD4B-BB59-FC4D762BCFE7}"/>
+                <a16:creationId xmlns:a16="http://schemas.microsoft.com/office/drawing/2014/main" id="{271C5012-F549-EC42-8683-9C88F2AC7C74}"/>
               </a:ext>
             </a:extLst>
           </p:cNvPr>
@@ -1874,9 +1467,9 @@
           <a:bodyPr/>
           <a:lstStyle/>
           <a:p>
-            <a:fld id="{B9148E87-D767-4243-9E31-2E6D394C8567}" type="datetimeFigureOut">
+            <a:fld id="{E4245ECD-3E8A-534F-BCF2-3F40B55B6962}" type="datetimeFigureOut">
               <a:rPr kumimoji="1" lang="ja-JP" altLang="en-US" smtClean="0"/>
-              <a:t>2022/9/21</a:t>
+              <a:t>2022/11/1</a:t>
             </a:fld>
             <a:endParaRPr kumimoji="1" lang="ja-JP" altLang="en-US"/>
           </a:p>
@@ -1887,7 +1480,7 @@
           <p:cNvPr id="5" name="フッター プレースホルダー 4">
             <a:extLst>
               <a:ext uri="{FF2B5EF4-FFF2-40B4-BE49-F238E27FC236}">
-                <a16:creationId xmlns:a16="http://schemas.microsoft.com/office/drawing/2014/main" id="{07A0225D-A281-1E42-A2F6-35265889706C}"/>
+                <a16:creationId xmlns:a16="http://schemas.microsoft.com/office/drawing/2014/main" id="{FFBEF3E3-9AA2-C84E-BC10-723B6A2359AE}"/>
               </a:ext>
             </a:extLst>
           </p:cNvPr>
@@ -1912,7 +1505,7 @@
           <p:cNvPr id="6" name="スライド番号プレースホルダー 5">
             <a:extLst>
               <a:ext uri="{FF2B5EF4-FFF2-40B4-BE49-F238E27FC236}">
-                <a16:creationId xmlns:a16="http://schemas.microsoft.com/office/drawing/2014/main" id="{25AC29A7-F6E0-AF47-9416-70E595DFD110}"/>
+                <a16:creationId xmlns:a16="http://schemas.microsoft.com/office/drawing/2014/main" id="{6C6C7E2E-64A3-264E-A583-2D13163CB576}"/>
               </a:ext>
             </a:extLst>
           </p:cNvPr>
@@ -1928,7 +1521,7 @@
           <a:bodyPr/>
           <a:lstStyle/>
           <a:p>
-            <a:fld id="{36B086C5-84CE-0244-A96A-F90743B3D0F1}" type="slidenum">
+            <a:fld id="{342D3D8F-692A-914F-83FC-E3B1BE524720}" type="slidenum">
               <a:rPr kumimoji="1" lang="ja-JP" altLang="en-US" smtClean="0"/>
               <a:t>‹#›</a:t>
             </a:fld>
@@ -1939,7 +1532,7 @@
     </p:spTree>
     <p:extLst>
       <p:ext uri="{BB962C8B-B14F-4D97-AF65-F5344CB8AC3E}">
-        <p14:creationId xmlns:p14="http://schemas.microsoft.com/office/powerpoint/2010/main" val="321736289"/>
+        <p14:creationId xmlns:p14="http://schemas.microsoft.com/office/powerpoint/2010/main" val="2645570358"/>
       </p:ext>
     </p:extLst>
   </p:cSld>
@@ -1971,7 +1564,7 @@
           <p:cNvPr id="2" name="縦書きタイトル 1">
             <a:extLst>
               <a:ext uri="{FF2B5EF4-FFF2-40B4-BE49-F238E27FC236}">
-                <a16:creationId xmlns:a16="http://schemas.microsoft.com/office/drawing/2014/main" id="{04909E83-6322-224A-AA0A-298EA897BF1C}"/>
+                <a16:creationId xmlns:a16="http://schemas.microsoft.com/office/drawing/2014/main" id="{1AB3C7BC-D1E5-844C-A9C2-107281652321}"/>
               </a:ext>
             </a:extLst>
           </p:cNvPr>
@@ -2004,7 +1597,7 @@
           <p:cNvPr id="3" name="縦書きテキスト プレースホルダー 2">
             <a:extLst>
               <a:ext uri="{FF2B5EF4-FFF2-40B4-BE49-F238E27FC236}">
-                <a16:creationId xmlns:a16="http://schemas.microsoft.com/office/drawing/2014/main" id="{5D03CC5D-460C-7C44-A471-5599B89B5682}"/>
+                <a16:creationId xmlns:a16="http://schemas.microsoft.com/office/drawing/2014/main" id="{0C3835B9-BCC4-444F-9ADF-E1742212852D}"/>
               </a:ext>
             </a:extLst>
           </p:cNvPr>
@@ -2098,7 +1691,7 @@
           <p:cNvPr id="4" name="日付プレースホルダー 3">
             <a:extLst>
               <a:ext uri="{FF2B5EF4-FFF2-40B4-BE49-F238E27FC236}">
-                <a16:creationId xmlns:a16="http://schemas.microsoft.com/office/drawing/2014/main" id="{A3212850-053D-1D4F-B04A-93557592912C}"/>
+                <a16:creationId xmlns:a16="http://schemas.microsoft.com/office/drawing/2014/main" id="{1BA58C7E-F694-7B41-9A98-A4D56F858A3E}"/>
               </a:ext>
             </a:extLst>
           </p:cNvPr>
@@ -2114,9 +1707,9 @@
           <a:bodyPr/>
           <a:lstStyle/>
           <a:p>
-            <a:fld id="{B9148E87-D767-4243-9E31-2E6D394C8567}" type="datetimeFigureOut">
+            <a:fld id="{E4245ECD-3E8A-534F-BCF2-3F40B55B6962}" type="datetimeFigureOut">
               <a:rPr kumimoji="1" lang="ja-JP" altLang="en-US" smtClean="0"/>
-              <a:t>2022/9/21</a:t>
+              <a:t>2022/11/1</a:t>
             </a:fld>
             <a:endParaRPr kumimoji="1" lang="ja-JP" altLang="en-US"/>
           </a:p>
@@ -2127,7 +1720,7 @@
           <p:cNvPr id="5" name="フッター プレースホルダー 4">
             <a:extLst>
               <a:ext uri="{FF2B5EF4-FFF2-40B4-BE49-F238E27FC236}">
-                <a16:creationId xmlns:a16="http://schemas.microsoft.com/office/drawing/2014/main" id="{9026818D-9F19-E341-BAA9-90F0C58E80D7}"/>
+                <a16:creationId xmlns:a16="http://schemas.microsoft.com/office/drawing/2014/main" id="{56664FCB-14C4-364F-92F8-E03542A2E6B5}"/>
               </a:ext>
             </a:extLst>
           </p:cNvPr>
@@ -2152,7 +1745,7 @@
           <p:cNvPr id="6" name="スライド番号プレースホルダー 5">
             <a:extLst>
               <a:ext uri="{FF2B5EF4-FFF2-40B4-BE49-F238E27FC236}">
-                <a16:creationId xmlns:a16="http://schemas.microsoft.com/office/drawing/2014/main" id="{11DB6550-B3AB-F54E-9F40-EC0ACA1C937C}"/>
+                <a16:creationId xmlns:a16="http://schemas.microsoft.com/office/drawing/2014/main" id="{787484C1-902E-994A-BAE9-0BA5297FF36C}"/>
               </a:ext>
             </a:extLst>
           </p:cNvPr>
@@ -2168,7 +1761,7 @@
           <a:bodyPr/>
           <a:lstStyle/>
           <a:p>
-            <a:fld id="{36B086C5-84CE-0244-A96A-F90743B3D0F1}" type="slidenum">
+            <a:fld id="{342D3D8F-692A-914F-83FC-E3B1BE524720}" type="slidenum">
               <a:rPr kumimoji="1" lang="ja-JP" altLang="en-US" smtClean="0"/>
               <a:t>‹#›</a:t>
             </a:fld>
@@ -2179,7 +1772,7 @@
     </p:spTree>
     <p:extLst>
       <p:ext uri="{BB962C8B-B14F-4D97-AF65-F5344CB8AC3E}">
-        <p14:creationId xmlns:p14="http://schemas.microsoft.com/office/powerpoint/2010/main" val="3235606318"/>
+        <p14:creationId xmlns:p14="http://schemas.microsoft.com/office/powerpoint/2010/main" val="2230204325"/>
       </p:ext>
     </p:extLst>
   </p:cSld>
@@ -2211,7 +1804,7 @@
           <p:cNvPr id="2" name="タイトル 1">
             <a:extLst>
               <a:ext uri="{FF2B5EF4-FFF2-40B4-BE49-F238E27FC236}">
-                <a16:creationId xmlns:a16="http://schemas.microsoft.com/office/drawing/2014/main" id="{75AFF7E5-63E6-4546-AF2F-527086ED27A7}"/>
+                <a16:creationId xmlns:a16="http://schemas.microsoft.com/office/drawing/2014/main" id="{6A4041FE-7B78-C440-9442-4432533204BB}"/>
               </a:ext>
             </a:extLst>
           </p:cNvPr>
@@ -2239,7 +1832,7 @@
           <p:cNvPr id="3" name="コンテンツ プレースホルダー 2">
             <a:extLst>
               <a:ext uri="{FF2B5EF4-FFF2-40B4-BE49-F238E27FC236}">
-                <a16:creationId xmlns:a16="http://schemas.microsoft.com/office/drawing/2014/main" id="{2BDA3852-FA79-F04E-80D6-9A540635BB3C}"/>
+                <a16:creationId xmlns:a16="http://schemas.microsoft.com/office/drawing/2014/main" id="{BDE6CF2B-06DF-0846-9F64-C503959682FD}"/>
               </a:ext>
             </a:extLst>
           </p:cNvPr>
@@ -2328,7 +1921,7 @@
           <p:cNvPr id="4" name="日付プレースホルダー 3">
             <a:extLst>
               <a:ext uri="{FF2B5EF4-FFF2-40B4-BE49-F238E27FC236}">
-                <a16:creationId xmlns:a16="http://schemas.microsoft.com/office/drawing/2014/main" id="{3B97954A-AE74-2D40-A59B-00071230B5D0}"/>
+                <a16:creationId xmlns:a16="http://schemas.microsoft.com/office/drawing/2014/main" id="{BAFFF86D-F78A-4F4C-A7B0-EA1C3139466A}"/>
               </a:ext>
             </a:extLst>
           </p:cNvPr>
@@ -2344,9 +1937,9 @@
           <a:bodyPr/>
           <a:lstStyle/>
           <a:p>
-            <a:fld id="{B9148E87-D767-4243-9E31-2E6D394C8567}" type="datetimeFigureOut">
+            <a:fld id="{E4245ECD-3E8A-534F-BCF2-3F40B55B6962}" type="datetimeFigureOut">
               <a:rPr kumimoji="1" lang="ja-JP" altLang="en-US" smtClean="0"/>
-              <a:t>2022/9/21</a:t>
+              <a:t>2022/11/1</a:t>
             </a:fld>
             <a:endParaRPr kumimoji="1" lang="ja-JP" altLang="en-US"/>
           </a:p>
@@ -2357,7 +1950,7 @@
           <p:cNvPr id="5" name="フッター プレースホルダー 4">
             <a:extLst>
               <a:ext uri="{FF2B5EF4-FFF2-40B4-BE49-F238E27FC236}">
-                <a16:creationId xmlns:a16="http://schemas.microsoft.com/office/drawing/2014/main" id="{CA7699EB-50D8-0046-92A4-E6D0244757B1}"/>
+                <a16:creationId xmlns:a16="http://schemas.microsoft.com/office/drawing/2014/main" id="{5A1C01F2-3B00-2741-A881-1A2D47DB70ED}"/>
               </a:ext>
             </a:extLst>
           </p:cNvPr>
@@ -2382,7 +1975,7 @@
           <p:cNvPr id="6" name="スライド番号プレースホルダー 5">
             <a:extLst>
               <a:ext uri="{FF2B5EF4-FFF2-40B4-BE49-F238E27FC236}">
-                <a16:creationId xmlns:a16="http://schemas.microsoft.com/office/drawing/2014/main" id="{9FF8AC6E-EAF8-0F43-BD1B-31F9F75C0ED5}"/>
+                <a16:creationId xmlns:a16="http://schemas.microsoft.com/office/drawing/2014/main" id="{C3B5E374-E9D1-D841-BB6E-789D7A8685FD}"/>
               </a:ext>
             </a:extLst>
           </p:cNvPr>
@@ -2398,7 +1991,7 @@
           <a:bodyPr/>
           <a:lstStyle/>
           <a:p>
-            <a:fld id="{36B086C5-84CE-0244-A96A-F90743B3D0F1}" type="slidenum">
+            <a:fld id="{342D3D8F-692A-914F-83FC-E3B1BE524720}" type="slidenum">
               <a:rPr kumimoji="1" lang="ja-JP" altLang="en-US" smtClean="0"/>
               <a:t>‹#›</a:t>
             </a:fld>
@@ -2409,7 +2002,7 @@
     </p:spTree>
     <p:extLst>
       <p:ext uri="{BB962C8B-B14F-4D97-AF65-F5344CB8AC3E}">
-        <p14:creationId xmlns:p14="http://schemas.microsoft.com/office/powerpoint/2010/main" val="1151750811"/>
+        <p14:creationId xmlns:p14="http://schemas.microsoft.com/office/powerpoint/2010/main" val="3778392142"/>
       </p:ext>
     </p:extLst>
   </p:cSld>
@@ -2441,7 +2034,7 @@
           <p:cNvPr id="2" name="タイトル 1">
             <a:extLst>
               <a:ext uri="{FF2B5EF4-FFF2-40B4-BE49-F238E27FC236}">
-                <a16:creationId xmlns:a16="http://schemas.microsoft.com/office/drawing/2014/main" id="{A5938E7E-9713-C749-9714-15A5F44F6084}"/>
+                <a16:creationId xmlns:a16="http://schemas.microsoft.com/office/drawing/2014/main" id="{4953725E-9755-704C-BE46-3970AE9BBEB9}"/>
               </a:ext>
             </a:extLst>
           </p:cNvPr>
@@ -2478,7 +2071,7 @@
           <p:cNvPr id="3" name="テキスト プレースホルダー 2">
             <a:extLst>
               <a:ext uri="{FF2B5EF4-FFF2-40B4-BE49-F238E27FC236}">
-                <a16:creationId xmlns:a16="http://schemas.microsoft.com/office/drawing/2014/main" id="{7013DD3A-05D0-E84C-BA50-19A92F8CAAEB}"/>
+                <a16:creationId xmlns:a16="http://schemas.microsoft.com/office/drawing/2014/main" id="{765DAA1E-1066-6C4E-9464-D23A79FA6CC6}"/>
               </a:ext>
             </a:extLst>
           </p:cNvPr>
@@ -2603,7 +2196,7 @@
           <p:cNvPr id="4" name="日付プレースホルダー 3">
             <a:extLst>
               <a:ext uri="{FF2B5EF4-FFF2-40B4-BE49-F238E27FC236}">
-                <a16:creationId xmlns:a16="http://schemas.microsoft.com/office/drawing/2014/main" id="{0683BE19-718F-914E-8ADC-878801C2FE79}"/>
+                <a16:creationId xmlns:a16="http://schemas.microsoft.com/office/drawing/2014/main" id="{6A715784-F31E-C040-9C31-18BC50E777A8}"/>
               </a:ext>
             </a:extLst>
           </p:cNvPr>
@@ -2619,9 +2212,9 @@
           <a:bodyPr/>
           <a:lstStyle/>
           <a:p>
-            <a:fld id="{B9148E87-D767-4243-9E31-2E6D394C8567}" type="datetimeFigureOut">
+            <a:fld id="{E4245ECD-3E8A-534F-BCF2-3F40B55B6962}" type="datetimeFigureOut">
               <a:rPr kumimoji="1" lang="ja-JP" altLang="en-US" smtClean="0"/>
-              <a:t>2022/9/21</a:t>
+              <a:t>2022/11/1</a:t>
             </a:fld>
             <a:endParaRPr kumimoji="1" lang="ja-JP" altLang="en-US"/>
           </a:p>
@@ -2632,7 +2225,7 @@
           <p:cNvPr id="5" name="フッター プレースホルダー 4">
             <a:extLst>
               <a:ext uri="{FF2B5EF4-FFF2-40B4-BE49-F238E27FC236}">
-                <a16:creationId xmlns:a16="http://schemas.microsoft.com/office/drawing/2014/main" id="{1C13BCDA-F675-EF4A-B9AE-F7B1545584F1}"/>
+                <a16:creationId xmlns:a16="http://schemas.microsoft.com/office/drawing/2014/main" id="{1A7BBFF5-93FE-0A41-9D57-4442CB6EF42D}"/>
               </a:ext>
             </a:extLst>
           </p:cNvPr>
@@ -2657,7 +2250,7 @@
           <p:cNvPr id="6" name="スライド番号プレースホルダー 5">
             <a:extLst>
               <a:ext uri="{FF2B5EF4-FFF2-40B4-BE49-F238E27FC236}">
-                <a16:creationId xmlns:a16="http://schemas.microsoft.com/office/drawing/2014/main" id="{535D0051-82D3-2D49-AB7F-2CBD62324478}"/>
+                <a16:creationId xmlns:a16="http://schemas.microsoft.com/office/drawing/2014/main" id="{997CDF4D-1CEF-334D-9B32-2C9577EEFFE4}"/>
               </a:ext>
             </a:extLst>
           </p:cNvPr>
@@ -2673,7 +2266,7 @@
           <a:bodyPr/>
           <a:lstStyle/>
           <a:p>
-            <a:fld id="{36B086C5-84CE-0244-A96A-F90743B3D0F1}" type="slidenum">
+            <a:fld id="{342D3D8F-692A-914F-83FC-E3B1BE524720}" type="slidenum">
               <a:rPr kumimoji="1" lang="ja-JP" altLang="en-US" smtClean="0"/>
               <a:t>‹#›</a:t>
             </a:fld>
@@ -2684,7 +2277,7 @@
     </p:spTree>
     <p:extLst>
       <p:ext uri="{BB962C8B-B14F-4D97-AF65-F5344CB8AC3E}">
-        <p14:creationId xmlns:p14="http://schemas.microsoft.com/office/powerpoint/2010/main" val="3387832546"/>
+        <p14:creationId xmlns:p14="http://schemas.microsoft.com/office/powerpoint/2010/main" val="2610203343"/>
       </p:ext>
     </p:extLst>
   </p:cSld>
@@ -2716,7 +2309,7 @@
           <p:cNvPr id="2" name="タイトル 1">
             <a:extLst>
               <a:ext uri="{FF2B5EF4-FFF2-40B4-BE49-F238E27FC236}">
-                <a16:creationId xmlns:a16="http://schemas.microsoft.com/office/drawing/2014/main" id="{29853B08-C71E-D04E-A593-9FCB568FF616}"/>
+                <a16:creationId xmlns:a16="http://schemas.microsoft.com/office/drawing/2014/main" id="{5B843B5C-AD1F-EF49-B104-BD610DF7E73D}"/>
               </a:ext>
             </a:extLst>
           </p:cNvPr>
@@ -2744,7 +2337,7 @@
           <p:cNvPr id="3" name="コンテンツ プレースホルダー 2">
             <a:extLst>
               <a:ext uri="{FF2B5EF4-FFF2-40B4-BE49-F238E27FC236}">
-                <a16:creationId xmlns:a16="http://schemas.microsoft.com/office/drawing/2014/main" id="{09C36F3C-62E9-C04A-A6F4-2EAC88BE4F61}"/>
+                <a16:creationId xmlns:a16="http://schemas.microsoft.com/office/drawing/2014/main" id="{33D723F5-B1E8-E843-9655-2652C6EF105A}"/>
               </a:ext>
             </a:extLst>
           </p:cNvPr>
@@ -2838,7 +2431,7 @@
           <p:cNvPr id="4" name="コンテンツ プレースホルダー 3">
             <a:extLst>
               <a:ext uri="{FF2B5EF4-FFF2-40B4-BE49-F238E27FC236}">
-                <a16:creationId xmlns:a16="http://schemas.microsoft.com/office/drawing/2014/main" id="{4E8C24BC-EF5F-6540-9B8D-21C73C53DEC6}"/>
+                <a16:creationId xmlns:a16="http://schemas.microsoft.com/office/drawing/2014/main" id="{1DBA1D5A-C531-2C41-81EB-10C6B7F04C4E}"/>
               </a:ext>
             </a:extLst>
           </p:cNvPr>
@@ -2932,7 +2525,7 @@
           <p:cNvPr id="5" name="日付プレースホルダー 4">
             <a:extLst>
               <a:ext uri="{FF2B5EF4-FFF2-40B4-BE49-F238E27FC236}">
-                <a16:creationId xmlns:a16="http://schemas.microsoft.com/office/drawing/2014/main" id="{47C9A0FE-8747-904B-BECD-602D283ABA9F}"/>
+                <a16:creationId xmlns:a16="http://schemas.microsoft.com/office/drawing/2014/main" id="{14125230-689E-2C49-A936-99AA8323183D}"/>
               </a:ext>
             </a:extLst>
           </p:cNvPr>
@@ -2948,9 +2541,9 @@
           <a:bodyPr/>
           <a:lstStyle/>
           <a:p>
-            <a:fld id="{B9148E87-D767-4243-9E31-2E6D394C8567}" type="datetimeFigureOut">
+            <a:fld id="{E4245ECD-3E8A-534F-BCF2-3F40B55B6962}" type="datetimeFigureOut">
               <a:rPr kumimoji="1" lang="ja-JP" altLang="en-US" smtClean="0"/>
-              <a:t>2022/9/21</a:t>
+              <a:t>2022/11/1</a:t>
             </a:fld>
             <a:endParaRPr kumimoji="1" lang="ja-JP" altLang="en-US"/>
           </a:p>
@@ -2961,7 +2554,7 @@
           <p:cNvPr id="6" name="フッター プレースホルダー 5">
             <a:extLst>
               <a:ext uri="{FF2B5EF4-FFF2-40B4-BE49-F238E27FC236}">
-                <a16:creationId xmlns:a16="http://schemas.microsoft.com/office/drawing/2014/main" id="{6F094974-AA72-D745-88FF-B6AFB39406B7}"/>
+                <a16:creationId xmlns:a16="http://schemas.microsoft.com/office/drawing/2014/main" id="{111BDBE1-642A-C845-A532-F4A5608ED8ED}"/>
               </a:ext>
             </a:extLst>
           </p:cNvPr>
@@ -2986,7 +2579,7 @@
           <p:cNvPr id="7" name="スライド番号プレースホルダー 6">
             <a:extLst>
               <a:ext uri="{FF2B5EF4-FFF2-40B4-BE49-F238E27FC236}">
-                <a16:creationId xmlns:a16="http://schemas.microsoft.com/office/drawing/2014/main" id="{1352C103-7D96-1A4E-A6FA-1435E7359C1D}"/>
+                <a16:creationId xmlns:a16="http://schemas.microsoft.com/office/drawing/2014/main" id="{B0A4556F-8521-594B-9D16-38C118588021}"/>
               </a:ext>
             </a:extLst>
           </p:cNvPr>
@@ -3002,7 +2595,7 @@
           <a:bodyPr/>
           <a:lstStyle/>
           <a:p>
-            <a:fld id="{36B086C5-84CE-0244-A96A-F90743B3D0F1}" type="slidenum">
+            <a:fld id="{342D3D8F-692A-914F-83FC-E3B1BE524720}" type="slidenum">
               <a:rPr kumimoji="1" lang="ja-JP" altLang="en-US" smtClean="0"/>
               <a:t>‹#›</a:t>
             </a:fld>
@@ -3013,7 +2606,7 @@
     </p:spTree>
     <p:extLst>
       <p:ext uri="{BB962C8B-B14F-4D97-AF65-F5344CB8AC3E}">
-        <p14:creationId xmlns:p14="http://schemas.microsoft.com/office/powerpoint/2010/main" val="3836335372"/>
+        <p14:creationId xmlns:p14="http://schemas.microsoft.com/office/powerpoint/2010/main" val="1136092828"/>
       </p:ext>
     </p:extLst>
   </p:cSld>
@@ -3045,7 +2638,7 @@
           <p:cNvPr id="2" name="タイトル 1">
             <a:extLst>
               <a:ext uri="{FF2B5EF4-FFF2-40B4-BE49-F238E27FC236}">
-                <a16:creationId xmlns:a16="http://schemas.microsoft.com/office/drawing/2014/main" id="{E665F257-8849-894B-BE3D-BCAFB287DA5A}"/>
+                <a16:creationId xmlns:a16="http://schemas.microsoft.com/office/drawing/2014/main" id="{927B3D9A-5E8B-EB4A-943F-D83F71C688DC}"/>
               </a:ext>
             </a:extLst>
           </p:cNvPr>
@@ -3078,7 +2671,7 @@
           <p:cNvPr id="3" name="テキスト プレースホルダー 2">
             <a:extLst>
               <a:ext uri="{FF2B5EF4-FFF2-40B4-BE49-F238E27FC236}">
-                <a16:creationId xmlns:a16="http://schemas.microsoft.com/office/drawing/2014/main" id="{298A2560-0BE0-D546-BCE1-23F50D45A590}"/>
+                <a16:creationId xmlns:a16="http://schemas.microsoft.com/office/drawing/2014/main" id="{7C63FFBC-6D1A-9D41-AC7F-37544C5EF569}"/>
               </a:ext>
             </a:extLst>
           </p:cNvPr>
@@ -3149,7 +2742,7 @@
           <p:cNvPr id="4" name="コンテンツ プレースホルダー 3">
             <a:extLst>
               <a:ext uri="{FF2B5EF4-FFF2-40B4-BE49-F238E27FC236}">
-                <a16:creationId xmlns:a16="http://schemas.microsoft.com/office/drawing/2014/main" id="{4313A094-6F0A-B041-A3BE-0F05A4E8D02B}"/>
+                <a16:creationId xmlns:a16="http://schemas.microsoft.com/office/drawing/2014/main" id="{AD6AC0EB-7960-C941-8AC9-E53FA4FF90FD}"/>
               </a:ext>
             </a:extLst>
           </p:cNvPr>
@@ -3243,7 +2836,7 @@
           <p:cNvPr id="5" name="テキスト プレースホルダー 4">
             <a:extLst>
               <a:ext uri="{FF2B5EF4-FFF2-40B4-BE49-F238E27FC236}">
-                <a16:creationId xmlns:a16="http://schemas.microsoft.com/office/drawing/2014/main" id="{4605ABF5-3F0D-0C4D-B9BF-B98E40964C32}"/>
+                <a16:creationId xmlns:a16="http://schemas.microsoft.com/office/drawing/2014/main" id="{780AF87D-77D2-0C4D-89D9-4DA72E6AFFAA}"/>
               </a:ext>
             </a:extLst>
           </p:cNvPr>
@@ -3314,7 +2907,7 @@
           <p:cNvPr id="6" name="コンテンツ プレースホルダー 5">
             <a:extLst>
               <a:ext uri="{FF2B5EF4-FFF2-40B4-BE49-F238E27FC236}">
-                <a16:creationId xmlns:a16="http://schemas.microsoft.com/office/drawing/2014/main" id="{AA007EC5-B792-E54B-A902-E74DC3BB2FEC}"/>
+                <a16:creationId xmlns:a16="http://schemas.microsoft.com/office/drawing/2014/main" id="{13F26D6E-FFA0-FB49-9996-F83B079B4D35}"/>
               </a:ext>
             </a:extLst>
           </p:cNvPr>
@@ -3408,7 +3001,7 @@
           <p:cNvPr id="7" name="日付プレースホルダー 6">
             <a:extLst>
               <a:ext uri="{FF2B5EF4-FFF2-40B4-BE49-F238E27FC236}">
-                <a16:creationId xmlns:a16="http://schemas.microsoft.com/office/drawing/2014/main" id="{6C5EB45B-5689-1D44-BC76-BA1118E1132F}"/>
+                <a16:creationId xmlns:a16="http://schemas.microsoft.com/office/drawing/2014/main" id="{EB5A0841-F460-2F4E-A9C8-8CC6A2B19C4A}"/>
               </a:ext>
             </a:extLst>
           </p:cNvPr>
@@ -3424,9 +3017,9 @@
           <a:bodyPr/>
           <a:lstStyle/>
           <a:p>
-            <a:fld id="{B9148E87-D767-4243-9E31-2E6D394C8567}" type="datetimeFigureOut">
+            <a:fld id="{E4245ECD-3E8A-534F-BCF2-3F40B55B6962}" type="datetimeFigureOut">
               <a:rPr kumimoji="1" lang="ja-JP" altLang="en-US" smtClean="0"/>
-              <a:t>2022/9/21</a:t>
+              <a:t>2022/11/1</a:t>
             </a:fld>
             <a:endParaRPr kumimoji="1" lang="ja-JP" altLang="en-US"/>
           </a:p>
@@ -3437,7 +3030,7 @@
           <p:cNvPr id="8" name="フッター プレースホルダー 7">
             <a:extLst>
               <a:ext uri="{FF2B5EF4-FFF2-40B4-BE49-F238E27FC236}">
-                <a16:creationId xmlns:a16="http://schemas.microsoft.com/office/drawing/2014/main" id="{C178B7BF-6EC1-204A-9010-DDBDCBFACCBA}"/>
+                <a16:creationId xmlns:a16="http://schemas.microsoft.com/office/drawing/2014/main" id="{F287484E-EEC2-AA4E-928F-DF3E9E121375}"/>
               </a:ext>
             </a:extLst>
           </p:cNvPr>
@@ -3462,7 +3055,7 @@
           <p:cNvPr id="9" name="スライド番号プレースホルダー 8">
             <a:extLst>
               <a:ext uri="{FF2B5EF4-FFF2-40B4-BE49-F238E27FC236}">
-                <a16:creationId xmlns:a16="http://schemas.microsoft.com/office/drawing/2014/main" id="{F95F73A0-A4C6-8D4D-8F2E-D615F0CB5126}"/>
+                <a16:creationId xmlns:a16="http://schemas.microsoft.com/office/drawing/2014/main" id="{EC670D4D-7ADA-9449-9E19-8FDEF7F5DBB2}"/>
               </a:ext>
             </a:extLst>
           </p:cNvPr>
@@ -3478,7 +3071,7 @@
           <a:bodyPr/>
           <a:lstStyle/>
           <a:p>
-            <a:fld id="{36B086C5-84CE-0244-A96A-F90743B3D0F1}" type="slidenum">
+            <a:fld id="{342D3D8F-692A-914F-83FC-E3B1BE524720}" type="slidenum">
               <a:rPr kumimoji="1" lang="ja-JP" altLang="en-US" smtClean="0"/>
               <a:t>‹#›</a:t>
             </a:fld>
@@ -3489,7 +3082,7 @@
     </p:spTree>
     <p:extLst>
       <p:ext uri="{BB962C8B-B14F-4D97-AF65-F5344CB8AC3E}">
-        <p14:creationId xmlns:p14="http://schemas.microsoft.com/office/powerpoint/2010/main" val="4206671698"/>
+        <p14:creationId xmlns:p14="http://schemas.microsoft.com/office/powerpoint/2010/main" val="223201374"/>
       </p:ext>
     </p:extLst>
   </p:cSld>
@@ -3521,7 +3114,7 @@
           <p:cNvPr id="2" name="タイトル 1">
             <a:extLst>
               <a:ext uri="{FF2B5EF4-FFF2-40B4-BE49-F238E27FC236}">
-                <a16:creationId xmlns:a16="http://schemas.microsoft.com/office/drawing/2014/main" id="{C39B96E6-6B53-0946-9353-EB642EE77A2A}"/>
+                <a16:creationId xmlns:a16="http://schemas.microsoft.com/office/drawing/2014/main" id="{32B4CAB1-C532-9849-9147-91D31E286514}"/>
               </a:ext>
             </a:extLst>
           </p:cNvPr>
@@ -3549,7 +3142,7 @@
           <p:cNvPr id="3" name="日付プレースホルダー 2">
             <a:extLst>
               <a:ext uri="{FF2B5EF4-FFF2-40B4-BE49-F238E27FC236}">
-                <a16:creationId xmlns:a16="http://schemas.microsoft.com/office/drawing/2014/main" id="{990F77F1-945C-F54A-8B85-A398DECD59F4}"/>
+                <a16:creationId xmlns:a16="http://schemas.microsoft.com/office/drawing/2014/main" id="{1E96DAFC-A822-BE41-99C5-B782EE5F1133}"/>
               </a:ext>
             </a:extLst>
           </p:cNvPr>
@@ -3565,9 +3158,9 @@
           <a:bodyPr/>
           <a:lstStyle/>
           <a:p>
-            <a:fld id="{B9148E87-D767-4243-9E31-2E6D394C8567}" type="datetimeFigureOut">
+            <a:fld id="{E4245ECD-3E8A-534F-BCF2-3F40B55B6962}" type="datetimeFigureOut">
               <a:rPr kumimoji="1" lang="ja-JP" altLang="en-US" smtClean="0"/>
-              <a:t>2022/9/21</a:t>
+              <a:t>2022/11/1</a:t>
             </a:fld>
             <a:endParaRPr kumimoji="1" lang="ja-JP" altLang="en-US"/>
           </a:p>
@@ -3578,7 +3171,7 @@
           <p:cNvPr id="4" name="フッター プレースホルダー 3">
             <a:extLst>
               <a:ext uri="{FF2B5EF4-FFF2-40B4-BE49-F238E27FC236}">
-                <a16:creationId xmlns:a16="http://schemas.microsoft.com/office/drawing/2014/main" id="{EB8576F0-8B31-D94B-8AC2-1EC48C265BC6}"/>
+                <a16:creationId xmlns:a16="http://schemas.microsoft.com/office/drawing/2014/main" id="{40AB5EBF-881D-B44B-9F4F-324D10880FDE}"/>
               </a:ext>
             </a:extLst>
           </p:cNvPr>
@@ -3603,7 +3196,7 @@
           <p:cNvPr id="5" name="スライド番号プレースホルダー 4">
             <a:extLst>
               <a:ext uri="{FF2B5EF4-FFF2-40B4-BE49-F238E27FC236}">
-                <a16:creationId xmlns:a16="http://schemas.microsoft.com/office/drawing/2014/main" id="{A5CB5FE8-EA7B-974C-A0CD-19597E5A458C}"/>
+                <a16:creationId xmlns:a16="http://schemas.microsoft.com/office/drawing/2014/main" id="{0C5A455D-B80F-AA40-BCE0-78CA543EF946}"/>
               </a:ext>
             </a:extLst>
           </p:cNvPr>
@@ -3619,7 +3212,7 @@
           <a:bodyPr/>
           <a:lstStyle/>
           <a:p>
-            <a:fld id="{36B086C5-84CE-0244-A96A-F90743B3D0F1}" type="slidenum">
+            <a:fld id="{342D3D8F-692A-914F-83FC-E3B1BE524720}" type="slidenum">
               <a:rPr kumimoji="1" lang="ja-JP" altLang="en-US" smtClean="0"/>
               <a:t>‹#›</a:t>
             </a:fld>
@@ -3630,7 +3223,7 @@
     </p:spTree>
     <p:extLst>
       <p:ext uri="{BB962C8B-B14F-4D97-AF65-F5344CB8AC3E}">
-        <p14:creationId xmlns:p14="http://schemas.microsoft.com/office/powerpoint/2010/main" val="107545736"/>
+        <p14:creationId xmlns:p14="http://schemas.microsoft.com/office/powerpoint/2010/main" val="590762494"/>
       </p:ext>
     </p:extLst>
   </p:cSld>
@@ -3662,7 +3255,7 @@
           <p:cNvPr id="2" name="日付プレースホルダー 1">
             <a:extLst>
               <a:ext uri="{FF2B5EF4-FFF2-40B4-BE49-F238E27FC236}">
-                <a16:creationId xmlns:a16="http://schemas.microsoft.com/office/drawing/2014/main" id="{07D45AD4-77D5-5948-8CC6-EF6DD4471A6B}"/>
+                <a16:creationId xmlns:a16="http://schemas.microsoft.com/office/drawing/2014/main" id="{9BE4E826-CC05-D843-AB33-9BB25F375C17}"/>
               </a:ext>
             </a:extLst>
           </p:cNvPr>
@@ -3678,9 +3271,9 @@
           <a:bodyPr/>
           <a:lstStyle/>
           <a:p>
-            <a:fld id="{B9148E87-D767-4243-9E31-2E6D394C8567}" type="datetimeFigureOut">
+            <a:fld id="{E4245ECD-3E8A-534F-BCF2-3F40B55B6962}" type="datetimeFigureOut">
               <a:rPr kumimoji="1" lang="ja-JP" altLang="en-US" smtClean="0"/>
-              <a:t>2022/9/21</a:t>
+              <a:t>2022/11/1</a:t>
             </a:fld>
             <a:endParaRPr kumimoji="1" lang="ja-JP" altLang="en-US"/>
           </a:p>
@@ -3691,7 +3284,7 @@
           <p:cNvPr id="3" name="フッター プレースホルダー 2">
             <a:extLst>
               <a:ext uri="{FF2B5EF4-FFF2-40B4-BE49-F238E27FC236}">
-                <a16:creationId xmlns:a16="http://schemas.microsoft.com/office/drawing/2014/main" id="{4DA23552-46A3-2B47-BB77-78AC9A101070}"/>
+                <a16:creationId xmlns:a16="http://schemas.microsoft.com/office/drawing/2014/main" id="{EC16B729-7705-A346-ACFE-C96DD05444E3}"/>
               </a:ext>
             </a:extLst>
           </p:cNvPr>
@@ -3716,7 +3309,7 @@
           <p:cNvPr id="4" name="スライド番号プレースホルダー 3">
             <a:extLst>
               <a:ext uri="{FF2B5EF4-FFF2-40B4-BE49-F238E27FC236}">
-                <a16:creationId xmlns:a16="http://schemas.microsoft.com/office/drawing/2014/main" id="{F5900DBB-B4A9-3145-A518-EC584CC9DFC8}"/>
+                <a16:creationId xmlns:a16="http://schemas.microsoft.com/office/drawing/2014/main" id="{AC99AAFE-BE1F-4044-803A-71EA1D8EAD56}"/>
               </a:ext>
             </a:extLst>
           </p:cNvPr>
@@ -3732,7 +3325,7 @@
           <a:bodyPr/>
           <a:lstStyle/>
           <a:p>
-            <a:fld id="{36B086C5-84CE-0244-A96A-F90743B3D0F1}" type="slidenum">
+            <a:fld id="{342D3D8F-692A-914F-83FC-E3B1BE524720}" type="slidenum">
               <a:rPr kumimoji="1" lang="ja-JP" altLang="en-US" smtClean="0"/>
               <a:t>‹#›</a:t>
             </a:fld>
@@ -3743,7 +3336,7 @@
     </p:spTree>
     <p:extLst>
       <p:ext uri="{BB962C8B-B14F-4D97-AF65-F5344CB8AC3E}">
-        <p14:creationId xmlns:p14="http://schemas.microsoft.com/office/powerpoint/2010/main" val="3716367635"/>
+        <p14:creationId xmlns:p14="http://schemas.microsoft.com/office/powerpoint/2010/main" val="2322383630"/>
       </p:ext>
     </p:extLst>
   </p:cSld>
@@ -3775,7 +3368,7 @@
           <p:cNvPr id="2" name="タイトル 1">
             <a:extLst>
               <a:ext uri="{FF2B5EF4-FFF2-40B4-BE49-F238E27FC236}">
-                <a16:creationId xmlns:a16="http://schemas.microsoft.com/office/drawing/2014/main" id="{E83E5157-0853-584B-81DF-FAB5C48C74EA}"/>
+                <a16:creationId xmlns:a16="http://schemas.microsoft.com/office/drawing/2014/main" id="{21F2D6ED-1F4F-4048-A3C2-7E4A9C029CEC}"/>
               </a:ext>
             </a:extLst>
           </p:cNvPr>
@@ -3812,7 +3405,7 @@
           <p:cNvPr id="3" name="コンテンツ プレースホルダー 2">
             <a:extLst>
               <a:ext uri="{FF2B5EF4-FFF2-40B4-BE49-F238E27FC236}">
-                <a16:creationId xmlns:a16="http://schemas.microsoft.com/office/drawing/2014/main" id="{D75ABEB1-8AE5-3443-8D02-20D6FEB816CE}"/>
+                <a16:creationId xmlns:a16="http://schemas.microsoft.com/office/drawing/2014/main" id="{2FA0BD7E-1620-DC46-BD4F-DBD9F48186DD}"/>
               </a:ext>
             </a:extLst>
           </p:cNvPr>
@@ -3934,7 +3527,7 @@
           <p:cNvPr id="4" name="テキスト プレースホルダー 3">
             <a:extLst>
               <a:ext uri="{FF2B5EF4-FFF2-40B4-BE49-F238E27FC236}">
-                <a16:creationId xmlns:a16="http://schemas.microsoft.com/office/drawing/2014/main" id="{B1760B79-410D-4143-99CC-07833631C98D}"/>
+                <a16:creationId xmlns:a16="http://schemas.microsoft.com/office/drawing/2014/main" id="{A2A9CF8A-E2B7-7A4D-AAA3-918186DAFD59}"/>
               </a:ext>
             </a:extLst>
           </p:cNvPr>
@@ -4005,7 +3598,7 @@
           <p:cNvPr id="5" name="日付プレースホルダー 4">
             <a:extLst>
               <a:ext uri="{FF2B5EF4-FFF2-40B4-BE49-F238E27FC236}">
-                <a16:creationId xmlns:a16="http://schemas.microsoft.com/office/drawing/2014/main" id="{68E7134B-14D9-1940-9C3A-D7CDBC47B517}"/>
+                <a16:creationId xmlns:a16="http://schemas.microsoft.com/office/drawing/2014/main" id="{D90EED2A-D5B5-9548-ABC2-596909B4408A}"/>
               </a:ext>
             </a:extLst>
           </p:cNvPr>
@@ -4021,9 +3614,9 @@
           <a:bodyPr/>
           <a:lstStyle/>
           <a:p>
-            <a:fld id="{B9148E87-D767-4243-9E31-2E6D394C8567}" type="datetimeFigureOut">
+            <a:fld id="{E4245ECD-3E8A-534F-BCF2-3F40B55B6962}" type="datetimeFigureOut">
               <a:rPr kumimoji="1" lang="ja-JP" altLang="en-US" smtClean="0"/>
-              <a:t>2022/9/21</a:t>
+              <a:t>2022/11/1</a:t>
             </a:fld>
             <a:endParaRPr kumimoji="1" lang="ja-JP" altLang="en-US"/>
           </a:p>
@@ -4034,7 +3627,7 @@
           <p:cNvPr id="6" name="フッター プレースホルダー 5">
             <a:extLst>
               <a:ext uri="{FF2B5EF4-FFF2-40B4-BE49-F238E27FC236}">
-                <a16:creationId xmlns:a16="http://schemas.microsoft.com/office/drawing/2014/main" id="{F57A9545-0B08-E64B-88EE-FFF2CDDA1D12}"/>
+                <a16:creationId xmlns:a16="http://schemas.microsoft.com/office/drawing/2014/main" id="{E0ABF483-F156-E143-A009-812D341DC765}"/>
               </a:ext>
             </a:extLst>
           </p:cNvPr>
@@ -4059,7 +3652,7 @@
           <p:cNvPr id="7" name="スライド番号プレースホルダー 6">
             <a:extLst>
               <a:ext uri="{FF2B5EF4-FFF2-40B4-BE49-F238E27FC236}">
-                <a16:creationId xmlns:a16="http://schemas.microsoft.com/office/drawing/2014/main" id="{1440FF87-299C-DB4D-B562-3F81EEB8CF47}"/>
+                <a16:creationId xmlns:a16="http://schemas.microsoft.com/office/drawing/2014/main" id="{33B998B4-69D7-9E43-8A6A-F298B8E2B821}"/>
               </a:ext>
             </a:extLst>
           </p:cNvPr>
@@ -4075,7 +3668,7 @@
           <a:bodyPr/>
           <a:lstStyle/>
           <a:p>
-            <a:fld id="{36B086C5-84CE-0244-A96A-F90743B3D0F1}" type="slidenum">
+            <a:fld id="{342D3D8F-692A-914F-83FC-E3B1BE524720}" type="slidenum">
               <a:rPr kumimoji="1" lang="ja-JP" altLang="en-US" smtClean="0"/>
               <a:t>‹#›</a:t>
             </a:fld>
@@ -4086,7 +3679,7 @@
     </p:spTree>
     <p:extLst>
       <p:ext uri="{BB962C8B-B14F-4D97-AF65-F5344CB8AC3E}">
-        <p14:creationId xmlns:p14="http://schemas.microsoft.com/office/powerpoint/2010/main" val="826403982"/>
+        <p14:creationId xmlns:p14="http://schemas.microsoft.com/office/powerpoint/2010/main" val="3091106615"/>
       </p:ext>
     </p:extLst>
   </p:cSld>
@@ -4118,7 +3711,7 @@
           <p:cNvPr id="2" name="タイトル 1">
             <a:extLst>
               <a:ext uri="{FF2B5EF4-FFF2-40B4-BE49-F238E27FC236}">
-                <a16:creationId xmlns:a16="http://schemas.microsoft.com/office/drawing/2014/main" id="{FADE9FB4-EA4B-FE43-AE7F-9E1B0694F116}"/>
+                <a16:creationId xmlns:a16="http://schemas.microsoft.com/office/drawing/2014/main" id="{EC0B1A56-A91F-E14F-8EAE-D80D63E13493}"/>
               </a:ext>
             </a:extLst>
           </p:cNvPr>
@@ -4155,7 +3748,7 @@
           <p:cNvPr id="3" name="図プレースホルダー 2">
             <a:extLst>
               <a:ext uri="{FF2B5EF4-FFF2-40B4-BE49-F238E27FC236}">
-                <a16:creationId xmlns:a16="http://schemas.microsoft.com/office/drawing/2014/main" id="{84D18FF0-1781-6F43-B8A3-9886A965F1C9}"/>
+                <a16:creationId xmlns:a16="http://schemas.microsoft.com/office/drawing/2014/main" id="{60B07B00-4F23-A140-8B18-077AE5D5389A}"/>
               </a:ext>
             </a:extLst>
           </p:cNvPr>
@@ -4222,7 +3815,7 @@
           <p:cNvPr id="4" name="テキスト プレースホルダー 3">
             <a:extLst>
               <a:ext uri="{FF2B5EF4-FFF2-40B4-BE49-F238E27FC236}">
-                <a16:creationId xmlns:a16="http://schemas.microsoft.com/office/drawing/2014/main" id="{4F5C5EC3-6D1C-534E-A247-5CEB08B4A12B}"/>
+                <a16:creationId xmlns:a16="http://schemas.microsoft.com/office/drawing/2014/main" id="{2EDC7F53-7896-A848-8C6E-6FA2EED799A3}"/>
               </a:ext>
             </a:extLst>
           </p:cNvPr>
@@ -4293,7 +3886,7 @@
           <p:cNvPr id="5" name="日付プレースホルダー 4">
             <a:extLst>
               <a:ext uri="{FF2B5EF4-FFF2-40B4-BE49-F238E27FC236}">
-                <a16:creationId xmlns:a16="http://schemas.microsoft.com/office/drawing/2014/main" id="{E467F832-6262-A94D-84FE-57151150BD93}"/>
+                <a16:creationId xmlns:a16="http://schemas.microsoft.com/office/drawing/2014/main" id="{A4282972-8B79-D547-BBBA-A360D596231A}"/>
               </a:ext>
             </a:extLst>
           </p:cNvPr>
@@ -4309,9 +3902,9 @@
           <a:bodyPr/>
           <a:lstStyle/>
           <a:p>
-            <a:fld id="{B9148E87-D767-4243-9E31-2E6D394C8567}" type="datetimeFigureOut">
+            <a:fld id="{E4245ECD-3E8A-534F-BCF2-3F40B55B6962}" type="datetimeFigureOut">
               <a:rPr kumimoji="1" lang="ja-JP" altLang="en-US" smtClean="0"/>
-              <a:t>2022/9/21</a:t>
+              <a:t>2022/11/1</a:t>
             </a:fld>
             <a:endParaRPr kumimoji="1" lang="ja-JP" altLang="en-US"/>
           </a:p>
@@ -4322,7 +3915,7 @@
           <p:cNvPr id="6" name="フッター プレースホルダー 5">
             <a:extLst>
               <a:ext uri="{FF2B5EF4-FFF2-40B4-BE49-F238E27FC236}">
-                <a16:creationId xmlns:a16="http://schemas.microsoft.com/office/drawing/2014/main" id="{F2F197B5-714F-2A4C-899E-07ADBBDD8FF1}"/>
+                <a16:creationId xmlns:a16="http://schemas.microsoft.com/office/drawing/2014/main" id="{B5AB3BF7-BA9F-5C4E-B091-0FAE194EDBCF}"/>
               </a:ext>
             </a:extLst>
           </p:cNvPr>
@@ -4347,7 +3940,7 @@
           <p:cNvPr id="7" name="スライド番号プレースホルダー 6">
             <a:extLst>
               <a:ext uri="{FF2B5EF4-FFF2-40B4-BE49-F238E27FC236}">
-                <a16:creationId xmlns:a16="http://schemas.microsoft.com/office/drawing/2014/main" id="{A3964AD2-D13A-734E-B8E1-CC589D3BAE0E}"/>
+                <a16:creationId xmlns:a16="http://schemas.microsoft.com/office/drawing/2014/main" id="{23C64F60-A906-9C4D-9834-F7025C97951F}"/>
               </a:ext>
             </a:extLst>
           </p:cNvPr>
@@ -4363,7 +3956,7 @@
           <a:bodyPr/>
           <a:lstStyle/>
           <a:p>
-            <a:fld id="{36B086C5-84CE-0244-A96A-F90743B3D0F1}" type="slidenum">
+            <a:fld id="{342D3D8F-692A-914F-83FC-E3B1BE524720}" type="slidenum">
               <a:rPr kumimoji="1" lang="ja-JP" altLang="en-US" smtClean="0"/>
               <a:t>‹#›</a:t>
             </a:fld>
@@ -4374,7 +3967,7 @@
     </p:spTree>
     <p:extLst>
       <p:ext uri="{BB962C8B-B14F-4D97-AF65-F5344CB8AC3E}">
-        <p14:creationId xmlns:p14="http://schemas.microsoft.com/office/powerpoint/2010/main" val="3873791372"/>
+        <p14:creationId xmlns:p14="http://schemas.microsoft.com/office/powerpoint/2010/main" val="2661005260"/>
       </p:ext>
     </p:extLst>
   </p:cSld>
@@ -4411,7 +4004,7 @@
           <p:cNvPr id="2" name="タイトル プレースホルダー 1">
             <a:extLst>
               <a:ext uri="{FF2B5EF4-FFF2-40B4-BE49-F238E27FC236}">
-                <a16:creationId xmlns:a16="http://schemas.microsoft.com/office/drawing/2014/main" id="{F6FF65A5-C934-1C49-BBB2-12C2AD94E1D4}"/>
+                <a16:creationId xmlns:a16="http://schemas.microsoft.com/office/drawing/2014/main" id="{B52294EA-0378-7643-817B-A47C1A238579}"/>
               </a:ext>
             </a:extLst>
           </p:cNvPr>
@@ -4449,7 +4042,7 @@
           <p:cNvPr id="3" name="テキスト プレースホルダー 2">
             <a:extLst>
               <a:ext uri="{FF2B5EF4-FFF2-40B4-BE49-F238E27FC236}">
-                <a16:creationId xmlns:a16="http://schemas.microsoft.com/office/drawing/2014/main" id="{50029562-A313-4540-9650-2AF5A4E770B2}"/>
+                <a16:creationId xmlns:a16="http://schemas.microsoft.com/office/drawing/2014/main" id="{C8F85951-3099-1F43-B21F-E6073F2A9C81}"/>
               </a:ext>
             </a:extLst>
           </p:cNvPr>
@@ -4548,7 +4141,7 @@
           <p:cNvPr id="4" name="日付プレースホルダー 3">
             <a:extLst>
               <a:ext uri="{FF2B5EF4-FFF2-40B4-BE49-F238E27FC236}">
-                <a16:creationId xmlns:a16="http://schemas.microsoft.com/office/drawing/2014/main" id="{2BEDF838-0DD6-D34F-B1F3-7FE95CF921CE}"/>
+                <a16:creationId xmlns:a16="http://schemas.microsoft.com/office/drawing/2014/main" id="{74DF4CDC-A61C-9F4F-AA07-410BC0139E0B}"/>
               </a:ext>
             </a:extLst>
           </p:cNvPr>
@@ -4582,9 +4175,9 @@
             </a:lvl1pPr>
           </a:lstStyle>
           <a:p>
-            <a:fld id="{B9148E87-D767-4243-9E31-2E6D394C8567}" type="datetimeFigureOut">
+            <a:fld id="{E4245ECD-3E8A-534F-BCF2-3F40B55B6962}" type="datetimeFigureOut">
               <a:rPr kumimoji="1" lang="ja-JP" altLang="en-US" smtClean="0"/>
-              <a:t>2022/9/21</a:t>
+              <a:t>2022/11/1</a:t>
             </a:fld>
             <a:endParaRPr kumimoji="1" lang="ja-JP" altLang="en-US"/>
           </a:p>
@@ -4595,7 +4188,7 @@
           <p:cNvPr id="5" name="フッター プレースホルダー 4">
             <a:extLst>
               <a:ext uri="{FF2B5EF4-FFF2-40B4-BE49-F238E27FC236}">
-                <a16:creationId xmlns:a16="http://schemas.microsoft.com/office/drawing/2014/main" id="{88F1AC2C-8D5F-414B-8509-D2184044A5EC}"/>
+                <a16:creationId xmlns:a16="http://schemas.microsoft.com/office/drawing/2014/main" id="{BE76919F-D0A5-5B45-99FA-91843F31598E}"/>
               </a:ext>
             </a:extLst>
           </p:cNvPr>
@@ -4638,7 +4231,7 @@
           <p:cNvPr id="6" name="スライド番号プレースホルダー 5">
             <a:extLst>
               <a:ext uri="{FF2B5EF4-FFF2-40B4-BE49-F238E27FC236}">
-                <a16:creationId xmlns:a16="http://schemas.microsoft.com/office/drawing/2014/main" id="{B627056E-572A-0542-8690-ED22B3B6AFFA}"/>
+                <a16:creationId xmlns:a16="http://schemas.microsoft.com/office/drawing/2014/main" id="{DA878336-173A-D844-8C2A-3DD6C31CD5F3}"/>
               </a:ext>
             </a:extLst>
           </p:cNvPr>
@@ -4672,7 +4265,7 @@
             </a:lvl1pPr>
           </a:lstStyle>
           <a:p>
-            <a:fld id="{36B086C5-84CE-0244-A96A-F90743B3D0F1}" type="slidenum">
+            <a:fld id="{342D3D8F-692A-914F-83FC-E3B1BE524720}" type="slidenum">
               <a:rPr kumimoji="1" lang="ja-JP" altLang="en-US" smtClean="0"/>
               <a:t>‹#›</a:t>
             </a:fld>
@@ -4683,7 +4276,7 @@
     </p:spTree>
     <p:extLst>
       <p:ext uri="{BB962C8B-B14F-4D97-AF65-F5344CB8AC3E}">
-        <p14:creationId xmlns:p14="http://schemas.microsoft.com/office/powerpoint/2010/main" val="2915191480"/>
+        <p14:creationId xmlns:p14="http://schemas.microsoft.com/office/powerpoint/2010/main" val="1580284855"/>
       </p:ext>
     </p:extLst>
   </p:cSld>
@@ -5028,7 +4621,15 @@
             </a:r>
             <a:r>
               <a:rPr kumimoji="1" lang="ja-JP" altLang="en-US"/>
-              <a:t>初心者講座第２７回</a:t>
+              <a:t>初心者講座第２</a:t>
+            </a:r>
+            <a:r>
+              <a:rPr lang="ja-JP" altLang="en-US"/>
+              <a:t>７</a:t>
+            </a:r>
+            <a:r>
+              <a:rPr kumimoji="1" lang="ja-JP" altLang="en-US"/>
+              <a:t>回</a:t>
             </a:r>
           </a:p>
         </p:txBody>
@@ -5055,9 +4656,10 @@
           <a:lstStyle/>
           <a:p>
             <a:r>
-              <a:rPr kumimoji="1" lang="ja-JP" altLang="en-US"/>
-              <a:t>正規性のチェック</a:t>
-            </a:r>
+              <a:rPr lang="ja-JP" altLang="en-US"/>
+              <a:t>残差逸脱度</a:t>
+            </a:r>
+            <a:endParaRPr kumimoji="1" lang="ja-JP" altLang="en-US"/>
           </a:p>
         </p:txBody>
       </p:sp>
@@ -5096,7 +4698,7 @@
           <p:cNvPr id="2" name="タイトル 1">
             <a:extLst>
               <a:ext uri="{FF2B5EF4-FFF2-40B4-BE49-F238E27FC236}">
-                <a16:creationId xmlns:a16="http://schemas.microsoft.com/office/drawing/2014/main" id="{862669DD-A863-AE4A-8726-D817A9EC35DD}"/>
+                <a16:creationId xmlns:a16="http://schemas.microsoft.com/office/drawing/2014/main" id="{623612D0-D76F-C74E-891A-707A6005D165}"/>
               </a:ext>
             </a:extLst>
           </p:cNvPr>
@@ -5113,33 +4715,10 @@
           <a:lstStyle/>
           <a:p>
             <a:r>
-              <a:rPr kumimoji="1" lang="en-US" altLang="ja-JP" dirty="0" err="1"/>
-              <a:t>lm</a:t>
-            </a:r>
-            <a:r>
-              <a:rPr kumimoji="1" lang="en-US" altLang="ja-JP" dirty="0"/>
-              <a:t>(</a:t>
-            </a:r>
-            <a:r>
-              <a:rPr kumimoji="1" lang="en-US" altLang="ja-JP" dirty="0" err="1"/>
-              <a:t>glm</a:t>
-            </a:r>
-            <a:r>
-              <a:rPr kumimoji="1" lang="en-US" altLang="ja-JP" dirty="0"/>
-              <a:t>)</a:t>
-            </a:r>
-            <a:r>
-              <a:rPr kumimoji="1" lang="ja-JP" altLang="en-US"/>
-              <a:t>結果オブジェクトを</a:t>
-            </a:r>
-            <a:r>
-              <a:rPr kumimoji="1" lang="en-US" altLang="ja-JP" dirty="0"/>
-              <a:t>plot</a:t>
-            </a:r>
-            <a:r>
-              <a:rPr kumimoji="1" lang="ja-JP" altLang="en-US"/>
-              <a:t>する</a:t>
-            </a:r>
+              <a:rPr lang="ja-JP" altLang="en-US"/>
+              <a:t>やってみよう！</a:t>
+            </a:r>
+            <a:endParaRPr lang="en-US" altLang="ja-JP" dirty="0"/>
           </a:p>
         </p:txBody>
       </p:sp>
@@ -5148,7 +4727,7 @@
           <p:cNvPr id="3" name="コンテンツ プレースホルダー 2">
             <a:extLst>
               <a:ext uri="{FF2B5EF4-FFF2-40B4-BE49-F238E27FC236}">
-                <a16:creationId xmlns:a16="http://schemas.microsoft.com/office/drawing/2014/main" id="{38995141-93AA-E14A-BC71-8290FD95D853}"/>
+                <a16:creationId xmlns:a16="http://schemas.microsoft.com/office/drawing/2014/main" id="{DB2B9403-9C69-B247-888D-FFFF16D2A69C}"/>
               </a:ext>
             </a:extLst>
           </p:cNvPr>
@@ -5160,217 +4739,6 @@
           </p:nvPr>
         </p:nvSpPr>
         <p:spPr/>
-        <p:txBody>
-          <a:bodyPr/>
-          <a:lstStyle/>
-          <a:p>
-            <a:r>
-              <a:rPr kumimoji="1" lang="en-US" altLang="ja-JP" dirty="0" err="1"/>
-              <a:t>lm</a:t>
-            </a:r>
-            <a:r>
-              <a:rPr kumimoji="1" lang="en-US" altLang="ja-JP" dirty="0"/>
-              <a:t>, </a:t>
-            </a:r>
-            <a:r>
-              <a:rPr kumimoji="1" lang="en-US" altLang="ja-JP" dirty="0" err="1"/>
-              <a:t>glm</a:t>
-            </a:r>
-            <a:r>
-              <a:rPr kumimoji="1" lang="ja-JP" altLang="en-US"/>
-              <a:t>のオブジェクトを</a:t>
-            </a:r>
-            <a:r>
-              <a:rPr kumimoji="1" lang="en-US" altLang="ja-JP" dirty="0"/>
-              <a:t>plot</a:t>
-            </a:r>
-            <a:r>
-              <a:rPr kumimoji="1" lang="ja-JP" altLang="en-US"/>
-              <a:t>関すの引数に入れると以下の診断結果を返す．</a:t>
-            </a:r>
-            <a:endParaRPr kumimoji="1" lang="en-US" altLang="ja-JP" dirty="0"/>
-          </a:p>
-          <a:p>
-            <a:pPr lvl="1"/>
-            <a:r>
-              <a:rPr lang="en-US" altLang="ja-JP" dirty="0"/>
-              <a:t>Residual vs Fitted</a:t>
-            </a:r>
-            <a:r>
-              <a:rPr lang="ja-JP" altLang="en-US"/>
-              <a:t>のプロット</a:t>
-            </a:r>
-            <a:endParaRPr lang="en-US" altLang="ja-JP" dirty="0"/>
-          </a:p>
-          <a:p>
-            <a:pPr lvl="1"/>
-            <a:r>
-              <a:rPr lang="en-US" altLang="ja-JP" dirty="0"/>
-              <a:t>Residual </a:t>
-            </a:r>
-            <a:r>
-              <a:rPr lang="ja-JP" altLang="en-US"/>
-              <a:t>の</a:t>
-            </a:r>
-            <a:r>
-              <a:rPr lang="en-US" altLang="ja-JP" dirty="0" err="1"/>
-              <a:t>qq</a:t>
-            </a:r>
-            <a:r>
-              <a:rPr lang="ja-JP" altLang="en-US"/>
-              <a:t>プロット</a:t>
-            </a:r>
-            <a:endParaRPr lang="en-US" altLang="ja-JP" dirty="0"/>
-          </a:p>
-          <a:p>
-            <a:pPr lvl="1"/>
-            <a:r>
-              <a:rPr lang="en-US" altLang="ja-JP" dirty="0"/>
-              <a:t>Scale-Location </a:t>
-            </a:r>
-          </a:p>
-          <a:p>
-            <a:pPr lvl="2"/>
-            <a:r>
-              <a:rPr lang="ja-JP" altLang="en-US"/>
-              <a:t>標準化した残差の絶対値に対してルートをとったもの．標準化残差の絶対値が</a:t>
-            </a:r>
-            <a:r>
-              <a:rPr lang="en-US" altLang="ja-JP" dirty="0"/>
-              <a:t>2</a:t>
-            </a:r>
-            <a:r>
-              <a:rPr lang="ja-JP" altLang="en-US"/>
-              <a:t>より大きい場合、標準化残差が大きいと見なされ、外れ値とされることがある．</a:t>
-            </a:r>
-            <a:endParaRPr lang="en-US" altLang="ja-JP" dirty="0"/>
-          </a:p>
-          <a:p>
-            <a:pPr lvl="1"/>
-            <a:r>
-              <a:rPr lang="en-US" altLang="ja-JP" dirty="0"/>
-              <a:t>Residual vs </a:t>
-            </a:r>
-            <a:r>
-              <a:rPr lang="en-US" altLang="ja-JP" dirty="0" err="1"/>
-              <a:t>Levarege</a:t>
-            </a:r>
-            <a:r>
-              <a:rPr lang="ja-JP" altLang="en-US"/>
-              <a:t> </a:t>
-            </a:r>
-            <a:endParaRPr lang="en-US" altLang="ja-JP" dirty="0"/>
-          </a:p>
-          <a:p>
-            <a:pPr lvl="2"/>
-            <a:r>
-              <a:rPr lang="ja-JP" altLang="en-US"/>
-              <a:t>モデルの係数を決定するのに支配的なデータを示す．</a:t>
-            </a:r>
-            <a:r>
-              <a:rPr lang="en-US" altLang="ja-JP" dirty="0"/>
-              <a:t>Cook</a:t>
-            </a:r>
-            <a:r>
-              <a:rPr lang="ja-JP" altLang="en-US"/>
-              <a:t>距離が示されており、これが</a:t>
-            </a:r>
-            <a:r>
-              <a:rPr lang="en-US" altLang="ja-JP" dirty="0"/>
-              <a:t>0.5</a:t>
-            </a:r>
-            <a:r>
-              <a:rPr lang="ja-JP" altLang="en-US"/>
-              <a:t>を超えると支配力が強いとみなされ、そのデータは外れ値処理をすることがある．</a:t>
-            </a:r>
-            <a:endParaRPr lang="en-US" altLang="ja-JP" dirty="0"/>
-          </a:p>
-          <a:p>
-            <a:endParaRPr kumimoji="1" lang="ja-JP" altLang="en-US"/>
-          </a:p>
-        </p:txBody>
-      </p:sp>
-    </p:spTree>
-    <p:extLst>
-      <p:ext uri="{BB962C8B-B14F-4D97-AF65-F5344CB8AC3E}">
-        <p14:creationId xmlns:p14="http://schemas.microsoft.com/office/powerpoint/2010/main" val="1212065946"/>
-      </p:ext>
-    </p:extLst>
-  </p:cSld>
-  <p:clrMapOvr>
-    <a:masterClrMapping/>
-  </p:clrMapOvr>
-</p:sld>
-</file>
-
-<file path=ppt/slides/slide11.xml><?xml version="1.0" encoding="utf-8"?>
-<p:sld xmlns:a="http://schemas.openxmlformats.org/drawingml/2006/main" xmlns:r="http://schemas.openxmlformats.org/officeDocument/2006/relationships" xmlns:p="http://schemas.openxmlformats.org/presentationml/2006/main">
-  <p:cSld>
-    <p:spTree>
-      <p:nvGrpSpPr>
-        <p:cNvPr id="1" name=""/>
-        <p:cNvGrpSpPr/>
-        <p:nvPr/>
-      </p:nvGrpSpPr>
-      <p:grpSpPr>
-        <a:xfrm>
-          <a:off x="0" y="0"/>
-          <a:ext cx="0" cy="0"/>
-          <a:chOff x="0" y="0"/>
-          <a:chExt cx="0" cy="0"/>
-        </a:xfrm>
-      </p:grpSpPr>
-      <p:sp>
-        <p:nvSpPr>
-          <p:cNvPr id="2" name="タイトル 1">
-            <a:extLst>
-              <a:ext uri="{FF2B5EF4-FFF2-40B4-BE49-F238E27FC236}">
-                <a16:creationId xmlns:a16="http://schemas.microsoft.com/office/drawing/2014/main" id="{68BB739B-FF50-7947-89AB-1B70AF4DD3EA}"/>
-              </a:ext>
-            </a:extLst>
-          </p:cNvPr>
-          <p:cNvSpPr>
-            <a:spLocks noGrp="1"/>
-          </p:cNvSpPr>
-          <p:nvPr>
-            <p:ph type="title"/>
-          </p:nvPr>
-        </p:nvSpPr>
-        <p:spPr/>
-        <p:txBody>
-          <a:bodyPr/>
-          <a:lstStyle/>
-          <a:p>
-            <a:r>
-              <a:rPr lang="ja-JP" altLang="en-US"/>
-              <a:t>正規性のチェック</a:t>
-            </a:r>
-            <a:endParaRPr kumimoji="1" lang="ja-JP" altLang="en-US"/>
-          </a:p>
-        </p:txBody>
-      </p:sp>
-      <p:sp>
-        <p:nvSpPr>
-          <p:cNvPr id="3" name="コンテンツ プレースホルダー 2">
-            <a:extLst>
-              <a:ext uri="{FF2B5EF4-FFF2-40B4-BE49-F238E27FC236}">
-                <a16:creationId xmlns:a16="http://schemas.microsoft.com/office/drawing/2014/main" id="{B7EB713B-B0D0-A347-9D4F-48B4383A8075}"/>
-              </a:ext>
-            </a:extLst>
-          </p:cNvPr>
-          <p:cNvSpPr>
-            <a:spLocks noGrp="1"/>
-          </p:cNvSpPr>
-          <p:nvPr>
-            <p:ph idx="1"/>
-          </p:nvPr>
-        </p:nvSpPr>
-        <p:spPr>
-          <a:xfrm>
-            <a:off x="838200" y="1825625"/>
-            <a:ext cx="10756900" cy="4351338"/>
-          </a:xfrm>
-        </p:spPr>
         <p:txBody>
           <a:bodyPr>
             <a:normAutofit/>
@@ -5378,352 +4746,103 @@
           <a:lstStyle/>
           <a:p>
             <a:r>
-              <a:rPr lang="ja-JP" altLang="en-US">
-                <a:solidFill>
-                  <a:schemeClr val="bg2">
-                    <a:lumMod val="50000"/>
-                  </a:schemeClr>
-                </a:solidFill>
-              </a:rPr>
-              <a:t>まず</a:t>
-            </a:r>
-            <a:r>
-              <a:rPr lang="en-US" altLang="ja-JP" dirty="0">
-                <a:solidFill>
-                  <a:schemeClr val="bg2">
-                    <a:lumMod val="50000"/>
-                  </a:schemeClr>
-                </a:solidFill>
-              </a:rPr>
-              <a:t>plot</a:t>
-            </a:r>
-            <a:r>
-              <a:rPr lang="ja-JP" altLang="en-US">
-                <a:solidFill>
-                  <a:schemeClr val="bg2">
-                    <a:lumMod val="50000"/>
-                  </a:schemeClr>
-                </a:solidFill>
-              </a:rPr>
-              <a:t>して可視化</a:t>
-            </a:r>
-            <a:endParaRPr lang="en-US" altLang="ja-JP" dirty="0">
-              <a:solidFill>
-                <a:schemeClr val="bg2">
-                  <a:lumMod val="50000"/>
-                </a:schemeClr>
-              </a:solidFill>
-            </a:endParaRPr>
-          </a:p>
-          <a:p>
+              <a:rPr lang="ja-JP" altLang="en-US"/>
+              <a:t>第</a:t>
+            </a:r>
+            <a:r>
+              <a:rPr lang="en-US" altLang="ja-JP" dirty="0"/>
+              <a:t>12</a:t>
+            </a:r>
+            <a:r>
+              <a:rPr lang="ja-JP" altLang="en-US"/>
+              <a:t>回で作成した船・温度ごとの漁獲と同様のデータセット</a:t>
+            </a:r>
+            <a:r>
+              <a:rPr lang="en-US" altLang="ja-JP" dirty="0"/>
+              <a:t>catch_data2.csv</a:t>
+            </a:r>
+            <a:r>
+              <a:rPr lang="ja-JP" altLang="en-US"/>
+              <a:t>を読み込んで、</a:t>
+            </a:r>
+            <a:r>
+              <a:rPr lang="en-US" altLang="ja-JP" dirty="0"/>
+              <a:t>GLM</a:t>
+            </a:r>
+            <a:r>
+              <a:rPr lang="ja-JP" altLang="en-US"/>
+              <a:t>実行．</a:t>
+            </a:r>
             <a:endParaRPr lang="en-US" altLang="ja-JP" dirty="0"/>
           </a:p>
           <a:p>
-            <a:r>
-              <a:rPr lang="ja-JP" altLang="en-US">
-                <a:solidFill>
-                  <a:schemeClr val="bg2">
-                    <a:lumMod val="50000"/>
-                  </a:schemeClr>
-                </a:solidFill>
-              </a:rPr>
-              <a:t>分布からずれていないかチェックのプロット</a:t>
-            </a:r>
-            <a:r>
-              <a:rPr lang="en-US" altLang="ja-JP" dirty="0" err="1">
-                <a:solidFill>
-                  <a:schemeClr val="bg2">
-                    <a:lumMod val="50000"/>
-                  </a:schemeClr>
-                </a:solidFill>
-              </a:rPr>
-              <a:t>QQplot</a:t>
-            </a:r>
-            <a:endParaRPr lang="en-US" altLang="ja-JP" dirty="0">
-              <a:solidFill>
-                <a:schemeClr val="bg2">
-                  <a:lumMod val="50000"/>
-                </a:schemeClr>
-              </a:solidFill>
-            </a:endParaRPr>
-          </a:p>
-          <a:p>
-            <a:pPr marL="457200" lvl="1" indent="0">
-              <a:buNone/>
-            </a:pPr>
-            <a:endParaRPr lang="en-US" altLang="ja-JP" dirty="0">
-              <a:solidFill>
-                <a:schemeClr val="bg2">
-                  <a:lumMod val="50000"/>
-                </a:schemeClr>
-              </a:solidFill>
-            </a:endParaRPr>
-          </a:p>
-          <a:p>
+            <a:pPr lvl="1"/>
+            <a:r>
+              <a:rPr lang="ja-JP" altLang="en-US"/>
+              <a:t>漁獲は量でなく頭数になっているので誤差構造にポアソン分布、リンク関数を</a:t>
+            </a:r>
             <a:r>
               <a:rPr lang="en-US" altLang="ja-JP" dirty="0"/>
-              <a:t>Shapiro-Wilk</a:t>
+              <a:t>log</a:t>
             </a:r>
             <a:r>
               <a:rPr lang="ja-JP" altLang="en-US"/>
-              <a:t>検定</a:t>
+              <a:t>として解析．</a:t>
             </a:r>
             <a:endParaRPr lang="en-US" altLang="ja-JP" dirty="0"/>
+          </a:p>
+          <a:p>
+            <a:pPr lvl="1"/>
+            <a:endParaRPr lang="en-US" altLang="ja-JP" dirty="0"/>
+          </a:p>
+          <a:p>
+            <a:r>
+              <a:rPr lang="ja-JP" altLang="en-US"/>
+              <a:t>目的変数を漁獲、説明変数を船・温度・操業場所として</a:t>
+            </a:r>
+            <a:r>
+              <a:rPr lang="en-US" altLang="ja-JP" dirty="0"/>
+              <a:t>GLM</a:t>
+            </a:r>
+            <a:r>
+              <a:rPr lang="ja-JP" altLang="en-US"/>
+              <a:t>実行．</a:t>
+            </a:r>
+            <a:endParaRPr lang="en-US" altLang="ja-JP" dirty="0"/>
+          </a:p>
+          <a:p>
+            <a:pPr lvl="1"/>
+            <a:r>
+              <a:rPr lang="ja-JP" altLang="en-US"/>
+              <a:t>操業場所の推定係数は安定してそうか推定値に対して推定の誤差は大きくないか？大きすぎると統計量</a:t>
+            </a:r>
+            <a:r>
+              <a:rPr lang="en-US" altLang="ja-JP" dirty="0"/>
+              <a:t>z</a:t>
+            </a:r>
+            <a:r>
+              <a:rPr lang="ja-JP" altLang="en-US"/>
+              <a:t>が小さくて有意水準</a:t>
+            </a:r>
+            <a:r>
+              <a:rPr lang="en-US" altLang="ja-JP" dirty="0"/>
+              <a:t>0.05</a:t>
+            </a:r>
+            <a:r>
+              <a:rPr lang="ja-JP" altLang="en-US"/>
+              <a:t>を超えるものも出てくる．あるいはそもそも操業場所ごとのデータ数が少なくないか？</a:t>
+            </a:r>
+            <a:endParaRPr lang="en-US" altLang="ja-JP" dirty="0"/>
+          </a:p>
+          <a:p>
+            <a:endParaRPr kumimoji="1" lang="ja-JP" altLang="en-US"/>
           </a:p>
         </p:txBody>
       </p:sp>
     </p:spTree>
     <p:extLst>
       <p:ext uri="{BB962C8B-B14F-4D97-AF65-F5344CB8AC3E}">
-        <p14:creationId xmlns:p14="http://schemas.microsoft.com/office/powerpoint/2010/main" val="3759911444"/>
-      </p:ext>
-    </p:extLst>
-  </p:cSld>
-  <p:clrMapOvr>
-    <a:masterClrMapping/>
-  </p:clrMapOvr>
-</p:sld>
-</file>
-
-<file path=ppt/slides/slide12.xml><?xml version="1.0" encoding="utf-8"?>
-<p:sld xmlns:a="http://schemas.openxmlformats.org/drawingml/2006/main" xmlns:r="http://schemas.openxmlformats.org/officeDocument/2006/relationships" xmlns:p="http://schemas.openxmlformats.org/presentationml/2006/main">
-  <p:cSld>
-    <p:spTree>
-      <p:nvGrpSpPr>
-        <p:cNvPr id="1" name=""/>
-        <p:cNvGrpSpPr/>
-        <p:nvPr/>
-      </p:nvGrpSpPr>
-      <p:grpSpPr>
-        <a:xfrm>
-          <a:off x="0" y="0"/>
-          <a:ext cx="0" cy="0"/>
-          <a:chOff x="0" y="0"/>
-          <a:chExt cx="0" cy="0"/>
-        </a:xfrm>
-      </p:grpSpPr>
-      <p:sp>
-        <p:nvSpPr>
-          <p:cNvPr id="2" name="タイトル 1">
-            <a:extLst>
-              <a:ext uri="{FF2B5EF4-FFF2-40B4-BE49-F238E27FC236}">
-                <a16:creationId xmlns:a16="http://schemas.microsoft.com/office/drawing/2014/main" id="{8021A45D-E4FF-5A46-91C6-E4BEF315A871}"/>
-              </a:ext>
-            </a:extLst>
-          </p:cNvPr>
-          <p:cNvSpPr>
-            <a:spLocks noGrp="1"/>
-          </p:cNvSpPr>
-          <p:nvPr>
-            <p:ph type="title"/>
-          </p:nvPr>
-        </p:nvSpPr>
-        <p:spPr/>
-        <p:txBody>
-          <a:bodyPr/>
-          <a:lstStyle/>
-          <a:p>
-            <a:r>
-              <a:rPr kumimoji="1" lang="en-US" altLang="ja-JP" dirty="0"/>
-              <a:t>Shapiro-Wi</a:t>
-            </a:r>
-            <a:r>
-              <a:rPr lang="en-US" altLang="ja-JP" dirty="0"/>
-              <a:t>lk</a:t>
-            </a:r>
-            <a:r>
-              <a:rPr lang="ja-JP" altLang="en-US"/>
-              <a:t>検定</a:t>
-            </a:r>
-            <a:endParaRPr kumimoji="1" lang="ja-JP" altLang="en-US"/>
-          </a:p>
-        </p:txBody>
-      </p:sp>
-      <p:sp>
-        <p:nvSpPr>
-          <p:cNvPr id="3" name="コンテンツ プレースホルダー 2">
-            <a:extLst>
-              <a:ext uri="{FF2B5EF4-FFF2-40B4-BE49-F238E27FC236}">
-                <a16:creationId xmlns:a16="http://schemas.microsoft.com/office/drawing/2014/main" id="{929FB2F8-884F-DB42-8889-1307E783A82A}"/>
-              </a:ext>
-            </a:extLst>
-          </p:cNvPr>
-          <p:cNvSpPr>
-            <a:spLocks noGrp="1"/>
-          </p:cNvSpPr>
-          <p:nvPr>
-            <p:ph idx="1"/>
-          </p:nvPr>
-        </p:nvSpPr>
-        <p:spPr/>
-        <p:txBody>
-          <a:bodyPr>
-            <a:normAutofit fontScale="70000" lnSpcReduction="20000"/>
-          </a:bodyPr>
-          <a:lstStyle/>
-          <a:p>
-            <a:r>
-              <a:rPr lang="ja-JP" altLang="en-US"/>
-              <a:t>得られたデータが正規分布に従うものか否かを調べる検定．</a:t>
-            </a:r>
-            <a:r>
-              <a:rPr lang="en-US" altLang="ja-JP" dirty="0"/>
-              <a:t>p</a:t>
-            </a:r>
-            <a:r>
-              <a:rPr lang="ja-JP" altLang="en-US"/>
-              <a:t>値によってデータが正規分布に従っているかを定量的に確認．</a:t>
-            </a:r>
-            <a:endParaRPr lang="en-US" altLang="ja-JP" dirty="0"/>
-          </a:p>
-          <a:p>
-            <a:endParaRPr kumimoji="1" lang="en-US" altLang="ja-JP" dirty="0"/>
-          </a:p>
-          <a:p>
-            <a:r>
-              <a:rPr lang="ja-JP" altLang="en-US"/>
-              <a:t>帰無仮説は「データが正規分布に従って分布する」</a:t>
-            </a:r>
-            <a:endParaRPr lang="en-US" altLang="ja-JP" dirty="0"/>
-          </a:p>
-          <a:p>
-            <a:endParaRPr lang="en-US" altLang="ja-JP" dirty="0"/>
-          </a:p>
-          <a:p>
-            <a:r>
-              <a:rPr lang="en-US" altLang="ja-JP" dirty="0" err="1"/>
-              <a:t>shapiro.test</a:t>
-            </a:r>
-            <a:r>
-              <a:rPr lang="ja-JP" altLang="en-US"/>
-              <a:t>関数で引数に残差．</a:t>
-            </a:r>
-            <a:endParaRPr lang="en-US" altLang="ja-JP" dirty="0"/>
-          </a:p>
-          <a:p>
-            <a:endParaRPr kumimoji="1" lang="en-US" altLang="ja-JP" dirty="0"/>
-          </a:p>
-          <a:p>
-            <a:endParaRPr kumimoji="1" lang="en-US" altLang="ja-JP" dirty="0"/>
-          </a:p>
-          <a:p>
-            <a:endParaRPr lang="en-US" altLang="ja-JP" dirty="0"/>
-          </a:p>
-          <a:p>
-            <a:endParaRPr lang="en-US" altLang="ja-JP" dirty="0"/>
-          </a:p>
-          <a:p>
-            <a:endParaRPr kumimoji="1" lang="en-US" altLang="ja-JP" dirty="0"/>
-          </a:p>
-          <a:p>
-            <a:r>
-              <a:rPr lang="ja-JP" altLang="en-US"/>
-              <a:t>この場合、有意水準</a:t>
-            </a:r>
-            <a:r>
-              <a:rPr lang="en-US" altLang="ja-JP" dirty="0"/>
-              <a:t>5%</a:t>
-            </a:r>
-            <a:r>
-              <a:rPr lang="ja-JP" altLang="en-US"/>
-              <a:t>とすると、帰無仮説を棄却できない．すなわち、残差は正規分布に従っていない、とはいえない．</a:t>
-            </a:r>
-            <a:endParaRPr kumimoji="1" lang="ja-JP" altLang="en-US"/>
-          </a:p>
-        </p:txBody>
-      </p:sp>
-      <p:sp>
-        <p:nvSpPr>
-          <p:cNvPr id="4" name="正方形/長方形 3">
-            <a:extLst>
-              <a:ext uri="{FF2B5EF4-FFF2-40B4-BE49-F238E27FC236}">
-                <a16:creationId xmlns:a16="http://schemas.microsoft.com/office/drawing/2014/main" id="{9A0B37BF-DF44-4C49-A0C7-B382023DCA3F}"/>
-              </a:ext>
-            </a:extLst>
-          </p:cNvPr>
-          <p:cNvSpPr/>
-          <p:nvPr/>
-        </p:nvSpPr>
-        <p:spPr>
-          <a:xfrm>
-            <a:off x="1866900" y="3592374"/>
-            <a:ext cx="6096000" cy="1754326"/>
-          </a:xfrm>
-          <a:prstGeom prst="rect">
-            <a:avLst/>
-          </a:prstGeom>
-        </p:spPr>
-        <p:txBody>
-          <a:bodyPr wrap="square">
-            <a:spAutoFit/>
-          </a:bodyPr>
-          <a:lstStyle/>
-          <a:p>
-            <a:r>
-              <a:rPr lang="ja-JP" altLang="en-US"/>
-              <a:t>&gt; shapiro.test(x=res_lm$residuals)</a:t>
-            </a:r>
-          </a:p>
-          <a:p>
-            <a:endParaRPr lang="ja-JP" altLang="en-US"/>
-          </a:p>
-          <a:p>
-            <a:r>
-              <a:rPr lang="ja-JP" altLang="en-US"/>
-              <a:t>	Shapiro-Wilk normality test</a:t>
-            </a:r>
-          </a:p>
-          <a:p>
-            <a:endParaRPr lang="ja-JP" altLang="en-US"/>
-          </a:p>
-          <a:p>
-            <a:r>
-              <a:rPr lang="ja-JP" altLang="en-US"/>
-              <a:t>data:  res_lm$residuals</a:t>
-            </a:r>
-          </a:p>
-          <a:p>
-            <a:r>
-              <a:rPr lang="ja-JP" altLang="en-US"/>
-              <a:t>W = 0.9992, p-value = 0.2041</a:t>
-            </a:r>
-          </a:p>
-        </p:txBody>
-      </p:sp>
-      <p:pic>
-        <p:nvPicPr>
-          <p:cNvPr id="5" name="図 4">
-            <a:extLst>
-              <a:ext uri="{FF2B5EF4-FFF2-40B4-BE49-F238E27FC236}">
-                <a16:creationId xmlns:a16="http://schemas.microsoft.com/office/drawing/2014/main" id="{4A6777C8-1A2C-304D-B190-F0372F1983D3}"/>
-              </a:ext>
-            </a:extLst>
-          </p:cNvPr>
-          <p:cNvPicPr>
-            <a:picLocks noChangeAspect="1"/>
-          </p:cNvPicPr>
-          <p:nvPr/>
-        </p:nvPicPr>
-        <p:blipFill>
-          <a:blip r:embed="rId2"/>
-          <a:stretch>
-            <a:fillRect/>
-          </a:stretch>
-        </p:blipFill>
-        <p:spPr>
-          <a:xfrm>
-            <a:off x="7336716" y="2204275"/>
-            <a:ext cx="4324575" cy="3142425"/>
-          </a:xfrm>
-          <a:prstGeom prst="rect">
-            <a:avLst/>
-          </a:prstGeom>
-        </p:spPr>
-      </p:pic>
-    </p:spTree>
-    <p:extLst>
-      <p:ext uri="{BB962C8B-B14F-4D97-AF65-F5344CB8AC3E}">
-        <p14:creationId xmlns:p14="http://schemas.microsoft.com/office/powerpoint/2010/main" val="3976745622"/>
+        <p14:creationId xmlns:p14="http://schemas.microsoft.com/office/powerpoint/2010/main" val="487569456"/>
       </p:ext>
     </p:extLst>
   </p:cSld>
@@ -5755,7 +4874,7 @@
           <p:cNvPr id="2" name="タイトル 1">
             <a:extLst>
               <a:ext uri="{FF2B5EF4-FFF2-40B4-BE49-F238E27FC236}">
-                <a16:creationId xmlns:a16="http://schemas.microsoft.com/office/drawing/2014/main" id="{68BB739B-FF50-7947-89AB-1B70AF4DD3EA}"/>
+                <a16:creationId xmlns:a16="http://schemas.microsoft.com/office/drawing/2014/main" id="{3894D0AE-3B29-6F44-AE60-46AA9C21E8A6}"/>
               </a:ext>
             </a:extLst>
           </p:cNvPr>
@@ -5773,7 +4892,7 @@
           <a:p>
             <a:r>
               <a:rPr kumimoji="1" lang="ja-JP" altLang="en-US"/>
-              <a:t>モデルの結果の診断</a:t>
+              <a:t>最小二乗法</a:t>
             </a:r>
           </a:p>
         </p:txBody>
@@ -5783,7 +4902,7 @@
           <p:cNvPr id="3" name="コンテンツ プレースホルダー 2">
             <a:extLst>
               <a:ext uri="{FF2B5EF4-FFF2-40B4-BE49-F238E27FC236}">
-                <a16:creationId xmlns:a16="http://schemas.microsoft.com/office/drawing/2014/main" id="{B7EB713B-B0D0-A347-9D4F-48B4383A8075}"/>
+                <a16:creationId xmlns:a16="http://schemas.microsoft.com/office/drawing/2014/main" id="{F7D8FFA7-2B83-234B-B191-ADBB4833C659}"/>
               </a:ext>
             </a:extLst>
           </p:cNvPr>
@@ -5794,12 +4913,7 @@
             <p:ph idx="1"/>
           </p:nvPr>
         </p:nvSpPr>
-        <p:spPr>
-          <a:xfrm>
-            <a:off x="838200" y="1825625"/>
-            <a:ext cx="10756900" cy="4351338"/>
-          </a:xfrm>
-        </p:spPr>
+        <p:spPr/>
         <p:txBody>
           <a:bodyPr>
             <a:normAutofit/>
@@ -5808,7 +4922,21 @@
           <a:p>
             <a:r>
               <a:rPr lang="ja-JP" altLang="en-US"/>
-              <a:t>線形モデルでも一般化線形モデルでも、目的（応答）変数を説明変数で予測するが、予測値と目的変数にはズレ（誤差）が出る．</a:t>
+              <a:t>残差平方和（残差の２乗の和）を最小化するような係数と切片を見つけ出す方法．残差の大きさはモデルのデータへの当てはまりの悪さと言える．</a:t>
+            </a:r>
+            <a:endParaRPr lang="en-US" altLang="ja-JP" dirty="0"/>
+          </a:p>
+          <a:p>
+            <a:endParaRPr lang="en-US" altLang="ja-JP" dirty="0"/>
+          </a:p>
+          <a:p>
+            <a:r>
+              <a:rPr lang="en-US" altLang="ja-JP" dirty="0"/>
+              <a:t> </a:t>
+            </a:r>
+            <a:r>
+              <a:rPr lang="ja-JP" altLang="en-US"/>
+              <a:t>重回帰では説明変数を増やせば（モデルを複雑にすれば）データへの当てはまりは良くなる傾向がある．</a:t>
             </a:r>
             <a:endParaRPr lang="en-US" altLang="ja-JP" dirty="0"/>
           </a:p>
@@ -5816,53 +4944,21 @@
             <a:pPr marL="0" indent="0">
               <a:buNone/>
             </a:pPr>
+            <a:r>
+              <a:rPr lang="ja-JP" altLang="en-US"/>
+              <a:t>→　残差は小さくなる．</a:t>
+            </a:r>
             <a:endParaRPr lang="en-US" altLang="ja-JP" dirty="0"/>
           </a:p>
           <a:p>
-            <a:r>
-              <a:rPr lang="ja-JP" altLang="en-US"/>
-              <a:t>では、誤差はどれくらい小さいのか？</a:t>
-            </a:r>
-            <a:endParaRPr lang="en-US" altLang="ja-JP" dirty="0"/>
-          </a:p>
-          <a:p>
-            <a:pPr marL="0" indent="0">
-              <a:buNone/>
-            </a:pPr>
-            <a:r>
-              <a:rPr lang="en-US" altLang="ja-JP" dirty="0"/>
-              <a:t>	</a:t>
-            </a:r>
-            <a:r>
-              <a:rPr lang="ja-JP" altLang="en-US"/>
-              <a:t>→残差プロット</a:t>
-            </a:r>
-            <a:endParaRPr lang="en-US" altLang="ja-JP" dirty="0"/>
-          </a:p>
-          <a:p>
-            <a:r>
-              <a:rPr lang="ja-JP" altLang="en-US"/>
-              <a:t>予測値と目的変数のズレは誤差構造にちゃんと従ってる？　</a:t>
-            </a:r>
-            <a:endParaRPr lang="en-US" altLang="ja-JP" dirty="0"/>
-          </a:p>
-          <a:p>
-            <a:pPr lvl="1"/>
-            <a:r>
-              <a:rPr lang="ja-JP" altLang="en-US"/>
-              <a:t>線形モデルでは、ズレは正規分布に従っているか？</a:t>
-            </a:r>
-            <a:endParaRPr lang="en-US" altLang="ja-JP" dirty="0"/>
-          </a:p>
-          <a:p>
-            <a:endParaRPr lang="en-US" altLang="ja-JP" dirty="0"/>
+            <a:endParaRPr kumimoji="1" lang="ja-JP" altLang="en-US"/>
           </a:p>
         </p:txBody>
       </p:sp>
     </p:spTree>
     <p:extLst>
       <p:ext uri="{BB962C8B-B14F-4D97-AF65-F5344CB8AC3E}">
-        <p14:creationId xmlns:p14="http://schemas.microsoft.com/office/powerpoint/2010/main" val="1501767664"/>
+        <p14:creationId xmlns:p14="http://schemas.microsoft.com/office/powerpoint/2010/main" val="1984855260"/>
       </p:ext>
     </p:extLst>
   </p:cSld>
@@ -5894,7 +4990,7 @@
           <p:cNvPr id="2" name="タイトル 1">
             <a:extLst>
               <a:ext uri="{FF2B5EF4-FFF2-40B4-BE49-F238E27FC236}">
-                <a16:creationId xmlns:a16="http://schemas.microsoft.com/office/drawing/2014/main" id="{68BB739B-FF50-7947-89AB-1B70AF4DD3EA}"/>
+                <a16:creationId xmlns:a16="http://schemas.microsoft.com/office/drawing/2014/main" id="{F1440143-3F73-4144-95BF-C420B5DDFBE3}"/>
               </a:ext>
             </a:extLst>
           </p:cNvPr>
@@ -5911,9 +5007,10 @@
           <a:lstStyle/>
           <a:p>
             <a:r>
-              <a:rPr kumimoji="1" lang="ja-JP" altLang="en-US"/>
-              <a:t>正規性のチェック</a:t>
-            </a:r>
+              <a:rPr lang="ja-JP" altLang="en-US"/>
+              <a:t>モデルの当てはまり具合</a:t>
+            </a:r>
+            <a:endParaRPr kumimoji="1" lang="ja-JP" altLang="en-US"/>
           </a:p>
         </p:txBody>
       </p:sp>
@@ -5922,7 +5019,7 @@
           <p:cNvPr id="3" name="コンテンツ プレースホルダー 2">
             <a:extLst>
               <a:ext uri="{FF2B5EF4-FFF2-40B4-BE49-F238E27FC236}">
-                <a16:creationId xmlns:a16="http://schemas.microsoft.com/office/drawing/2014/main" id="{B7EB713B-B0D0-A347-9D4F-48B4383A8075}"/>
+                <a16:creationId xmlns:a16="http://schemas.microsoft.com/office/drawing/2014/main" id="{9D06DEEC-4A94-B945-9CAA-4461713C3864}"/>
               </a:ext>
             </a:extLst>
           </p:cNvPr>
@@ -5933,111 +5030,56 @@
             <p:ph idx="1"/>
           </p:nvPr>
         </p:nvSpPr>
-        <p:spPr>
-          <a:xfrm>
-            <a:off x="838200" y="1825625"/>
-            <a:ext cx="10756900" cy="4351338"/>
-          </a:xfrm>
-        </p:spPr>
-        <p:txBody>
-          <a:bodyPr>
-            <a:normAutofit/>
-          </a:bodyPr>
+        <p:spPr/>
+        <p:txBody>
+          <a:bodyPr/>
           <a:lstStyle/>
           <a:p>
             <a:r>
               <a:rPr lang="ja-JP" altLang="en-US"/>
-              <a:t>まず</a:t>
-            </a:r>
-            <a:r>
-              <a:rPr lang="en-US" altLang="ja-JP" dirty="0"/>
-              <a:t>plot</a:t>
-            </a:r>
-            <a:r>
-              <a:rPr lang="ja-JP" altLang="en-US"/>
-              <a:t>して可視化</a:t>
+              <a:t>データの個数だけ説明変数を用意したときモデルの残差を基準に、より少ない説明変数のモデルでの残差と比較．</a:t>
             </a:r>
             <a:endParaRPr lang="en-US" altLang="ja-JP" dirty="0"/>
           </a:p>
           <a:p>
-            <a:endParaRPr lang="en-US" altLang="ja-JP" dirty="0"/>
-          </a:p>
-          <a:p>
-            <a:r>
-              <a:rPr lang="ja-JP" altLang="en-US">
-                <a:solidFill>
-                  <a:schemeClr val="bg2">
-                    <a:lumMod val="50000"/>
-                  </a:schemeClr>
-                </a:solidFill>
-              </a:rPr>
-              <a:t>分布からずれていないかチェックのプロット；</a:t>
-            </a:r>
-            <a:r>
-              <a:rPr lang="en-US" altLang="ja-JP" dirty="0" err="1">
-                <a:solidFill>
-                  <a:schemeClr val="bg2">
-                    <a:lumMod val="50000"/>
-                  </a:schemeClr>
-                </a:solidFill>
-              </a:rPr>
-              <a:t>QQplot</a:t>
-            </a:r>
-            <a:endParaRPr lang="en-US" altLang="ja-JP" dirty="0">
-              <a:solidFill>
-                <a:schemeClr val="bg2">
-                  <a:lumMod val="50000"/>
-                </a:schemeClr>
-              </a:solidFill>
-            </a:endParaRPr>
-          </a:p>
-          <a:p>
-            <a:pPr marL="457200" lvl="1" indent="0">
+            <a:pPr marL="0" indent="0">
               <a:buNone/>
             </a:pPr>
-            <a:endParaRPr lang="en-US" altLang="ja-JP" dirty="0">
-              <a:solidFill>
-                <a:schemeClr val="bg2">
-                  <a:lumMod val="50000"/>
-                </a:schemeClr>
-              </a:solidFill>
-            </a:endParaRPr>
-          </a:p>
-          <a:p>
-            <a:r>
-              <a:rPr lang="en-US" altLang="ja-JP" dirty="0">
-                <a:solidFill>
-                  <a:schemeClr val="bg2">
-                    <a:lumMod val="50000"/>
-                  </a:schemeClr>
-                </a:solidFill>
-              </a:rPr>
-              <a:t>Shapiro-Wilk</a:t>
-            </a:r>
-            <a:r>
-              <a:rPr lang="ja-JP" altLang="en-US">
-                <a:solidFill>
-                  <a:schemeClr val="bg2">
-                    <a:lumMod val="50000"/>
-                  </a:schemeClr>
-                </a:solidFill>
-              </a:rPr>
-              <a:t>検定</a:t>
-            </a:r>
-            <a:endParaRPr lang="en-US" altLang="ja-JP" dirty="0">
-              <a:solidFill>
-                <a:schemeClr val="bg2">
-                  <a:lumMod val="50000"/>
-                </a:schemeClr>
-              </a:solidFill>
-            </a:endParaRPr>
+            <a:r>
+              <a:rPr lang="ja-JP" altLang="en-US"/>
+              <a:t>→モデルの当てはまりの悪さを表現．</a:t>
+            </a:r>
+            <a:endParaRPr lang="en-US" altLang="ja-JP" dirty="0"/>
+          </a:p>
+          <a:p>
+            <a:endParaRPr lang="en-US" altLang="ja-JP" dirty="0"/>
+          </a:p>
+          <a:p>
+            <a:r>
+              <a:rPr lang="ja-JP" altLang="en-US"/>
+              <a:t>データの当てはまり具合は尤度でも表される．</a:t>
+            </a:r>
+            <a:endParaRPr lang="en-US" altLang="ja-JP" dirty="0"/>
+          </a:p>
+          <a:p>
+            <a:r>
+              <a:rPr lang="ja-JP" altLang="en-US"/>
+              <a:t>データの個数だけ説明変数を用意したときの尤度を基準に、より少ない説明変数のモデルでの尤度を比較．</a:t>
+            </a:r>
+            <a:endParaRPr lang="en-US" altLang="ja-JP" dirty="0"/>
+          </a:p>
+          <a:p>
+            <a:endParaRPr lang="en-US" altLang="ja-JP" dirty="0"/>
+          </a:p>
+          <a:p>
+            <a:endParaRPr kumimoji="1" lang="ja-JP" altLang="en-US"/>
           </a:p>
         </p:txBody>
       </p:sp>
     </p:spTree>
     <p:extLst>
       <p:ext uri="{BB962C8B-B14F-4D97-AF65-F5344CB8AC3E}">
-        <p14:creationId xmlns:p14="http://schemas.microsoft.com/office/powerpoint/2010/main" val="1722450886"/>
+        <p14:creationId xmlns:p14="http://schemas.microsoft.com/office/powerpoint/2010/main" val="1251635104"/>
       </p:ext>
     </p:extLst>
   </p:cSld>
@@ -6069,7 +5111,7 @@
           <p:cNvPr id="2" name="タイトル 1">
             <a:extLst>
               <a:ext uri="{FF2B5EF4-FFF2-40B4-BE49-F238E27FC236}">
-                <a16:creationId xmlns:a16="http://schemas.microsoft.com/office/drawing/2014/main" id="{593893BE-BD11-5648-B363-0A47FB81D8B9}"/>
+                <a16:creationId xmlns:a16="http://schemas.microsoft.com/office/drawing/2014/main" id="{032164F6-0F1B-1549-B553-24334B2E64E3}"/>
               </a:ext>
             </a:extLst>
           </p:cNvPr>
@@ -6086,8 +5128,12 @@
           <a:lstStyle/>
           <a:p>
             <a:r>
-              <a:rPr kumimoji="1" lang="ja-JP" altLang="en-US"/>
-              <a:t>線形モデルの結果をプロット</a:t>
+              <a:rPr kumimoji="1" lang="en-US" altLang="ja-JP" dirty="0"/>
+              <a:t>GLM</a:t>
+            </a:r>
+            <a:r>
+              <a:rPr kumimoji="1" lang="ja-JP" altLang="en-US"/>
+              <a:t>の残差</a:t>
             </a:r>
           </a:p>
         </p:txBody>
@@ -6097,7 +5143,7 @@
           <p:cNvPr id="3" name="コンテンツ プレースホルダー 2">
             <a:extLst>
               <a:ext uri="{FF2B5EF4-FFF2-40B4-BE49-F238E27FC236}">
-                <a16:creationId xmlns:a16="http://schemas.microsoft.com/office/drawing/2014/main" id="{49E414B3-99D4-2B4A-B335-2BAEFB18D4DF}"/>
+                <a16:creationId xmlns:a16="http://schemas.microsoft.com/office/drawing/2014/main" id="{7044DDCB-175D-DC41-A5AC-98AE58CE5A61}"/>
               </a:ext>
             </a:extLst>
           </p:cNvPr>
@@ -6110,146 +5156,151 @@
         </p:nvSpPr>
         <p:spPr/>
         <p:txBody>
-          <a:bodyPr>
-            <a:normAutofit lnSpcReduction="10000"/>
-          </a:bodyPr>
+          <a:bodyPr/>
           <a:lstStyle/>
           <a:p>
             <a:r>
               <a:rPr kumimoji="1" lang="ja-JP" altLang="en-US"/>
-              <a:t>第</a:t>
+              <a:t>誤差分布が正規分布ではない場合、残差は単純に予測値からのズレを使わない．</a:t>
+            </a:r>
+            <a:endParaRPr kumimoji="1" lang="en-US" altLang="ja-JP" dirty="0"/>
+          </a:p>
+          <a:p>
+            <a:pPr lvl="1"/>
+            <a:r>
+              <a:rPr lang="ja-JP" altLang="en-US"/>
+              <a:t>線形予測子の値に依存して誤差の分散が変わるので、線形モデルのように簡単でない．</a:t>
+            </a:r>
+            <a:endParaRPr lang="en-US" altLang="ja-JP" dirty="0"/>
+          </a:p>
+          <a:p>
+            <a:endParaRPr kumimoji="1" lang="en-US" altLang="ja-JP" dirty="0">
+              <a:solidFill>
+                <a:schemeClr val="bg2">
+                  <a:lumMod val="50000"/>
+                </a:schemeClr>
+              </a:solidFill>
+            </a:endParaRPr>
+          </a:p>
+          <a:p>
+            <a:r>
+              <a:rPr lang="ja-JP" altLang="en-US"/>
+              <a:t>残差</a:t>
+            </a:r>
+            <a:r>
+              <a:rPr kumimoji="1" lang="ja-JP" altLang="en-US"/>
+              <a:t>の代わりに尤度を使えば、</a:t>
             </a:r>
             <a:r>
               <a:rPr kumimoji="1" lang="en-US" altLang="ja-JP" dirty="0"/>
-              <a:t>12</a:t>
-            </a:r>
-            <a:r>
-              <a:rPr kumimoji="1" lang="ja-JP" altLang="en-US"/>
-              <a:t>回；線形モデル１で生成したシミュレーションデータの線形モデル解析結果を利用．</a:t>
-            </a:r>
-            <a:endParaRPr kumimoji="1" lang="en-US" altLang="ja-JP" dirty="0"/>
+              <a:t>GLM</a:t>
+            </a:r>
+            <a:r>
+              <a:rPr kumimoji="1" lang="ja-JP" altLang="en-US"/>
+              <a:t>で当てはまりを評価できる</a:t>
+            </a:r>
+            <a:r>
+              <a:rPr kumimoji="1" lang="en-US" altLang="ja-JP" dirty="0"/>
+              <a:t>.</a:t>
+            </a:r>
+          </a:p>
+          <a:p>
+            <a:endParaRPr lang="en-US" altLang="ja-JP" dirty="0"/>
+          </a:p>
+          <a:p>
+            <a:r>
+              <a:rPr lang="en-US" altLang="ja-JP" dirty="0">
+                <a:solidFill>
+                  <a:schemeClr val="bg2">
+                    <a:lumMod val="50000"/>
+                  </a:schemeClr>
+                </a:solidFill>
+              </a:rPr>
+              <a:t>residuals</a:t>
+            </a:r>
+            <a:r>
+              <a:rPr lang="ja-JP" altLang="en-US">
+                <a:solidFill>
+                  <a:schemeClr val="bg2">
+                    <a:lumMod val="50000"/>
+                  </a:schemeClr>
+                </a:solidFill>
+              </a:rPr>
+              <a:t>関数で</a:t>
+            </a:r>
+            <a:r>
+              <a:rPr lang="en-US" altLang="ja-JP" dirty="0">
+                <a:solidFill>
+                  <a:schemeClr val="bg2">
+                    <a:lumMod val="50000"/>
+                  </a:schemeClr>
+                </a:solidFill>
+              </a:rPr>
+              <a:t>deviance</a:t>
+            </a:r>
+            <a:r>
+              <a:rPr lang="ja-JP" altLang="en-US">
+                <a:solidFill>
+                  <a:schemeClr val="bg2">
+                    <a:lumMod val="50000"/>
+                  </a:schemeClr>
+                </a:solidFill>
+              </a:rPr>
+              <a:t>を指定して取り出す．</a:t>
+            </a:r>
+            <a:endParaRPr lang="en-US" altLang="ja-JP" dirty="0">
+              <a:solidFill>
+                <a:schemeClr val="bg2">
+                  <a:lumMod val="50000"/>
+                </a:schemeClr>
+              </a:solidFill>
+            </a:endParaRPr>
           </a:p>
           <a:p>
             <a:pPr lvl="1"/>
             <a:r>
-              <a:rPr lang="en-US" altLang="ja-JP" dirty="0" err="1"/>
-              <a:t>res_lm</a:t>
-            </a:r>
-            <a:r>
-              <a:rPr lang="en-US" altLang="ja-JP" dirty="0"/>
-              <a:t> &lt;- </a:t>
-            </a:r>
-            <a:r>
-              <a:rPr lang="en-US" altLang="ja-JP" dirty="0" err="1"/>
-              <a:t>lm</a:t>
-            </a:r>
-            <a:r>
-              <a:rPr lang="en-US" altLang="ja-JP" dirty="0"/>
-              <a:t>(log(catch)~vessel+temp-1, data=</a:t>
-            </a:r>
-            <a:r>
-              <a:rPr lang="en-US" altLang="ja-JP" dirty="0" err="1"/>
-              <a:t>catch_data</a:t>
-            </a:r>
-            <a:r>
-              <a:rPr lang="en-US" altLang="ja-JP" dirty="0"/>
-              <a:t>)</a:t>
+              <a:rPr lang="en-US" altLang="ja-JP" dirty="0" err="1">
+                <a:solidFill>
+                  <a:schemeClr val="bg2">
+                    <a:lumMod val="50000"/>
+                  </a:schemeClr>
+                </a:solidFill>
+              </a:rPr>
+              <a:t>resid_glm</a:t>
+            </a:r>
+            <a:r>
+              <a:rPr lang="en-US" altLang="ja-JP" dirty="0">
+                <a:solidFill>
+                  <a:schemeClr val="bg2">
+                    <a:lumMod val="50000"/>
+                  </a:schemeClr>
+                </a:solidFill>
+              </a:rPr>
+              <a:t> &lt;- residuals(</a:t>
+            </a:r>
+            <a:r>
+              <a:rPr lang="en-US" altLang="ja-JP" dirty="0" err="1">
+                <a:solidFill>
+                  <a:schemeClr val="bg2">
+                    <a:lumMod val="50000"/>
+                  </a:schemeClr>
+                </a:solidFill>
+              </a:rPr>
+              <a:t>res_glm</a:t>
+            </a:r>
+            <a:r>
+              <a:rPr lang="en-US" altLang="ja-JP" dirty="0">
+                <a:solidFill>
+                  <a:schemeClr val="bg2">
+                    <a:lumMod val="50000"/>
+                  </a:schemeClr>
+                </a:solidFill>
+              </a:rPr>
+              <a:t>, type=“deviance”)</a:t>
             </a:r>
           </a:p>
           <a:p>
             <a:pPr lvl="1"/>
-            <a:endParaRPr lang="en-US" altLang="ja-JP" dirty="0"/>
-          </a:p>
-          <a:p>
-            <a:r>
-              <a:rPr lang="ja-JP" altLang="en-US"/>
-              <a:t>残差は</a:t>
-            </a:r>
-            <a:r>
-              <a:rPr lang="en-US" altLang="ja-JP" dirty="0" err="1"/>
-              <a:t>lm</a:t>
-            </a:r>
-            <a:r>
-              <a:rPr lang="ja-JP" altLang="en-US"/>
-              <a:t>関数の結果オブジェクトの</a:t>
-            </a:r>
-            <a:r>
-              <a:rPr lang="en-US" altLang="ja-JP" dirty="0"/>
-              <a:t>residuals</a:t>
-            </a:r>
-            <a:r>
-              <a:rPr lang="ja-JP" altLang="en-US"/>
-              <a:t>に格納．これをプロットする</a:t>
-            </a:r>
-            <a:r>
-              <a:rPr lang="en-US" altLang="ja-JP" dirty="0"/>
-              <a:t> (</a:t>
-            </a:r>
-            <a:r>
-              <a:rPr lang="ja-JP" altLang="en-US"/>
-              <a:t>第</a:t>
-            </a:r>
-            <a:r>
-              <a:rPr lang="en-US" altLang="ja-JP" dirty="0"/>
-              <a:t>14</a:t>
-            </a:r>
-            <a:r>
-              <a:rPr lang="ja-JP" altLang="en-US"/>
-              <a:t>回参照</a:t>
-            </a:r>
-            <a:r>
-              <a:rPr lang="en-US" altLang="ja-JP" dirty="0"/>
-              <a:t>)</a:t>
-            </a:r>
-            <a:r>
-              <a:rPr lang="ja-JP" altLang="en-US"/>
-              <a:t>．</a:t>
-            </a:r>
-            <a:endParaRPr lang="en-US" altLang="ja-JP" dirty="0"/>
-          </a:p>
-          <a:p>
-            <a:pPr lvl="1"/>
-            <a:r>
-              <a:rPr lang="en-US" altLang="ja-JP" dirty="0"/>
-              <a:t>plot(</a:t>
-            </a:r>
-            <a:r>
-              <a:rPr lang="en-US" altLang="ja-JP" dirty="0" err="1"/>
-              <a:t>res_lm$residuals</a:t>
-            </a:r>
-            <a:r>
-              <a:rPr lang="en-US" altLang="ja-JP" dirty="0"/>
-              <a:t>)</a:t>
-            </a:r>
-          </a:p>
-          <a:p>
-            <a:pPr lvl="1"/>
-            <a:r>
-              <a:rPr lang="en-US" altLang="ja-JP" dirty="0"/>
-              <a:t>hist(</a:t>
-            </a:r>
-            <a:r>
-              <a:rPr lang="en-US" altLang="ja-JP" dirty="0" err="1"/>
-              <a:t>res_lm$residuals</a:t>
-            </a:r>
-            <a:r>
-              <a:rPr lang="en-US" altLang="ja-JP" dirty="0"/>
-              <a:t>)</a:t>
-            </a:r>
-          </a:p>
-          <a:p>
-            <a:pPr lvl="1"/>
-            <a:endParaRPr lang="en-US" altLang="ja-JP" dirty="0"/>
-          </a:p>
-          <a:p>
-            <a:r>
-              <a:rPr lang="en-US" altLang="ja-JP" dirty="0" err="1"/>
-              <a:t>lm</a:t>
-            </a:r>
-            <a:r>
-              <a:rPr lang="ja-JP" altLang="en-US"/>
-              <a:t>では誤差構造が正規分布．残差が正規分布に従っているかを視覚的に確認．</a:t>
-            </a:r>
             <a:endParaRPr lang="en-US" altLang="ja-JP" dirty="0"/>
           </a:p>
         </p:txBody>
@@ -6257,7 +5308,7 @@
     </p:spTree>
     <p:extLst>
       <p:ext uri="{BB962C8B-B14F-4D97-AF65-F5344CB8AC3E}">
-        <p14:creationId xmlns:p14="http://schemas.microsoft.com/office/powerpoint/2010/main" val="3428185782"/>
+        <p14:creationId xmlns:p14="http://schemas.microsoft.com/office/powerpoint/2010/main" val="2447858462"/>
       </p:ext>
     </p:extLst>
   </p:cSld>
@@ -6289,7 +5340,7 @@
           <p:cNvPr id="2" name="タイトル 1">
             <a:extLst>
               <a:ext uri="{FF2B5EF4-FFF2-40B4-BE49-F238E27FC236}">
-                <a16:creationId xmlns:a16="http://schemas.microsoft.com/office/drawing/2014/main" id="{68BB739B-FF50-7947-89AB-1B70AF4DD3EA}"/>
+                <a16:creationId xmlns:a16="http://schemas.microsoft.com/office/drawing/2014/main" id="{52AC1BEC-2208-B441-A40B-CE42D1E9F678}"/>
               </a:ext>
             </a:extLst>
           </p:cNvPr>
@@ -6306,10 +5357,9 @@
           <a:lstStyle/>
           <a:p>
             <a:r>
-              <a:rPr lang="ja-JP" altLang="en-US"/>
-              <a:t>正規性のチェック</a:t>
-            </a:r>
-            <a:endParaRPr kumimoji="1" lang="ja-JP" altLang="en-US"/>
+              <a:rPr kumimoji="1" lang="ja-JP" altLang="en-US"/>
+              <a:t>逸脱度</a:t>
+            </a:r>
           </a:p>
         </p:txBody>
       </p:sp>
@@ -6318,7 +5368,7 @@
           <p:cNvPr id="3" name="コンテンツ プレースホルダー 2">
             <a:extLst>
               <a:ext uri="{FF2B5EF4-FFF2-40B4-BE49-F238E27FC236}">
-                <a16:creationId xmlns:a16="http://schemas.microsoft.com/office/drawing/2014/main" id="{B7EB713B-B0D0-A347-9D4F-48B4383A8075}"/>
+                <a16:creationId xmlns:a16="http://schemas.microsoft.com/office/drawing/2014/main" id="{92857569-606C-B048-BBF1-17179C8C8C9A}"/>
               </a:ext>
             </a:extLst>
           </p:cNvPr>
@@ -6332,114 +5382,755 @@
         <p:spPr>
           <a:xfrm>
             <a:off x="838200" y="1825625"/>
-            <a:ext cx="10756900" cy="4351338"/>
+            <a:ext cx="8940501" cy="4351338"/>
           </a:xfrm>
         </p:spPr>
         <p:txBody>
           <a:bodyPr>
-            <a:normAutofit/>
+            <a:normAutofit fontScale="85000" lnSpcReduction="10000"/>
           </a:bodyPr>
           <a:lstStyle/>
           <a:p>
             <a:r>
-              <a:rPr lang="ja-JP" altLang="en-US">
+              <a:rPr kumimoji="1" lang="en-US" altLang="ja-JP" dirty="0"/>
+              <a:t>GLM</a:t>
+            </a:r>
+            <a:r>
+              <a:rPr kumimoji="1" lang="ja-JP" altLang="en-US"/>
+              <a:t>で当てはめたモデルの最尤推定結果から得られる対数尤度</a:t>
+            </a:r>
+            <a:r>
+              <a:rPr kumimoji="1" lang="en-US" altLang="ja-JP" dirty="0"/>
+              <a:t>L</a:t>
+            </a:r>
+            <a:r>
+              <a:rPr kumimoji="1" lang="en-US" altLang="ja-JP" baseline="30000" dirty="0"/>
+              <a:t>*</a:t>
+            </a:r>
+            <a:r>
+              <a:rPr kumimoji="1" lang="ja-JP" altLang="en-US"/>
+              <a:t>に−</a:t>
+            </a:r>
+            <a:r>
+              <a:rPr kumimoji="1" lang="en-US" altLang="ja-JP" dirty="0"/>
+              <a:t>2</a:t>
+            </a:r>
+            <a:r>
+              <a:rPr kumimoji="1" lang="ja-JP" altLang="en-US"/>
+              <a:t>をかけたものを逸脱度</a:t>
+            </a:r>
+            <a:r>
+              <a:rPr kumimoji="1" lang="en-US" altLang="ja-JP" dirty="0"/>
+              <a:t>D(deviance)</a:t>
+            </a:r>
+            <a:r>
+              <a:rPr lang="ja-JP" altLang="en-US"/>
+              <a:t>という．</a:t>
+            </a:r>
+            <a:endParaRPr lang="en-US" altLang="ja-JP" dirty="0"/>
+          </a:p>
+          <a:p>
+            <a:pPr lvl="1"/>
+            <a:r>
+              <a:rPr kumimoji="1" lang="en-US" altLang="ja-JP" i="1" dirty="0"/>
+              <a:t>D</a:t>
+            </a:r>
+            <a:r>
+              <a:rPr kumimoji="1" lang="en-US" altLang="ja-JP" dirty="0"/>
+              <a:t> = </a:t>
+            </a:r>
+            <a:r>
+              <a:rPr lang="en-US" altLang="ja-JP" dirty="0"/>
+              <a:t>−</a:t>
+            </a:r>
+            <a:r>
+              <a:rPr kumimoji="1" lang="en-US" altLang="ja-JP" dirty="0"/>
+              <a:t>2 log </a:t>
+            </a:r>
+            <a:r>
+              <a:rPr kumimoji="1" lang="en-US" altLang="ja-JP" i="1" dirty="0"/>
+              <a:t>L</a:t>
+            </a:r>
+            <a:r>
+              <a:rPr kumimoji="1" lang="en-US" altLang="ja-JP" i="1" baseline="30000" dirty="0"/>
+              <a:t>*</a:t>
+            </a:r>
+          </a:p>
+          <a:p>
+            <a:endParaRPr lang="en-US" altLang="ja-JP" dirty="0"/>
+          </a:p>
+          <a:p>
+            <a:r>
+              <a:rPr kumimoji="1" lang="ja-JP" altLang="en-US"/>
+              <a:t>データ数分の説明変数を組んだモデル（フルモデル</a:t>
+            </a:r>
+            <a:r>
+              <a:rPr kumimoji="1" lang="en-US" altLang="ja-JP" baseline="30000" dirty="0"/>
+              <a:t>※</a:t>
+            </a:r>
+            <a:r>
+              <a:rPr kumimoji="1" lang="ja-JP" altLang="en-US"/>
+              <a:t>）で最尤推定した結果から得られる逸脱度を最小逸脱度</a:t>
+            </a:r>
+            <a:endParaRPr kumimoji="1" lang="en-US" altLang="ja-JP" dirty="0"/>
+          </a:p>
+          <a:p>
+            <a:r>
+              <a:rPr kumimoji="1" lang="ja-JP" altLang="en-US"/>
+              <a:t>説明変数はなく、切片のみで組んだモデル</a:t>
+            </a:r>
+            <a:r>
+              <a:rPr lang="ja-JP" altLang="en-US"/>
+              <a:t>（</a:t>
+            </a:r>
+            <a:r>
+              <a:rPr lang="en-US" altLang="ja-JP" dirty="0"/>
+              <a:t>Null</a:t>
+            </a:r>
+            <a:r>
+              <a:rPr lang="ja-JP" altLang="en-US"/>
+              <a:t>モデル）からえられた得られた逸脱度を最大逸脱度としたとき、最大逸脱度と最小逸脱度との差を</a:t>
+            </a:r>
+            <a:r>
+              <a:rPr lang="en-US" altLang="ja-JP" dirty="0"/>
+              <a:t>Null</a:t>
+            </a:r>
+            <a:r>
+              <a:rPr lang="ja-JP" altLang="en-US"/>
+              <a:t>逸脱度</a:t>
+            </a:r>
+            <a:r>
+              <a:rPr lang="en-US" altLang="ja-JP" dirty="0"/>
+              <a:t>(Null deviance)</a:t>
+            </a:r>
+            <a:r>
+              <a:rPr lang="ja-JP" altLang="en-US"/>
+              <a:t>と呼ぶ．</a:t>
+            </a:r>
+            <a:endParaRPr lang="en-US" altLang="ja-JP" dirty="0"/>
+          </a:p>
+          <a:p>
+            <a:endParaRPr kumimoji="1" lang="en-US" altLang="ja-JP" dirty="0"/>
+          </a:p>
+          <a:p>
+            <a:r>
+              <a:rPr kumimoji="1" lang="en-US" altLang="ja-JP" dirty="0"/>
+              <a:t>GLM</a:t>
+            </a:r>
+            <a:r>
+              <a:rPr kumimoji="1" lang="ja-JP" altLang="en-US"/>
+              <a:t>で当てはめた逸脱度</a:t>
+            </a:r>
+            <a:r>
+              <a:rPr lang="en-US" altLang="ja-JP" dirty="0"/>
+              <a:t>D</a:t>
+            </a:r>
+            <a:r>
+              <a:rPr lang="ja-JP" altLang="en-US"/>
+              <a:t>と最小逸脱度の差を残差逸脱度</a:t>
+            </a:r>
+            <a:r>
+              <a:rPr lang="en-US" altLang="ja-JP" dirty="0"/>
+              <a:t>(Residual deviance) </a:t>
+            </a:r>
+            <a:r>
+              <a:rPr lang="ja-JP" altLang="en-US"/>
+              <a:t>とよぶ．</a:t>
+            </a:r>
+            <a:endParaRPr kumimoji="1" lang="ja-JP" altLang="en-US"/>
+          </a:p>
+        </p:txBody>
+      </p:sp>
+      <p:cxnSp>
+        <p:nvCxnSpPr>
+          <p:cNvPr id="5" name="直線コネクタ 4">
+            <a:extLst>
+              <a:ext uri="{FF2B5EF4-FFF2-40B4-BE49-F238E27FC236}">
+                <a16:creationId xmlns:a16="http://schemas.microsoft.com/office/drawing/2014/main" id="{A06420D0-0E8A-A84B-A1DB-06629A992E59}"/>
+              </a:ext>
+            </a:extLst>
+          </p:cNvPr>
+          <p:cNvCxnSpPr/>
+          <p:nvPr/>
+        </p:nvCxnSpPr>
+        <p:spPr>
+          <a:xfrm>
+            <a:off x="10670203" y="1266940"/>
+            <a:ext cx="0" cy="4737253"/>
+          </a:xfrm>
+          <a:prstGeom prst="line">
+            <a:avLst/>
+          </a:prstGeom>
+          <a:ln w="25400">
+            <a:headEnd type="arrow"/>
+            <a:tailEnd type="arrow"/>
+          </a:ln>
+        </p:spPr>
+        <p:style>
+          <a:lnRef idx="1">
+            <a:schemeClr val="accent1"/>
+          </a:lnRef>
+          <a:fillRef idx="0">
+            <a:schemeClr val="accent1"/>
+          </a:fillRef>
+          <a:effectRef idx="0">
+            <a:schemeClr val="accent1"/>
+          </a:effectRef>
+          <a:fontRef idx="minor">
+            <a:schemeClr val="tx1"/>
+          </a:fontRef>
+        </p:style>
+      </p:cxnSp>
+      <p:cxnSp>
+        <p:nvCxnSpPr>
+          <p:cNvPr id="7" name="直線コネクタ 6">
+            <a:extLst>
+              <a:ext uri="{FF2B5EF4-FFF2-40B4-BE49-F238E27FC236}">
+                <a16:creationId xmlns:a16="http://schemas.microsoft.com/office/drawing/2014/main" id="{30494F45-918C-D745-9577-5C9B611146D9}"/>
+              </a:ext>
+            </a:extLst>
+          </p:cNvPr>
+          <p:cNvCxnSpPr>
+            <a:cxnSpLocks/>
+          </p:cNvCxnSpPr>
+          <p:nvPr/>
+        </p:nvCxnSpPr>
+        <p:spPr>
+          <a:xfrm>
+            <a:off x="10203218" y="6004193"/>
+            <a:ext cx="1318222" cy="0"/>
+          </a:xfrm>
+          <a:prstGeom prst="line">
+            <a:avLst/>
+          </a:prstGeom>
+          <a:ln w="25400">
+            <a:solidFill>
+              <a:schemeClr val="tx1">
+                <a:lumMod val="50000"/>
+                <a:lumOff val="50000"/>
+              </a:schemeClr>
+            </a:solidFill>
+          </a:ln>
+        </p:spPr>
+        <p:style>
+          <a:lnRef idx="1">
+            <a:schemeClr val="accent1"/>
+          </a:lnRef>
+          <a:fillRef idx="0">
+            <a:schemeClr val="accent1"/>
+          </a:fillRef>
+          <a:effectRef idx="0">
+            <a:schemeClr val="accent1"/>
+          </a:effectRef>
+          <a:fontRef idx="minor">
+            <a:schemeClr val="tx1"/>
+          </a:fontRef>
+        </p:style>
+      </p:cxnSp>
+      <p:cxnSp>
+        <p:nvCxnSpPr>
+          <p:cNvPr id="9" name="直線コネクタ 8">
+            <a:extLst>
+              <a:ext uri="{FF2B5EF4-FFF2-40B4-BE49-F238E27FC236}">
+                <a16:creationId xmlns:a16="http://schemas.microsoft.com/office/drawing/2014/main" id="{3B6EF299-2EAB-5043-8E41-B77B9661678A}"/>
+              </a:ext>
+            </a:extLst>
+          </p:cNvPr>
+          <p:cNvCxnSpPr>
+            <a:cxnSpLocks/>
+          </p:cNvCxnSpPr>
+          <p:nvPr/>
+        </p:nvCxnSpPr>
+        <p:spPr>
+          <a:xfrm>
+            <a:off x="10203218" y="1266940"/>
+            <a:ext cx="1318222" cy="0"/>
+          </a:xfrm>
+          <a:prstGeom prst="line">
+            <a:avLst/>
+          </a:prstGeom>
+          <a:ln w="25400">
+            <a:solidFill>
+              <a:schemeClr val="tx1">
+                <a:lumMod val="50000"/>
+                <a:lumOff val="50000"/>
+              </a:schemeClr>
+            </a:solidFill>
+          </a:ln>
+        </p:spPr>
+        <p:style>
+          <a:lnRef idx="1">
+            <a:schemeClr val="accent1"/>
+          </a:lnRef>
+          <a:fillRef idx="0">
+            <a:schemeClr val="accent1"/>
+          </a:fillRef>
+          <a:effectRef idx="0">
+            <a:schemeClr val="accent1"/>
+          </a:effectRef>
+          <a:fontRef idx="minor">
+            <a:schemeClr val="tx1"/>
+          </a:fontRef>
+        </p:style>
+      </p:cxnSp>
+      <p:sp>
+        <p:nvSpPr>
+          <p:cNvPr id="10" name="テキスト ボックス 9">
+            <a:extLst>
+              <a:ext uri="{FF2B5EF4-FFF2-40B4-BE49-F238E27FC236}">
+                <a16:creationId xmlns:a16="http://schemas.microsoft.com/office/drawing/2014/main" id="{7920EEB4-9D5C-CE4E-8585-350A37871857}"/>
+              </a:ext>
+            </a:extLst>
+          </p:cNvPr>
+          <p:cNvSpPr txBox="1"/>
+          <p:nvPr/>
+        </p:nvSpPr>
+        <p:spPr>
+          <a:xfrm rot="16200000">
+            <a:off x="9541911" y="3971492"/>
+            <a:ext cx="1776563" cy="369332"/>
+          </a:xfrm>
+          <a:prstGeom prst="rect">
+            <a:avLst/>
+          </a:prstGeom>
+          <a:noFill/>
+        </p:spPr>
+        <p:txBody>
+          <a:bodyPr wrap="square" rtlCol="0">
+            <a:spAutoFit/>
+          </a:bodyPr>
+          <a:lstStyle/>
+          <a:p>
+            <a:r>
+              <a:rPr kumimoji="1" lang="en-US" altLang="ja-JP" dirty="0">
                 <a:solidFill>
-                  <a:schemeClr val="bg2">
-                    <a:lumMod val="50000"/>
-                  </a:schemeClr>
+                  <a:schemeClr val="accent1"/>
                 </a:solidFill>
               </a:rPr>
-              <a:t>まず</a:t>
-            </a:r>
+              <a:t>Null deviance</a:t>
+            </a:r>
+            <a:endParaRPr kumimoji="1" lang="ja-JP" altLang="en-US">
+              <a:solidFill>
+                <a:schemeClr val="accent1"/>
+              </a:solidFill>
+            </a:endParaRPr>
+          </a:p>
+        </p:txBody>
+      </p:sp>
+      <p:sp>
+        <p:nvSpPr>
+          <p:cNvPr id="11" name="テキスト ボックス 10">
+            <a:extLst>
+              <a:ext uri="{FF2B5EF4-FFF2-40B4-BE49-F238E27FC236}">
+                <a16:creationId xmlns:a16="http://schemas.microsoft.com/office/drawing/2014/main" id="{ECB93667-65E8-7C48-8CED-C905124DF10C}"/>
+              </a:ext>
+            </a:extLst>
+          </p:cNvPr>
+          <p:cNvSpPr txBox="1"/>
+          <p:nvPr/>
+        </p:nvSpPr>
+        <p:spPr>
+          <a:xfrm>
+            <a:off x="10261663" y="6094162"/>
+            <a:ext cx="1930337" cy="646331"/>
+          </a:xfrm>
+          <a:prstGeom prst="rect">
+            <a:avLst/>
+          </a:prstGeom>
+          <a:noFill/>
+        </p:spPr>
+        <p:txBody>
+          <a:bodyPr wrap="none" rtlCol="0">
+            <a:spAutoFit/>
+          </a:bodyPr>
+          <a:lstStyle/>
+          <a:p>
+            <a:r>
+              <a:rPr lang="en-US" altLang="ja-JP" dirty="0"/>
+              <a:t>full model</a:t>
+            </a:r>
+            <a:r>
+              <a:rPr lang="ja-JP" altLang="en-US"/>
+              <a:t>による</a:t>
+            </a:r>
+            <a:endParaRPr lang="en-US" altLang="ja-JP" dirty="0"/>
+          </a:p>
+          <a:p>
+            <a:r>
+              <a:rPr kumimoji="1" lang="ja-JP" altLang="en-US"/>
+              <a:t>最小の逸脱度</a:t>
+            </a:r>
+          </a:p>
+        </p:txBody>
+      </p:sp>
+      <p:sp>
+        <p:nvSpPr>
+          <p:cNvPr id="13" name="テキスト ボックス 12">
+            <a:extLst>
+              <a:ext uri="{FF2B5EF4-FFF2-40B4-BE49-F238E27FC236}">
+                <a16:creationId xmlns:a16="http://schemas.microsoft.com/office/drawing/2014/main" id="{368B959A-8D30-504B-90C8-34EBA867A279}"/>
+              </a:ext>
+            </a:extLst>
+          </p:cNvPr>
+          <p:cNvSpPr txBox="1"/>
+          <p:nvPr/>
+        </p:nvSpPr>
+        <p:spPr>
+          <a:xfrm>
+            <a:off x="10228661" y="530640"/>
+            <a:ext cx="1999265" cy="646331"/>
+          </a:xfrm>
+          <a:prstGeom prst="rect">
+            <a:avLst/>
+          </a:prstGeom>
+          <a:noFill/>
+        </p:spPr>
+        <p:txBody>
+          <a:bodyPr wrap="none" rtlCol="0">
+            <a:spAutoFit/>
+          </a:bodyPr>
+          <a:lstStyle/>
+          <a:p>
+            <a:r>
+              <a:rPr lang="en-US" altLang="ja-JP" dirty="0"/>
+              <a:t>Null</a:t>
+            </a:r>
+            <a:r>
+              <a:rPr lang="ja-JP" altLang="en-US"/>
+              <a:t>モデルによる</a:t>
+            </a:r>
+            <a:endParaRPr lang="en-US" altLang="ja-JP" dirty="0"/>
+          </a:p>
+          <a:p>
+            <a:r>
+              <a:rPr kumimoji="1" lang="ja-JP" altLang="en-US"/>
+              <a:t>最大の逸脱度</a:t>
+            </a:r>
+          </a:p>
+        </p:txBody>
+      </p:sp>
+      <p:sp>
+        <p:nvSpPr>
+          <p:cNvPr id="14" name="テキスト ボックス 13">
+            <a:extLst>
+              <a:ext uri="{FF2B5EF4-FFF2-40B4-BE49-F238E27FC236}">
+                <a16:creationId xmlns:a16="http://schemas.microsoft.com/office/drawing/2014/main" id="{D7AEE5E8-9EF9-B44C-870D-0A7459F4E6A7}"/>
+              </a:ext>
+            </a:extLst>
+          </p:cNvPr>
+          <p:cNvSpPr txBox="1"/>
+          <p:nvPr/>
+        </p:nvSpPr>
+        <p:spPr>
+          <a:xfrm rot="16200000">
+            <a:off x="10338328" y="4340043"/>
+            <a:ext cx="2111475" cy="369332"/>
+          </a:xfrm>
+          <a:prstGeom prst="rect">
+            <a:avLst/>
+          </a:prstGeom>
+          <a:noFill/>
+        </p:spPr>
+        <p:txBody>
+          <a:bodyPr wrap="none" rtlCol="0">
+            <a:spAutoFit/>
+          </a:bodyPr>
+          <a:lstStyle/>
+          <a:p>
             <a:r>
               <a:rPr lang="en-US" altLang="ja-JP" dirty="0">
                 <a:solidFill>
-                  <a:schemeClr val="bg2">
-                    <a:lumMod val="50000"/>
-                  </a:schemeClr>
+                  <a:srgbClr val="FF0000"/>
                 </a:solidFill>
               </a:rPr>
-              <a:t>plot</a:t>
-            </a:r>
-            <a:r>
-              <a:rPr lang="ja-JP" altLang="en-US">
+              <a:t>Residual</a:t>
+            </a:r>
+            <a:r>
+              <a:rPr kumimoji="1" lang="en-US" altLang="ja-JP" dirty="0">
                 <a:solidFill>
-                  <a:schemeClr val="bg2">
-                    <a:lumMod val="50000"/>
-                  </a:schemeClr>
+                  <a:srgbClr val="FF0000"/>
                 </a:solidFill>
               </a:rPr>
-              <a:t>して可視化</a:t>
-            </a:r>
-            <a:endParaRPr lang="en-US" altLang="ja-JP" dirty="0">
+              <a:t> deviance</a:t>
+            </a:r>
+            <a:endParaRPr kumimoji="1" lang="ja-JP" altLang="en-US">
               <a:solidFill>
-                <a:schemeClr val="bg2">
-                  <a:lumMod val="50000"/>
-                </a:schemeClr>
+                <a:srgbClr val="FF0000"/>
               </a:solidFill>
             </a:endParaRPr>
           </a:p>
-          <a:p>
-            <a:endParaRPr lang="en-US" altLang="ja-JP" dirty="0"/>
+        </p:txBody>
+      </p:sp>
+      <p:cxnSp>
+        <p:nvCxnSpPr>
+          <p:cNvPr id="15" name="直線コネクタ 14">
+            <a:extLst>
+              <a:ext uri="{FF2B5EF4-FFF2-40B4-BE49-F238E27FC236}">
+                <a16:creationId xmlns:a16="http://schemas.microsoft.com/office/drawing/2014/main" id="{9D9F5C4D-934E-3445-9A13-71AE8417AC32}"/>
+              </a:ext>
+            </a:extLst>
+          </p:cNvPr>
+          <p:cNvCxnSpPr>
+            <a:cxnSpLocks/>
+          </p:cNvCxnSpPr>
+          <p:nvPr/>
+        </p:nvCxnSpPr>
+        <p:spPr>
+          <a:xfrm>
+            <a:off x="11114366" y="3215640"/>
+            <a:ext cx="0" cy="2788553"/>
+          </a:xfrm>
+          <a:prstGeom prst="line">
+            <a:avLst/>
+          </a:prstGeom>
+          <a:ln w="25400">
+            <a:solidFill>
+              <a:srgbClr val="FF0000"/>
+            </a:solidFill>
+            <a:headEnd type="arrow"/>
+            <a:tailEnd type="arrow"/>
+          </a:ln>
+        </p:spPr>
+        <p:style>
+          <a:lnRef idx="1">
+            <a:schemeClr val="accent1"/>
+          </a:lnRef>
+          <a:fillRef idx="0">
+            <a:schemeClr val="accent1"/>
+          </a:fillRef>
+          <a:effectRef idx="0">
+            <a:schemeClr val="accent1"/>
+          </a:effectRef>
+          <a:fontRef idx="minor">
+            <a:schemeClr val="tx1"/>
+          </a:fontRef>
+        </p:style>
+      </p:cxnSp>
+      <p:cxnSp>
+        <p:nvCxnSpPr>
+          <p:cNvPr id="18" name="直線コネクタ 17">
+            <a:extLst>
+              <a:ext uri="{FF2B5EF4-FFF2-40B4-BE49-F238E27FC236}">
+                <a16:creationId xmlns:a16="http://schemas.microsoft.com/office/drawing/2014/main" id="{F9732587-A468-434C-9594-9C3FAAD00357}"/>
+              </a:ext>
+            </a:extLst>
+          </p:cNvPr>
+          <p:cNvCxnSpPr>
+            <a:cxnSpLocks/>
+          </p:cNvCxnSpPr>
+          <p:nvPr/>
+        </p:nvCxnSpPr>
+        <p:spPr>
+          <a:xfrm>
+            <a:off x="10190181" y="3215640"/>
+            <a:ext cx="1356702" cy="0"/>
+          </a:xfrm>
+          <a:prstGeom prst="line">
+            <a:avLst/>
+          </a:prstGeom>
+          <a:ln w="25400">
+            <a:solidFill>
+              <a:schemeClr val="tx1">
+                <a:lumMod val="50000"/>
+                <a:lumOff val="50000"/>
+              </a:schemeClr>
+            </a:solidFill>
+          </a:ln>
+        </p:spPr>
+        <p:style>
+          <a:lnRef idx="1">
+            <a:schemeClr val="accent1"/>
+          </a:lnRef>
+          <a:fillRef idx="0">
+            <a:schemeClr val="accent1"/>
+          </a:fillRef>
+          <a:effectRef idx="0">
+            <a:schemeClr val="accent1"/>
+          </a:effectRef>
+          <a:fontRef idx="minor">
+            <a:schemeClr val="tx1"/>
+          </a:fontRef>
+        </p:style>
+      </p:cxnSp>
+      <p:sp>
+        <p:nvSpPr>
+          <p:cNvPr id="20" name="テキスト ボックス 19">
+            <a:extLst>
+              <a:ext uri="{FF2B5EF4-FFF2-40B4-BE49-F238E27FC236}">
+                <a16:creationId xmlns:a16="http://schemas.microsoft.com/office/drawing/2014/main" id="{4412D54C-E400-A348-9C5D-B9099C670194}"/>
+              </a:ext>
+            </a:extLst>
+          </p:cNvPr>
+          <p:cNvSpPr txBox="1"/>
+          <p:nvPr/>
+        </p:nvSpPr>
+        <p:spPr>
+          <a:xfrm>
+            <a:off x="10670203" y="2479339"/>
+            <a:ext cx="1569660" cy="646331"/>
+          </a:xfrm>
+          <a:prstGeom prst="rect">
+            <a:avLst/>
+          </a:prstGeom>
+          <a:noFill/>
+        </p:spPr>
+        <p:txBody>
+          <a:bodyPr wrap="none" rtlCol="0">
+            <a:spAutoFit/>
+          </a:bodyPr>
+          <a:lstStyle/>
+          <a:p>
+            <a:r>
+              <a:rPr kumimoji="1" lang="ja-JP" altLang="en-US"/>
+              <a:t>対象のモデル</a:t>
+            </a:r>
+            <a:endParaRPr kumimoji="1" lang="en-US" altLang="ja-JP" dirty="0"/>
           </a:p>
           <a:p>
             <a:r>
               <a:rPr lang="ja-JP" altLang="en-US"/>
-              <a:t>分布からずれていないかチェックのプロット；</a:t>
-            </a:r>
-            <a:r>
-              <a:rPr lang="en-US" altLang="ja-JP" dirty="0" err="1"/>
-              <a:t>QQplot</a:t>
-            </a:r>
-            <a:endParaRPr lang="en-US" altLang="ja-JP" dirty="0"/>
-          </a:p>
-          <a:p>
-            <a:pPr marL="457200" lvl="1" indent="0">
-              <a:buNone/>
-            </a:pPr>
-            <a:endParaRPr lang="en-US" altLang="ja-JP" dirty="0">
-              <a:solidFill>
-                <a:schemeClr val="bg2">
-                  <a:lumMod val="50000"/>
-                </a:schemeClr>
-              </a:solidFill>
-            </a:endParaRPr>
-          </a:p>
-          <a:p>
-            <a:r>
-              <a:rPr lang="en-US" altLang="ja-JP" dirty="0">
-                <a:solidFill>
-                  <a:schemeClr val="bg2">
-                    <a:lumMod val="50000"/>
-                  </a:schemeClr>
-                </a:solidFill>
-              </a:rPr>
-              <a:t>Shapiro-Wilk</a:t>
-            </a:r>
-            <a:r>
-              <a:rPr lang="ja-JP" altLang="en-US">
-                <a:solidFill>
-                  <a:schemeClr val="bg2">
-                    <a:lumMod val="50000"/>
-                  </a:schemeClr>
-                </a:solidFill>
-              </a:rPr>
-              <a:t>検定</a:t>
-            </a:r>
-            <a:endParaRPr lang="en-US" altLang="ja-JP" dirty="0">
-              <a:solidFill>
-                <a:schemeClr val="bg2">
-                  <a:lumMod val="50000"/>
-                </a:schemeClr>
-              </a:solidFill>
-            </a:endParaRPr>
+              <a:t>による逸脱度</a:t>
+            </a:r>
+            <a:endParaRPr kumimoji="1" lang="ja-JP" altLang="en-US"/>
+          </a:p>
+        </p:txBody>
+      </p:sp>
+      <p:cxnSp>
+        <p:nvCxnSpPr>
+          <p:cNvPr id="21" name="直線コネクタ 20">
+            <a:extLst>
+              <a:ext uri="{FF2B5EF4-FFF2-40B4-BE49-F238E27FC236}">
+                <a16:creationId xmlns:a16="http://schemas.microsoft.com/office/drawing/2014/main" id="{A29A8BBB-E9AB-C84F-B76C-D85219AB31B3}"/>
+              </a:ext>
+            </a:extLst>
+          </p:cNvPr>
+          <p:cNvCxnSpPr>
+            <a:cxnSpLocks/>
+          </p:cNvCxnSpPr>
+          <p:nvPr/>
+        </p:nvCxnSpPr>
+        <p:spPr>
+          <a:xfrm>
+            <a:off x="10190181" y="620608"/>
+            <a:ext cx="0" cy="5947832"/>
+          </a:xfrm>
+          <a:prstGeom prst="line">
+            <a:avLst/>
+          </a:prstGeom>
+          <a:ln w="25400">
+            <a:solidFill>
+              <a:schemeClr val="tx1"/>
+            </a:solidFill>
+            <a:headEnd type="none"/>
+            <a:tailEnd type="none"/>
+          </a:ln>
+        </p:spPr>
+        <p:style>
+          <a:lnRef idx="1">
+            <a:schemeClr val="accent1"/>
+          </a:lnRef>
+          <a:fillRef idx="0">
+            <a:schemeClr val="accent1"/>
+          </a:fillRef>
+          <a:effectRef idx="0">
+            <a:schemeClr val="accent1"/>
+          </a:effectRef>
+          <a:fontRef idx="minor">
+            <a:schemeClr val="tx1"/>
+          </a:fontRef>
+        </p:style>
+      </p:cxnSp>
+      <p:sp>
+        <p:nvSpPr>
+          <p:cNvPr id="25" name="テキスト ボックス 24">
+            <a:extLst>
+              <a:ext uri="{FF2B5EF4-FFF2-40B4-BE49-F238E27FC236}">
+                <a16:creationId xmlns:a16="http://schemas.microsoft.com/office/drawing/2014/main" id="{3CC48E9A-D2AF-5A4C-8E75-252BE744E3E9}"/>
+              </a:ext>
+            </a:extLst>
+          </p:cNvPr>
+          <p:cNvSpPr txBox="1"/>
+          <p:nvPr/>
+        </p:nvSpPr>
+        <p:spPr>
+          <a:xfrm rot="16200000">
+            <a:off x="8838212" y="3182255"/>
+            <a:ext cx="2252540" cy="369332"/>
+          </a:xfrm>
+          <a:prstGeom prst="rect">
+            <a:avLst/>
+          </a:prstGeom>
+          <a:noFill/>
+        </p:spPr>
+        <p:txBody>
+          <a:bodyPr wrap="none" rtlCol="0">
+            <a:spAutoFit/>
+          </a:bodyPr>
+          <a:lstStyle/>
+          <a:p>
+            <a:r>
+              <a:rPr lang="en-US" altLang="ja-JP" dirty="0"/>
+              <a:t>d</a:t>
+            </a:r>
+            <a:r>
+              <a:rPr kumimoji="1" lang="en-US" altLang="ja-JP" dirty="0"/>
+              <a:t>eviance   -2 log </a:t>
+            </a:r>
+            <a:r>
+              <a:rPr kumimoji="1" lang="en-US" altLang="ja-JP" i="1" dirty="0"/>
+              <a:t>L</a:t>
+            </a:r>
+            <a:r>
+              <a:rPr kumimoji="1" lang="en-US" altLang="ja-JP" baseline="30000" dirty="0"/>
+              <a:t>*</a:t>
+            </a:r>
+            <a:endParaRPr kumimoji="1" lang="ja-JP" altLang="en-US" baseline="30000"/>
+          </a:p>
+        </p:txBody>
+      </p:sp>
+      <p:sp>
+        <p:nvSpPr>
+          <p:cNvPr id="4" name="テキスト ボックス 3">
+            <a:extLst>
+              <a:ext uri="{FF2B5EF4-FFF2-40B4-BE49-F238E27FC236}">
+                <a16:creationId xmlns:a16="http://schemas.microsoft.com/office/drawing/2014/main" id="{D5FEAA56-4932-FD59-DF9A-B4F511BDBF1A}"/>
+              </a:ext>
+            </a:extLst>
+          </p:cNvPr>
+          <p:cNvSpPr txBox="1"/>
+          <p:nvPr/>
+        </p:nvSpPr>
+        <p:spPr>
+          <a:xfrm>
+            <a:off x="923449" y="6488668"/>
+            <a:ext cx="6337829" cy="369332"/>
+          </a:xfrm>
+          <a:prstGeom prst="rect">
+            <a:avLst/>
+          </a:prstGeom>
+          <a:noFill/>
+        </p:spPr>
+        <p:txBody>
+          <a:bodyPr wrap="square" rtlCol="0">
+            <a:spAutoFit/>
+          </a:bodyPr>
+          <a:lstStyle/>
+          <a:p>
+            <a:r>
+              <a:rPr kumimoji="1" lang="en-US" altLang="ja-JP" dirty="0"/>
+              <a:t>※</a:t>
+            </a:r>
+            <a:r>
+              <a:rPr kumimoji="1" lang="ja-JP" altLang="en-US"/>
+              <a:t>フルモデルの定義が、モデル選択の場合と違うので注意</a:t>
+            </a:r>
           </a:p>
         </p:txBody>
       </p:sp>
     </p:spTree>
     <p:extLst>
       <p:ext uri="{BB962C8B-B14F-4D97-AF65-F5344CB8AC3E}">
-        <p14:creationId xmlns:p14="http://schemas.microsoft.com/office/powerpoint/2010/main" val="623929723"/>
+        <p14:creationId xmlns:p14="http://schemas.microsoft.com/office/powerpoint/2010/main" val="2595786992"/>
       </p:ext>
     </p:extLst>
   </p:cSld>
@@ -6471,7 +6162,7 @@
           <p:cNvPr id="2" name="タイトル 1">
             <a:extLst>
               <a:ext uri="{FF2B5EF4-FFF2-40B4-BE49-F238E27FC236}">
-                <a16:creationId xmlns:a16="http://schemas.microsoft.com/office/drawing/2014/main" id="{ADD62BF2-6FF7-9842-B55F-6A8B6B522A7E}"/>
+                <a16:creationId xmlns:a16="http://schemas.microsoft.com/office/drawing/2014/main" id="{51AA4A24-C87F-0340-9C26-29126700D1D9}"/>
               </a:ext>
             </a:extLst>
           </p:cNvPr>
@@ -6488,9 +6179,14 @@
           <a:lstStyle/>
           <a:p>
             <a:r>
-              <a:rPr kumimoji="1" lang="ja-JP" altLang="en-US"/>
-              <a:t>線形モデルの残差</a:t>
-            </a:r>
+              <a:rPr lang="ja-JP" altLang="en-US"/>
+              <a:t>逸脱度と</a:t>
+            </a:r>
+            <a:r>
+              <a:rPr lang="en-US" altLang="ja-JP" dirty="0"/>
+              <a:t>AIC</a:t>
+            </a:r>
+            <a:endParaRPr kumimoji="1" lang="ja-JP" altLang="en-US"/>
           </a:p>
         </p:txBody>
       </p:sp>
@@ -6499,7 +6195,7 @@
           <p:cNvPr id="3" name="コンテンツ プレースホルダー 2">
             <a:extLst>
               <a:ext uri="{FF2B5EF4-FFF2-40B4-BE49-F238E27FC236}">
-                <a16:creationId xmlns:a16="http://schemas.microsoft.com/office/drawing/2014/main" id="{1805BEF9-DE5C-E743-813A-6F4CE0125DA2}"/>
+                <a16:creationId xmlns:a16="http://schemas.microsoft.com/office/drawing/2014/main" id="{A3D0ED53-FAAB-AD43-A6F9-C615C36B1450}"/>
               </a:ext>
             </a:extLst>
           </p:cNvPr>
@@ -6512,138 +6208,120 @@
         </p:nvSpPr>
         <p:spPr/>
         <p:txBody>
-          <a:bodyPr>
-            <a:normAutofit/>
-          </a:bodyPr>
+          <a:bodyPr/>
           <a:lstStyle/>
           <a:p>
             <a:r>
               <a:rPr kumimoji="1" lang="ja-JP" altLang="en-US"/>
-              <a:t>線形モデルは誤差が正規分布に従うと仮定</a:t>
+              <a:t>赤池情報量基準</a:t>
+            </a:r>
+            <a:r>
+              <a:rPr kumimoji="1" lang="en-US" altLang="ja-JP" dirty="0"/>
+              <a:t>(AIC)</a:t>
+            </a:r>
+            <a:r>
+              <a:rPr kumimoji="1" lang="ja-JP" altLang="en-US"/>
+              <a:t>は逸脱度</a:t>
+            </a:r>
+            <a:r>
+              <a:rPr kumimoji="1" lang="en-US" altLang="ja-JP" dirty="0"/>
+              <a:t>(D)</a:t>
+            </a:r>
+            <a:r>
+              <a:rPr kumimoji="1" lang="ja-JP" altLang="en-US"/>
+              <a:t>に推定パラメータ数</a:t>
+            </a:r>
+            <a:r>
+              <a:rPr kumimoji="1" lang="en-US" altLang="ja-JP" dirty="0"/>
+              <a:t>(k)</a:t>
+            </a:r>
+            <a:r>
+              <a:rPr kumimoji="1" lang="ja-JP" altLang="en-US"/>
+              <a:t>を加味した指標</a:t>
+            </a:r>
+            <a:endParaRPr lang="en-US" altLang="ja-JP" dirty="0"/>
+          </a:p>
+          <a:p>
+            <a:pPr lvl="1"/>
+            <a:r>
+              <a:rPr kumimoji="1" lang="en-US" altLang="ja-JP" dirty="0"/>
+              <a:t>AIC = </a:t>
+            </a:r>
+            <a:r>
+              <a:rPr lang="en-US" altLang="ja-JP" dirty="0"/>
+              <a:t>–</a:t>
+            </a:r>
+            <a:r>
+              <a:rPr kumimoji="1" lang="en-US" altLang="ja-JP" dirty="0"/>
+              <a:t> 2 (log </a:t>
+            </a:r>
+            <a:r>
+              <a:rPr kumimoji="1" lang="en-US" altLang="ja-JP" i="1" dirty="0"/>
+              <a:t>L</a:t>
+            </a:r>
+            <a:r>
+              <a:rPr kumimoji="1" lang="en-US" altLang="ja-JP" baseline="30000" dirty="0"/>
+              <a:t>*</a:t>
+            </a:r>
+            <a:r>
+              <a:rPr kumimoji="1" lang="en-US" altLang="ja-JP" dirty="0"/>
+              <a:t> –  </a:t>
+            </a:r>
+            <a:r>
+              <a:rPr kumimoji="1" lang="en-US" altLang="ja-JP" i="1" dirty="0"/>
+              <a:t>k</a:t>
+            </a:r>
+            <a:r>
+              <a:rPr lang="en-US" altLang="ja-JP" dirty="0"/>
+              <a:t> )= </a:t>
+            </a:r>
+            <a:r>
+              <a:rPr lang="en-US" altLang="ja-JP" i="1" dirty="0"/>
+              <a:t>D</a:t>
+            </a:r>
+            <a:r>
+              <a:rPr lang="en-US" altLang="ja-JP" dirty="0"/>
+              <a:t> + 2 </a:t>
+            </a:r>
+            <a:r>
+              <a:rPr lang="en-US" altLang="ja-JP" i="1" dirty="0"/>
+              <a:t>k</a:t>
+            </a:r>
+          </a:p>
+          <a:p>
+            <a:endParaRPr kumimoji="1" lang="en-US" altLang="ja-JP" i="1" dirty="0"/>
+          </a:p>
+          <a:p>
+            <a:r>
+              <a:rPr kumimoji="1" lang="ja-JP" altLang="en-US"/>
+              <a:t>推定パラメータ数が多いほどデータへの当てはまりは良くなる．</a:t>
             </a:r>
             <a:endParaRPr kumimoji="1" lang="en-US" altLang="ja-JP" dirty="0"/>
           </a:p>
           <a:p>
-            <a:pPr marL="0" indent="0">
-              <a:buNone/>
-            </a:pPr>
+            <a:endParaRPr lang="en-US" altLang="ja-JP" dirty="0"/>
+          </a:p>
+          <a:p>
+            <a:r>
+              <a:rPr lang="ja-JP" altLang="en-US"/>
+              <a:t>当てはまりの悪さ</a:t>
+            </a:r>
             <a:r>
               <a:rPr lang="en-US" altLang="ja-JP" dirty="0"/>
-              <a:t>	</a:t>
+              <a:t>+</a:t>
             </a:r>
             <a:r>
               <a:rPr lang="ja-JP" altLang="en-US"/>
-              <a:t>→</a:t>
-            </a:r>
-            <a:r>
-              <a:rPr kumimoji="1" lang="en-US" altLang="ja-JP" dirty="0" err="1"/>
-              <a:t>lm</a:t>
-            </a:r>
-            <a:r>
-              <a:rPr kumimoji="1" lang="ja-JP" altLang="en-US"/>
-              <a:t>結果オブジェクトの残差は</a:t>
-            </a:r>
-            <a:r>
-              <a:rPr lang="ja-JP" altLang="en-US"/>
-              <a:t>正規分布に従っているはず</a:t>
-            </a:r>
-            <a:endParaRPr lang="en-US" altLang="ja-JP" dirty="0"/>
-          </a:p>
-          <a:p>
-            <a:pPr marL="0" indent="0">
-              <a:buNone/>
-            </a:pPr>
-            <a:endParaRPr kumimoji="1" lang="en-US" altLang="ja-JP" dirty="0"/>
-          </a:p>
-          <a:p>
-            <a:r>
-              <a:rPr kumimoji="1" lang="ja-JP" altLang="en-US"/>
-              <a:t>残差を大きさで並び替えれば（ソートすれば）、理論的に正規分布</a:t>
-            </a:r>
-            <a:r>
-              <a:rPr kumimoji="1" lang="en-US" altLang="ja-JP" dirty="0"/>
-              <a:t>(</a:t>
-            </a:r>
-            <a:r>
-              <a:rPr kumimoji="1" lang="ja-JP" altLang="en-US"/>
-              <a:t>平均０、分散</a:t>
-            </a:r>
-            <a:r>
-              <a:rPr kumimoji="1" lang="en-US" altLang="ja-JP" dirty="0" err="1"/>
-              <a:t>σ</a:t>
-            </a:r>
-            <a:r>
-              <a:rPr kumimoji="1" lang="en-US" altLang="ja-JP" dirty="0"/>
-              <a:t>)</a:t>
-            </a:r>
-            <a:r>
-              <a:rPr kumimoji="1" lang="ja-JP" altLang="en-US"/>
-              <a:t>をデータのサンプルサイズ</a:t>
-            </a:r>
-            <a:r>
-              <a:rPr kumimoji="1" lang="en-US" altLang="ja-JP" dirty="0"/>
-              <a:t>n</a:t>
-            </a:r>
-            <a:r>
-              <a:rPr kumimoji="1" lang="ja-JP" altLang="en-US"/>
-              <a:t>で割った時の順位</a:t>
-            </a:r>
-            <a:r>
-              <a:rPr lang="ja-JP" altLang="en-US"/>
-              <a:t>から求められる期待値に</a:t>
-            </a:r>
-            <a:r>
-              <a:rPr kumimoji="1" lang="ja-JP" altLang="en-US"/>
-              <a:t>相当する値になっているはず</a:t>
-            </a:r>
-            <a:endParaRPr kumimoji="1" lang="en-US" altLang="ja-JP" dirty="0"/>
-          </a:p>
-          <a:p>
-            <a:pPr lvl="1"/>
-            <a:r>
-              <a:rPr lang="ja-JP" altLang="en-US"/>
-              <a:t>この分散</a:t>
-            </a:r>
-            <a:r>
-              <a:rPr lang="en-US" altLang="ja-JP" dirty="0" err="1"/>
-              <a:t>σ</a:t>
-            </a:r>
-            <a:r>
-              <a:rPr lang="ja-JP" altLang="en-US"/>
-              <a:t>の値は係数推定時に得られる（第</a:t>
-            </a:r>
-            <a:r>
-              <a:rPr lang="en-US" altLang="ja-JP" dirty="0"/>
-              <a:t>18</a:t>
-            </a:r>
-            <a:r>
-              <a:rPr lang="ja-JP" altLang="en-US"/>
-              <a:t>回で係数</a:t>
-            </a:r>
-            <a:r>
-              <a:rPr lang="en-US" altLang="ja-JP" dirty="0"/>
-              <a:t>β</a:t>
-            </a:r>
-            <a:r>
-              <a:rPr lang="ja-JP" altLang="en-US"/>
-              <a:t>と分散</a:t>
-            </a:r>
-            <a:r>
-              <a:rPr lang="en-US" altLang="ja-JP" dirty="0"/>
-              <a:t>s</a:t>
-            </a:r>
-            <a:r>
-              <a:rPr lang="ja-JP" altLang="en-US"/>
-              <a:t>を最尤推定）　</a:t>
-            </a:r>
-            <a:endParaRPr kumimoji="1" lang="en-US" altLang="ja-JP" dirty="0"/>
+              <a:t>パラメータ数が小さいものが選ばれる基準になる．</a:t>
+            </a:r>
+            <a:endParaRPr kumimoji="1" lang="ja-JP" altLang="en-US"/>
           </a:p>
         </p:txBody>
       </p:sp>
     </p:spTree>
     <p:extLst>
       <p:ext uri="{BB962C8B-B14F-4D97-AF65-F5344CB8AC3E}">
-        <p14:creationId xmlns:p14="http://schemas.microsoft.com/office/powerpoint/2010/main" val="2178159451"/>
+        <p14:creationId xmlns:p14="http://schemas.microsoft.com/office/powerpoint/2010/main" val="3834722928"/>
       </p:ext>
     </p:extLst>
   </p:cSld>
@@ -6675,7 +6353,7 @@
           <p:cNvPr id="2" name="タイトル 1">
             <a:extLst>
               <a:ext uri="{FF2B5EF4-FFF2-40B4-BE49-F238E27FC236}">
-                <a16:creationId xmlns:a16="http://schemas.microsoft.com/office/drawing/2014/main" id="{892C59F3-AD8A-C648-98CA-0C3943AE4A58}"/>
+                <a16:creationId xmlns:a16="http://schemas.microsoft.com/office/drawing/2014/main" id="{3EDC79C0-2A26-D941-A5F7-373444EDA627}"/>
               </a:ext>
             </a:extLst>
           </p:cNvPr>
@@ -6693,7 +6371,7 @@
           <a:p>
             <a:r>
               <a:rPr kumimoji="1" lang="ja-JP" altLang="en-US"/>
-              <a:t>サンプルの順位と分位</a:t>
+              <a:t>残差説明度</a:t>
             </a:r>
           </a:p>
         </p:txBody>
@@ -6703,7 +6381,7 @@
           <p:cNvPr id="3" name="コンテンツ プレースホルダー 2">
             <a:extLst>
               <a:ext uri="{FF2B5EF4-FFF2-40B4-BE49-F238E27FC236}">
-                <a16:creationId xmlns:a16="http://schemas.microsoft.com/office/drawing/2014/main" id="{2B892BED-13CC-B648-8A24-26DF1294EB9C}"/>
+                <a16:creationId xmlns:a16="http://schemas.microsoft.com/office/drawing/2014/main" id="{0A76176E-B4A1-B240-E30B-D867D68F2B04}"/>
               </a:ext>
             </a:extLst>
           </p:cNvPr>
@@ -6716,235 +6394,1410 @@
         </p:nvSpPr>
         <p:spPr/>
         <p:txBody>
-          <a:bodyPr>
-            <a:normAutofit fontScale="85000" lnSpcReduction="20000"/>
+          <a:bodyPr/>
+          <a:lstStyle/>
+          <a:p>
+            <a:r>
+              <a:rPr kumimoji="1" lang="ja-JP" altLang="en-US"/>
+              <a:t>線形モデルの決定係数のように、</a:t>
+            </a:r>
+            <a:r>
+              <a:rPr kumimoji="1" lang="en-US" altLang="ja-JP" dirty="0"/>
+              <a:t>GLM</a:t>
+            </a:r>
+            <a:r>
+              <a:rPr kumimoji="1" lang="ja-JP" altLang="en-US"/>
+              <a:t>において、</a:t>
+            </a:r>
+            <a:r>
+              <a:rPr kumimoji="1" lang="en-US" altLang="ja-JP" dirty="0"/>
+              <a:t>Null</a:t>
+            </a:r>
+            <a:r>
+              <a:rPr kumimoji="1" lang="ja-JP" altLang="en-US"/>
+              <a:t>逸脱度を基準に残差逸脱度がどれほどの程度を占めるかを示す指標</a:t>
+            </a:r>
+            <a:endParaRPr kumimoji="1" lang="en-US" altLang="ja-JP" dirty="0"/>
+          </a:p>
+          <a:p>
+            <a:endParaRPr lang="en-US" altLang="ja-JP" dirty="0"/>
+          </a:p>
+          <a:p>
+            <a:pPr marL="0" indent="0">
+              <a:buNone/>
+            </a:pPr>
+            <a:r>
+              <a:rPr kumimoji="1" lang="en-US" altLang="ja-JP" dirty="0"/>
+              <a:t> </a:t>
+            </a:r>
+            <a:r>
+              <a:rPr kumimoji="1" lang="ja-JP" altLang="en-US"/>
+              <a:t>残差逸脱度説明</a:t>
+            </a:r>
+            <a:r>
+              <a:rPr kumimoji="1" lang="en-US" altLang="ja-JP" dirty="0"/>
+              <a:t>%=(1−Residual deviance/Null deviance)*100</a:t>
+            </a:r>
+          </a:p>
+          <a:p>
+            <a:pPr marL="0" indent="0">
+              <a:buNone/>
+            </a:pPr>
+            <a:endParaRPr lang="en-US" altLang="ja-JP" dirty="0"/>
+          </a:p>
+          <a:p>
+            <a:pPr marL="0" indent="0">
+              <a:buNone/>
+            </a:pPr>
+            <a:endParaRPr lang="en-US" altLang="ja-JP" dirty="0"/>
+          </a:p>
+        </p:txBody>
+      </p:sp>
+      <p:grpSp>
+        <p:nvGrpSpPr>
+          <p:cNvPr id="5" name="グループ化 4">
+            <a:extLst>
+              <a:ext uri="{FF2B5EF4-FFF2-40B4-BE49-F238E27FC236}">
+                <a16:creationId xmlns:a16="http://schemas.microsoft.com/office/drawing/2014/main" id="{D2E31F52-0DEE-7AC6-4EE3-355F04FC1AF2}"/>
+              </a:ext>
+            </a:extLst>
+          </p:cNvPr>
+          <p:cNvGrpSpPr/>
+          <p:nvPr/>
+        </p:nvGrpSpPr>
+        <p:grpSpPr>
+          <a:xfrm>
+            <a:off x="2957008" y="4001294"/>
+            <a:ext cx="8909856" cy="2932576"/>
+            <a:chOff x="2291914" y="3113382"/>
+            <a:chExt cx="9304158" cy="3274605"/>
+          </a:xfrm>
+        </p:grpSpPr>
+        <p:cxnSp>
+          <p:nvCxnSpPr>
+            <p:cNvPr id="6" name="直線矢印コネクタ 5">
+              <a:extLst>
+                <a:ext uri="{FF2B5EF4-FFF2-40B4-BE49-F238E27FC236}">
+                  <a16:creationId xmlns:a16="http://schemas.microsoft.com/office/drawing/2014/main" id="{E26D3875-A10F-B839-704C-89616BE9043F}"/>
+                </a:ext>
+              </a:extLst>
+            </p:cNvPr>
+            <p:cNvCxnSpPr>
+              <a:cxnSpLocks/>
+            </p:cNvCxnSpPr>
+            <p:nvPr/>
+          </p:nvCxnSpPr>
+          <p:spPr>
+            <a:xfrm>
+              <a:off x="3024496" y="6130345"/>
+              <a:ext cx="4985830" cy="11447"/>
+            </a:xfrm>
+            <a:prstGeom prst="straightConnector1">
+              <a:avLst/>
+            </a:prstGeom>
+            <a:ln w="34925">
+              <a:solidFill>
+                <a:schemeClr val="tx1"/>
+              </a:solidFill>
+              <a:tailEnd type="triangle"/>
+            </a:ln>
+          </p:spPr>
+          <p:style>
+            <a:lnRef idx="1">
+              <a:schemeClr val="accent1"/>
+            </a:lnRef>
+            <a:fillRef idx="0">
+              <a:schemeClr val="accent1"/>
+            </a:fillRef>
+            <a:effectRef idx="0">
+              <a:schemeClr val="accent1"/>
+            </a:effectRef>
+            <a:fontRef idx="minor">
+              <a:schemeClr val="tx1"/>
+            </a:fontRef>
+          </p:style>
+        </p:cxnSp>
+        <p:cxnSp>
+          <p:nvCxnSpPr>
+            <p:cNvPr id="7" name="直線矢印コネクタ 6">
+              <a:extLst>
+                <a:ext uri="{FF2B5EF4-FFF2-40B4-BE49-F238E27FC236}">
+                  <a16:creationId xmlns:a16="http://schemas.microsoft.com/office/drawing/2014/main" id="{440E646D-18EA-4AB0-D671-04DD559A638F}"/>
+                </a:ext>
+              </a:extLst>
+            </p:cNvPr>
+            <p:cNvCxnSpPr>
+              <a:cxnSpLocks/>
+            </p:cNvCxnSpPr>
+            <p:nvPr/>
+          </p:nvCxnSpPr>
+          <p:spPr>
+            <a:xfrm flipV="1">
+              <a:off x="3024496" y="3382381"/>
+              <a:ext cx="0" cy="2747963"/>
+            </a:xfrm>
+            <a:prstGeom prst="straightConnector1">
+              <a:avLst/>
+            </a:prstGeom>
+            <a:ln w="34925">
+              <a:solidFill>
+                <a:schemeClr val="tx1"/>
+              </a:solidFill>
+              <a:tailEnd type="triangle"/>
+            </a:ln>
+          </p:spPr>
+          <p:style>
+            <a:lnRef idx="1">
+              <a:schemeClr val="accent1"/>
+            </a:lnRef>
+            <a:fillRef idx="0">
+              <a:schemeClr val="accent1"/>
+            </a:fillRef>
+            <a:effectRef idx="0">
+              <a:schemeClr val="accent1"/>
+            </a:effectRef>
+            <a:fontRef idx="minor">
+              <a:schemeClr val="tx1"/>
+            </a:fontRef>
+          </p:style>
+        </p:cxnSp>
+        <p:cxnSp>
+          <p:nvCxnSpPr>
+            <p:cNvPr id="8" name="直線矢印コネクタ 7">
+              <a:extLst>
+                <a:ext uri="{FF2B5EF4-FFF2-40B4-BE49-F238E27FC236}">
+                  <a16:creationId xmlns:a16="http://schemas.microsoft.com/office/drawing/2014/main" id="{7931D845-E867-31D8-94AE-E3627EDF2FE4}"/>
+                </a:ext>
+              </a:extLst>
+            </p:cNvPr>
+            <p:cNvCxnSpPr>
+              <a:cxnSpLocks/>
+            </p:cNvCxnSpPr>
+            <p:nvPr/>
+          </p:nvCxnSpPr>
+          <p:spPr>
+            <a:xfrm flipV="1">
+              <a:off x="2291914" y="4001294"/>
+              <a:ext cx="5718412" cy="2129050"/>
+            </a:xfrm>
+            <a:prstGeom prst="straightConnector1">
+              <a:avLst/>
+            </a:prstGeom>
+            <a:ln w="25400">
+              <a:solidFill>
+                <a:schemeClr val="accent1">
+                  <a:lumMod val="75000"/>
+                </a:schemeClr>
+              </a:solidFill>
+              <a:tailEnd type="none"/>
+            </a:ln>
+          </p:spPr>
+          <p:style>
+            <a:lnRef idx="1">
+              <a:schemeClr val="accent1"/>
+            </a:lnRef>
+            <a:fillRef idx="0">
+              <a:schemeClr val="accent1"/>
+            </a:fillRef>
+            <a:effectRef idx="0">
+              <a:schemeClr val="accent1"/>
+            </a:effectRef>
+            <a:fontRef idx="minor">
+              <a:schemeClr val="tx1"/>
+            </a:fontRef>
+          </p:style>
+        </p:cxnSp>
+        <p:sp>
+          <p:nvSpPr>
+            <p:cNvPr id="9" name="テキスト ボックス 8">
+              <a:extLst>
+                <a:ext uri="{FF2B5EF4-FFF2-40B4-BE49-F238E27FC236}">
+                  <a16:creationId xmlns:a16="http://schemas.microsoft.com/office/drawing/2014/main" id="{378CB6CA-410E-EFA8-0920-066EAC8FE023}"/>
+                </a:ext>
+              </a:extLst>
+            </p:cNvPr>
+            <p:cNvSpPr txBox="1"/>
+            <p:nvPr/>
+          </p:nvSpPr>
+          <p:spPr>
+            <a:xfrm>
+              <a:off x="8011236" y="6018655"/>
+              <a:ext cx="296876" cy="369332"/>
+            </a:xfrm>
+            <a:prstGeom prst="rect">
+              <a:avLst/>
+            </a:prstGeom>
+            <a:noFill/>
+          </p:spPr>
+          <p:txBody>
+            <a:bodyPr wrap="none" rtlCol="0">
+              <a:spAutoFit/>
+            </a:bodyPr>
+            <a:lstStyle/>
+            <a:p>
+              <a:r>
+                <a:rPr kumimoji="1" lang="en-US" altLang="ja-JP" i="1" dirty="0"/>
+                <a:t>x</a:t>
+              </a:r>
+              <a:endParaRPr kumimoji="1" lang="ja-JP" altLang="en-US" i="1"/>
+            </a:p>
+          </p:txBody>
+        </p:sp>
+        <p:sp>
+          <p:nvSpPr>
+            <p:cNvPr id="10" name="テキスト ボックス 9">
+              <a:extLst>
+                <a:ext uri="{FF2B5EF4-FFF2-40B4-BE49-F238E27FC236}">
+                  <a16:creationId xmlns:a16="http://schemas.microsoft.com/office/drawing/2014/main" id="{AFDB4A21-F68F-3E17-7F21-AB4087F812F5}"/>
+                </a:ext>
+              </a:extLst>
+            </p:cNvPr>
+            <p:cNvSpPr txBox="1"/>
+            <p:nvPr/>
+          </p:nvSpPr>
+          <p:spPr>
+            <a:xfrm>
+              <a:off x="2724247" y="3113382"/>
+              <a:ext cx="296876" cy="369332"/>
+            </a:xfrm>
+            <a:prstGeom prst="rect">
+              <a:avLst/>
+            </a:prstGeom>
+            <a:noFill/>
+          </p:spPr>
+          <p:txBody>
+            <a:bodyPr wrap="none" rtlCol="0">
+              <a:spAutoFit/>
+            </a:bodyPr>
+            <a:lstStyle/>
+            <a:p>
+              <a:r>
+                <a:rPr kumimoji="1" lang="en-US" altLang="ja-JP" i="1" dirty="0"/>
+                <a:t>y</a:t>
+              </a:r>
+              <a:endParaRPr kumimoji="1" lang="ja-JP" altLang="en-US" i="1"/>
+            </a:p>
+          </p:txBody>
+        </p:sp>
+        <p:cxnSp>
+          <p:nvCxnSpPr>
+            <p:cNvPr id="11" name="直線矢印コネクタ 10">
+              <a:extLst>
+                <a:ext uri="{FF2B5EF4-FFF2-40B4-BE49-F238E27FC236}">
+                  <a16:creationId xmlns:a16="http://schemas.microsoft.com/office/drawing/2014/main" id="{C7BA68A5-1D38-57C2-6588-5DFB13E689E3}"/>
+                </a:ext>
+              </a:extLst>
+            </p:cNvPr>
+            <p:cNvCxnSpPr>
+              <a:cxnSpLocks/>
+              <a:endCxn id="12" idx="1"/>
+            </p:cNvCxnSpPr>
+            <p:nvPr/>
+          </p:nvCxnSpPr>
+          <p:spPr>
+            <a:xfrm>
+              <a:off x="2518087" y="5225982"/>
+              <a:ext cx="5790025" cy="15421"/>
+            </a:xfrm>
+            <a:prstGeom prst="straightConnector1">
+              <a:avLst/>
+            </a:prstGeom>
+            <a:ln w="12700">
+              <a:solidFill>
+                <a:srgbClr val="00B0F0"/>
+              </a:solidFill>
+              <a:prstDash val="dash"/>
+              <a:tailEnd type="none"/>
+            </a:ln>
+          </p:spPr>
+          <p:style>
+            <a:lnRef idx="1">
+              <a:schemeClr val="accent1"/>
+            </a:lnRef>
+            <a:fillRef idx="0">
+              <a:schemeClr val="accent1"/>
+            </a:fillRef>
+            <a:effectRef idx="0">
+              <a:schemeClr val="accent1"/>
+            </a:effectRef>
+            <a:fontRef idx="minor">
+              <a:schemeClr val="tx1"/>
+            </a:fontRef>
+          </p:style>
+        </p:cxnSp>
+        <p:sp>
+          <p:nvSpPr>
+            <p:cNvPr id="12" name="テキスト ボックス 11">
+              <a:extLst>
+                <a:ext uri="{FF2B5EF4-FFF2-40B4-BE49-F238E27FC236}">
+                  <a16:creationId xmlns:a16="http://schemas.microsoft.com/office/drawing/2014/main" id="{B90F9046-782B-5436-75BB-0A124B59A900}"/>
+                </a:ext>
+              </a:extLst>
+            </p:cNvPr>
+            <p:cNvSpPr txBox="1"/>
+            <p:nvPr/>
+          </p:nvSpPr>
+          <p:spPr>
+            <a:xfrm>
+              <a:off x="8308112" y="5035199"/>
+              <a:ext cx="3287960" cy="412408"/>
+            </a:xfrm>
+            <a:prstGeom prst="rect">
+              <a:avLst/>
+            </a:prstGeom>
+            <a:noFill/>
+          </p:spPr>
+          <p:txBody>
+            <a:bodyPr wrap="none" rtlCol="0">
+              <a:spAutoFit/>
+            </a:bodyPr>
+            <a:lstStyle/>
+            <a:p>
+              <a:r>
+                <a:rPr lang="en-US" altLang="ja-JP" i="1" dirty="0">
+                  <a:solidFill>
+                    <a:srgbClr val="00B0F0"/>
+                  </a:solidFill>
+                </a:rPr>
+                <a:t>y </a:t>
+              </a:r>
+              <a:r>
+                <a:rPr kumimoji="1" lang="ja-JP" altLang="en-US">
+                  <a:solidFill>
+                    <a:srgbClr val="00B0F0"/>
+                  </a:solidFill>
+                </a:rPr>
+                <a:t>の平均値</a:t>
+              </a:r>
+              <a:r>
+                <a:rPr kumimoji="1" lang="en-US" altLang="ja-JP" dirty="0">
+                  <a:solidFill>
+                    <a:srgbClr val="00B0F0"/>
+                  </a:solidFill>
+                </a:rPr>
+                <a:t> (</a:t>
+              </a:r>
+              <a:r>
+                <a:rPr kumimoji="1" lang="ja-JP" altLang="en-US">
+                  <a:solidFill>
+                    <a:srgbClr val="00B0F0"/>
+                  </a:solidFill>
+                </a:rPr>
+                <a:t>傾き０で無相関</a:t>
+              </a:r>
+              <a:r>
+                <a:rPr kumimoji="1" lang="en-US" altLang="ja-JP" dirty="0">
+                  <a:solidFill>
+                    <a:srgbClr val="00B0F0"/>
+                  </a:solidFill>
+                </a:rPr>
+                <a:t>)</a:t>
+              </a:r>
+              <a:endParaRPr kumimoji="1" lang="ja-JP" altLang="en-US">
+                <a:solidFill>
+                  <a:srgbClr val="00B0F0"/>
+                </a:solidFill>
+              </a:endParaRPr>
+            </a:p>
+          </p:txBody>
+        </p:sp>
+        <p:sp>
+          <p:nvSpPr>
+            <p:cNvPr id="13" name="円/楕円 12">
+              <a:extLst>
+                <a:ext uri="{FF2B5EF4-FFF2-40B4-BE49-F238E27FC236}">
+                  <a16:creationId xmlns:a16="http://schemas.microsoft.com/office/drawing/2014/main" id="{E16324BF-9878-EBE9-71BE-A15FD3627424}"/>
+                </a:ext>
+              </a:extLst>
+            </p:cNvPr>
+            <p:cNvSpPr/>
+            <p:nvPr/>
+          </p:nvSpPr>
+          <p:spPr>
+            <a:xfrm>
+              <a:off x="6329908" y="3688312"/>
+              <a:ext cx="109182" cy="109182"/>
+            </a:xfrm>
+            <a:prstGeom prst="ellipse">
+              <a:avLst/>
+            </a:prstGeom>
+            <a:solidFill>
+              <a:schemeClr val="tx1"/>
+            </a:solidFill>
+          </p:spPr>
+          <p:style>
+            <a:lnRef idx="2">
+              <a:schemeClr val="accent1">
+                <a:shade val="50000"/>
+              </a:schemeClr>
+            </a:lnRef>
+            <a:fillRef idx="1">
+              <a:schemeClr val="accent1"/>
+            </a:fillRef>
+            <a:effectRef idx="0">
+              <a:schemeClr val="accent1"/>
+            </a:effectRef>
+            <a:fontRef idx="minor">
+              <a:schemeClr val="lt1"/>
+            </a:fontRef>
+          </p:style>
+          <p:txBody>
+            <a:bodyPr rtlCol="0" anchor="ctr"/>
+            <a:lstStyle/>
+            <a:p>
+              <a:pPr algn="ctr"/>
+              <a:endParaRPr kumimoji="1" lang="ja-JP" altLang="en-US"/>
+            </a:p>
+          </p:txBody>
+        </p:sp>
+        <p:cxnSp>
+          <p:nvCxnSpPr>
+            <p:cNvPr id="14" name="直線矢印コネクタ 13">
+              <a:extLst>
+                <a:ext uri="{FF2B5EF4-FFF2-40B4-BE49-F238E27FC236}">
+                  <a16:creationId xmlns:a16="http://schemas.microsoft.com/office/drawing/2014/main" id="{0976C15E-6124-2884-B8AA-ABEE6053580D}"/>
+                </a:ext>
+              </a:extLst>
+            </p:cNvPr>
+            <p:cNvCxnSpPr>
+              <a:cxnSpLocks/>
+              <a:endCxn id="13" idx="4"/>
+            </p:cNvCxnSpPr>
+            <p:nvPr/>
+          </p:nvCxnSpPr>
+          <p:spPr>
+            <a:xfrm flipV="1">
+              <a:off x="6384499" y="3797494"/>
+              <a:ext cx="0" cy="1399061"/>
+            </a:xfrm>
+            <a:prstGeom prst="straightConnector1">
+              <a:avLst/>
+            </a:prstGeom>
+            <a:ln w="41275">
+              <a:solidFill>
+                <a:srgbClr val="C00000"/>
+              </a:solidFill>
+              <a:prstDash val="dash"/>
+              <a:tailEnd type="none"/>
+            </a:ln>
+          </p:spPr>
+          <p:style>
+            <a:lnRef idx="1">
+              <a:schemeClr val="accent1"/>
+            </a:lnRef>
+            <a:fillRef idx="0">
+              <a:schemeClr val="accent1"/>
+            </a:fillRef>
+            <a:effectRef idx="0">
+              <a:schemeClr val="accent1"/>
+            </a:effectRef>
+            <a:fontRef idx="minor">
+              <a:schemeClr val="tx1"/>
+            </a:fontRef>
+          </p:style>
+        </p:cxnSp>
+        <p:sp>
+          <p:nvSpPr>
+            <p:cNvPr id="15" name="右中かっこ 14">
+              <a:extLst>
+                <a:ext uri="{FF2B5EF4-FFF2-40B4-BE49-F238E27FC236}">
+                  <a16:creationId xmlns:a16="http://schemas.microsoft.com/office/drawing/2014/main" id="{4CB97CB1-15CA-69BD-DE95-E6E5676D322C}"/>
+                </a:ext>
+              </a:extLst>
+            </p:cNvPr>
+            <p:cNvSpPr/>
+            <p:nvPr/>
+          </p:nvSpPr>
+          <p:spPr>
+            <a:xfrm>
+              <a:off x="6439090" y="3797494"/>
+              <a:ext cx="384762" cy="1399061"/>
+            </a:xfrm>
+            <a:prstGeom prst="rightBrace">
+              <a:avLst>
+                <a:gd name="adj1" fmla="val 8333"/>
+                <a:gd name="adj2" fmla="val 63657"/>
+              </a:avLst>
+            </a:prstGeom>
+            <a:ln w="34925">
+              <a:solidFill>
+                <a:schemeClr val="accent4"/>
+              </a:solidFill>
+            </a:ln>
+          </p:spPr>
+          <p:style>
+            <a:lnRef idx="1">
+              <a:schemeClr val="accent1"/>
+            </a:lnRef>
+            <a:fillRef idx="0">
+              <a:schemeClr val="accent1"/>
+            </a:fillRef>
+            <a:effectRef idx="0">
+              <a:schemeClr val="accent1"/>
+            </a:effectRef>
+            <a:fontRef idx="minor">
+              <a:schemeClr val="tx1"/>
+            </a:fontRef>
+          </p:style>
+          <p:txBody>
+            <a:bodyPr rtlCol="0" anchor="ctr"/>
+            <a:lstStyle/>
+            <a:p>
+              <a:pPr algn="ctr"/>
+              <a:endParaRPr kumimoji="1" lang="ja-JP" altLang="en-US"/>
+            </a:p>
+          </p:txBody>
+        </p:sp>
+        <mc:AlternateContent xmlns:mc="http://schemas.openxmlformats.org/markup-compatibility/2006" xmlns:a14="http://schemas.microsoft.com/office/drawing/2010/main">
+          <mc:Choice Requires="a14">
+            <p:sp>
+              <p:nvSpPr>
+                <p:cNvPr id="16" name="テキスト ボックス 15">
+                  <a:extLst>
+                    <a:ext uri="{FF2B5EF4-FFF2-40B4-BE49-F238E27FC236}">
+                      <a16:creationId xmlns:a16="http://schemas.microsoft.com/office/drawing/2014/main" id="{6E7DC111-6747-5A00-A8F2-737D8FCFC097}"/>
+                    </a:ext>
+                  </a:extLst>
+                </p:cNvPr>
+                <p:cNvSpPr txBox="1"/>
+                <p:nvPr/>
+              </p:nvSpPr>
+              <p:spPr>
+                <a:xfrm>
+                  <a:off x="6792930" y="4548727"/>
+                  <a:ext cx="2567629" cy="412408"/>
+                </a:xfrm>
+                <a:prstGeom prst="rect">
+                  <a:avLst/>
+                </a:prstGeom>
+                <a:noFill/>
+              </p:spPr>
+              <p:txBody>
+                <a:bodyPr wrap="none" rtlCol="0">
+                  <a:spAutoFit/>
+                </a:bodyPr>
+                <a:lstStyle/>
+                <a:p>
+                  <a:r>
+                    <a:rPr lang="ja-JP" altLang="en-US"/>
+                    <a:t>平均からのズレ</a:t>
+                  </a:r>
+                  <a14:m>
+                    <m:oMath xmlns:m="http://schemas.openxmlformats.org/officeDocument/2006/math">
+                      <m:r>
+                        <a:rPr lang="en-US" altLang="ja-JP" i="1" dirty="0">
+                          <a:latin typeface="Cambria Math" panose="02040503050406030204" pitchFamily="18" charset="0"/>
+                        </a:rPr>
+                        <m:t> </m:t>
+                      </m:r>
+                      <m:sSub>
+                        <m:sSubPr>
+                          <m:ctrlPr>
+                            <a:rPr lang="en-US" altLang="ja-JP" i="1" dirty="0" smtClean="0">
+                              <a:solidFill>
+                                <a:schemeClr val="accent4">
+                                  <a:lumMod val="75000"/>
+                                </a:schemeClr>
+                              </a:solidFill>
+                              <a:latin typeface="Cambria Math" panose="02040503050406030204" pitchFamily="18" charset="0"/>
+                            </a:rPr>
+                          </m:ctrlPr>
+                        </m:sSubPr>
+                        <m:e>
+                          <m:r>
+                            <a:rPr lang="en-US" altLang="ja-JP" b="0" i="1" dirty="0" smtClean="0">
+                              <a:solidFill>
+                                <a:schemeClr val="accent4">
+                                  <a:lumMod val="75000"/>
+                                </a:schemeClr>
+                              </a:solidFill>
+                              <a:latin typeface="Cambria Math" panose="02040503050406030204" pitchFamily="18" charset="0"/>
+                            </a:rPr>
+                            <m:t>𝑦</m:t>
+                          </m:r>
+                        </m:e>
+                        <m:sub>
+                          <m:r>
+                            <a:rPr lang="en-US" altLang="ja-JP" b="0" i="1" dirty="0" smtClean="0">
+                              <a:solidFill>
+                                <a:schemeClr val="accent4">
+                                  <a:lumMod val="75000"/>
+                                </a:schemeClr>
+                              </a:solidFill>
+                              <a:latin typeface="Cambria Math" panose="02040503050406030204" pitchFamily="18" charset="0"/>
+                            </a:rPr>
+                            <m:t>𝑖</m:t>
+                          </m:r>
+                        </m:sub>
+                      </m:sSub>
+                      <m:r>
+                        <a:rPr lang="en-US" altLang="ja-JP" b="0" i="1" dirty="0" smtClean="0">
+                          <a:solidFill>
+                            <a:schemeClr val="accent4">
+                              <a:lumMod val="75000"/>
+                            </a:schemeClr>
+                          </a:solidFill>
+                          <a:latin typeface="Cambria Math" panose="02040503050406030204" pitchFamily="18" charset="0"/>
+                        </a:rPr>
+                        <m:t>−</m:t>
+                      </m:r>
+                      <m:acc>
+                        <m:accPr>
+                          <m:chr m:val="̅"/>
+                          <m:ctrlPr>
+                            <a:rPr lang="en-US" altLang="ja-JP" i="1" dirty="0">
+                              <a:solidFill>
+                                <a:schemeClr val="accent4">
+                                  <a:lumMod val="75000"/>
+                                </a:schemeClr>
+                              </a:solidFill>
+                              <a:latin typeface="Cambria Math" panose="02040503050406030204" pitchFamily="18" charset="0"/>
+                            </a:rPr>
+                          </m:ctrlPr>
+                        </m:accPr>
+                        <m:e>
+                          <m:r>
+                            <a:rPr lang="en-US" altLang="ja-JP" i="1" dirty="0">
+                              <a:solidFill>
+                                <a:schemeClr val="accent4">
+                                  <a:lumMod val="75000"/>
+                                </a:schemeClr>
+                              </a:solidFill>
+                              <a:latin typeface="Cambria Math" panose="02040503050406030204" pitchFamily="18" charset="0"/>
+                            </a:rPr>
+                            <m:t>𝑦</m:t>
+                          </m:r>
+                        </m:e>
+                      </m:acc>
+                    </m:oMath>
+                  </a14:m>
+                  <a:endParaRPr kumimoji="1" lang="ja-JP" altLang="en-US"/>
+                </a:p>
+              </p:txBody>
+            </p:sp>
+          </mc:Choice>
+          <mc:Fallback xmlns="">
+            <p:sp>
+              <p:nvSpPr>
+                <p:cNvPr id="29" name="テキスト ボックス 28">
+                  <a:extLst>
+                    <a:ext uri="{FF2B5EF4-FFF2-40B4-BE49-F238E27FC236}">
+                      <a16:creationId xmlns:a16="http://schemas.microsoft.com/office/drawing/2014/main" id="{80126787-83B1-0044-ADB0-EC31EF3FF52C}"/>
+                    </a:ext>
+                  </a:extLst>
+                </p:cNvPr>
+                <p:cNvSpPr txBox="1">
+                  <a:spLocks noRot="1" noChangeAspect="1" noMove="1" noResize="1" noEditPoints="1" noAdjustHandles="1" noChangeArrowheads="1" noChangeShapeType="1" noTextEdit="1"/>
+                </p:cNvSpPr>
+                <p:nvPr/>
+              </p:nvSpPr>
+              <p:spPr>
+                <a:xfrm>
+                  <a:off x="6792930" y="4548727"/>
+                  <a:ext cx="2567629" cy="412408"/>
+                </a:xfrm>
+                <a:prstGeom prst="rect">
+                  <a:avLst/>
+                </a:prstGeom>
+                <a:blipFill>
+                  <a:blip r:embed="rId3"/>
+                  <a:stretch>
+                    <a:fillRect l="-2051" t="-10345" b="-31034"/>
+                  </a:stretch>
+                </a:blipFill>
+              </p:spPr>
+              <p:txBody>
+                <a:bodyPr/>
+                <a:lstStyle/>
+                <a:p>
+                  <a:r>
+                    <a:rPr lang="ja-JP" altLang="en-US">
+                      <a:noFill/>
+                    </a:rPr>
+                    <a:t> </a:t>
+                  </a:r>
+                </a:p>
+              </p:txBody>
+            </p:sp>
+          </mc:Fallback>
+        </mc:AlternateContent>
+        <p:sp>
+          <p:nvSpPr>
+            <p:cNvPr id="17" name="右中かっこ 16">
+              <a:extLst>
+                <a:ext uri="{FF2B5EF4-FFF2-40B4-BE49-F238E27FC236}">
+                  <a16:creationId xmlns:a16="http://schemas.microsoft.com/office/drawing/2014/main" id="{F9C693C0-62A4-641C-E1C4-05C3D567E87D}"/>
+                </a:ext>
+              </a:extLst>
+            </p:cNvPr>
+            <p:cNvSpPr/>
+            <p:nvPr/>
+          </p:nvSpPr>
+          <p:spPr>
+            <a:xfrm rot="10800000">
+              <a:off x="5944728" y="3797493"/>
+              <a:ext cx="323409" cy="766473"/>
+            </a:xfrm>
+            <a:prstGeom prst="rightBrace">
+              <a:avLst>
+                <a:gd name="adj1" fmla="val 8333"/>
+                <a:gd name="adj2" fmla="val 63657"/>
+              </a:avLst>
+            </a:prstGeom>
+            <a:ln w="28575">
+              <a:solidFill>
+                <a:srgbClr val="7030A0"/>
+              </a:solidFill>
+            </a:ln>
+          </p:spPr>
+          <p:style>
+            <a:lnRef idx="1">
+              <a:schemeClr val="accent1"/>
+            </a:lnRef>
+            <a:fillRef idx="0">
+              <a:schemeClr val="accent1"/>
+            </a:fillRef>
+            <a:effectRef idx="0">
+              <a:schemeClr val="accent1"/>
+            </a:effectRef>
+            <a:fontRef idx="minor">
+              <a:schemeClr val="tx1"/>
+            </a:fontRef>
+          </p:style>
+          <p:txBody>
+            <a:bodyPr rtlCol="0" anchor="ctr"/>
+            <a:lstStyle/>
+            <a:p>
+              <a:pPr algn="ctr"/>
+              <a:endParaRPr kumimoji="1" lang="ja-JP" altLang="en-US"/>
+            </a:p>
+          </p:txBody>
+        </p:sp>
+        <p:sp>
+          <p:nvSpPr>
+            <p:cNvPr id="18" name="右中かっこ 17">
+              <a:extLst>
+                <a:ext uri="{FF2B5EF4-FFF2-40B4-BE49-F238E27FC236}">
+                  <a16:creationId xmlns:a16="http://schemas.microsoft.com/office/drawing/2014/main" id="{7B047C31-1E14-E80C-4289-818FD6D1B306}"/>
+                </a:ext>
+              </a:extLst>
+            </p:cNvPr>
+            <p:cNvSpPr/>
+            <p:nvPr/>
+          </p:nvSpPr>
+          <p:spPr>
+            <a:xfrm rot="10800000">
+              <a:off x="5743203" y="4587276"/>
+              <a:ext cx="582797" cy="609276"/>
+            </a:xfrm>
+            <a:prstGeom prst="rightBrace">
+              <a:avLst>
+                <a:gd name="adj1" fmla="val 0"/>
+                <a:gd name="adj2" fmla="val 72500"/>
+              </a:avLst>
+            </a:prstGeom>
+            <a:ln w="31750">
+              <a:solidFill>
+                <a:schemeClr val="accent6">
+                  <a:lumMod val="50000"/>
+                </a:schemeClr>
+              </a:solidFill>
+            </a:ln>
+          </p:spPr>
+          <p:style>
+            <a:lnRef idx="1">
+              <a:schemeClr val="accent1"/>
+            </a:lnRef>
+            <a:fillRef idx="0">
+              <a:schemeClr val="accent1"/>
+            </a:fillRef>
+            <a:effectRef idx="0">
+              <a:schemeClr val="accent1"/>
+            </a:effectRef>
+            <a:fontRef idx="minor">
+              <a:schemeClr val="tx1"/>
+            </a:fontRef>
+          </p:style>
+          <p:txBody>
+            <a:bodyPr rtlCol="0" anchor="ctr"/>
+            <a:lstStyle/>
+            <a:p>
+              <a:pPr algn="ctr"/>
+              <a:endParaRPr kumimoji="1" lang="ja-JP" altLang="en-US"/>
+            </a:p>
+          </p:txBody>
+        </p:sp>
+        <mc:AlternateContent xmlns:mc="http://schemas.openxmlformats.org/markup-compatibility/2006" xmlns:a14="http://schemas.microsoft.com/office/drawing/2010/main">
+          <mc:Choice Requires="a14">
+            <p:sp>
+              <p:nvSpPr>
+                <p:cNvPr id="19" name="テキスト ボックス 18">
+                  <a:extLst>
+                    <a:ext uri="{FF2B5EF4-FFF2-40B4-BE49-F238E27FC236}">
+                      <a16:creationId xmlns:a16="http://schemas.microsoft.com/office/drawing/2014/main" id="{7D455E37-4032-0A9A-2272-FE1E44B346A5}"/>
+                    </a:ext>
+                  </a:extLst>
+                </p:cNvPr>
+                <p:cNvSpPr txBox="1"/>
+                <p:nvPr/>
+              </p:nvSpPr>
+              <p:spPr>
+                <a:xfrm>
+                  <a:off x="3628295" y="3779008"/>
+                  <a:ext cx="2368815" cy="721713"/>
+                </a:xfrm>
+                <a:prstGeom prst="rect">
+                  <a:avLst/>
+                </a:prstGeom>
+                <a:noFill/>
+              </p:spPr>
+              <p:txBody>
+                <a:bodyPr wrap="square" rtlCol="0">
+                  <a:spAutoFit/>
+                </a:bodyPr>
+                <a:lstStyle/>
+                <a:p>
+                  <a:r>
+                    <a:rPr kumimoji="1" lang="ja-JP" altLang="en-US"/>
+                    <a:t>回帰予測からの</a:t>
+                  </a:r>
+                  <a:r>
+                    <a:rPr lang="ja-JP" altLang="en-US"/>
+                    <a:t>残差</a:t>
+                  </a:r>
+                  <a:endParaRPr lang="en-US" altLang="ja-JP" dirty="0"/>
+                </a:p>
+                <a:p>
+                  <a:pPr/>
+                  <a14:m>
+                    <m:oMathPara xmlns:m="http://schemas.openxmlformats.org/officeDocument/2006/math">
+                      <m:oMathParaPr>
+                        <m:jc m:val="centerGroup"/>
+                      </m:oMathParaPr>
+                      <m:oMath xmlns:m="http://schemas.openxmlformats.org/officeDocument/2006/math">
+                        <m:sSub>
+                          <m:sSubPr>
+                            <m:ctrlPr>
+                              <a:rPr lang="en-US" altLang="ja-JP" b="0" i="1" dirty="0" smtClean="0">
+                                <a:solidFill>
+                                  <a:srgbClr val="7030A0"/>
+                                </a:solidFill>
+                                <a:latin typeface="Cambria Math" panose="02040503050406030204" pitchFamily="18" charset="0"/>
+                              </a:rPr>
+                            </m:ctrlPr>
+                          </m:sSubPr>
+                          <m:e>
+                            <m:r>
+                              <a:rPr lang="en-US" altLang="ja-JP" b="0" i="1" dirty="0" smtClean="0">
+                                <a:solidFill>
+                                  <a:srgbClr val="7030A0"/>
+                                </a:solidFill>
+                                <a:latin typeface="Cambria Math" panose="02040503050406030204" pitchFamily="18" charset="0"/>
+                              </a:rPr>
+                              <m:t>𝑒</m:t>
+                            </m:r>
+                          </m:e>
+                          <m:sub>
+                            <m:r>
+                              <a:rPr lang="en-US" altLang="ja-JP" b="0" i="1" dirty="0" smtClean="0">
+                                <a:solidFill>
+                                  <a:srgbClr val="7030A0"/>
+                                </a:solidFill>
+                                <a:latin typeface="Cambria Math" panose="02040503050406030204" pitchFamily="18" charset="0"/>
+                              </a:rPr>
+                              <m:t>𝑖</m:t>
+                            </m:r>
+                          </m:sub>
+                        </m:sSub>
+                        <m:r>
+                          <a:rPr lang="en-US" altLang="ja-JP" b="0" i="0" dirty="0" smtClean="0">
+                            <a:solidFill>
+                              <a:srgbClr val="7030A0"/>
+                            </a:solidFill>
+                            <a:latin typeface="Cambria Math" panose="02040503050406030204" pitchFamily="18" charset="0"/>
+                          </a:rPr>
+                          <m:t>=</m:t>
+                        </m:r>
+                        <m:sSub>
+                          <m:sSubPr>
+                            <m:ctrlPr>
+                              <a:rPr lang="en-US" altLang="ja-JP" i="1" dirty="0">
+                                <a:solidFill>
+                                  <a:srgbClr val="7030A0"/>
+                                </a:solidFill>
+                                <a:latin typeface="Cambria Math" panose="02040503050406030204" pitchFamily="18" charset="0"/>
+                              </a:rPr>
+                            </m:ctrlPr>
+                          </m:sSubPr>
+                          <m:e>
+                            <m:r>
+                              <a:rPr lang="en-US" altLang="ja-JP" i="1" dirty="0">
+                                <a:solidFill>
+                                  <a:srgbClr val="7030A0"/>
+                                </a:solidFill>
+                                <a:latin typeface="Cambria Math" panose="02040503050406030204" pitchFamily="18" charset="0"/>
+                              </a:rPr>
+                              <m:t>𝑦</m:t>
+                            </m:r>
+                          </m:e>
+                          <m:sub>
+                            <m:r>
+                              <a:rPr lang="en-US" altLang="ja-JP" i="1" dirty="0">
+                                <a:solidFill>
+                                  <a:srgbClr val="7030A0"/>
+                                </a:solidFill>
+                                <a:latin typeface="Cambria Math" panose="02040503050406030204" pitchFamily="18" charset="0"/>
+                              </a:rPr>
+                              <m:t>𝑖</m:t>
+                            </m:r>
+                          </m:sub>
+                        </m:sSub>
+                        <m:r>
+                          <a:rPr lang="en-US" altLang="ja-JP" i="1" dirty="0">
+                            <a:solidFill>
+                              <a:srgbClr val="7030A0"/>
+                            </a:solidFill>
+                            <a:latin typeface="Cambria Math" panose="02040503050406030204" pitchFamily="18" charset="0"/>
+                          </a:rPr>
+                          <m:t>−</m:t>
+                        </m:r>
+                        <m:sSub>
+                          <m:sSubPr>
+                            <m:ctrlPr>
+                              <a:rPr lang="en-US" altLang="ja-JP" i="1" dirty="0" smtClean="0">
+                                <a:solidFill>
+                                  <a:srgbClr val="7030A0"/>
+                                </a:solidFill>
+                                <a:latin typeface="Cambria Math" panose="02040503050406030204" pitchFamily="18" charset="0"/>
+                              </a:rPr>
+                            </m:ctrlPr>
+                          </m:sSubPr>
+                          <m:e>
+                            <m:acc>
+                              <m:accPr>
+                                <m:chr m:val="̂"/>
+                                <m:ctrlPr>
+                                  <a:rPr lang="en-US" altLang="ja-JP" i="1" dirty="0" smtClean="0">
+                                    <a:solidFill>
+                                      <a:srgbClr val="7030A0"/>
+                                    </a:solidFill>
+                                    <a:latin typeface="Cambria Math" panose="02040503050406030204" pitchFamily="18" charset="0"/>
+                                  </a:rPr>
+                                </m:ctrlPr>
+                              </m:accPr>
+                              <m:e>
+                                <m:r>
+                                  <a:rPr lang="en-US" altLang="ja-JP" b="0" i="1" dirty="0" smtClean="0">
+                                    <a:solidFill>
+                                      <a:srgbClr val="7030A0"/>
+                                    </a:solidFill>
+                                    <a:latin typeface="Cambria Math" panose="02040503050406030204" pitchFamily="18" charset="0"/>
+                                  </a:rPr>
+                                  <m:t>𝑦</m:t>
+                                </m:r>
+                              </m:e>
+                            </m:acc>
+                          </m:e>
+                          <m:sub>
+                            <m:r>
+                              <a:rPr lang="en-US" altLang="ja-JP" b="0" i="1" dirty="0" smtClean="0">
+                                <a:solidFill>
+                                  <a:srgbClr val="7030A0"/>
+                                </a:solidFill>
+                                <a:latin typeface="Cambria Math" panose="02040503050406030204" pitchFamily="18" charset="0"/>
+                              </a:rPr>
+                              <m:t>𝑖</m:t>
+                            </m:r>
+                          </m:sub>
+                        </m:sSub>
+                      </m:oMath>
+                    </m:oMathPara>
+                  </a14:m>
+                  <a:endParaRPr kumimoji="1" lang="ja-JP" altLang="en-US">
+                    <a:solidFill>
+                      <a:srgbClr val="7030A0"/>
+                    </a:solidFill>
+                  </a:endParaRPr>
+                </a:p>
+              </p:txBody>
+            </p:sp>
+          </mc:Choice>
+          <mc:Fallback xmlns="">
+            <p:sp>
+              <p:nvSpPr>
+                <p:cNvPr id="32" name="テキスト ボックス 31">
+                  <a:extLst>
+                    <a:ext uri="{FF2B5EF4-FFF2-40B4-BE49-F238E27FC236}">
+                      <a16:creationId xmlns:a16="http://schemas.microsoft.com/office/drawing/2014/main" id="{547C8AF6-E846-F244-92CF-3CD772216D0C}"/>
+                    </a:ext>
+                  </a:extLst>
+                </p:cNvPr>
+                <p:cNvSpPr txBox="1">
+                  <a:spLocks noRot="1" noChangeAspect="1" noMove="1" noResize="1" noEditPoints="1" noAdjustHandles="1" noChangeArrowheads="1" noChangeShapeType="1" noTextEdit="1"/>
+                </p:cNvSpPr>
+                <p:nvPr/>
+              </p:nvSpPr>
+              <p:spPr>
+                <a:xfrm>
+                  <a:off x="3628295" y="3779008"/>
+                  <a:ext cx="2368815" cy="721713"/>
+                </a:xfrm>
+                <a:prstGeom prst="rect">
+                  <a:avLst/>
+                </a:prstGeom>
+                <a:blipFill>
+                  <a:blip r:embed="rId4"/>
+                  <a:stretch>
+                    <a:fillRect l="-2793" t="-3846" r="-1117" b="-3846"/>
+                  </a:stretch>
+                </a:blipFill>
+              </p:spPr>
+              <p:txBody>
+                <a:bodyPr/>
+                <a:lstStyle/>
+                <a:p>
+                  <a:r>
+                    <a:rPr lang="ja-JP" altLang="en-US">
+                      <a:noFill/>
+                    </a:rPr>
+                    <a:t> </a:t>
+                  </a:r>
+                </a:p>
+              </p:txBody>
+            </p:sp>
+          </mc:Fallback>
+        </mc:AlternateContent>
+        <mc:AlternateContent xmlns:mc="http://schemas.openxmlformats.org/markup-compatibility/2006" xmlns:a14="http://schemas.microsoft.com/office/drawing/2010/main">
+          <mc:Choice Requires="a14">
+            <p:sp>
+              <p:nvSpPr>
+                <p:cNvPr id="20" name="テキスト ボックス 19">
+                  <a:extLst>
+                    <a:ext uri="{FF2B5EF4-FFF2-40B4-BE49-F238E27FC236}">
+                      <a16:creationId xmlns:a16="http://schemas.microsoft.com/office/drawing/2014/main" id="{AC7122A7-38B9-DF1A-EC7F-482DBF40B4E6}"/>
+                    </a:ext>
+                  </a:extLst>
+                </p:cNvPr>
+                <p:cNvSpPr txBox="1"/>
+                <p:nvPr/>
+              </p:nvSpPr>
+              <p:spPr>
+                <a:xfrm>
+                  <a:off x="2931212" y="4556570"/>
+                  <a:ext cx="2854698" cy="714625"/>
+                </a:xfrm>
+                <a:prstGeom prst="rect">
+                  <a:avLst/>
+                </a:prstGeom>
+                <a:noFill/>
+              </p:spPr>
+              <p:txBody>
+                <a:bodyPr wrap="square" rtlCol="0">
+                  <a:spAutoFit/>
+                </a:bodyPr>
+                <a:lstStyle/>
+                <a:p>
+                  <a:pPr algn="r"/>
+                  <a:r>
+                    <a:rPr kumimoji="1" lang="ja-JP" altLang="en-US"/>
+                    <a:t>平均からの予測値のズレ</a:t>
+                  </a:r>
+                  <a:endParaRPr kumimoji="1" lang="en-US" altLang="ja-JP" dirty="0"/>
+                </a:p>
+                <a:p>
+                  <a:pPr algn="r"/>
+                  <a14:m>
+                    <m:oMathPara xmlns:m="http://schemas.openxmlformats.org/officeDocument/2006/math">
+                      <m:oMathParaPr>
+                        <m:jc m:val="centerGroup"/>
+                      </m:oMathParaPr>
+                      <m:oMath xmlns:m="http://schemas.openxmlformats.org/officeDocument/2006/math">
+                        <m:sSub>
+                          <m:sSubPr>
+                            <m:ctrlPr>
+                              <a:rPr lang="en-US" altLang="ja-JP" i="1" dirty="0" smtClean="0">
+                                <a:solidFill>
+                                  <a:schemeClr val="accent6">
+                                    <a:lumMod val="50000"/>
+                                  </a:schemeClr>
+                                </a:solidFill>
+                                <a:latin typeface="Cambria Math" panose="02040503050406030204" pitchFamily="18" charset="0"/>
+                              </a:rPr>
+                            </m:ctrlPr>
+                          </m:sSubPr>
+                          <m:e>
+                            <m:acc>
+                              <m:accPr>
+                                <m:chr m:val="̂"/>
+                                <m:ctrlPr>
+                                  <a:rPr lang="en-US" altLang="ja-JP" i="1" dirty="0">
+                                    <a:solidFill>
+                                      <a:schemeClr val="accent6">
+                                        <a:lumMod val="50000"/>
+                                      </a:schemeClr>
+                                    </a:solidFill>
+                                    <a:latin typeface="Cambria Math" panose="02040503050406030204" pitchFamily="18" charset="0"/>
+                                  </a:rPr>
+                                </m:ctrlPr>
+                              </m:accPr>
+                              <m:e>
+                                <m:r>
+                                  <a:rPr lang="en-US" altLang="ja-JP" i="1" dirty="0">
+                                    <a:solidFill>
+                                      <a:schemeClr val="accent6">
+                                        <a:lumMod val="50000"/>
+                                      </a:schemeClr>
+                                    </a:solidFill>
+                                    <a:latin typeface="Cambria Math" panose="02040503050406030204" pitchFamily="18" charset="0"/>
+                                  </a:rPr>
+                                  <m:t>𝑦</m:t>
+                                </m:r>
+                              </m:e>
+                            </m:acc>
+                          </m:e>
+                          <m:sub>
+                            <m:r>
+                              <a:rPr lang="en-US" altLang="ja-JP" i="1" dirty="0">
+                                <a:solidFill>
+                                  <a:schemeClr val="accent6">
+                                    <a:lumMod val="50000"/>
+                                  </a:schemeClr>
+                                </a:solidFill>
+                                <a:latin typeface="Cambria Math" panose="02040503050406030204" pitchFamily="18" charset="0"/>
+                              </a:rPr>
+                              <m:t>𝑖</m:t>
+                            </m:r>
+                          </m:sub>
+                        </m:sSub>
+                        <m:r>
+                          <a:rPr lang="en-US" altLang="ja-JP" i="1" dirty="0">
+                            <a:solidFill>
+                              <a:schemeClr val="accent6">
+                                <a:lumMod val="50000"/>
+                              </a:schemeClr>
+                            </a:solidFill>
+                            <a:latin typeface="Cambria Math" panose="02040503050406030204" pitchFamily="18" charset="0"/>
+                          </a:rPr>
+                          <m:t>−</m:t>
+                        </m:r>
+                        <m:acc>
+                          <m:accPr>
+                            <m:chr m:val="̅"/>
+                            <m:ctrlPr>
+                              <a:rPr lang="en-US" altLang="ja-JP" i="1" dirty="0" smtClean="0">
+                                <a:solidFill>
+                                  <a:schemeClr val="accent6">
+                                    <a:lumMod val="50000"/>
+                                  </a:schemeClr>
+                                </a:solidFill>
+                                <a:latin typeface="Cambria Math" panose="02040503050406030204" pitchFamily="18" charset="0"/>
+                              </a:rPr>
+                            </m:ctrlPr>
+                          </m:accPr>
+                          <m:e>
+                            <m:r>
+                              <a:rPr lang="en-US" altLang="ja-JP" b="0" i="1" dirty="0" smtClean="0">
+                                <a:solidFill>
+                                  <a:schemeClr val="accent6">
+                                    <a:lumMod val="50000"/>
+                                  </a:schemeClr>
+                                </a:solidFill>
+                                <a:latin typeface="Cambria Math" panose="02040503050406030204" pitchFamily="18" charset="0"/>
+                              </a:rPr>
+                              <m:t>𝑦</m:t>
+                            </m:r>
+                          </m:e>
+                        </m:acc>
+                      </m:oMath>
+                    </m:oMathPara>
+                  </a14:m>
+                  <a:endParaRPr kumimoji="1" lang="ja-JP" altLang="en-US" baseline="-25000"/>
+                </a:p>
+              </p:txBody>
+            </p:sp>
+          </mc:Choice>
+          <mc:Fallback xmlns="">
+            <p:sp>
+              <p:nvSpPr>
+                <p:cNvPr id="33" name="テキスト ボックス 32">
+                  <a:extLst>
+                    <a:ext uri="{FF2B5EF4-FFF2-40B4-BE49-F238E27FC236}">
+                      <a16:creationId xmlns:a16="http://schemas.microsoft.com/office/drawing/2014/main" id="{32137EF7-C897-D541-AA79-8D9512CADC49}"/>
+                    </a:ext>
+                  </a:extLst>
+                </p:cNvPr>
+                <p:cNvSpPr txBox="1">
+                  <a:spLocks noRot="1" noChangeAspect="1" noMove="1" noResize="1" noEditPoints="1" noAdjustHandles="1" noChangeArrowheads="1" noChangeShapeType="1" noTextEdit="1"/>
+                </p:cNvSpPr>
+                <p:nvPr/>
+              </p:nvSpPr>
+              <p:spPr>
+                <a:xfrm>
+                  <a:off x="2931212" y="4556570"/>
+                  <a:ext cx="2854698" cy="714625"/>
+                </a:xfrm>
+                <a:prstGeom prst="rect">
+                  <a:avLst/>
+                </a:prstGeom>
+                <a:blipFill>
+                  <a:blip r:embed="rId5"/>
+                  <a:stretch>
+                    <a:fillRect l="-926" t="-3846" r="-1852" b="-3846"/>
+                  </a:stretch>
+                </a:blipFill>
+              </p:spPr>
+              <p:txBody>
+                <a:bodyPr/>
+                <a:lstStyle/>
+                <a:p>
+                  <a:r>
+                    <a:rPr lang="ja-JP" altLang="en-US">
+                      <a:noFill/>
+                    </a:rPr>
+                    <a:t> </a:t>
+                  </a:r>
+                </a:p>
+              </p:txBody>
+            </p:sp>
+          </mc:Fallback>
+        </mc:AlternateContent>
+        <p:sp>
+          <p:nvSpPr>
+            <p:cNvPr id="21" name="テキスト ボックス 20">
+              <a:extLst>
+                <a:ext uri="{FF2B5EF4-FFF2-40B4-BE49-F238E27FC236}">
+                  <a16:creationId xmlns:a16="http://schemas.microsoft.com/office/drawing/2014/main" id="{78EC1A75-8FFA-B67C-270A-91313F92DD9D}"/>
+                </a:ext>
+              </a:extLst>
+            </p:cNvPr>
+            <p:cNvSpPr txBox="1"/>
+            <p:nvPr/>
+          </p:nvSpPr>
+          <p:spPr>
+            <a:xfrm>
+              <a:off x="5939225" y="3150892"/>
+              <a:ext cx="938077" cy="646331"/>
+            </a:xfrm>
+            <a:prstGeom prst="rect">
+              <a:avLst/>
+            </a:prstGeom>
+            <a:noFill/>
+          </p:spPr>
+          <p:txBody>
+            <a:bodyPr wrap="none" rtlCol="0">
+              <a:spAutoFit/>
+            </a:bodyPr>
+            <a:lstStyle/>
+            <a:p>
+              <a:r>
+                <a:rPr kumimoji="1" lang="ja-JP" altLang="en-US"/>
+                <a:t>データ</a:t>
+              </a:r>
+              <a:r>
+                <a:rPr kumimoji="1" lang="en-US" altLang="ja-JP" dirty="0" err="1"/>
+                <a:t>i</a:t>
+              </a:r>
+              <a:endParaRPr kumimoji="1" lang="en-US" altLang="ja-JP" dirty="0"/>
+            </a:p>
+            <a:p>
+              <a:r>
+                <a:rPr kumimoji="1" lang="en-US" altLang="ja-JP" dirty="0"/>
+                <a:t>(</a:t>
+              </a:r>
+              <a:r>
+                <a:rPr kumimoji="1" lang="en-US" altLang="ja-JP" i="1" dirty="0"/>
+                <a:t>x</a:t>
+              </a:r>
+              <a:r>
+                <a:rPr kumimoji="1" lang="en-US" altLang="ja-JP" baseline="-25000" dirty="0"/>
+                <a:t>i</a:t>
+              </a:r>
+              <a:r>
+                <a:rPr kumimoji="1" lang="en-US" altLang="ja-JP" dirty="0"/>
+                <a:t>, </a:t>
+              </a:r>
+              <a:r>
+                <a:rPr kumimoji="1" lang="en-US" altLang="ja-JP" i="1" dirty="0" err="1"/>
+                <a:t>y</a:t>
+              </a:r>
+              <a:r>
+                <a:rPr kumimoji="1" lang="en-US" altLang="ja-JP" baseline="-25000" dirty="0" err="1"/>
+                <a:t>i</a:t>
+              </a:r>
+              <a:r>
+                <a:rPr kumimoji="1" lang="en-US" altLang="ja-JP" dirty="0"/>
+                <a:t>)</a:t>
+              </a:r>
+              <a:endParaRPr kumimoji="1" lang="ja-JP" altLang="en-US"/>
+            </a:p>
+          </p:txBody>
+        </p:sp>
+      </p:grpSp>
+      <p:sp>
+        <p:nvSpPr>
+          <p:cNvPr id="22" name="テキスト ボックス 21">
+            <a:extLst>
+              <a:ext uri="{FF2B5EF4-FFF2-40B4-BE49-F238E27FC236}">
+                <a16:creationId xmlns:a16="http://schemas.microsoft.com/office/drawing/2014/main" id="{04B89028-D2A1-C2B5-344B-774BDF2FF8EE}"/>
+              </a:ext>
+            </a:extLst>
+          </p:cNvPr>
+          <p:cNvSpPr txBox="1"/>
+          <p:nvPr/>
+        </p:nvSpPr>
+        <p:spPr>
+          <a:xfrm>
+            <a:off x="1064736" y="4942674"/>
+            <a:ext cx="2271776" cy="646331"/>
+          </a:xfrm>
+          <a:prstGeom prst="rect">
+            <a:avLst/>
+          </a:prstGeom>
+          <a:noFill/>
+        </p:spPr>
+        <p:txBody>
+          <a:bodyPr wrap="none" rtlCol="0">
+            <a:spAutoFit/>
           </a:bodyPr>
           <a:lstStyle/>
           <a:p>
             <a:r>
               <a:rPr lang="ja-JP" altLang="en-US"/>
-              <a:t>サンプルサイズ</a:t>
+              <a:t>決定係数</a:t>
             </a:r>
             <a:r>
               <a:rPr lang="en-US" altLang="ja-JP" dirty="0"/>
-              <a:t>n(</a:t>
+              <a:t> </a:t>
+            </a:r>
+            <a:r>
+              <a:rPr lang="en-US" altLang="ja-JP" i="1" dirty="0"/>
+              <a:t>r </a:t>
+            </a:r>
+            <a:r>
+              <a:rPr lang="en-US" altLang="ja-JP" baseline="30000" dirty="0"/>
+              <a:t>2 </a:t>
+            </a:r>
+            <a:r>
+              <a:rPr lang="en-US" altLang="ja-JP" dirty="0"/>
+              <a:t>=</a:t>
+            </a:r>
+          </a:p>
+          <a:p>
+            <a:r>
+              <a:rPr lang="en-US" altLang="ja-JP" dirty="0"/>
+              <a:t>1−</a:t>
             </a:r>
             <a:r>
               <a:rPr lang="ja-JP" altLang="en-US"/>
-              <a:t>ここでは</a:t>
+              <a:t>残差変動</a:t>
             </a:r>
             <a:r>
               <a:rPr lang="en-US" altLang="ja-JP" dirty="0"/>
-              <a:t>100</a:t>
+              <a:t>/</a:t>
             </a:r>
             <a:r>
               <a:rPr lang="ja-JP" altLang="en-US"/>
-              <a:t>にする</a:t>
-            </a:r>
-            <a:r>
-              <a:rPr lang="en-US" altLang="ja-JP" dirty="0"/>
-              <a:t>)</a:t>
-            </a:r>
-            <a:r>
-              <a:rPr lang="ja-JP" altLang="en-US"/>
-              <a:t>のデータが標準正規分布</a:t>
-            </a:r>
-            <a:r>
-              <a:rPr lang="en-US" altLang="ja-JP" dirty="0"/>
-              <a:t>N~(</a:t>
-            </a:r>
-            <a:r>
-              <a:rPr lang="en-US" altLang="ja-JP" dirty="0" err="1"/>
-              <a:t>μ</a:t>
-            </a:r>
-            <a:r>
-              <a:rPr lang="en-US" altLang="ja-JP" dirty="0"/>
-              <a:t>=0,σ=1)</a:t>
-            </a:r>
-            <a:r>
-              <a:rPr lang="ja-JP" altLang="en-US"/>
-              <a:t>に従って分布している．</a:t>
-            </a:r>
-            <a:endParaRPr lang="en-US" altLang="ja-JP" dirty="0"/>
-          </a:p>
-          <a:p>
-            <a:endParaRPr kumimoji="1" lang="en-US" altLang="ja-JP" dirty="0"/>
-          </a:p>
-          <a:p>
-            <a:r>
-              <a:rPr lang="ja-JP" altLang="en-US"/>
-              <a:t>サンプルを昇順に並び替えたもの</a:t>
-            </a:r>
-            <a:r>
-              <a:rPr lang="en-US" altLang="ja-JP" dirty="0"/>
-              <a:t>(a)</a:t>
-            </a:r>
-            <a:r>
-              <a:rPr lang="ja-JP" altLang="en-US"/>
-              <a:t>と、</a:t>
-            </a:r>
-            <a:r>
-              <a:rPr lang="en-US" altLang="ja-JP" dirty="0"/>
-              <a:t>1</a:t>
-            </a:r>
-            <a:r>
-              <a:rPr lang="ja-JP" altLang="en-US"/>
-              <a:t>から</a:t>
-            </a:r>
-            <a:r>
-              <a:rPr lang="en-US" altLang="ja-JP" dirty="0"/>
-              <a:t>n</a:t>
-            </a:r>
-            <a:r>
-              <a:rPr lang="ja-JP" altLang="en-US"/>
-              <a:t>までの順位で理論的に標準正規分布から得られる期待値</a:t>
-            </a:r>
-            <a:r>
-              <a:rPr lang="en-US" altLang="ja-JP" dirty="0"/>
-              <a:t>(b)</a:t>
-            </a:r>
-            <a:r>
-              <a:rPr lang="ja-JP" altLang="en-US"/>
-              <a:t>を比較する．</a:t>
-            </a:r>
-            <a:endParaRPr lang="en-US" altLang="ja-JP" dirty="0"/>
-          </a:p>
-          <a:p>
-            <a:pPr lvl="1"/>
-            <a:r>
-              <a:rPr lang="ja-JP" altLang="en-US"/>
-              <a:t>サンプルのデータが標準正規分布に従うなら、縦軸に</a:t>
-            </a:r>
-            <a:r>
-              <a:rPr lang="en-US" altLang="ja-JP" dirty="0"/>
-              <a:t>(a)</a:t>
-            </a:r>
-            <a:r>
-              <a:rPr lang="ja-JP" altLang="en-US"/>
-              <a:t>、横軸に</a:t>
-            </a:r>
-            <a:r>
-              <a:rPr lang="en-US" altLang="ja-JP" dirty="0"/>
-              <a:t>(b)</a:t>
-            </a:r>
-            <a:r>
-              <a:rPr lang="ja-JP" altLang="en-US"/>
-              <a:t>をとると直線に乗るはず．</a:t>
-            </a:r>
-            <a:endParaRPr lang="en-US" altLang="ja-JP" dirty="0"/>
-          </a:p>
-          <a:p>
-            <a:pPr lvl="1"/>
-            <a:endParaRPr lang="en-US" altLang="ja-JP" dirty="0"/>
-          </a:p>
-          <a:p>
-            <a:r>
-              <a:rPr kumimoji="1" lang="ja-JP" altLang="en-US"/>
-              <a:t>このサンプルの</a:t>
-            </a:r>
-            <a:r>
-              <a:rPr kumimoji="1" lang="en-US" altLang="ja-JP" dirty="0"/>
-              <a:t>quantile</a:t>
-            </a:r>
-            <a:r>
-              <a:rPr kumimoji="1" lang="ja-JP" altLang="en-US"/>
-              <a:t>と理論的な</a:t>
-            </a:r>
-            <a:r>
-              <a:rPr kumimoji="1" lang="en-US" altLang="ja-JP" dirty="0"/>
-              <a:t>quantile</a:t>
-            </a:r>
-            <a:r>
-              <a:rPr kumimoji="1" lang="ja-JP" altLang="en-US"/>
-              <a:t>の対応関係をプロット</a:t>
-            </a:r>
-            <a:br>
-              <a:rPr kumimoji="1" lang="en-US" altLang="ja-JP" dirty="0"/>
-            </a:br>
-            <a:endParaRPr kumimoji="1" lang="en-US" altLang="ja-JP" dirty="0"/>
-          </a:p>
-          <a:p>
-            <a:pPr lvl="1"/>
-            <a:r>
-              <a:rPr lang="en-US" altLang="ja-JP" dirty="0" err="1"/>
-              <a:t>std_norm_smpl</a:t>
-            </a:r>
-            <a:r>
-              <a:rPr lang="en-US" altLang="ja-JP" dirty="0"/>
-              <a:t> &lt;- </a:t>
-            </a:r>
-            <a:r>
-              <a:rPr lang="en-US" altLang="ja-JP" dirty="0" err="1"/>
-              <a:t>rnorm</a:t>
-            </a:r>
-            <a:r>
-              <a:rPr lang="en-US" altLang="ja-JP" dirty="0"/>
-              <a:t>(100,0,1)</a:t>
-            </a:r>
-          </a:p>
-          <a:p>
-            <a:pPr lvl="1"/>
-            <a:r>
-              <a:rPr lang="en-US" altLang="ja-JP" dirty="0" err="1"/>
-              <a:t>sort</a:t>
-            </a:r>
-            <a:r>
-              <a:rPr kumimoji="1" lang="en-US" altLang="ja-JP" dirty="0" err="1"/>
-              <a:t>_std_norm_s</a:t>
-            </a:r>
-            <a:r>
-              <a:rPr lang="en-US" altLang="ja-JP" dirty="0" err="1"/>
-              <a:t>mpl</a:t>
-            </a:r>
-            <a:r>
-              <a:rPr lang="en-US" altLang="ja-JP" dirty="0"/>
-              <a:t> &lt;- </a:t>
-            </a:r>
-            <a:r>
-              <a:rPr lang="en-US" altLang="ja-JP" dirty="0" err="1"/>
-              <a:t>std_norm_smpl</a:t>
-            </a:r>
-            <a:r>
-              <a:rPr lang="en-US" altLang="ja-JP" dirty="0"/>
-              <a:t>[order(</a:t>
-            </a:r>
-            <a:r>
-              <a:rPr lang="en-US" altLang="ja-JP" dirty="0" err="1"/>
-              <a:t>std_norm_smp,decreasing</a:t>
-            </a:r>
-            <a:r>
-              <a:rPr lang="en-US" altLang="ja-JP" dirty="0"/>
-              <a:t> = F)]</a:t>
-            </a:r>
-          </a:p>
-          <a:p>
-            <a:pPr lvl="1"/>
-            <a:r>
-              <a:rPr kumimoji="1" lang="en-US" altLang="ja-JP" dirty="0" err="1"/>
-              <a:t>theo</a:t>
-            </a:r>
-            <a:r>
-              <a:rPr lang="en-US" altLang="ja-JP" dirty="0" err="1"/>
-              <a:t>r_smpl</a:t>
-            </a:r>
-            <a:r>
-              <a:rPr lang="en-US" altLang="ja-JP" dirty="0"/>
-              <a:t> &lt;- (seq(1,100)-0.5)/100</a:t>
-            </a:r>
-          </a:p>
-          <a:p>
-            <a:pPr lvl="1"/>
-            <a:r>
-              <a:rPr lang="en-US" altLang="ja-JP" dirty="0"/>
-              <a:t>plot(</a:t>
-            </a:r>
-            <a:r>
-              <a:rPr lang="en-US" altLang="ja-JP" dirty="0" err="1"/>
-              <a:t>theor_smp,ord_stdnorm_smp</a:t>
-            </a:r>
-            <a:r>
-              <a:rPr lang="en-US" altLang="ja-JP" dirty="0"/>
-              <a:t>)</a:t>
+              <a:t>全変動</a:t>
             </a:r>
             <a:endParaRPr kumimoji="1" lang="ja-JP" altLang="en-US"/>
           </a:p>
@@ -6953,7 +7806,7 @@
     </p:spTree>
     <p:extLst>
       <p:ext uri="{BB962C8B-B14F-4D97-AF65-F5344CB8AC3E}">
-        <p14:creationId xmlns:p14="http://schemas.microsoft.com/office/powerpoint/2010/main" val="4050706010"/>
+        <p14:creationId xmlns:p14="http://schemas.microsoft.com/office/powerpoint/2010/main" val="2571024026"/>
       </p:ext>
     </p:extLst>
   </p:cSld>
@@ -6985,7 +7838,7 @@
           <p:cNvPr id="2" name="タイトル 1">
             <a:extLst>
               <a:ext uri="{FF2B5EF4-FFF2-40B4-BE49-F238E27FC236}">
-                <a16:creationId xmlns:a16="http://schemas.microsoft.com/office/drawing/2014/main" id="{F1994288-EB8E-A84F-B42C-97ABDD69EAD5}"/>
+                <a16:creationId xmlns:a16="http://schemas.microsoft.com/office/drawing/2014/main" id="{97020794-9D15-0745-925F-85D82BC176FF}"/>
               </a:ext>
             </a:extLst>
           </p:cNvPr>
@@ -7002,12 +7855,12 @@
           <a:lstStyle/>
           <a:p>
             <a:r>
-              <a:rPr kumimoji="1" lang="en-US" altLang="ja-JP" dirty="0" err="1"/>
-              <a:t>qqnorm</a:t>
-            </a:r>
-            <a:r>
-              <a:rPr kumimoji="1" lang="ja-JP" altLang="en-US"/>
-              <a:t>関数</a:t>
+              <a:rPr lang="en-US" altLang="ja-JP" dirty="0" err="1"/>
+              <a:t>glm</a:t>
+            </a:r>
+            <a:r>
+              <a:rPr kumimoji="1" lang="ja-JP" altLang="en-US"/>
+              <a:t>の戻り値</a:t>
             </a:r>
           </a:p>
         </p:txBody>
@@ -7017,7 +7870,7 @@
           <p:cNvPr id="3" name="コンテンツ プレースホルダー 2">
             <a:extLst>
               <a:ext uri="{FF2B5EF4-FFF2-40B4-BE49-F238E27FC236}">
-                <a16:creationId xmlns:a16="http://schemas.microsoft.com/office/drawing/2014/main" id="{F17329F4-295F-B840-A01F-3058DFA89E7D}"/>
+                <a16:creationId xmlns:a16="http://schemas.microsoft.com/office/drawing/2014/main" id="{54C63FB3-C4DB-084E-968E-7FB5E1F0B009}"/>
               </a:ext>
             </a:extLst>
           </p:cNvPr>
@@ -7034,86 +7887,66 @@
           <a:lstStyle/>
           <a:p>
             <a:r>
-              <a:rPr kumimoji="1" lang="ja-JP" altLang="en-US"/>
-              <a:t>誤差が正規分布であるサンプルである時、</a:t>
-            </a:r>
-            <a:r>
-              <a:rPr lang="en-US" altLang="ja-JP" dirty="0"/>
-              <a:t>Q-</a:t>
-            </a:r>
-            <a:r>
-              <a:rPr lang="en-US" altLang="ja-JP" dirty="0" err="1"/>
-              <a:t>Qplot</a:t>
-            </a:r>
-            <a:r>
-              <a:rPr lang="ja-JP" altLang="en-US"/>
-              <a:t>は</a:t>
-            </a:r>
-            <a:r>
-              <a:rPr lang="en-US" altLang="ja-JP" dirty="0" err="1"/>
-              <a:t>qqnorm</a:t>
-            </a:r>
-            <a:r>
-              <a:rPr lang="ja-JP" altLang="en-US"/>
-              <a:t>関数が使える．</a:t>
-            </a:r>
-            <a:endParaRPr lang="en-US" altLang="ja-JP" dirty="0"/>
-          </a:p>
-          <a:p>
-            <a:pPr lvl="1"/>
+              <a:rPr kumimoji="1" lang="en-US" altLang="ja-JP" dirty="0"/>
+              <a:t>R</a:t>
+            </a:r>
+            <a:r>
+              <a:rPr kumimoji="1" lang="ja-JP" altLang="en-US"/>
+              <a:t>の</a:t>
+            </a:r>
             <a:r>
               <a:rPr kumimoji="1" lang="en-US" altLang="ja-JP" dirty="0" err="1"/>
-              <a:t>qqnorm</a:t>
+              <a:t>glm</a:t>
+            </a:r>
+            <a:r>
+              <a:rPr kumimoji="1" lang="ja-JP" altLang="en-US"/>
+              <a:t>関数は</a:t>
             </a:r>
             <a:r>
               <a:rPr kumimoji="1" lang="en-US" altLang="ja-JP" dirty="0"/>
-              <a:t>(</a:t>
-            </a:r>
-            <a:r>
-              <a:rPr kumimoji="1" lang="en-US" altLang="ja-JP" dirty="0" err="1"/>
-              <a:t>std_norm_smpl</a:t>
-            </a:r>
-            <a:r>
-              <a:rPr kumimoji="1" lang="en-US" altLang="ja-JP" dirty="0"/>
-              <a:t>)</a:t>
-            </a:r>
-          </a:p>
-          <a:p>
-            <a:endParaRPr kumimoji="1" lang="en-US" altLang="ja-JP" dirty="0"/>
-          </a:p>
-          <a:p>
-            <a:r>
-              <a:rPr kumimoji="1" lang="ja-JP" altLang="en-US"/>
-              <a:t>この関数は分布の標準化した上で理論値と比べてくれる．線形モデルの結果の残差をそのまま引数に入れる．</a:t>
-            </a:r>
-            <a:endParaRPr kumimoji="1" lang="en-US" altLang="ja-JP" dirty="0"/>
-          </a:p>
-          <a:p>
-            <a:pPr lvl="1"/>
-            <a:r>
-              <a:rPr lang="en-US" altLang="ja-JP" dirty="0" err="1"/>
-              <a:t>qqnorm</a:t>
-            </a:r>
-            <a:r>
-              <a:rPr lang="en-US" altLang="ja-JP" dirty="0"/>
-              <a:t>(</a:t>
-            </a:r>
-            <a:r>
-              <a:rPr lang="en-US" altLang="ja-JP" dirty="0" err="1"/>
-              <a:t>res_lm$residuals</a:t>
-            </a:r>
-            <a:r>
-              <a:rPr lang="en-US" altLang="ja-JP" dirty="0"/>
-              <a:t>)</a:t>
-            </a:r>
-            <a:endParaRPr kumimoji="1" lang="ja-JP" altLang="en-US"/>
-          </a:p>
-        </p:txBody>
-      </p:sp>
+              <a:t>Null Deviance, Residual Deviance</a:t>
+            </a:r>
+            <a:r>
+              <a:rPr kumimoji="1" lang="ja-JP" altLang="en-US"/>
+              <a:t>を返す．</a:t>
+            </a:r>
+          </a:p>
+        </p:txBody>
+      </p:sp>
+      <p:pic>
+        <p:nvPicPr>
+          <p:cNvPr id="6" name="図 5" descr="テキスト&#10;&#10;自動的に生成された説明">
+            <a:extLst>
+              <a:ext uri="{FF2B5EF4-FFF2-40B4-BE49-F238E27FC236}">
+                <a16:creationId xmlns:a16="http://schemas.microsoft.com/office/drawing/2014/main" id="{6FC85373-0AA5-554D-A4F9-18721FB1EC9F}"/>
+              </a:ext>
+            </a:extLst>
+          </p:cNvPr>
+          <p:cNvPicPr>
+            <a:picLocks noChangeAspect="1"/>
+          </p:cNvPicPr>
+          <p:nvPr/>
+        </p:nvPicPr>
+        <p:blipFill>
+          <a:blip r:embed="rId2"/>
+          <a:stretch>
+            <a:fillRect/>
+          </a:stretch>
+        </p:blipFill>
+        <p:spPr>
+          <a:xfrm>
+            <a:off x="1587316" y="2505075"/>
+            <a:ext cx="9474200" cy="3987800"/>
+          </a:xfrm>
+          <a:prstGeom prst="rect">
+            <a:avLst/>
+          </a:prstGeom>
+        </p:spPr>
+      </p:pic>
     </p:spTree>
     <p:extLst>
       <p:ext uri="{BB962C8B-B14F-4D97-AF65-F5344CB8AC3E}">
-        <p14:creationId xmlns:p14="http://schemas.microsoft.com/office/powerpoint/2010/main" val="2009115823"/>
+        <p14:creationId xmlns:p14="http://schemas.microsoft.com/office/powerpoint/2010/main" val="508955002"/>
       </p:ext>
     </p:extLst>
   </p:cSld>
@@ -7145,7 +7978,7 @@
           <p:cNvPr id="2" name="タイトル 1">
             <a:extLst>
               <a:ext uri="{FF2B5EF4-FFF2-40B4-BE49-F238E27FC236}">
-                <a16:creationId xmlns:a16="http://schemas.microsoft.com/office/drawing/2014/main" id="{032164F6-0F1B-1549-B553-24334B2E64E3}"/>
+                <a16:creationId xmlns:a16="http://schemas.microsoft.com/office/drawing/2014/main" id="{BE21B35A-2763-C34A-9729-CEAF9258550D}"/>
               </a:ext>
             </a:extLst>
           </p:cNvPr>
@@ -7166,9 +7999,10 @@
               <a:t>GLM</a:t>
             </a:r>
             <a:r>
-              <a:rPr kumimoji="1" lang="ja-JP" altLang="en-US"/>
-              <a:t>の残差</a:t>
-            </a:r>
+              <a:rPr lang="ja-JP" altLang="en-US"/>
+              <a:t>の妥当性</a:t>
+            </a:r>
+            <a:endParaRPr kumimoji="1" lang="ja-JP" altLang="en-US"/>
           </a:p>
         </p:txBody>
       </p:sp>
@@ -7177,7 +8011,7 @@
           <p:cNvPr id="3" name="コンテンツ プレースホルダー 2">
             <a:extLst>
               <a:ext uri="{FF2B5EF4-FFF2-40B4-BE49-F238E27FC236}">
-                <a16:creationId xmlns:a16="http://schemas.microsoft.com/office/drawing/2014/main" id="{7044DDCB-175D-DC41-A5AC-98AE58CE5A61}"/>
+                <a16:creationId xmlns:a16="http://schemas.microsoft.com/office/drawing/2014/main" id="{5D454D60-38A7-4B4C-8C5C-FFAC1D198DE6}"/>
               </a:ext>
             </a:extLst>
           </p:cNvPr>
@@ -7188,167 +8022,151 @@
             <p:ph idx="1"/>
           </p:nvPr>
         </p:nvSpPr>
-        <p:spPr/>
+        <p:spPr>
+          <a:xfrm>
+            <a:off x="838200" y="1825624"/>
+            <a:ext cx="10993916" cy="4773479"/>
+          </a:xfrm>
+        </p:spPr>
         <p:txBody>
           <a:bodyPr>
-            <a:normAutofit fontScale="92500" lnSpcReduction="20000"/>
+            <a:normAutofit lnSpcReduction="10000"/>
           </a:bodyPr>
           <a:lstStyle/>
           <a:p>
             <a:r>
-              <a:rPr kumimoji="1" lang="ja-JP" altLang="en-US"/>
-              <a:t>誤差分布が正規分布ではない場合、残差は単純に予測値からのズレを使わない．</a:t>
-            </a:r>
-            <a:endParaRPr kumimoji="1" lang="en-US" altLang="ja-JP" dirty="0"/>
+              <a:rPr lang="en-US" altLang="ja-JP" dirty="0"/>
+              <a:t>GLM</a:t>
+            </a:r>
+            <a:r>
+              <a:rPr lang="ja-JP" altLang="en-US"/>
+              <a:t>は</a:t>
+            </a:r>
+            <a:r>
+              <a:rPr lang="en-US" altLang="ja-JP" dirty="0"/>
+              <a:t>LM</a:t>
+            </a:r>
+            <a:r>
+              <a:rPr lang="ja-JP" altLang="en-US"/>
+              <a:t>よりも柔軟にデータフィッティングすることができる．</a:t>
+            </a:r>
+            <a:endParaRPr lang="en-US" altLang="ja-JP" dirty="0"/>
+          </a:p>
+          <a:p>
+            <a:endParaRPr lang="en-US" altLang="ja-JP" dirty="0"/>
+          </a:p>
+          <a:p>
+            <a:r>
+              <a:rPr lang="en-US" altLang="ja-JP" dirty="0"/>
+              <a:t>GLM</a:t>
+            </a:r>
+            <a:r>
+              <a:rPr lang="ja-JP" altLang="en-US"/>
+              <a:t>において、</a:t>
+            </a:r>
+            <a:r>
+              <a:rPr lang="en-US" altLang="ja-JP" dirty="0"/>
+              <a:t>AIC</a:t>
+            </a:r>
+            <a:r>
+              <a:rPr lang="ja-JP" altLang="en-US"/>
+              <a:t>などの基準で選択すれば、選ばれたモデルがいつでもよい結果をもたらすか？</a:t>
+            </a:r>
+            <a:endParaRPr lang="en-US" altLang="ja-JP" dirty="0"/>
           </a:p>
           <a:p>
             <a:pPr lvl="1"/>
             <a:r>
               <a:rPr lang="ja-JP" altLang="en-US"/>
-              <a:t>線形予測子の値に依存して誤差の分散が変わるので、線形モデルのように簡単でない．</a:t>
-            </a:r>
+              <a:t>→</a:t>
+            </a:r>
+            <a:r>
+              <a:rPr lang="en-US" altLang="ja-JP" dirty="0"/>
+              <a:t>No.</a:t>
+            </a:r>
+          </a:p>
+          <a:p>
+            <a:pPr lvl="1"/>
             <a:endParaRPr lang="en-US" altLang="ja-JP" dirty="0"/>
           </a:p>
           <a:p>
-            <a:endParaRPr kumimoji="1" lang="en-US" altLang="ja-JP" dirty="0"/>
-          </a:p>
-          <a:p>
-            <a:r>
-              <a:rPr kumimoji="1" lang="ja-JP" altLang="en-US"/>
-              <a:t>代わりに</a:t>
-            </a:r>
-            <a:r>
-              <a:rPr kumimoji="1" lang="en-US" altLang="ja-JP" dirty="0"/>
-              <a:t>residuals</a:t>
-            </a:r>
-            <a:r>
-              <a:rPr kumimoji="1" lang="ja-JP" altLang="en-US"/>
-              <a:t>関数で</a:t>
+            <a:r>
+              <a:rPr lang="ja-JP" altLang="en-US"/>
+              <a:t>課題設定の問題と推定の妥当性の問題がある</a:t>
+            </a:r>
+            <a:endParaRPr lang="en-US" altLang="ja-JP" dirty="0"/>
+          </a:p>
+          <a:p>
+            <a:pPr lvl="1"/>
+            <a:r>
+              <a:rPr lang="ja-JP" altLang="en-US"/>
+              <a:t>カテゴリ数が多すぎる、カテゴリ変数のサンプルサイズが小さいなど、推定パラメータをモデルに含める妥当性に欠けている</a:t>
             </a:r>
             <a:r>
               <a:rPr lang="en-US" altLang="ja-JP" dirty="0"/>
-              <a:t>deviance</a:t>
+              <a:t>(</a:t>
             </a:r>
             <a:r>
               <a:rPr lang="ja-JP" altLang="en-US"/>
-              <a:t>を指定して取り出す</a:t>
-            </a:r>
-            <a:r>
-              <a:rPr kumimoji="1" lang="ja-JP" altLang="en-US"/>
+              <a:t>回帰分析一般</a:t>
+            </a:r>
+            <a:r>
+              <a:rPr lang="en-US" altLang="ja-JP" dirty="0"/>
+              <a:t>)</a:t>
+            </a:r>
+            <a:r>
+              <a:rPr lang="ja-JP" altLang="en-US"/>
               <a:t>．</a:t>
             </a:r>
-            <a:endParaRPr kumimoji="1" lang="en-US" altLang="ja-JP" dirty="0"/>
+            <a:endParaRPr lang="en-US" altLang="ja-JP" dirty="0"/>
           </a:p>
           <a:p>
             <a:pPr lvl="1"/>
             <a:r>
-              <a:rPr kumimoji="1" lang="en-US" altLang="ja-JP" dirty="0" err="1"/>
-              <a:t>resid_glm</a:t>
-            </a:r>
-            <a:r>
-              <a:rPr kumimoji="1" lang="en-US" altLang="ja-JP" dirty="0"/>
-              <a:t> &lt;- residuals(</a:t>
-            </a:r>
-            <a:r>
-              <a:rPr kumimoji="1" lang="en-US" altLang="ja-JP" dirty="0" err="1"/>
-              <a:t>res_glm</a:t>
-            </a:r>
-            <a:r>
-              <a:rPr kumimoji="1" lang="en-US" altLang="ja-JP" dirty="0"/>
-              <a:t>, type=“deviance”)</a:t>
-            </a:r>
-          </a:p>
-          <a:p>
-            <a:pPr lvl="1"/>
-            <a:r>
-              <a:rPr kumimoji="1" lang="en-US" altLang="ja-JP" dirty="0"/>
-              <a:t>hist(</a:t>
-            </a:r>
-            <a:r>
-              <a:rPr kumimoji="1" lang="en-US" altLang="ja-JP" dirty="0" err="1"/>
-              <a:t>resid_glm</a:t>
-            </a:r>
-            <a:r>
-              <a:rPr kumimoji="1" lang="en-US" altLang="ja-JP" dirty="0"/>
+              <a:rPr lang="ja-JP" altLang="en-US"/>
+              <a:t>仮定した誤差構造の分散よりも推定結果の分散が大きいことがある</a:t>
+            </a:r>
+            <a:r>
+              <a:rPr lang="en-US" altLang="ja-JP" dirty="0"/>
+              <a:t>(</a:t>
+            </a:r>
+            <a:r>
+              <a:rPr lang="ja-JP" altLang="en-US"/>
+              <a:t>分散と期待値が同時に決定するポアソン回帰やロジスティック回帰など</a:t>
+            </a:r>
+            <a:r>
+              <a:rPr lang="en-US" altLang="ja-JP" dirty="0"/>
               <a:t>)</a:t>
             </a:r>
-          </a:p>
-          <a:p>
+            <a:r>
+              <a:rPr lang="ja-JP" altLang="en-US"/>
+              <a:t>．</a:t>
+            </a:r>
             <a:endParaRPr lang="en-US" altLang="ja-JP" dirty="0"/>
           </a:p>
           <a:p>
-            <a:r>
-              <a:rPr kumimoji="1" lang="en-US" altLang="ja-JP" dirty="0"/>
-              <a:t>scale</a:t>
+            <a:pPr marL="457200" lvl="1" indent="0">
+              <a:buNone/>
+            </a:pPr>
+            <a:r>
+              <a:rPr lang="en-US" altLang="ja-JP" dirty="0"/>
+              <a:t>	</a:t>
             </a:r>
             <a:r>
               <a:rPr lang="ja-JP" altLang="en-US"/>
-              <a:t>関数</a:t>
-            </a:r>
-            <a:r>
-              <a:rPr kumimoji="1" lang="ja-JP" altLang="en-US"/>
-              <a:t>で標準化して</a:t>
-            </a:r>
-            <a:r>
-              <a:rPr kumimoji="1" lang="en-US" altLang="ja-JP" dirty="0" err="1"/>
-              <a:t>qqnorm</a:t>
-            </a:r>
-            <a:r>
-              <a:rPr kumimoji="1" lang="ja-JP" altLang="en-US"/>
-              <a:t>でプロットしてみるのも．</a:t>
-            </a:r>
-            <a:endParaRPr kumimoji="1" lang="en-US" altLang="ja-JP" dirty="0"/>
-          </a:p>
-          <a:p>
-            <a:pPr lvl="1"/>
-            <a:r>
-              <a:rPr lang="en-US" altLang="ja-JP" dirty="0" err="1"/>
-              <a:t>qqnorm</a:t>
-            </a:r>
-            <a:r>
-              <a:rPr lang="en-US" altLang="ja-JP" dirty="0"/>
-              <a:t>(scale(</a:t>
-            </a:r>
-            <a:r>
-              <a:rPr lang="en-US" altLang="ja-JP" dirty="0" err="1"/>
-              <a:t>resid_glm</a:t>
-            </a:r>
-            <a:r>
-              <a:rPr lang="en-US" altLang="ja-JP" dirty="0"/>
-              <a:t>),</a:t>
-            </a:r>
-            <a:r>
-              <a:rPr lang="en-US" altLang="ja-JP" dirty="0" err="1"/>
-              <a:t>xlab</a:t>
-            </a:r>
-            <a:r>
-              <a:rPr lang="en-US" altLang="ja-JP" dirty="0"/>
-              <a:t>=“Theoretical Quantile”,</a:t>
-            </a:r>
-            <a:r>
-              <a:rPr lang="en-US" altLang="ja-JP" dirty="0" err="1"/>
-              <a:t>ylab</a:t>
-            </a:r>
-            <a:r>
-              <a:rPr lang="en-US" altLang="ja-JP" dirty="0"/>
-              <a:t>=“Std. deviance </a:t>
-            </a:r>
-            <a:r>
-              <a:rPr lang="en-US" altLang="ja-JP" dirty="0" err="1"/>
-              <a:t>resid</a:t>
-            </a:r>
-            <a:r>
-              <a:rPr lang="en-US" altLang="ja-JP" dirty="0"/>
-              <a:t>.”)</a:t>
-            </a:r>
-            <a:endParaRPr kumimoji="1" lang="ja-JP" altLang="en-US"/>
+              <a:t>→過分散のチェック（次回へ）</a:t>
+            </a:r>
+            <a:endParaRPr lang="en-US" altLang="ja-JP" dirty="0"/>
+          </a:p>
+          <a:p>
+            <a:endParaRPr lang="en-US" altLang="ja-JP" dirty="0"/>
           </a:p>
         </p:txBody>
       </p:sp>
     </p:spTree>
     <p:extLst>
       <p:ext uri="{BB962C8B-B14F-4D97-AF65-F5344CB8AC3E}">
-        <p14:creationId xmlns:p14="http://schemas.microsoft.com/office/powerpoint/2010/main" val="2447858462"/>
+        <p14:creationId xmlns:p14="http://schemas.microsoft.com/office/powerpoint/2010/main" val="2393039641"/>
       </p:ext>
     </p:extLst>
   </p:cSld>

--- a/R/スライド/第27回.pptx
+++ b/R/スライド/第27回.pptx
@@ -5,7 +5,7 @@
     <p:sldMasterId id="2147483648" r:id="rId1"/>
   </p:sldMasterIdLst>
   <p:notesMasterIdLst>
-    <p:notesMasterId r:id="rId12"/>
+    <p:notesMasterId r:id="rId13"/>
   </p:notesMasterIdLst>
   <p:sldIdLst>
     <p:sldId id="257" r:id="rId2"/>
@@ -18,6 +18,7 @@
     <p:sldId id="291" r:id="rId9"/>
     <p:sldId id="293" r:id="rId10"/>
     <p:sldId id="294" r:id="rId11"/>
+    <p:sldId id="297" r:id="rId12"/>
   </p:sldIdLst>
   <p:sldSz cx="12192000" cy="6858000"/>
   <p:notesSz cx="6858000" cy="9144000"/>
@@ -541,7 +542,7 @@
           <a:p>
             <a:fld id="{56F9D65D-073B-7846-A770-D643C4EB6194}" type="datetimeFigureOut">
               <a:rPr kumimoji="1" lang="ja-JP" altLang="en-US" smtClean="0"/>
-              <a:t>2022/11/1</a:t>
+              <a:t>2022/11/4</a:t>
             </a:fld>
             <a:endParaRPr kumimoji="1" lang="ja-JP" altLang="en-US"/>
           </a:p>
@@ -1239,7 +1240,7 @@
           <a:p>
             <a:fld id="{E4245ECD-3E8A-534F-BCF2-3F40B55B6962}" type="datetimeFigureOut">
               <a:rPr kumimoji="1" lang="ja-JP" altLang="en-US" smtClean="0"/>
-              <a:t>2022/11/1</a:t>
+              <a:t>2022/11/4</a:t>
             </a:fld>
             <a:endParaRPr kumimoji="1" lang="ja-JP" altLang="en-US"/>
           </a:p>
@@ -1469,7 +1470,7 @@
           <a:p>
             <a:fld id="{E4245ECD-3E8A-534F-BCF2-3F40B55B6962}" type="datetimeFigureOut">
               <a:rPr kumimoji="1" lang="ja-JP" altLang="en-US" smtClean="0"/>
-              <a:t>2022/11/1</a:t>
+              <a:t>2022/11/4</a:t>
             </a:fld>
             <a:endParaRPr kumimoji="1" lang="ja-JP" altLang="en-US"/>
           </a:p>
@@ -1709,7 +1710,7 @@
           <a:p>
             <a:fld id="{E4245ECD-3E8A-534F-BCF2-3F40B55B6962}" type="datetimeFigureOut">
               <a:rPr kumimoji="1" lang="ja-JP" altLang="en-US" smtClean="0"/>
-              <a:t>2022/11/1</a:t>
+              <a:t>2022/11/4</a:t>
             </a:fld>
             <a:endParaRPr kumimoji="1" lang="ja-JP" altLang="en-US"/>
           </a:p>
@@ -1939,7 +1940,7 @@
           <a:p>
             <a:fld id="{E4245ECD-3E8A-534F-BCF2-3F40B55B6962}" type="datetimeFigureOut">
               <a:rPr kumimoji="1" lang="ja-JP" altLang="en-US" smtClean="0"/>
-              <a:t>2022/11/1</a:t>
+              <a:t>2022/11/4</a:t>
             </a:fld>
             <a:endParaRPr kumimoji="1" lang="ja-JP" altLang="en-US"/>
           </a:p>
@@ -2214,7 +2215,7 @@
           <a:p>
             <a:fld id="{E4245ECD-3E8A-534F-BCF2-3F40B55B6962}" type="datetimeFigureOut">
               <a:rPr kumimoji="1" lang="ja-JP" altLang="en-US" smtClean="0"/>
-              <a:t>2022/11/1</a:t>
+              <a:t>2022/11/4</a:t>
             </a:fld>
             <a:endParaRPr kumimoji="1" lang="ja-JP" altLang="en-US"/>
           </a:p>
@@ -2543,7 +2544,7 @@
           <a:p>
             <a:fld id="{E4245ECD-3E8A-534F-BCF2-3F40B55B6962}" type="datetimeFigureOut">
               <a:rPr kumimoji="1" lang="ja-JP" altLang="en-US" smtClean="0"/>
-              <a:t>2022/11/1</a:t>
+              <a:t>2022/11/4</a:t>
             </a:fld>
             <a:endParaRPr kumimoji="1" lang="ja-JP" altLang="en-US"/>
           </a:p>
@@ -3019,7 +3020,7 @@
           <a:p>
             <a:fld id="{E4245ECD-3E8A-534F-BCF2-3F40B55B6962}" type="datetimeFigureOut">
               <a:rPr kumimoji="1" lang="ja-JP" altLang="en-US" smtClean="0"/>
-              <a:t>2022/11/1</a:t>
+              <a:t>2022/11/4</a:t>
             </a:fld>
             <a:endParaRPr kumimoji="1" lang="ja-JP" altLang="en-US"/>
           </a:p>
@@ -3160,7 +3161,7 @@
           <a:p>
             <a:fld id="{E4245ECD-3E8A-534F-BCF2-3F40B55B6962}" type="datetimeFigureOut">
               <a:rPr kumimoji="1" lang="ja-JP" altLang="en-US" smtClean="0"/>
-              <a:t>2022/11/1</a:t>
+              <a:t>2022/11/4</a:t>
             </a:fld>
             <a:endParaRPr kumimoji="1" lang="ja-JP" altLang="en-US"/>
           </a:p>
@@ -3273,7 +3274,7 @@
           <a:p>
             <a:fld id="{E4245ECD-3E8A-534F-BCF2-3F40B55B6962}" type="datetimeFigureOut">
               <a:rPr kumimoji="1" lang="ja-JP" altLang="en-US" smtClean="0"/>
-              <a:t>2022/11/1</a:t>
+              <a:t>2022/11/4</a:t>
             </a:fld>
             <a:endParaRPr kumimoji="1" lang="ja-JP" altLang="en-US"/>
           </a:p>
@@ -3616,7 +3617,7 @@
           <a:p>
             <a:fld id="{E4245ECD-3E8A-534F-BCF2-3F40B55B6962}" type="datetimeFigureOut">
               <a:rPr kumimoji="1" lang="ja-JP" altLang="en-US" smtClean="0"/>
-              <a:t>2022/11/1</a:t>
+              <a:t>2022/11/4</a:t>
             </a:fld>
             <a:endParaRPr kumimoji="1" lang="ja-JP" altLang="en-US"/>
           </a:p>
@@ -3904,7 +3905,7 @@
           <a:p>
             <a:fld id="{E4245ECD-3E8A-534F-BCF2-3F40B55B6962}" type="datetimeFigureOut">
               <a:rPr kumimoji="1" lang="ja-JP" altLang="en-US" smtClean="0"/>
-              <a:t>2022/11/1</a:t>
+              <a:t>2022/11/4</a:t>
             </a:fld>
             <a:endParaRPr kumimoji="1" lang="ja-JP" altLang="en-US"/>
           </a:p>
@@ -4177,7 +4178,7 @@
           <a:p>
             <a:fld id="{E4245ECD-3E8A-534F-BCF2-3F40B55B6962}" type="datetimeFigureOut">
               <a:rPr kumimoji="1" lang="ja-JP" altLang="en-US" smtClean="0"/>
-              <a:t>2022/11/1</a:t>
+              <a:t>2022/11/4</a:t>
             </a:fld>
             <a:endParaRPr kumimoji="1" lang="ja-JP" altLang="en-US"/>
           </a:p>
@@ -4843,6 +4844,262 @@
     <p:extLst>
       <p:ext uri="{BB962C8B-B14F-4D97-AF65-F5344CB8AC3E}">
         <p14:creationId xmlns:p14="http://schemas.microsoft.com/office/powerpoint/2010/main" val="487569456"/>
+      </p:ext>
+    </p:extLst>
+  </p:cSld>
+  <p:clrMapOvr>
+    <a:masterClrMapping/>
+  </p:clrMapOvr>
+</p:sld>
+</file>
+
+<file path=ppt/slides/slide11.xml><?xml version="1.0" encoding="utf-8"?>
+<p:sld xmlns:a="http://schemas.openxmlformats.org/drawingml/2006/main" xmlns:r="http://schemas.openxmlformats.org/officeDocument/2006/relationships" xmlns:p="http://schemas.openxmlformats.org/presentationml/2006/main">
+  <p:cSld>
+    <p:spTree>
+      <p:nvGrpSpPr>
+        <p:cNvPr id="1" name=""/>
+        <p:cNvGrpSpPr/>
+        <p:nvPr/>
+      </p:nvGrpSpPr>
+      <p:grpSpPr>
+        <a:xfrm>
+          <a:off x="0" y="0"/>
+          <a:ext cx="0" cy="0"/>
+          <a:chOff x="0" y="0"/>
+          <a:chExt cx="0" cy="0"/>
+        </a:xfrm>
+      </p:grpSpPr>
+      <p:sp>
+        <p:nvSpPr>
+          <p:cNvPr id="2" name="タイトル 1">
+            <a:extLst>
+              <a:ext uri="{FF2B5EF4-FFF2-40B4-BE49-F238E27FC236}">
+                <a16:creationId xmlns:a16="http://schemas.microsoft.com/office/drawing/2014/main" id="{623612D0-D76F-C74E-891A-707A6005D165}"/>
+              </a:ext>
+            </a:extLst>
+          </p:cNvPr>
+          <p:cNvSpPr>
+            <a:spLocks noGrp="1"/>
+          </p:cNvSpPr>
+          <p:nvPr>
+            <p:ph type="title"/>
+          </p:nvPr>
+        </p:nvSpPr>
+        <p:spPr/>
+        <p:txBody>
+          <a:bodyPr/>
+          <a:lstStyle/>
+          <a:p>
+            <a:r>
+              <a:rPr lang="ja-JP" altLang="en-US"/>
+              <a:t>やってみよう！</a:t>
+            </a:r>
+            <a:endParaRPr lang="en-US" altLang="ja-JP" dirty="0"/>
+          </a:p>
+        </p:txBody>
+      </p:sp>
+      <p:sp>
+        <p:nvSpPr>
+          <p:cNvPr id="3" name="コンテンツ プレースホルダー 2">
+            <a:extLst>
+              <a:ext uri="{FF2B5EF4-FFF2-40B4-BE49-F238E27FC236}">
+                <a16:creationId xmlns:a16="http://schemas.microsoft.com/office/drawing/2014/main" id="{DB2B9403-9C69-B247-888D-FFFF16D2A69C}"/>
+              </a:ext>
+            </a:extLst>
+          </p:cNvPr>
+          <p:cNvSpPr>
+            <a:spLocks noGrp="1"/>
+          </p:cNvSpPr>
+          <p:nvPr>
+            <p:ph idx="1"/>
+          </p:nvPr>
+        </p:nvSpPr>
+        <p:spPr/>
+        <p:txBody>
+          <a:bodyPr>
+            <a:normAutofit fontScale="92500" lnSpcReduction="10000"/>
+          </a:bodyPr>
+          <a:lstStyle/>
+          <a:p>
+            <a:r>
+              <a:rPr lang="ja-JP" altLang="en-US"/>
+              <a:t>第</a:t>
+            </a:r>
+            <a:r>
+              <a:rPr lang="en-US" altLang="ja-JP" dirty="0"/>
+              <a:t>12</a:t>
+            </a:r>
+            <a:r>
+              <a:rPr lang="ja-JP" altLang="en-US"/>
+              <a:t>回で作成した船・温度ごとの漁獲と同様のデータセット</a:t>
+            </a:r>
+            <a:r>
+              <a:rPr lang="en-US" altLang="ja-JP" dirty="0"/>
+              <a:t>catch_data2.csv</a:t>
+            </a:r>
+            <a:r>
+              <a:rPr lang="ja-JP" altLang="en-US"/>
+              <a:t>を読み込んで、</a:t>
+            </a:r>
+            <a:r>
+              <a:rPr lang="en-US" altLang="ja-JP" dirty="0"/>
+              <a:t>GLM</a:t>
+            </a:r>
+            <a:r>
+              <a:rPr lang="ja-JP" altLang="en-US"/>
+              <a:t>実行．</a:t>
+            </a:r>
+            <a:endParaRPr lang="en-US" altLang="ja-JP" dirty="0"/>
+          </a:p>
+          <a:p>
+            <a:pPr lvl="1"/>
+            <a:r>
+              <a:rPr lang="ja-JP" altLang="en-US"/>
+              <a:t>漁獲は量でなく頭数になっているので誤差構造にポアソン分布、リンク関数を</a:t>
+            </a:r>
+            <a:r>
+              <a:rPr lang="en-US" altLang="ja-JP" dirty="0"/>
+              <a:t>log</a:t>
+            </a:r>
+            <a:r>
+              <a:rPr lang="ja-JP" altLang="en-US"/>
+              <a:t>として解析．</a:t>
+            </a:r>
+            <a:endParaRPr lang="en-US" altLang="ja-JP" dirty="0"/>
+          </a:p>
+          <a:p>
+            <a:pPr lvl="1"/>
+            <a:endParaRPr lang="en-US" altLang="ja-JP" dirty="0"/>
+          </a:p>
+          <a:p>
+            <a:r>
+              <a:rPr lang="ja-JP" altLang="en-US"/>
+              <a:t>目的変数を漁獲、説明変数を船・温度・操業場所として</a:t>
+            </a:r>
+            <a:r>
+              <a:rPr lang="en-US" altLang="ja-JP" dirty="0"/>
+              <a:t>GLM</a:t>
+            </a:r>
+            <a:r>
+              <a:rPr lang="ja-JP" altLang="en-US"/>
+              <a:t>実行．</a:t>
+            </a:r>
+            <a:endParaRPr lang="en-US" altLang="ja-JP" dirty="0"/>
+          </a:p>
+          <a:p>
+            <a:pPr lvl="1"/>
+            <a:r>
+              <a:rPr lang="ja-JP" altLang="en-US"/>
+              <a:t>操業場所の推定係数は安定してそうか推定値に対して推定の誤差は大きくないか？大きすぎると統計量</a:t>
+            </a:r>
+            <a:r>
+              <a:rPr lang="en-US" altLang="ja-JP" dirty="0"/>
+              <a:t>z</a:t>
+            </a:r>
+            <a:r>
+              <a:rPr lang="ja-JP" altLang="en-US"/>
+              <a:t>が小さくて有意水準</a:t>
+            </a:r>
+            <a:r>
+              <a:rPr lang="en-US" altLang="ja-JP" dirty="0"/>
+              <a:t>0.05</a:t>
+            </a:r>
+            <a:r>
+              <a:rPr lang="ja-JP" altLang="en-US"/>
+              <a:t>を超えるものも出てくる．あるいはそもそも操業場所ごとのデータ数が少なくないか？</a:t>
+            </a:r>
+            <a:endParaRPr lang="en-US" altLang="ja-JP" dirty="0"/>
+          </a:p>
+          <a:p>
+            <a:pPr lvl="1"/>
+            <a:r>
+              <a:rPr lang="ja-JP" altLang="en-US">
+                <a:solidFill>
+                  <a:srgbClr val="FF0000"/>
+                </a:solidFill>
+              </a:rPr>
+              <a:t>検定統計量</a:t>
+            </a:r>
+            <a:r>
+              <a:rPr lang="en-US" altLang="ja-JP" dirty="0">
+                <a:solidFill>
+                  <a:srgbClr val="FF0000"/>
+                </a:solidFill>
+              </a:rPr>
+              <a:t>z</a:t>
+            </a:r>
+            <a:r>
+              <a:rPr lang="ja-JP" altLang="en-US">
+                <a:solidFill>
+                  <a:srgbClr val="FF0000"/>
+                </a:solidFill>
+              </a:rPr>
+              <a:t>をもちいた</a:t>
+            </a:r>
+            <a:r>
+              <a:rPr lang="en-US" altLang="ja-JP" dirty="0">
+                <a:solidFill>
+                  <a:srgbClr val="FF0000"/>
+                </a:solidFill>
+              </a:rPr>
+              <a:t>Wald</a:t>
+            </a:r>
+            <a:r>
+              <a:rPr lang="ja-JP" altLang="en-US">
+                <a:solidFill>
+                  <a:srgbClr val="FF0000"/>
+                </a:solidFill>
+              </a:rPr>
+              <a:t>検定はサンプルサイズが小さいと推定の標準誤差の信頼性が低くなる</a:t>
+            </a:r>
+            <a:endParaRPr lang="en-US" altLang="ja-JP" dirty="0">
+              <a:solidFill>
+                <a:srgbClr val="FF0000"/>
+              </a:solidFill>
+            </a:endParaRPr>
+          </a:p>
+          <a:p>
+            <a:pPr lvl="1"/>
+            <a:r>
+              <a:rPr lang="ja-JP" altLang="en-US">
+                <a:solidFill>
+                  <a:srgbClr val="FF0000"/>
+                </a:solidFill>
+              </a:rPr>
+              <a:t>カテゴリ変数を含んだ場合、切片となる係数との兼ね合いで</a:t>
+            </a:r>
+            <a:r>
+              <a:rPr lang="en-US" altLang="ja-JP" dirty="0">
+                <a:solidFill>
+                  <a:srgbClr val="FF0000"/>
+                </a:solidFill>
+              </a:rPr>
+              <a:t>p</a:t>
+            </a:r>
+            <a:r>
+              <a:rPr lang="ja-JP" altLang="en-US">
+                <a:solidFill>
+                  <a:srgbClr val="FF0000"/>
+                </a:solidFill>
+              </a:rPr>
+              <a:t>値が左右されることがある</a:t>
+            </a:r>
+            <a:endParaRPr lang="en-US" altLang="ja-JP" dirty="0">
+              <a:solidFill>
+                <a:srgbClr val="FF0000"/>
+              </a:solidFill>
+            </a:endParaRPr>
+          </a:p>
+          <a:p>
+            <a:endParaRPr kumimoji="1" lang="ja-JP" altLang="en-US"/>
+          </a:p>
+        </p:txBody>
+      </p:sp>
+    </p:spTree>
+    <p:extLst>
+      <p:ext uri="{BB962C8B-B14F-4D97-AF65-F5344CB8AC3E}">
+        <p14:creationId xmlns:p14="http://schemas.microsoft.com/office/powerpoint/2010/main" val="524437558"/>
       </p:ext>
     </p:extLst>
   </p:cSld>

--- a/R/スライド/第27回.pptx
+++ b/R/スライド/第27回.pptx
@@ -542,7 +542,7 @@
           <a:p>
             <a:fld id="{56F9D65D-073B-7846-A770-D643C4EB6194}" type="datetimeFigureOut">
               <a:rPr kumimoji="1" lang="ja-JP" altLang="en-US" smtClean="0"/>
-              <a:t>2022/11/4</a:t>
+              <a:t>2022/11/14</a:t>
             </a:fld>
             <a:endParaRPr kumimoji="1" lang="ja-JP" altLang="en-US"/>
           </a:p>
@@ -1240,7 +1240,7 @@
           <a:p>
             <a:fld id="{E4245ECD-3E8A-534F-BCF2-3F40B55B6962}" type="datetimeFigureOut">
               <a:rPr kumimoji="1" lang="ja-JP" altLang="en-US" smtClean="0"/>
-              <a:t>2022/11/4</a:t>
+              <a:t>2022/11/14</a:t>
             </a:fld>
             <a:endParaRPr kumimoji="1" lang="ja-JP" altLang="en-US"/>
           </a:p>
@@ -1470,7 +1470,7 @@
           <a:p>
             <a:fld id="{E4245ECD-3E8A-534F-BCF2-3F40B55B6962}" type="datetimeFigureOut">
               <a:rPr kumimoji="1" lang="ja-JP" altLang="en-US" smtClean="0"/>
-              <a:t>2022/11/4</a:t>
+              <a:t>2022/11/14</a:t>
             </a:fld>
             <a:endParaRPr kumimoji="1" lang="ja-JP" altLang="en-US"/>
           </a:p>
@@ -1710,7 +1710,7 @@
           <a:p>
             <a:fld id="{E4245ECD-3E8A-534F-BCF2-3F40B55B6962}" type="datetimeFigureOut">
               <a:rPr kumimoji="1" lang="ja-JP" altLang="en-US" smtClean="0"/>
-              <a:t>2022/11/4</a:t>
+              <a:t>2022/11/14</a:t>
             </a:fld>
             <a:endParaRPr kumimoji="1" lang="ja-JP" altLang="en-US"/>
           </a:p>
@@ -1940,7 +1940,7 @@
           <a:p>
             <a:fld id="{E4245ECD-3E8A-534F-BCF2-3F40B55B6962}" type="datetimeFigureOut">
               <a:rPr kumimoji="1" lang="ja-JP" altLang="en-US" smtClean="0"/>
-              <a:t>2022/11/4</a:t>
+              <a:t>2022/11/14</a:t>
             </a:fld>
             <a:endParaRPr kumimoji="1" lang="ja-JP" altLang="en-US"/>
           </a:p>
@@ -2215,7 +2215,7 @@
           <a:p>
             <a:fld id="{E4245ECD-3E8A-534F-BCF2-3F40B55B6962}" type="datetimeFigureOut">
               <a:rPr kumimoji="1" lang="ja-JP" altLang="en-US" smtClean="0"/>
-              <a:t>2022/11/4</a:t>
+              <a:t>2022/11/14</a:t>
             </a:fld>
             <a:endParaRPr kumimoji="1" lang="ja-JP" altLang="en-US"/>
           </a:p>
@@ -2544,7 +2544,7 @@
           <a:p>
             <a:fld id="{E4245ECD-3E8A-534F-BCF2-3F40B55B6962}" type="datetimeFigureOut">
               <a:rPr kumimoji="1" lang="ja-JP" altLang="en-US" smtClean="0"/>
-              <a:t>2022/11/4</a:t>
+              <a:t>2022/11/14</a:t>
             </a:fld>
             <a:endParaRPr kumimoji="1" lang="ja-JP" altLang="en-US"/>
           </a:p>
@@ -3020,7 +3020,7 @@
           <a:p>
             <a:fld id="{E4245ECD-3E8A-534F-BCF2-3F40B55B6962}" type="datetimeFigureOut">
               <a:rPr kumimoji="1" lang="ja-JP" altLang="en-US" smtClean="0"/>
-              <a:t>2022/11/4</a:t>
+              <a:t>2022/11/14</a:t>
             </a:fld>
             <a:endParaRPr kumimoji="1" lang="ja-JP" altLang="en-US"/>
           </a:p>
@@ -3161,7 +3161,7 @@
           <a:p>
             <a:fld id="{E4245ECD-3E8A-534F-BCF2-3F40B55B6962}" type="datetimeFigureOut">
               <a:rPr kumimoji="1" lang="ja-JP" altLang="en-US" smtClean="0"/>
-              <a:t>2022/11/4</a:t>
+              <a:t>2022/11/14</a:t>
             </a:fld>
             <a:endParaRPr kumimoji="1" lang="ja-JP" altLang="en-US"/>
           </a:p>
@@ -3274,7 +3274,7 @@
           <a:p>
             <a:fld id="{E4245ECD-3E8A-534F-BCF2-3F40B55B6962}" type="datetimeFigureOut">
               <a:rPr kumimoji="1" lang="ja-JP" altLang="en-US" smtClean="0"/>
-              <a:t>2022/11/4</a:t>
+              <a:t>2022/11/14</a:t>
             </a:fld>
             <a:endParaRPr kumimoji="1" lang="ja-JP" altLang="en-US"/>
           </a:p>
@@ -3617,7 +3617,7 @@
           <a:p>
             <a:fld id="{E4245ECD-3E8A-534F-BCF2-3F40B55B6962}" type="datetimeFigureOut">
               <a:rPr kumimoji="1" lang="ja-JP" altLang="en-US" smtClean="0"/>
-              <a:t>2022/11/4</a:t>
+              <a:t>2022/11/14</a:t>
             </a:fld>
             <a:endParaRPr kumimoji="1" lang="ja-JP" altLang="en-US"/>
           </a:p>
@@ -3905,7 +3905,7 @@
           <a:p>
             <a:fld id="{E4245ECD-3E8A-534F-BCF2-3F40B55B6962}" type="datetimeFigureOut">
               <a:rPr kumimoji="1" lang="ja-JP" altLang="en-US" smtClean="0"/>
-              <a:t>2022/11/4</a:t>
+              <a:t>2022/11/14</a:t>
             </a:fld>
             <a:endParaRPr kumimoji="1" lang="ja-JP" altLang="en-US"/>
           </a:p>
@@ -4178,7 +4178,7 @@
           <a:p>
             <a:fld id="{E4245ECD-3E8A-534F-BCF2-3F40B55B6962}" type="datetimeFigureOut">
               <a:rPr kumimoji="1" lang="ja-JP" altLang="en-US" smtClean="0"/>
-              <a:t>2022/11/4</a:t>
+              <a:t>2022/11/14</a:t>
             </a:fld>
             <a:endParaRPr kumimoji="1" lang="ja-JP" altLang="en-US"/>
           </a:p>
@@ -4780,7 +4780,7 @@
             <a:pPr lvl="1"/>
             <a:r>
               <a:rPr lang="ja-JP" altLang="en-US"/>
-              <a:t>漁獲は量でなく頭数になっているので誤差構造にポアソン分布、リンク関数を</a:t>
+              <a:t>漁獲は量でなく尾数になっているので誤差構造にポアソン分布、リンク関数を</a:t>
             </a:r>
             <a:r>
               <a:rPr lang="en-US" altLang="ja-JP" dirty="0"/>
@@ -4956,7 +4956,7 @@
             <a:pPr lvl="1"/>
             <a:r>
               <a:rPr lang="ja-JP" altLang="en-US"/>
-              <a:t>漁獲は量でなく頭数になっているので誤差構造にポアソン分布、リンク関数を</a:t>
+              <a:t>漁獲は量でなく尾数になっているので誤差構造にポアソン分布、リンク関数を</a:t>
             </a:r>
             <a:r>
               <a:rPr lang="en-US" altLang="ja-JP" dirty="0"/>

--- a/R/スライド/第27回.pptx
+++ b/R/スライド/第27回.pptx
@@ -5,7 +5,7 @@
     <p:sldMasterId id="2147483648" r:id="rId1"/>
   </p:sldMasterIdLst>
   <p:notesMasterIdLst>
-    <p:notesMasterId r:id="rId13"/>
+    <p:notesMasterId r:id="rId12"/>
   </p:notesMasterIdLst>
   <p:sldIdLst>
     <p:sldId id="257" r:id="rId2"/>
@@ -18,7 +18,6 @@
     <p:sldId id="291" r:id="rId9"/>
     <p:sldId id="293" r:id="rId10"/>
     <p:sldId id="294" r:id="rId11"/>
-    <p:sldId id="297" r:id="rId12"/>
   </p:sldIdLst>
   <p:sldSz cx="12192000" cy="6858000"/>
   <p:notesSz cx="6858000" cy="9144000"/>
@@ -542,7 +541,7 @@
           <a:p>
             <a:fld id="{56F9D65D-073B-7846-A770-D643C4EB6194}" type="datetimeFigureOut">
               <a:rPr kumimoji="1" lang="ja-JP" altLang="en-US" smtClean="0"/>
-              <a:t>2022/11/14</a:t>
+              <a:t>2022/11/23</a:t>
             </a:fld>
             <a:endParaRPr kumimoji="1" lang="ja-JP" altLang="en-US"/>
           </a:p>
@@ -1240,7 +1239,7 @@
           <a:p>
             <a:fld id="{E4245ECD-3E8A-534F-BCF2-3F40B55B6962}" type="datetimeFigureOut">
               <a:rPr kumimoji="1" lang="ja-JP" altLang="en-US" smtClean="0"/>
-              <a:t>2022/11/14</a:t>
+              <a:t>2022/11/23</a:t>
             </a:fld>
             <a:endParaRPr kumimoji="1" lang="ja-JP" altLang="en-US"/>
           </a:p>
@@ -1470,7 +1469,7 @@
           <a:p>
             <a:fld id="{E4245ECD-3E8A-534F-BCF2-3F40B55B6962}" type="datetimeFigureOut">
               <a:rPr kumimoji="1" lang="ja-JP" altLang="en-US" smtClean="0"/>
-              <a:t>2022/11/14</a:t>
+              <a:t>2022/11/23</a:t>
             </a:fld>
             <a:endParaRPr kumimoji="1" lang="ja-JP" altLang="en-US"/>
           </a:p>
@@ -1710,7 +1709,7 @@
           <a:p>
             <a:fld id="{E4245ECD-3E8A-534F-BCF2-3F40B55B6962}" type="datetimeFigureOut">
               <a:rPr kumimoji="1" lang="ja-JP" altLang="en-US" smtClean="0"/>
-              <a:t>2022/11/14</a:t>
+              <a:t>2022/11/23</a:t>
             </a:fld>
             <a:endParaRPr kumimoji="1" lang="ja-JP" altLang="en-US"/>
           </a:p>
@@ -1940,7 +1939,7 @@
           <a:p>
             <a:fld id="{E4245ECD-3E8A-534F-BCF2-3F40B55B6962}" type="datetimeFigureOut">
               <a:rPr kumimoji="1" lang="ja-JP" altLang="en-US" smtClean="0"/>
-              <a:t>2022/11/14</a:t>
+              <a:t>2022/11/23</a:t>
             </a:fld>
             <a:endParaRPr kumimoji="1" lang="ja-JP" altLang="en-US"/>
           </a:p>
@@ -2215,7 +2214,7 @@
           <a:p>
             <a:fld id="{E4245ECD-3E8A-534F-BCF2-3F40B55B6962}" type="datetimeFigureOut">
               <a:rPr kumimoji="1" lang="ja-JP" altLang="en-US" smtClean="0"/>
-              <a:t>2022/11/14</a:t>
+              <a:t>2022/11/23</a:t>
             </a:fld>
             <a:endParaRPr kumimoji="1" lang="ja-JP" altLang="en-US"/>
           </a:p>
@@ -2544,7 +2543,7 @@
           <a:p>
             <a:fld id="{E4245ECD-3E8A-534F-BCF2-3F40B55B6962}" type="datetimeFigureOut">
               <a:rPr kumimoji="1" lang="ja-JP" altLang="en-US" smtClean="0"/>
-              <a:t>2022/11/14</a:t>
+              <a:t>2022/11/23</a:t>
             </a:fld>
             <a:endParaRPr kumimoji="1" lang="ja-JP" altLang="en-US"/>
           </a:p>
@@ -3020,7 +3019,7 @@
           <a:p>
             <a:fld id="{E4245ECD-3E8A-534F-BCF2-3F40B55B6962}" type="datetimeFigureOut">
               <a:rPr kumimoji="1" lang="ja-JP" altLang="en-US" smtClean="0"/>
-              <a:t>2022/11/14</a:t>
+              <a:t>2022/11/23</a:t>
             </a:fld>
             <a:endParaRPr kumimoji="1" lang="ja-JP" altLang="en-US"/>
           </a:p>
@@ -3161,7 +3160,7 @@
           <a:p>
             <a:fld id="{E4245ECD-3E8A-534F-BCF2-3F40B55B6962}" type="datetimeFigureOut">
               <a:rPr kumimoji="1" lang="ja-JP" altLang="en-US" smtClean="0"/>
-              <a:t>2022/11/14</a:t>
+              <a:t>2022/11/23</a:t>
             </a:fld>
             <a:endParaRPr kumimoji="1" lang="ja-JP" altLang="en-US"/>
           </a:p>
@@ -3274,7 +3273,7 @@
           <a:p>
             <a:fld id="{E4245ECD-3E8A-534F-BCF2-3F40B55B6962}" type="datetimeFigureOut">
               <a:rPr kumimoji="1" lang="ja-JP" altLang="en-US" smtClean="0"/>
-              <a:t>2022/11/14</a:t>
+              <a:t>2022/11/23</a:t>
             </a:fld>
             <a:endParaRPr kumimoji="1" lang="ja-JP" altLang="en-US"/>
           </a:p>
@@ -3617,7 +3616,7 @@
           <a:p>
             <a:fld id="{E4245ECD-3E8A-534F-BCF2-3F40B55B6962}" type="datetimeFigureOut">
               <a:rPr kumimoji="1" lang="ja-JP" altLang="en-US" smtClean="0"/>
-              <a:t>2022/11/14</a:t>
+              <a:t>2022/11/23</a:t>
             </a:fld>
             <a:endParaRPr kumimoji="1" lang="ja-JP" altLang="en-US"/>
           </a:p>
@@ -3905,7 +3904,7 @@
           <a:p>
             <a:fld id="{E4245ECD-3E8A-534F-BCF2-3F40B55B6962}" type="datetimeFigureOut">
               <a:rPr kumimoji="1" lang="ja-JP" altLang="en-US" smtClean="0"/>
-              <a:t>2022/11/14</a:t>
+              <a:t>2022/11/23</a:t>
             </a:fld>
             <a:endParaRPr kumimoji="1" lang="ja-JP" altLang="en-US"/>
           </a:p>
@@ -4178,7 +4177,7 @@
           <a:p>
             <a:fld id="{E4245ECD-3E8A-534F-BCF2-3F40B55B6962}" type="datetimeFigureOut">
               <a:rPr kumimoji="1" lang="ja-JP" altLang="en-US" smtClean="0"/>
-              <a:t>2022/11/14</a:t>
+              <a:t>2022/11/23</a:t>
             </a:fld>
             <a:endParaRPr kumimoji="1" lang="ja-JP" altLang="en-US"/>
           </a:p>
@@ -4844,262 +4843,6 @@
     <p:extLst>
       <p:ext uri="{BB962C8B-B14F-4D97-AF65-F5344CB8AC3E}">
         <p14:creationId xmlns:p14="http://schemas.microsoft.com/office/powerpoint/2010/main" val="487569456"/>
-      </p:ext>
-    </p:extLst>
-  </p:cSld>
-  <p:clrMapOvr>
-    <a:masterClrMapping/>
-  </p:clrMapOvr>
-</p:sld>
-</file>
-
-<file path=ppt/slides/slide11.xml><?xml version="1.0" encoding="utf-8"?>
-<p:sld xmlns:a="http://schemas.openxmlformats.org/drawingml/2006/main" xmlns:r="http://schemas.openxmlformats.org/officeDocument/2006/relationships" xmlns:p="http://schemas.openxmlformats.org/presentationml/2006/main">
-  <p:cSld>
-    <p:spTree>
-      <p:nvGrpSpPr>
-        <p:cNvPr id="1" name=""/>
-        <p:cNvGrpSpPr/>
-        <p:nvPr/>
-      </p:nvGrpSpPr>
-      <p:grpSpPr>
-        <a:xfrm>
-          <a:off x="0" y="0"/>
-          <a:ext cx="0" cy="0"/>
-          <a:chOff x="0" y="0"/>
-          <a:chExt cx="0" cy="0"/>
-        </a:xfrm>
-      </p:grpSpPr>
-      <p:sp>
-        <p:nvSpPr>
-          <p:cNvPr id="2" name="タイトル 1">
-            <a:extLst>
-              <a:ext uri="{FF2B5EF4-FFF2-40B4-BE49-F238E27FC236}">
-                <a16:creationId xmlns:a16="http://schemas.microsoft.com/office/drawing/2014/main" id="{623612D0-D76F-C74E-891A-707A6005D165}"/>
-              </a:ext>
-            </a:extLst>
-          </p:cNvPr>
-          <p:cNvSpPr>
-            <a:spLocks noGrp="1"/>
-          </p:cNvSpPr>
-          <p:nvPr>
-            <p:ph type="title"/>
-          </p:nvPr>
-        </p:nvSpPr>
-        <p:spPr/>
-        <p:txBody>
-          <a:bodyPr/>
-          <a:lstStyle/>
-          <a:p>
-            <a:r>
-              <a:rPr lang="ja-JP" altLang="en-US"/>
-              <a:t>やってみよう！</a:t>
-            </a:r>
-            <a:endParaRPr lang="en-US" altLang="ja-JP" dirty="0"/>
-          </a:p>
-        </p:txBody>
-      </p:sp>
-      <p:sp>
-        <p:nvSpPr>
-          <p:cNvPr id="3" name="コンテンツ プレースホルダー 2">
-            <a:extLst>
-              <a:ext uri="{FF2B5EF4-FFF2-40B4-BE49-F238E27FC236}">
-                <a16:creationId xmlns:a16="http://schemas.microsoft.com/office/drawing/2014/main" id="{DB2B9403-9C69-B247-888D-FFFF16D2A69C}"/>
-              </a:ext>
-            </a:extLst>
-          </p:cNvPr>
-          <p:cNvSpPr>
-            <a:spLocks noGrp="1"/>
-          </p:cNvSpPr>
-          <p:nvPr>
-            <p:ph idx="1"/>
-          </p:nvPr>
-        </p:nvSpPr>
-        <p:spPr/>
-        <p:txBody>
-          <a:bodyPr>
-            <a:normAutofit fontScale="92500" lnSpcReduction="10000"/>
-          </a:bodyPr>
-          <a:lstStyle/>
-          <a:p>
-            <a:r>
-              <a:rPr lang="ja-JP" altLang="en-US"/>
-              <a:t>第</a:t>
-            </a:r>
-            <a:r>
-              <a:rPr lang="en-US" altLang="ja-JP" dirty="0"/>
-              <a:t>12</a:t>
-            </a:r>
-            <a:r>
-              <a:rPr lang="ja-JP" altLang="en-US"/>
-              <a:t>回で作成した船・温度ごとの漁獲と同様のデータセット</a:t>
-            </a:r>
-            <a:r>
-              <a:rPr lang="en-US" altLang="ja-JP" dirty="0"/>
-              <a:t>catch_data2.csv</a:t>
-            </a:r>
-            <a:r>
-              <a:rPr lang="ja-JP" altLang="en-US"/>
-              <a:t>を読み込んで、</a:t>
-            </a:r>
-            <a:r>
-              <a:rPr lang="en-US" altLang="ja-JP" dirty="0"/>
-              <a:t>GLM</a:t>
-            </a:r>
-            <a:r>
-              <a:rPr lang="ja-JP" altLang="en-US"/>
-              <a:t>実行．</a:t>
-            </a:r>
-            <a:endParaRPr lang="en-US" altLang="ja-JP" dirty="0"/>
-          </a:p>
-          <a:p>
-            <a:pPr lvl="1"/>
-            <a:r>
-              <a:rPr lang="ja-JP" altLang="en-US"/>
-              <a:t>漁獲は量でなく尾数になっているので誤差構造にポアソン分布、リンク関数を</a:t>
-            </a:r>
-            <a:r>
-              <a:rPr lang="en-US" altLang="ja-JP" dirty="0"/>
-              <a:t>log</a:t>
-            </a:r>
-            <a:r>
-              <a:rPr lang="ja-JP" altLang="en-US"/>
-              <a:t>として解析．</a:t>
-            </a:r>
-            <a:endParaRPr lang="en-US" altLang="ja-JP" dirty="0"/>
-          </a:p>
-          <a:p>
-            <a:pPr lvl="1"/>
-            <a:endParaRPr lang="en-US" altLang="ja-JP" dirty="0"/>
-          </a:p>
-          <a:p>
-            <a:r>
-              <a:rPr lang="ja-JP" altLang="en-US"/>
-              <a:t>目的変数を漁獲、説明変数を船・温度・操業場所として</a:t>
-            </a:r>
-            <a:r>
-              <a:rPr lang="en-US" altLang="ja-JP" dirty="0"/>
-              <a:t>GLM</a:t>
-            </a:r>
-            <a:r>
-              <a:rPr lang="ja-JP" altLang="en-US"/>
-              <a:t>実行．</a:t>
-            </a:r>
-            <a:endParaRPr lang="en-US" altLang="ja-JP" dirty="0"/>
-          </a:p>
-          <a:p>
-            <a:pPr lvl="1"/>
-            <a:r>
-              <a:rPr lang="ja-JP" altLang="en-US"/>
-              <a:t>操業場所の推定係数は安定してそうか推定値に対して推定の誤差は大きくないか？大きすぎると統計量</a:t>
-            </a:r>
-            <a:r>
-              <a:rPr lang="en-US" altLang="ja-JP" dirty="0"/>
-              <a:t>z</a:t>
-            </a:r>
-            <a:r>
-              <a:rPr lang="ja-JP" altLang="en-US"/>
-              <a:t>が小さくて有意水準</a:t>
-            </a:r>
-            <a:r>
-              <a:rPr lang="en-US" altLang="ja-JP" dirty="0"/>
-              <a:t>0.05</a:t>
-            </a:r>
-            <a:r>
-              <a:rPr lang="ja-JP" altLang="en-US"/>
-              <a:t>を超えるものも出てくる．あるいはそもそも操業場所ごとのデータ数が少なくないか？</a:t>
-            </a:r>
-            <a:endParaRPr lang="en-US" altLang="ja-JP" dirty="0"/>
-          </a:p>
-          <a:p>
-            <a:pPr lvl="1"/>
-            <a:r>
-              <a:rPr lang="ja-JP" altLang="en-US">
-                <a:solidFill>
-                  <a:srgbClr val="FF0000"/>
-                </a:solidFill>
-              </a:rPr>
-              <a:t>検定統計量</a:t>
-            </a:r>
-            <a:r>
-              <a:rPr lang="en-US" altLang="ja-JP" dirty="0">
-                <a:solidFill>
-                  <a:srgbClr val="FF0000"/>
-                </a:solidFill>
-              </a:rPr>
-              <a:t>z</a:t>
-            </a:r>
-            <a:r>
-              <a:rPr lang="ja-JP" altLang="en-US">
-                <a:solidFill>
-                  <a:srgbClr val="FF0000"/>
-                </a:solidFill>
-              </a:rPr>
-              <a:t>をもちいた</a:t>
-            </a:r>
-            <a:r>
-              <a:rPr lang="en-US" altLang="ja-JP" dirty="0">
-                <a:solidFill>
-                  <a:srgbClr val="FF0000"/>
-                </a:solidFill>
-              </a:rPr>
-              <a:t>Wald</a:t>
-            </a:r>
-            <a:r>
-              <a:rPr lang="ja-JP" altLang="en-US">
-                <a:solidFill>
-                  <a:srgbClr val="FF0000"/>
-                </a:solidFill>
-              </a:rPr>
-              <a:t>検定はサンプルサイズが小さいと推定の標準誤差の信頼性が低くなる</a:t>
-            </a:r>
-            <a:endParaRPr lang="en-US" altLang="ja-JP" dirty="0">
-              <a:solidFill>
-                <a:srgbClr val="FF0000"/>
-              </a:solidFill>
-            </a:endParaRPr>
-          </a:p>
-          <a:p>
-            <a:pPr lvl="1"/>
-            <a:r>
-              <a:rPr lang="ja-JP" altLang="en-US">
-                <a:solidFill>
-                  <a:srgbClr val="FF0000"/>
-                </a:solidFill>
-              </a:rPr>
-              <a:t>カテゴリ変数を含んだ場合、切片となる係数との兼ね合いで</a:t>
-            </a:r>
-            <a:r>
-              <a:rPr lang="en-US" altLang="ja-JP" dirty="0">
-                <a:solidFill>
-                  <a:srgbClr val="FF0000"/>
-                </a:solidFill>
-              </a:rPr>
-              <a:t>p</a:t>
-            </a:r>
-            <a:r>
-              <a:rPr lang="ja-JP" altLang="en-US">
-                <a:solidFill>
-                  <a:srgbClr val="FF0000"/>
-                </a:solidFill>
-              </a:rPr>
-              <a:t>値が左右されることがある</a:t>
-            </a:r>
-            <a:endParaRPr lang="en-US" altLang="ja-JP" dirty="0">
-              <a:solidFill>
-                <a:srgbClr val="FF0000"/>
-              </a:solidFill>
-            </a:endParaRPr>
-          </a:p>
-          <a:p>
-            <a:endParaRPr kumimoji="1" lang="ja-JP" altLang="en-US"/>
-          </a:p>
-        </p:txBody>
-      </p:sp>
-    </p:spTree>
-    <p:extLst>
-      <p:ext uri="{BB962C8B-B14F-4D97-AF65-F5344CB8AC3E}">
-        <p14:creationId xmlns:p14="http://schemas.microsoft.com/office/powerpoint/2010/main" val="524437558"/>
       </p:ext>
     </p:extLst>
   </p:cSld>
